--- a/EXCEL/ExcelDataAnalysisFD_Examples/Excel data analysis for dummies Outline.pptx
+++ b/EXCEL/ExcelDataAnalysisFD_Examples/Excel data analysis for dummies Outline.pptx
@@ -5,8 +5,9 @@
     <p:sldMasterId id="2147483648" r:id="rId1"/>
   </p:sldMasterIdLst>
   <p:sldIdLst>
-    <p:sldId id="256" r:id="rId2"/>
-    <p:sldId id="257" r:id="rId3"/>
+    <p:sldId id="258" r:id="rId2"/>
+    <p:sldId id="256" r:id="rId3"/>
+    <p:sldId id="257" r:id="rId4"/>
   </p:sldIdLst>
   <p:sldSz cx="12192000" cy="6858000"/>
   <p:notesSz cx="6858000" cy="9144000"/>
@@ -262,7 +263,7 @@
               <a:rPr lang="en-US" smtClean="0"/>
               <a:t>4/19/19</a:t>
             </a:fld>
-            <a:endParaRPr lang="en-US"/>
+            <a:endParaRPr lang="en-US" dirty="0"/>
           </a:p>
         </p:txBody>
       </p:sp>
@@ -287,7 +288,7 @@
           <a:bodyPr/>
           <a:lstStyle/>
           <a:p>
-            <a:endParaRPr lang="en-US"/>
+            <a:endParaRPr lang="en-US" dirty="0"/>
           </a:p>
         </p:txBody>
       </p:sp>
@@ -316,7 +317,7 @@
               <a:rPr lang="en-US" smtClean="0"/>
               <a:t>‹#›</a:t>
             </a:fld>
-            <a:endParaRPr lang="en-US"/>
+            <a:endParaRPr lang="en-US" dirty="0"/>
           </a:p>
         </p:txBody>
       </p:sp>
@@ -460,7 +461,7 @@
               <a:rPr lang="en-US" smtClean="0"/>
               <a:t>4/19/19</a:t>
             </a:fld>
-            <a:endParaRPr lang="en-US"/>
+            <a:endParaRPr lang="en-US" dirty="0"/>
           </a:p>
         </p:txBody>
       </p:sp>
@@ -485,7 +486,7 @@
           <a:bodyPr/>
           <a:lstStyle/>
           <a:p>
-            <a:endParaRPr lang="en-US"/>
+            <a:endParaRPr lang="en-US" dirty="0"/>
           </a:p>
         </p:txBody>
       </p:sp>
@@ -514,7 +515,7 @@
               <a:rPr lang="en-US" smtClean="0"/>
               <a:t>‹#›</a:t>
             </a:fld>
-            <a:endParaRPr lang="en-US"/>
+            <a:endParaRPr lang="en-US" dirty="0"/>
           </a:p>
         </p:txBody>
       </p:sp>
@@ -668,7 +669,7 @@
               <a:rPr lang="en-US" smtClean="0"/>
               <a:t>4/19/19</a:t>
             </a:fld>
-            <a:endParaRPr lang="en-US"/>
+            <a:endParaRPr lang="en-US" dirty="0"/>
           </a:p>
         </p:txBody>
       </p:sp>
@@ -693,7 +694,7 @@
           <a:bodyPr/>
           <a:lstStyle/>
           <a:p>
-            <a:endParaRPr lang="en-US"/>
+            <a:endParaRPr lang="en-US" dirty="0"/>
           </a:p>
         </p:txBody>
       </p:sp>
@@ -722,7 +723,7 @@
               <a:rPr lang="en-US" smtClean="0"/>
               <a:t>‹#›</a:t>
             </a:fld>
-            <a:endParaRPr lang="en-US"/>
+            <a:endParaRPr lang="en-US" dirty="0"/>
           </a:p>
         </p:txBody>
       </p:sp>
@@ -866,7 +867,7 @@
               <a:rPr lang="en-US" smtClean="0"/>
               <a:t>4/19/19</a:t>
             </a:fld>
-            <a:endParaRPr lang="en-US"/>
+            <a:endParaRPr lang="en-US" dirty="0"/>
           </a:p>
         </p:txBody>
       </p:sp>
@@ -891,7 +892,7 @@
           <a:bodyPr/>
           <a:lstStyle/>
           <a:p>
-            <a:endParaRPr lang="en-US"/>
+            <a:endParaRPr lang="en-US" dirty="0"/>
           </a:p>
         </p:txBody>
       </p:sp>
@@ -920,7 +921,7 @@
               <a:rPr lang="en-US" smtClean="0"/>
               <a:t>‹#›</a:t>
             </a:fld>
-            <a:endParaRPr lang="en-US"/>
+            <a:endParaRPr lang="en-US" dirty="0"/>
           </a:p>
         </p:txBody>
       </p:sp>
@@ -1141,7 +1142,7 @@
               <a:rPr lang="en-US" smtClean="0"/>
               <a:t>4/19/19</a:t>
             </a:fld>
-            <a:endParaRPr lang="en-US"/>
+            <a:endParaRPr lang="en-US" dirty="0"/>
           </a:p>
         </p:txBody>
       </p:sp>
@@ -1166,7 +1167,7 @@
           <a:bodyPr/>
           <a:lstStyle/>
           <a:p>
-            <a:endParaRPr lang="en-US"/>
+            <a:endParaRPr lang="en-US" dirty="0"/>
           </a:p>
         </p:txBody>
       </p:sp>
@@ -1195,7 +1196,7 @@
               <a:rPr lang="en-US" smtClean="0"/>
               <a:t>‹#›</a:t>
             </a:fld>
-            <a:endParaRPr lang="en-US"/>
+            <a:endParaRPr lang="en-US" dirty="0"/>
           </a:p>
         </p:txBody>
       </p:sp>
@@ -1406,7 +1407,7 @@
               <a:rPr lang="en-US" smtClean="0"/>
               <a:t>4/19/19</a:t>
             </a:fld>
-            <a:endParaRPr lang="en-US"/>
+            <a:endParaRPr lang="en-US" dirty="0"/>
           </a:p>
         </p:txBody>
       </p:sp>
@@ -1431,7 +1432,7 @@
           <a:bodyPr/>
           <a:lstStyle/>
           <a:p>
-            <a:endParaRPr lang="en-US"/>
+            <a:endParaRPr lang="en-US" dirty="0"/>
           </a:p>
         </p:txBody>
       </p:sp>
@@ -1460,7 +1461,7 @@
               <a:rPr lang="en-US" smtClean="0"/>
               <a:t>‹#›</a:t>
             </a:fld>
-            <a:endParaRPr lang="en-US"/>
+            <a:endParaRPr lang="en-US" dirty="0"/>
           </a:p>
         </p:txBody>
       </p:sp>
@@ -1818,7 +1819,7 @@
               <a:rPr lang="en-US" smtClean="0"/>
               <a:t>4/19/19</a:t>
             </a:fld>
-            <a:endParaRPr lang="en-US"/>
+            <a:endParaRPr lang="en-US" dirty="0"/>
           </a:p>
         </p:txBody>
       </p:sp>
@@ -1843,7 +1844,7 @@
           <a:bodyPr/>
           <a:lstStyle/>
           <a:p>
-            <a:endParaRPr lang="en-US"/>
+            <a:endParaRPr lang="en-US" dirty="0"/>
           </a:p>
         </p:txBody>
       </p:sp>
@@ -1872,7 +1873,7 @@
               <a:rPr lang="en-US" smtClean="0"/>
               <a:t>‹#›</a:t>
             </a:fld>
-            <a:endParaRPr lang="en-US"/>
+            <a:endParaRPr lang="en-US" dirty="0"/>
           </a:p>
         </p:txBody>
       </p:sp>
@@ -1959,7 +1960,7 @@
               <a:rPr lang="en-US" smtClean="0"/>
               <a:t>4/19/19</a:t>
             </a:fld>
-            <a:endParaRPr lang="en-US"/>
+            <a:endParaRPr lang="en-US" dirty="0"/>
           </a:p>
         </p:txBody>
       </p:sp>
@@ -1984,7 +1985,7 @@
           <a:bodyPr/>
           <a:lstStyle/>
           <a:p>
-            <a:endParaRPr lang="en-US"/>
+            <a:endParaRPr lang="en-US" dirty="0"/>
           </a:p>
         </p:txBody>
       </p:sp>
@@ -2013,7 +2014,7 @@
               <a:rPr lang="en-US" smtClean="0"/>
               <a:t>‹#›</a:t>
             </a:fld>
-            <a:endParaRPr lang="en-US"/>
+            <a:endParaRPr lang="en-US" dirty="0"/>
           </a:p>
         </p:txBody>
       </p:sp>
@@ -2072,7 +2073,7 @@
               <a:rPr lang="en-US" smtClean="0"/>
               <a:t>4/19/19</a:t>
             </a:fld>
-            <a:endParaRPr lang="en-US"/>
+            <a:endParaRPr lang="en-US" dirty="0"/>
           </a:p>
         </p:txBody>
       </p:sp>
@@ -2097,7 +2098,7 @@
           <a:bodyPr/>
           <a:lstStyle/>
           <a:p>
-            <a:endParaRPr lang="en-US"/>
+            <a:endParaRPr lang="en-US" dirty="0"/>
           </a:p>
         </p:txBody>
       </p:sp>
@@ -2126,7 +2127,7 @@
               <a:rPr lang="en-US" smtClean="0"/>
               <a:t>‹#›</a:t>
             </a:fld>
-            <a:endParaRPr lang="en-US"/>
+            <a:endParaRPr lang="en-US" dirty="0"/>
           </a:p>
         </p:txBody>
       </p:sp>
@@ -2383,7 +2384,7 @@
               <a:rPr lang="en-US" smtClean="0"/>
               <a:t>4/19/19</a:t>
             </a:fld>
-            <a:endParaRPr lang="en-US"/>
+            <a:endParaRPr lang="en-US" dirty="0"/>
           </a:p>
         </p:txBody>
       </p:sp>
@@ -2408,7 +2409,7 @@
           <a:bodyPr/>
           <a:lstStyle/>
           <a:p>
-            <a:endParaRPr lang="en-US"/>
+            <a:endParaRPr lang="en-US" dirty="0"/>
           </a:p>
         </p:txBody>
       </p:sp>
@@ -2437,7 +2438,7 @@
               <a:rPr lang="en-US" smtClean="0"/>
               <a:t>‹#›</a:t>
             </a:fld>
-            <a:endParaRPr lang="en-US"/>
+            <a:endParaRPr lang="en-US" dirty="0"/>
           </a:p>
         </p:txBody>
       </p:sp>
@@ -2571,7 +2572,7 @@
             </a:lvl9pPr>
           </a:lstStyle>
           <a:p>
-            <a:endParaRPr lang="en-US"/>
+            <a:endParaRPr lang="en-US" dirty="0"/>
           </a:p>
         </p:txBody>
       </p:sp>
@@ -2671,7 +2672,7 @@
               <a:rPr lang="en-US" smtClean="0"/>
               <a:t>4/19/19</a:t>
             </a:fld>
-            <a:endParaRPr lang="en-US"/>
+            <a:endParaRPr lang="en-US" dirty="0"/>
           </a:p>
         </p:txBody>
       </p:sp>
@@ -2696,7 +2697,7 @@
           <a:bodyPr/>
           <a:lstStyle/>
           <a:p>
-            <a:endParaRPr lang="en-US"/>
+            <a:endParaRPr lang="en-US" dirty="0"/>
           </a:p>
         </p:txBody>
       </p:sp>
@@ -2725,7 +2726,7 @@
               <a:rPr lang="en-US" smtClean="0"/>
               <a:t>‹#›</a:t>
             </a:fld>
-            <a:endParaRPr lang="en-US"/>
+            <a:endParaRPr lang="en-US" dirty="0"/>
           </a:p>
         </p:txBody>
       </p:sp>
@@ -2912,7 +2913,7 @@
               <a:rPr lang="en-US" smtClean="0"/>
               <a:t>4/19/19</a:t>
             </a:fld>
-            <a:endParaRPr lang="en-US"/>
+            <a:endParaRPr lang="en-US" dirty="0"/>
           </a:p>
         </p:txBody>
       </p:sp>
@@ -2955,7 +2956,7 @@
             </a:lvl1pPr>
           </a:lstStyle>
           <a:p>
-            <a:endParaRPr lang="en-US"/>
+            <a:endParaRPr lang="en-US" dirty="0"/>
           </a:p>
         </p:txBody>
       </p:sp>
@@ -3002,7 +3003,7 @@
               <a:rPr lang="en-US" smtClean="0"/>
               <a:t>‹#›</a:t>
             </a:fld>
-            <a:endParaRPr lang="en-US"/>
+            <a:endParaRPr lang="en-US" dirty="0"/>
           </a:p>
         </p:txBody>
       </p:sp>
@@ -3329,6 +3330,627 @@
       </p:grpSpPr>
       <p:sp>
         <p:nvSpPr>
+          <p:cNvPr id="3" name="Content Placeholder 2">
+            <a:extLst>
+              <a:ext uri="{FF2B5EF4-FFF2-40B4-BE49-F238E27FC236}">
+                <a16:creationId xmlns:a16="http://schemas.microsoft.com/office/drawing/2014/main" id="{DA798BC4-B594-814E-A4E1-8CD104A74B99}"/>
+              </a:ext>
+            </a:extLst>
+          </p:cNvPr>
+          <p:cNvSpPr>
+            <a:spLocks noGrp="1"/>
+          </p:cNvSpPr>
+          <p:nvPr>
+            <p:ph idx="1"/>
+          </p:nvPr>
+        </p:nvSpPr>
+        <p:spPr>
+          <a:xfrm>
+            <a:off x="1" y="0"/>
+            <a:ext cx="5226907" cy="6858000"/>
+          </a:xfrm>
+        </p:spPr>
+        <p:txBody>
+          <a:bodyPr>
+            <a:normAutofit/>
+          </a:bodyPr>
+          <a:lstStyle/>
+          <a:p>
+            <a:pPr marL="0" lvl="0" indent="0">
+              <a:lnSpc>
+                <a:spcPct val="100000"/>
+              </a:lnSpc>
+              <a:spcBef>
+                <a:spcPts val="0"/>
+              </a:spcBef>
+              <a:buNone/>
+            </a:pPr>
+            <a:r>
+              <a:rPr lang="en-US" sz="1800" b="1" dirty="0">
+                <a:solidFill>
+                  <a:srgbClr val="FF0000"/>
+                </a:solidFill>
+              </a:rPr>
+              <a:t>Shortcut key</a:t>
+            </a:r>
+          </a:p>
+          <a:p>
+            <a:pPr marL="285750" lvl="0" indent="-285750">
+              <a:lnSpc>
+                <a:spcPct val="100000"/>
+              </a:lnSpc>
+              <a:spcBef>
+                <a:spcPts val="0"/>
+              </a:spcBef>
+            </a:pPr>
+            <a:r>
+              <a:rPr lang="en-US" sz="1600" dirty="0">
+                <a:solidFill>
+                  <a:prstClr val="black"/>
+                </a:solidFill>
+              </a:rPr>
+              <a:t>Command + shift + arrow</a:t>
+            </a:r>
+            <a:endParaRPr lang="en-US" sz="1200" b="1" dirty="0">
+              <a:solidFill>
+                <a:srgbClr val="00B050"/>
+              </a:solidFill>
+            </a:endParaRPr>
+          </a:p>
+          <a:p>
+            <a:pPr marL="285750" lvl="0" indent="-285750">
+              <a:lnSpc>
+                <a:spcPct val="100000"/>
+              </a:lnSpc>
+              <a:spcBef>
+                <a:spcPts val="0"/>
+              </a:spcBef>
+            </a:pPr>
+            <a:endParaRPr lang="en-US" sz="1600" dirty="0">
+              <a:solidFill>
+                <a:prstClr val="black"/>
+              </a:solidFill>
+            </a:endParaRPr>
+          </a:p>
+        </p:txBody>
+      </p:sp>
+      <p:sp>
+        <p:nvSpPr>
+          <p:cNvPr id="8" name="Content Placeholder 2">
+            <a:extLst>
+              <a:ext uri="{FF2B5EF4-FFF2-40B4-BE49-F238E27FC236}">
+                <a16:creationId xmlns:a16="http://schemas.microsoft.com/office/drawing/2014/main" id="{0236DD4C-E007-9545-A54E-356E0A74475C}"/>
+              </a:ext>
+            </a:extLst>
+          </p:cNvPr>
+          <p:cNvSpPr txBox="1">
+            <a:spLocks/>
+          </p:cNvSpPr>
+          <p:nvPr/>
+        </p:nvSpPr>
+        <p:spPr>
+          <a:xfrm>
+            <a:off x="5226908" y="0"/>
+            <a:ext cx="6965091" cy="6858000"/>
+          </a:xfrm>
+          <a:prstGeom prst="rect">
+            <a:avLst/>
+          </a:prstGeom>
+        </p:spPr>
+        <p:txBody>
+          <a:bodyPr vert="horz" lIns="91440" tIns="45720" rIns="91440" bIns="45720" rtlCol="0">
+            <a:normAutofit/>
+          </a:bodyPr>
+          <a:lstStyle>
+            <a:lvl1pPr marL="228600" indent="-228600" algn="l" defTabSz="914400" rtl="0" eaLnBrk="1" latinLnBrk="0" hangingPunct="1">
+              <a:lnSpc>
+                <a:spcPct val="90000"/>
+              </a:lnSpc>
+              <a:spcBef>
+                <a:spcPts val="1000"/>
+              </a:spcBef>
+              <a:buFont typeface="Arial" panose="020B0604020202020204" pitchFamily="34" charset="0"/>
+              <a:buChar char="•"/>
+              <a:defRPr sz="2800" kern="1200">
+                <a:solidFill>
+                  <a:schemeClr val="tx1"/>
+                </a:solidFill>
+                <a:latin typeface="+mn-lt"/>
+                <a:ea typeface="+mn-ea"/>
+                <a:cs typeface="+mn-cs"/>
+              </a:defRPr>
+            </a:lvl1pPr>
+            <a:lvl2pPr marL="685800" indent="-228600" algn="l" defTabSz="914400" rtl="0" eaLnBrk="1" latinLnBrk="0" hangingPunct="1">
+              <a:lnSpc>
+                <a:spcPct val="90000"/>
+              </a:lnSpc>
+              <a:spcBef>
+                <a:spcPts val="500"/>
+              </a:spcBef>
+              <a:buFont typeface="Arial" panose="020B0604020202020204" pitchFamily="34" charset="0"/>
+              <a:buChar char="•"/>
+              <a:defRPr sz="2400" kern="1200">
+                <a:solidFill>
+                  <a:schemeClr val="tx1"/>
+                </a:solidFill>
+                <a:latin typeface="+mn-lt"/>
+                <a:ea typeface="+mn-ea"/>
+                <a:cs typeface="+mn-cs"/>
+              </a:defRPr>
+            </a:lvl2pPr>
+            <a:lvl3pPr marL="1143000" indent="-228600" algn="l" defTabSz="914400" rtl="0" eaLnBrk="1" latinLnBrk="0" hangingPunct="1">
+              <a:lnSpc>
+                <a:spcPct val="90000"/>
+              </a:lnSpc>
+              <a:spcBef>
+                <a:spcPts val="500"/>
+              </a:spcBef>
+              <a:buFont typeface="Arial" panose="020B0604020202020204" pitchFamily="34" charset="0"/>
+              <a:buChar char="•"/>
+              <a:defRPr sz="2000" kern="1200">
+                <a:solidFill>
+                  <a:schemeClr val="tx1"/>
+                </a:solidFill>
+                <a:latin typeface="+mn-lt"/>
+                <a:ea typeface="+mn-ea"/>
+                <a:cs typeface="+mn-cs"/>
+              </a:defRPr>
+            </a:lvl3pPr>
+            <a:lvl4pPr marL="1600200" indent="-228600" algn="l" defTabSz="914400" rtl="0" eaLnBrk="1" latinLnBrk="0" hangingPunct="1">
+              <a:lnSpc>
+                <a:spcPct val="90000"/>
+              </a:lnSpc>
+              <a:spcBef>
+                <a:spcPts val="500"/>
+              </a:spcBef>
+              <a:buFont typeface="Arial" panose="020B0604020202020204" pitchFamily="34" charset="0"/>
+              <a:buChar char="•"/>
+              <a:defRPr sz="1800" kern="1200">
+                <a:solidFill>
+                  <a:schemeClr val="tx1"/>
+                </a:solidFill>
+                <a:latin typeface="+mn-lt"/>
+                <a:ea typeface="+mn-ea"/>
+                <a:cs typeface="+mn-cs"/>
+              </a:defRPr>
+            </a:lvl4pPr>
+            <a:lvl5pPr marL="2057400" indent="-228600" algn="l" defTabSz="914400" rtl="0" eaLnBrk="1" latinLnBrk="0" hangingPunct="1">
+              <a:lnSpc>
+                <a:spcPct val="90000"/>
+              </a:lnSpc>
+              <a:spcBef>
+                <a:spcPts val="500"/>
+              </a:spcBef>
+              <a:buFont typeface="Arial" panose="020B0604020202020204" pitchFamily="34" charset="0"/>
+              <a:buChar char="•"/>
+              <a:defRPr sz="1800" kern="1200">
+                <a:solidFill>
+                  <a:schemeClr val="tx1"/>
+                </a:solidFill>
+                <a:latin typeface="+mn-lt"/>
+                <a:ea typeface="+mn-ea"/>
+                <a:cs typeface="+mn-cs"/>
+              </a:defRPr>
+            </a:lvl5pPr>
+            <a:lvl6pPr marL="2514600" indent="-228600" algn="l" defTabSz="914400" rtl="0" eaLnBrk="1" latinLnBrk="0" hangingPunct="1">
+              <a:lnSpc>
+                <a:spcPct val="90000"/>
+              </a:lnSpc>
+              <a:spcBef>
+                <a:spcPts val="500"/>
+              </a:spcBef>
+              <a:buFont typeface="Arial" panose="020B0604020202020204" pitchFamily="34" charset="0"/>
+              <a:buChar char="•"/>
+              <a:defRPr sz="1800" kern="1200">
+                <a:solidFill>
+                  <a:schemeClr val="tx1"/>
+                </a:solidFill>
+                <a:latin typeface="+mn-lt"/>
+                <a:ea typeface="+mn-ea"/>
+                <a:cs typeface="+mn-cs"/>
+              </a:defRPr>
+            </a:lvl6pPr>
+            <a:lvl7pPr marL="2971800" indent="-228600" algn="l" defTabSz="914400" rtl="0" eaLnBrk="1" latinLnBrk="0" hangingPunct="1">
+              <a:lnSpc>
+                <a:spcPct val="90000"/>
+              </a:lnSpc>
+              <a:spcBef>
+                <a:spcPts val="500"/>
+              </a:spcBef>
+              <a:buFont typeface="Arial" panose="020B0604020202020204" pitchFamily="34" charset="0"/>
+              <a:buChar char="•"/>
+              <a:defRPr sz="1800" kern="1200">
+                <a:solidFill>
+                  <a:schemeClr val="tx1"/>
+                </a:solidFill>
+                <a:latin typeface="+mn-lt"/>
+                <a:ea typeface="+mn-ea"/>
+                <a:cs typeface="+mn-cs"/>
+              </a:defRPr>
+            </a:lvl7pPr>
+            <a:lvl8pPr marL="3429000" indent="-228600" algn="l" defTabSz="914400" rtl="0" eaLnBrk="1" latinLnBrk="0" hangingPunct="1">
+              <a:lnSpc>
+                <a:spcPct val="90000"/>
+              </a:lnSpc>
+              <a:spcBef>
+                <a:spcPts val="500"/>
+              </a:spcBef>
+              <a:buFont typeface="Arial" panose="020B0604020202020204" pitchFamily="34" charset="0"/>
+              <a:buChar char="•"/>
+              <a:defRPr sz="1800" kern="1200">
+                <a:solidFill>
+                  <a:schemeClr val="tx1"/>
+                </a:solidFill>
+                <a:latin typeface="+mn-lt"/>
+                <a:ea typeface="+mn-ea"/>
+                <a:cs typeface="+mn-cs"/>
+              </a:defRPr>
+            </a:lvl8pPr>
+            <a:lvl9pPr marL="3886200" indent="-228600" algn="l" defTabSz="914400" rtl="0" eaLnBrk="1" latinLnBrk="0" hangingPunct="1">
+              <a:lnSpc>
+                <a:spcPct val="90000"/>
+              </a:lnSpc>
+              <a:spcBef>
+                <a:spcPts val="500"/>
+              </a:spcBef>
+              <a:buFont typeface="Arial" panose="020B0604020202020204" pitchFamily="34" charset="0"/>
+              <a:buChar char="•"/>
+              <a:defRPr sz="1800" kern="1200">
+                <a:solidFill>
+                  <a:schemeClr val="tx1"/>
+                </a:solidFill>
+                <a:latin typeface="+mn-lt"/>
+                <a:ea typeface="+mn-ea"/>
+                <a:cs typeface="+mn-cs"/>
+              </a:defRPr>
+            </a:lvl9pPr>
+          </a:lstStyle>
+          <a:p>
+            <a:pPr marL="0" indent="0">
+              <a:lnSpc>
+                <a:spcPct val="100000"/>
+              </a:lnSpc>
+              <a:spcBef>
+                <a:spcPts val="0"/>
+              </a:spcBef>
+              <a:buFont typeface="Arial" panose="020B0604020202020204" pitchFamily="34" charset="0"/>
+              <a:buNone/>
+            </a:pPr>
+            <a:r>
+              <a:rPr lang="en-US" sz="1800" b="1" dirty="0">
+                <a:solidFill>
+                  <a:srgbClr val="FF0000"/>
+                </a:solidFill>
+              </a:rPr>
+              <a:t>Function</a:t>
+            </a:r>
+          </a:p>
+          <a:p>
+            <a:pPr marL="0" indent="0">
+              <a:lnSpc>
+                <a:spcPct val="100000"/>
+              </a:lnSpc>
+              <a:spcBef>
+                <a:spcPts val="0"/>
+              </a:spcBef>
+              <a:buNone/>
+            </a:pPr>
+            <a:r>
+              <a:rPr lang="en-US" sz="1600" b="1" dirty="0">
+                <a:solidFill>
+                  <a:prstClr val="black"/>
+                </a:solidFill>
+              </a:rPr>
+              <a:t>= </a:t>
+            </a:r>
+            <a:r>
+              <a:rPr lang="en-US" sz="1600" b="1" dirty="0">
+                <a:solidFill>
+                  <a:srgbClr val="0432FF"/>
+                </a:solidFill>
+              </a:rPr>
+              <a:t>SUMIF</a:t>
+            </a:r>
+            <a:r>
+              <a:rPr lang="en-US" sz="1600" b="1" dirty="0">
+                <a:solidFill>
+                  <a:prstClr val="black"/>
+                </a:solidFill>
+              </a:rPr>
+              <a:t>(A1:A10,”User”,B1:B10)</a:t>
+            </a:r>
+          </a:p>
+          <a:p>
+            <a:pPr marL="0" indent="0">
+              <a:lnSpc>
+                <a:spcPct val="100000"/>
+              </a:lnSpc>
+              <a:spcBef>
+                <a:spcPts val="0"/>
+              </a:spcBef>
+              <a:buNone/>
+            </a:pPr>
+            <a:r>
+              <a:rPr lang="en-US" sz="1600" b="1" dirty="0"/>
+              <a:t>= </a:t>
+            </a:r>
+            <a:r>
+              <a:rPr lang="en-US" sz="1600" b="1" dirty="0">
+                <a:solidFill>
+                  <a:srgbClr val="0432FF"/>
+                </a:solidFill>
+              </a:rPr>
+              <a:t>IF</a:t>
+            </a:r>
+            <a:r>
+              <a:rPr lang="en-US" sz="1600" b="1" dirty="0"/>
+              <a:t>(logical_test, [value_if_true], [value_if_false])</a:t>
+            </a:r>
+          </a:p>
+          <a:p>
+            <a:pPr marL="0" indent="0">
+              <a:lnSpc>
+                <a:spcPct val="100000"/>
+              </a:lnSpc>
+              <a:spcBef>
+                <a:spcPts val="0"/>
+              </a:spcBef>
+              <a:buNone/>
+            </a:pPr>
+            <a:r>
+              <a:rPr lang="en-US" sz="1600" b="1" dirty="0"/>
+              <a:t>= </a:t>
+            </a:r>
+            <a:r>
+              <a:rPr lang="en-US" sz="1600" b="1" dirty="0">
+                <a:solidFill>
+                  <a:srgbClr val="0432FF"/>
+                </a:solidFill>
+              </a:rPr>
+              <a:t>IF(</a:t>
+            </a:r>
+            <a:r>
+              <a:rPr lang="en-US" sz="1600" b="1" dirty="0"/>
+              <a:t>A1&lt;10, “low”, </a:t>
+            </a:r>
+            <a:r>
+              <a:rPr lang="en-US" sz="1600" b="1" dirty="0">
+                <a:solidFill>
+                  <a:srgbClr val="00B050"/>
+                </a:solidFill>
+              </a:rPr>
+              <a:t>IF(</a:t>
+            </a:r>
+            <a:r>
+              <a:rPr lang="en-US" sz="1600" b="1" dirty="0"/>
+              <a:t>A1&lt;20, “middle”, “high”</a:t>
+            </a:r>
+            <a:r>
+              <a:rPr lang="en-US" sz="1600" b="1" dirty="0">
+                <a:solidFill>
+                  <a:srgbClr val="00B050"/>
+                </a:solidFill>
+              </a:rPr>
+              <a:t>)</a:t>
+            </a:r>
+            <a:r>
+              <a:rPr lang="en-US" sz="1600" b="1" dirty="0">
+                <a:solidFill>
+                  <a:srgbClr val="0432FF"/>
+                </a:solidFill>
+              </a:rPr>
+              <a:t>)</a:t>
+            </a:r>
+          </a:p>
+          <a:p>
+            <a:pPr marL="0" indent="0">
+              <a:lnSpc>
+                <a:spcPct val="100000"/>
+              </a:lnSpc>
+              <a:spcBef>
+                <a:spcPts val="0"/>
+              </a:spcBef>
+              <a:buNone/>
+            </a:pPr>
+            <a:r>
+              <a:rPr lang="en-US" sz="1600" b="1" dirty="0"/>
+              <a:t>=</a:t>
+            </a:r>
+            <a:r>
+              <a:rPr lang="en-US" sz="1600" b="1" dirty="0">
+                <a:solidFill>
+                  <a:srgbClr val="0432FF"/>
+                </a:solidFill>
+              </a:rPr>
+              <a:t> VLOOKUP(</a:t>
+            </a:r>
+            <a:r>
+              <a:rPr lang="en-US" sz="1600" b="1" dirty="0"/>
+              <a:t>lookup_value, table_array, col_index_num, False/True</a:t>
+            </a:r>
+            <a:r>
+              <a:rPr lang="en-US" sz="1600" b="1" dirty="0">
+                <a:solidFill>
+                  <a:srgbClr val="0432FF"/>
+                </a:solidFill>
+              </a:rPr>
+              <a:t>)</a:t>
+            </a:r>
+            <a:r>
+              <a:rPr lang="zh-CN" altLang="en-US" sz="1600" b="1" dirty="0">
+                <a:solidFill>
+                  <a:srgbClr val="0432FF"/>
+                </a:solidFill>
+              </a:rPr>
+              <a:t>  </a:t>
+            </a:r>
+            <a:r>
+              <a:rPr lang="zh-CN" altLang="en-US" sz="1200" dirty="0">
+                <a:solidFill>
+                  <a:prstClr val="black"/>
+                </a:solidFill>
+              </a:rPr>
+              <a:t>精确</a:t>
+            </a:r>
+            <a:r>
+              <a:rPr lang="en-US" altLang="zh-CN" sz="1200" dirty="0">
+                <a:solidFill>
+                  <a:prstClr val="black"/>
+                </a:solidFill>
+              </a:rPr>
+              <a:t>/</a:t>
+            </a:r>
+            <a:r>
+              <a:rPr lang="zh-CN" altLang="en-US" sz="1200" dirty="0"/>
+              <a:t>模糊</a:t>
+            </a:r>
+            <a:endParaRPr lang="en-US" sz="1600" dirty="0"/>
+          </a:p>
+          <a:p>
+            <a:pPr marL="0" indent="0">
+              <a:lnSpc>
+                <a:spcPct val="100000"/>
+              </a:lnSpc>
+              <a:spcBef>
+                <a:spcPts val="0"/>
+              </a:spcBef>
+              <a:buNone/>
+            </a:pPr>
+            <a:r>
+              <a:rPr lang="en-US" sz="1600" b="1" dirty="0"/>
+              <a:t>= </a:t>
+            </a:r>
+            <a:r>
+              <a:rPr lang="en-US" sz="1600" b="1" dirty="0">
+                <a:solidFill>
+                  <a:srgbClr val="0432FF"/>
+                </a:solidFill>
+              </a:rPr>
+              <a:t>HLOOKUP(</a:t>
+            </a:r>
+            <a:r>
+              <a:rPr lang="en-US" sz="1600" b="1" dirty="0"/>
+              <a:t>lookup_value, table_array, </a:t>
+            </a:r>
+            <a:r>
+              <a:rPr lang="en-US" sz="1600" b="1" dirty="0" err="1"/>
+              <a:t>row_index_num</a:t>
+            </a:r>
+            <a:r>
+              <a:rPr lang="en-US" sz="1600" b="1" dirty="0"/>
+              <a:t>, False/True</a:t>
+            </a:r>
+            <a:r>
+              <a:rPr lang="en-US" sz="1600" b="1" dirty="0">
+                <a:solidFill>
+                  <a:srgbClr val="0432FF"/>
+                </a:solidFill>
+              </a:rPr>
+              <a:t>)</a:t>
+            </a:r>
+            <a:r>
+              <a:rPr lang="zh-CN" altLang="en-US" sz="1600" b="1" dirty="0">
+                <a:solidFill>
+                  <a:srgbClr val="0432FF"/>
+                </a:solidFill>
+              </a:rPr>
+              <a:t>  </a:t>
+            </a:r>
+            <a:r>
+              <a:rPr lang="zh-CN" altLang="en-US" sz="1200" dirty="0">
+                <a:solidFill>
+                  <a:prstClr val="black"/>
+                </a:solidFill>
+              </a:rPr>
+              <a:t>精确</a:t>
+            </a:r>
+            <a:r>
+              <a:rPr lang="en-US" altLang="zh-CN" sz="1200" dirty="0">
+                <a:solidFill>
+                  <a:prstClr val="black"/>
+                </a:solidFill>
+              </a:rPr>
+              <a:t>/</a:t>
+            </a:r>
+            <a:r>
+              <a:rPr lang="zh-CN" altLang="en-US" sz="1200" dirty="0"/>
+              <a:t>模糊</a:t>
+            </a:r>
+            <a:endParaRPr lang="en-US" sz="1600" b="1" dirty="0"/>
+          </a:p>
+          <a:p>
+            <a:pPr marL="0" indent="0">
+              <a:lnSpc>
+                <a:spcPct val="100000"/>
+              </a:lnSpc>
+              <a:spcBef>
+                <a:spcPts val="0"/>
+              </a:spcBef>
+              <a:buNone/>
+            </a:pPr>
+            <a:r>
+              <a:rPr lang="en-US" sz="1600" b="1" dirty="0"/>
+              <a:t>=</a:t>
+            </a:r>
+            <a:r>
+              <a:rPr lang="en-US" sz="1600" b="1" dirty="0">
+                <a:solidFill>
+                  <a:srgbClr val="0432FF"/>
+                </a:solidFill>
+              </a:rPr>
+              <a:t> RANDBETWEEN</a:t>
+            </a:r>
+            <a:r>
+              <a:rPr lang="en-US" sz="1600" b="1" dirty="0"/>
+              <a:t>(1,4)</a:t>
+            </a:r>
+          </a:p>
+          <a:p>
+            <a:pPr marL="0" indent="0">
+              <a:lnSpc>
+                <a:spcPct val="100000"/>
+              </a:lnSpc>
+              <a:spcBef>
+                <a:spcPts val="0"/>
+              </a:spcBef>
+              <a:buNone/>
+            </a:pPr>
+            <a:endParaRPr lang="en-US" sz="1600" b="1" dirty="0"/>
+          </a:p>
+        </p:txBody>
+      </p:sp>
+    </p:spTree>
+    <p:extLst>
+      <p:ext uri="{BB962C8B-B14F-4D97-AF65-F5344CB8AC3E}">
+        <p14:creationId xmlns:p14="http://schemas.microsoft.com/office/powerpoint/2010/main" val="3931222474"/>
+      </p:ext>
+    </p:extLst>
+  </p:cSld>
+  <p:clrMapOvr>
+    <a:masterClrMapping/>
+  </p:clrMapOvr>
+</p:sld>
+</file>
+
+<file path=ppt/slides/slide2.xml><?xml version="1.0" encoding="utf-8"?>
+<p:sld xmlns:a="http://schemas.openxmlformats.org/drawingml/2006/main" xmlns:r="http://schemas.openxmlformats.org/officeDocument/2006/relationships" xmlns:p="http://schemas.openxmlformats.org/presentationml/2006/main">
+  <p:cSld>
+    <p:spTree>
+      <p:nvGrpSpPr>
+        <p:cNvPr id="1" name=""/>
+        <p:cNvGrpSpPr/>
+        <p:nvPr/>
+      </p:nvGrpSpPr>
+      <p:grpSpPr>
+        <a:xfrm>
+          <a:off x="0" y="0"/>
+          <a:ext cx="0" cy="0"/>
+          <a:chOff x="0" y="0"/>
+          <a:chExt cx="0" cy="0"/>
+        </a:xfrm>
+      </p:grpSpPr>
+      <p:sp>
+        <p:nvSpPr>
           <p:cNvPr id="2" name="Title 1">
             <a:extLst>
               <a:ext uri="{FF2B5EF4-FFF2-40B4-BE49-F238E27FC236}">
@@ -3651,7 +4273,7 @@
         </p:blipFill>
         <p:spPr>
           <a:xfrm>
-            <a:off x="2472013" y="2184036"/>
+            <a:off x="2756223" y="2184036"/>
             <a:ext cx="7372203" cy="4673964"/>
           </a:xfrm>
           <a:prstGeom prst="rect">
@@ -3678,7 +4300,7 @@
         </p:nvCxnSpPr>
         <p:spPr>
           <a:xfrm flipH="1">
-            <a:off x="8167816" y="6363730"/>
+            <a:off x="8452026" y="6363730"/>
             <a:ext cx="2100649" cy="407773"/>
           </a:xfrm>
           <a:prstGeom prst="straightConnector1">
@@ -3720,7 +4342,7 @@
         </p:nvSpPr>
         <p:spPr>
           <a:xfrm>
-            <a:off x="10326130" y="5848173"/>
+            <a:off x="10610340" y="5848173"/>
             <a:ext cx="1536356" cy="923330"/>
           </a:xfrm>
           <a:prstGeom prst="rect">
@@ -3757,7 +4379,7 @@
 </p:sld>
 </file>
 
-<file path=ppt/slides/slide2.xml><?xml version="1.0" encoding="utf-8"?>
+<file path=ppt/slides/slide3.xml><?xml version="1.0" encoding="utf-8"?>
 <p:sld xmlns:a="http://schemas.openxmlformats.org/drawingml/2006/main" xmlns:r="http://schemas.openxmlformats.org/officeDocument/2006/relationships" xmlns:p="http://schemas.openxmlformats.org/presentationml/2006/main">
   <p:cSld>
     <p:spTree>

--- a/EXCEL/ExcelDataAnalysisFD_Examples/Excel data analysis for dummies Outline.pptx
+++ b/EXCEL/ExcelDataAnalysisFD_Examples/Excel data analysis for dummies Outline.pptx
@@ -8,6 +8,7 @@
     <p:sldId id="258" r:id="rId2"/>
     <p:sldId id="256" r:id="rId3"/>
     <p:sldId id="257" r:id="rId4"/>
+    <p:sldId id="259" r:id="rId5"/>
   </p:sldIdLst>
   <p:sldSz cx="12192000" cy="6858000"/>
   <p:notesSz cx="6858000" cy="9144000"/>
@@ -4674,6 +4675,219 @@
 </p:sld>
 </file>
 
+<file path=ppt/slides/slide4.xml><?xml version="1.0" encoding="utf-8"?>
+<p:sld xmlns:a="http://schemas.openxmlformats.org/drawingml/2006/main" xmlns:r="http://schemas.openxmlformats.org/officeDocument/2006/relationships" xmlns:p="http://schemas.openxmlformats.org/presentationml/2006/main">
+  <p:cSld>
+    <p:spTree>
+      <p:nvGrpSpPr>
+        <p:cNvPr id="1" name=""/>
+        <p:cNvGrpSpPr/>
+        <p:nvPr/>
+      </p:nvGrpSpPr>
+      <p:grpSpPr>
+        <a:xfrm>
+          <a:off x="0" y="0"/>
+          <a:ext cx="0" cy="0"/>
+          <a:chOff x="0" y="0"/>
+          <a:chExt cx="0" cy="0"/>
+        </a:xfrm>
+      </p:grpSpPr>
+      <p:sp>
+        <p:nvSpPr>
+          <p:cNvPr id="2" name="Title 1">
+            <a:extLst>
+              <a:ext uri="{FF2B5EF4-FFF2-40B4-BE49-F238E27FC236}">
+                <a16:creationId xmlns:a16="http://schemas.microsoft.com/office/drawing/2014/main" id="{325F2CEE-19ED-7C4A-A98E-9F27CF54B024}"/>
+              </a:ext>
+            </a:extLst>
+          </p:cNvPr>
+          <p:cNvSpPr>
+            <a:spLocks noGrp="1"/>
+          </p:cNvSpPr>
+          <p:nvPr>
+            <p:ph type="title"/>
+          </p:nvPr>
+        </p:nvSpPr>
+        <p:spPr>
+          <a:xfrm>
+            <a:off x="0" y="18256"/>
+            <a:ext cx="12192000" cy="649010"/>
+          </a:xfrm>
+        </p:spPr>
+        <p:txBody>
+          <a:bodyPr>
+            <a:normAutofit/>
+          </a:bodyPr>
+          <a:lstStyle/>
+          <a:p>
+            <a:r>
+              <a:rPr lang="en-US" sz="3200" b="1" dirty="0">
+                <a:solidFill>
+                  <a:srgbClr val="FF0000"/>
+                </a:solidFill>
+                <a:latin typeface="+mn-lt"/>
+              </a:rPr>
+              <a:t>Chapter 2 Working with Data-Analysis Tools</a:t>
+            </a:r>
+          </a:p>
+        </p:txBody>
+      </p:sp>
+      <p:sp>
+        <p:nvSpPr>
+          <p:cNvPr id="3" name="Content Placeholder 2">
+            <a:extLst>
+              <a:ext uri="{FF2B5EF4-FFF2-40B4-BE49-F238E27FC236}">
+                <a16:creationId xmlns:a16="http://schemas.microsoft.com/office/drawing/2014/main" id="{DA798BC4-B594-814E-A4E1-8CD104A74B99}"/>
+              </a:ext>
+            </a:extLst>
+          </p:cNvPr>
+          <p:cNvSpPr>
+            <a:spLocks noGrp="1"/>
+          </p:cNvSpPr>
+          <p:nvPr>
+            <p:ph idx="1"/>
+          </p:nvPr>
+        </p:nvSpPr>
+        <p:spPr>
+          <a:xfrm>
+            <a:off x="0" y="667266"/>
+            <a:ext cx="12192000" cy="6190734"/>
+          </a:xfrm>
+        </p:spPr>
+        <p:txBody>
+          <a:bodyPr>
+            <a:normAutofit/>
+          </a:bodyPr>
+          <a:lstStyle/>
+          <a:p>
+            <a:pPr>
+              <a:lnSpc>
+                <a:spcPct val="100000"/>
+              </a:lnSpc>
+            </a:pPr>
+            <a:r>
+              <a:rPr lang="en-US" sz="2400" b="1" dirty="0">
+                <a:solidFill>
+                  <a:srgbClr val="0432FF"/>
+                </a:solidFill>
+              </a:rPr>
+              <a:t>Working with Data Tables</a:t>
+            </a:r>
+          </a:p>
+          <a:p>
+            <a:pPr lvl="1">
+              <a:lnSpc>
+                <a:spcPct val="100000"/>
+              </a:lnSpc>
+              <a:buFont typeface="Wingdings" pitchFamily="2" charset="2"/>
+              <a:buChar char="ü"/>
+            </a:pPr>
+            <a:r>
+              <a:rPr lang="en-US" sz="2000" dirty="0"/>
+              <a:t>Data table is special range that excel uses to calculate multiple solutions to </a:t>
+            </a:r>
+            <a:r>
+              <a:rPr lang="en-US" sz="2000"/>
+              <a:t>a formula</a:t>
+            </a:r>
+            <a:endParaRPr lang="en-US" sz="2000" dirty="0"/>
+          </a:p>
+          <a:p>
+            <a:pPr>
+              <a:lnSpc>
+                <a:spcPct val="100000"/>
+              </a:lnSpc>
+            </a:pPr>
+            <a:r>
+              <a:rPr lang="en-US" sz="2400" b="1" dirty="0">
+                <a:solidFill>
+                  <a:srgbClr val="0432FF"/>
+                </a:solidFill>
+              </a:rPr>
+              <a:t>Analyzing Data with Goal Seek</a:t>
+            </a:r>
+          </a:p>
+          <a:p>
+            <a:pPr>
+              <a:lnSpc>
+                <a:spcPct val="100000"/>
+              </a:lnSpc>
+            </a:pPr>
+            <a:r>
+              <a:rPr lang="en-US" sz="2400" b="1" dirty="0">
+                <a:solidFill>
+                  <a:srgbClr val="0432FF"/>
+                </a:solidFill>
+              </a:rPr>
+              <a:t>Analyzing Data with Scenarios</a:t>
+            </a:r>
+          </a:p>
+          <a:p>
+            <a:pPr>
+              <a:lnSpc>
+                <a:spcPct val="100000"/>
+              </a:lnSpc>
+            </a:pPr>
+            <a:r>
+              <a:rPr lang="en-US" sz="2400" b="1" dirty="0">
+                <a:solidFill>
+                  <a:srgbClr val="0432FF"/>
+                </a:solidFill>
+              </a:rPr>
+              <a:t>Optimizing Data with Solver</a:t>
+            </a:r>
+          </a:p>
+          <a:p>
+            <a:pPr lvl="1">
+              <a:lnSpc>
+                <a:spcPct val="100000"/>
+              </a:lnSpc>
+              <a:buFont typeface="Wingdings" pitchFamily="2" charset="2"/>
+              <a:buChar char="ü"/>
+            </a:pPr>
+            <a:r>
+              <a:rPr lang="en-US" sz="2000" dirty="0"/>
+              <a:t>Con</a:t>
+            </a:r>
+            <a:endParaRPr lang="en-US" sz="1900" b="1" dirty="0">
+              <a:solidFill>
+                <a:srgbClr val="00B050"/>
+              </a:solidFill>
+            </a:endParaRPr>
+          </a:p>
+          <a:p>
+            <a:pPr lvl="1">
+              <a:lnSpc>
+                <a:spcPct val="100000"/>
+              </a:lnSpc>
+              <a:buFont typeface="Wingdings" pitchFamily="2" charset="2"/>
+              <a:buChar char="ü"/>
+            </a:pPr>
+            <a:r>
+              <a:rPr lang="en-US" sz="2000" dirty="0"/>
+              <a:t>Co</a:t>
+            </a:r>
+            <a:endParaRPr lang="en-US" sz="1900" b="1" dirty="0">
+              <a:solidFill>
+                <a:srgbClr val="00B050"/>
+              </a:solidFill>
+            </a:endParaRPr>
+          </a:p>
+        </p:txBody>
+      </p:sp>
+    </p:spTree>
+    <p:extLst>
+      <p:ext uri="{BB962C8B-B14F-4D97-AF65-F5344CB8AC3E}">
+        <p14:creationId xmlns:p14="http://schemas.microsoft.com/office/powerpoint/2010/main" val="924075620"/>
+      </p:ext>
+    </p:extLst>
+  </p:cSld>
+  <p:clrMapOvr>
+    <a:masterClrMapping/>
+  </p:clrMapOvr>
+</p:sld>
+</file>
+
 <file path=ppt/theme/theme1.xml><?xml version="1.0" encoding="utf-8"?>
 <a:theme xmlns:a="http://schemas.openxmlformats.org/drawingml/2006/main" name="Office Theme">
   <a:themeElements>

--- a/EXCEL/ExcelDataAnalysisFD_Examples/Excel data analysis for dummies Outline.pptx
+++ b/EXCEL/ExcelDataAnalysisFD_Examples/Excel data analysis for dummies Outline.pptx
@@ -4784,13 +4784,21 @@
             </a:pPr>
             <a:r>
               <a:rPr lang="en-US" sz="2000" dirty="0"/>
-              <a:t>Data table is special range that excel uses to calculate multiple solutions to </a:t>
-            </a:r>
-            <a:r>
-              <a:rPr lang="en-US" sz="2000"/>
-              <a:t>a formula</a:t>
-            </a:r>
-            <a:endParaRPr lang="en-US" sz="2000" dirty="0"/>
+              <a:t>Data table is special range that excel uses to calculate multiple solutions to a formula.</a:t>
+            </a:r>
+          </a:p>
+          <a:p>
+            <a:pPr lvl="1">
+              <a:lnSpc>
+                <a:spcPct val="100000"/>
+              </a:lnSpc>
+              <a:buFont typeface="Wingdings" pitchFamily="2" charset="2"/>
+              <a:buChar char="ü"/>
+            </a:pPr>
+            <a:r>
+              <a:rPr lang="en-US" sz="2000" dirty="0"/>
+              <a:t>One-input data table</a:t>
+            </a:r>
           </a:p>
           <a:p>
             <a:pPr>

--- a/EXCEL/ExcelDataAnalysisFD_Examples/Excel data analysis for dummies Outline.pptx
+++ b/EXCEL/ExcelDataAnalysisFD_Examples/Excel data analysis for dummies Outline.pptx
@@ -4,6 +4,9 @@
   <p:sldMasterIdLst>
     <p:sldMasterId id="2147483648" r:id="rId1"/>
   </p:sldMasterIdLst>
+  <p:notesMasterIdLst>
+    <p:notesMasterId r:id="rId6"/>
+  </p:notesMasterIdLst>
   <p:sldIdLst>
     <p:sldId id="258" r:id="rId2"/>
     <p:sldId id="256" r:id="rId3"/>
@@ -115,6 +118,439 @@
 </p:presentation>
 </file>
 
+<file path=ppt/notesMasters/notesMaster1.xml><?xml version="1.0" encoding="utf-8"?>
+<p:notesMaster xmlns:a="http://schemas.openxmlformats.org/drawingml/2006/main" xmlns:r="http://schemas.openxmlformats.org/officeDocument/2006/relationships" xmlns:p="http://schemas.openxmlformats.org/presentationml/2006/main">
+  <p:cSld>
+    <p:bg>
+      <p:bgRef idx="1001">
+        <a:schemeClr val="bg1"/>
+      </p:bgRef>
+    </p:bg>
+    <p:spTree>
+      <p:nvGrpSpPr>
+        <p:cNvPr id="1" name=""/>
+        <p:cNvGrpSpPr/>
+        <p:nvPr/>
+      </p:nvGrpSpPr>
+      <p:grpSpPr>
+        <a:xfrm>
+          <a:off x="0" y="0"/>
+          <a:ext cx="0" cy="0"/>
+          <a:chOff x="0" y="0"/>
+          <a:chExt cx="0" cy="0"/>
+        </a:xfrm>
+      </p:grpSpPr>
+      <p:sp>
+        <p:nvSpPr>
+          <p:cNvPr id="2" name="Header Placeholder 1"/>
+          <p:cNvSpPr>
+            <a:spLocks noGrp="1"/>
+          </p:cNvSpPr>
+          <p:nvPr>
+            <p:ph type="hdr" sz="quarter"/>
+          </p:nvPr>
+        </p:nvSpPr>
+        <p:spPr>
+          <a:xfrm>
+            <a:off x="0" y="0"/>
+            <a:ext cx="2971800" cy="458788"/>
+          </a:xfrm>
+          <a:prstGeom prst="rect">
+            <a:avLst/>
+          </a:prstGeom>
+        </p:spPr>
+        <p:txBody>
+          <a:bodyPr vert="horz" lIns="91440" tIns="45720" rIns="91440" bIns="45720" rtlCol="0"/>
+          <a:lstStyle>
+            <a:lvl1pPr algn="l">
+              <a:defRPr sz="1200"/>
+            </a:lvl1pPr>
+          </a:lstStyle>
+          <a:p>
+            <a:endParaRPr lang="en-US"/>
+          </a:p>
+        </p:txBody>
+      </p:sp>
+      <p:sp>
+        <p:nvSpPr>
+          <p:cNvPr id="3" name="Date Placeholder 2"/>
+          <p:cNvSpPr>
+            <a:spLocks noGrp="1"/>
+          </p:cNvSpPr>
+          <p:nvPr>
+            <p:ph type="dt" idx="1"/>
+          </p:nvPr>
+        </p:nvSpPr>
+        <p:spPr>
+          <a:xfrm>
+            <a:off x="3884613" y="0"/>
+            <a:ext cx="2971800" cy="458788"/>
+          </a:xfrm>
+          <a:prstGeom prst="rect">
+            <a:avLst/>
+          </a:prstGeom>
+        </p:spPr>
+        <p:txBody>
+          <a:bodyPr vert="horz" lIns="91440" tIns="45720" rIns="91440" bIns="45720" rtlCol="0"/>
+          <a:lstStyle>
+            <a:lvl1pPr algn="r">
+              <a:defRPr sz="1200"/>
+            </a:lvl1pPr>
+          </a:lstStyle>
+          <a:p>
+            <a:fld id="{2B41910D-C82E-0643-9441-1C53B2342047}" type="datetimeFigureOut">
+              <a:rPr lang="en-US" smtClean="0"/>
+              <a:t>4/22/19</a:t>
+            </a:fld>
+            <a:endParaRPr lang="en-US"/>
+          </a:p>
+        </p:txBody>
+      </p:sp>
+      <p:sp>
+        <p:nvSpPr>
+          <p:cNvPr id="4" name="Slide Image Placeholder 3"/>
+          <p:cNvSpPr>
+            <a:spLocks noGrp="1" noRot="1" noChangeAspect="1"/>
+          </p:cNvSpPr>
+          <p:nvPr>
+            <p:ph type="sldImg" idx="2"/>
+          </p:nvPr>
+        </p:nvSpPr>
+        <p:spPr>
+          <a:xfrm>
+            <a:off x="685800" y="1143000"/>
+            <a:ext cx="5486400" cy="3086100"/>
+          </a:xfrm>
+          <a:prstGeom prst="rect">
+            <a:avLst/>
+          </a:prstGeom>
+          <a:noFill/>
+          <a:ln w="12700">
+            <a:solidFill>
+              <a:prstClr val="black"/>
+            </a:solidFill>
+          </a:ln>
+        </p:spPr>
+        <p:txBody>
+          <a:bodyPr vert="horz" lIns="91440" tIns="45720" rIns="91440" bIns="45720" rtlCol="0" anchor="ctr"/>
+          <a:lstStyle/>
+          <a:p>
+            <a:endParaRPr lang="en-US"/>
+          </a:p>
+        </p:txBody>
+      </p:sp>
+      <p:sp>
+        <p:nvSpPr>
+          <p:cNvPr id="5" name="Notes Placeholder 4"/>
+          <p:cNvSpPr>
+            <a:spLocks noGrp="1"/>
+          </p:cNvSpPr>
+          <p:nvPr>
+            <p:ph type="body" sz="quarter" idx="3"/>
+          </p:nvPr>
+        </p:nvSpPr>
+        <p:spPr>
+          <a:xfrm>
+            <a:off x="685800" y="4400550"/>
+            <a:ext cx="5486400" cy="3600450"/>
+          </a:xfrm>
+          <a:prstGeom prst="rect">
+            <a:avLst/>
+          </a:prstGeom>
+        </p:spPr>
+        <p:txBody>
+          <a:bodyPr vert="horz" lIns="91440" tIns="45720" rIns="91440" bIns="45720" rtlCol="0"/>
+          <a:lstStyle/>
+          <a:p>
+            <a:pPr lvl="0"/>
+            <a:r>
+              <a:rPr lang="en-US"/>
+              <a:t>Click to edit Master text styles</a:t>
+            </a:r>
+          </a:p>
+          <a:p>
+            <a:pPr lvl="1"/>
+            <a:r>
+              <a:rPr lang="en-US"/>
+              <a:t>Second level</a:t>
+            </a:r>
+          </a:p>
+          <a:p>
+            <a:pPr lvl="2"/>
+            <a:r>
+              <a:rPr lang="en-US"/>
+              <a:t>Third level</a:t>
+            </a:r>
+          </a:p>
+          <a:p>
+            <a:pPr lvl="3"/>
+            <a:r>
+              <a:rPr lang="en-US"/>
+              <a:t>Fourth level</a:t>
+            </a:r>
+          </a:p>
+          <a:p>
+            <a:pPr lvl="4"/>
+            <a:r>
+              <a:rPr lang="en-US"/>
+              <a:t>Fifth level</a:t>
+            </a:r>
+          </a:p>
+        </p:txBody>
+      </p:sp>
+      <p:sp>
+        <p:nvSpPr>
+          <p:cNvPr id="6" name="Footer Placeholder 5"/>
+          <p:cNvSpPr>
+            <a:spLocks noGrp="1"/>
+          </p:cNvSpPr>
+          <p:nvPr>
+            <p:ph type="ftr" sz="quarter" idx="4"/>
+          </p:nvPr>
+        </p:nvSpPr>
+        <p:spPr>
+          <a:xfrm>
+            <a:off x="0" y="8685213"/>
+            <a:ext cx="2971800" cy="458787"/>
+          </a:xfrm>
+          <a:prstGeom prst="rect">
+            <a:avLst/>
+          </a:prstGeom>
+        </p:spPr>
+        <p:txBody>
+          <a:bodyPr vert="horz" lIns="91440" tIns="45720" rIns="91440" bIns="45720" rtlCol="0" anchor="b"/>
+          <a:lstStyle>
+            <a:lvl1pPr algn="l">
+              <a:defRPr sz="1200"/>
+            </a:lvl1pPr>
+          </a:lstStyle>
+          <a:p>
+            <a:endParaRPr lang="en-US"/>
+          </a:p>
+        </p:txBody>
+      </p:sp>
+      <p:sp>
+        <p:nvSpPr>
+          <p:cNvPr id="7" name="Slide Number Placeholder 6"/>
+          <p:cNvSpPr>
+            <a:spLocks noGrp="1"/>
+          </p:cNvSpPr>
+          <p:nvPr>
+            <p:ph type="sldNum" sz="quarter" idx="5"/>
+          </p:nvPr>
+        </p:nvSpPr>
+        <p:spPr>
+          <a:xfrm>
+            <a:off x="3884613" y="8685213"/>
+            <a:ext cx="2971800" cy="458787"/>
+          </a:xfrm>
+          <a:prstGeom prst="rect">
+            <a:avLst/>
+          </a:prstGeom>
+        </p:spPr>
+        <p:txBody>
+          <a:bodyPr vert="horz" lIns="91440" tIns="45720" rIns="91440" bIns="45720" rtlCol="0" anchor="b"/>
+          <a:lstStyle>
+            <a:lvl1pPr algn="r">
+              <a:defRPr sz="1200"/>
+            </a:lvl1pPr>
+          </a:lstStyle>
+          <a:p>
+            <a:fld id="{ED060FC7-56EE-7148-A2F0-7A6C56864D50}" type="slidenum">
+              <a:rPr lang="en-US" smtClean="0"/>
+              <a:t>‹#›</a:t>
+            </a:fld>
+            <a:endParaRPr lang="en-US"/>
+          </a:p>
+        </p:txBody>
+      </p:sp>
+    </p:spTree>
+    <p:extLst>
+      <p:ext uri="{BB962C8B-B14F-4D97-AF65-F5344CB8AC3E}">
+        <p14:creationId xmlns:p14="http://schemas.microsoft.com/office/powerpoint/2010/main" val="334852170"/>
+      </p:ext>
+    </p:extLst>
+  </p:cSld>
+  <p:clrMap bg1="lt1" tx1="dk1" bg2="lt2" tx2="dk2" accent1="accent1" accent2="accent2" accent3="accent3" accent4="accent4" accent5="accent5" accent6="accent6" hlink="hlink" folHlink="folHlink"/>
+  <p:notesStyle>
+    <a:lvl1pPr marL="0" algn="l" defTabSz="914400" rtl="0" eaLnBrk="1" latinLnBrk="0" hangingPunct="1">
+      <a:defRPr sz="1200" kern="1200">
+        <a:solidFill>
+          <a:schemeClr val="tx1"/>
+        </a:solidFill>
+        <a:latin typeface="+mn-lt"/>
+        <a:ea typeface="+mn-ea"/>
+        <a:cs typeface="+mn-cs"/>
+      </a:defRPr>
+    </a:lvl1pPr>
+    <a:lvl2pPr marL="457200" algn="l" defTabSz="914400" rtl="0" eaLnBrk="1" latinLnBrk="0" hangingPunct="1">
+      <a:defRPr sz="1200" kern="1200">
+        <a:solidFill>
+          <a:schemeClr val="tx1"/>
+        </a:solidFill>
+        <a:latin typeface="+mn-lt"/>
+        <a:ea typeface="+mn-ea"/>
+        <a:cs typeface="+mn-cs"/>
+      </a:defRPr>
+    </a:lvl2pPr>
+    <a:lvl3pPr marL="914400" algn="l" defTabSz="914400" rtl="0" eaLnBrk="1" latinLnBrk="0" hangingPunct="1">
+      <a:defRPr sz="1200" kern="1200">
+        <a:solidFill>
+          <a:schemeClr val="tx1"/>
+        </a:solidFill>
+        <a:latin typeface="+mn-lt"/>
+        <a:ea typeface="+mn-ea"/>
+        <a:cs typeface="+mn-cs"/>
+      </a:defRPr>
+    </a:lvl3pPr>
+    <a:lvl4pPr marL="1371600" algn="l" defTabSz="914400" rtl="0" eaLnBrk="1" latinLnBrk="0" hangingPunct="1">
+      <a:defRPr sz="1200" kern="1200">
+        <a:solidFill>
+          <a:schemeClr val="tx1"/>
+        </a:solidFill>
+        <a:latin typeface="+mn-lt"/>
+        <a:ea typeface="+mn-ea"/>
+        <a:cs typeface="+mn-cs"/>
+      </a:defRPr>
+    </a:lvl4pPr>
+    <a:lvl5pPr marL="1828800" algn="l" defTabSz="914400" rtl="0" eaLnBrk="1" latinLnBrk="0" hangingPunct="1">
+      <a:defRPr sz="1200" kern="1200">
+        <a:solidFill>
+          <a:schemeClr val="tx1"/>
+        </a:solidFill>
+        <a:latin typeface="+mn-lt"/>
+        <a:ea typeface="+mn-ea"/>
+        <a:cs typeface="+mn-cs"/>
+      </a:defRPr>
+    </a:lvl5pPr>
+    <a:lvl6pPr marL="2286000" algn="l" defTabSz="914400" rtl="0" eaLnBrk="1" latinLnBrk="0" hangingPunct="1">
+      <a:defRPr sz="1200" kern="1200">
+        <a:solidFill>
+          <a:schemeClr val="tx1"/>
+        </a:solidFill>
+        <a:latin typeface="+mn-lt"/>
+        <a:ea typeface="+mn-ea"/>
+        <a:cs typeface="+mn-cs"/>
+      </a:defRPr>
+    </a:lvl6pPr>
+    <a:lvl7pPr marL="2743200" algn="l" defTabSz="914400" rtl="0" eaLnBrk="1" latinLnBrk="0" hangingPunct="1">
+      <a:defRPr sz="1200" kern="1200">
+        <a:solidFill>
+          <a:schemeClr val="tx1"/>
+        </a:solidFill>
+        <a:latin typeface="+mn-lt"/>
+        <a:ea typeface="+mn-ea"/>
+        <a:cs typeface="+mn-cs"/>
+      </a:defRPr>
+    </a:lvl7pPr>
+    <a:lvl8pPr marL="3200400" algn="l" defTabSz="914400" rtl="0" eaLnBrk="1" latinLnBrk="0" hangingPunct="1">
+      <a:defRPr sz="1200" kern="1200">
+        <a:solidFill>
+          <a:schemeClr val="tx1"/>
+        </a:solidFill>
+        <a:latin typeface="+mn-lt"/>
+        <a:ea typeface="+mn-ea"/>
+        <a:cs typeface="+mn-cs"/>
+      </a:defRPr>
+    </a:lvl8pPr>
+    <a:lvl9pPr marL="3657600" algn="l" defTabSz="914400" rtl="0" eaLnBrk="1" latinLnBrk="0" hangingPunct="1">
+      <a:defRPr sz="1200" kern="1200">
+        <a:solidFill>
+          <a:schemeClr val="tx1"/>
+        </a:solidFill>
+        <a:latin typeface="+mn-lt"/>
+        <a:ea typeface="+mn-ea"/>
+        <a:cs typeface="+mn-cs"/>
+      </a:defRPr>
+    </a:lvl9pPr>
+  </p:notesStyle>
+</p:notesMaster>
+</file>
+
+<file path=ppt/notesSlides/notesSlide1.xml><?xml version="1.0" encoding="utf-8"?>
+<p:notes xmlns:a="http://schemas.openxmlformats.org/drawingml/2006/main" xmlns:r="http://schemas.openxmlformats.org/officeDocument/2006/relationships" xmlns:p="http://schemas.openxmlformats.org/presentationml/2006/main">
+  <p:cSld>
+    <p:spTree>
+      <p:nvGrpSpPr>
+        <p:cNvPr id="1" name=""/>
+        <p:cNvGrpSpPr/>
+        <p:nvPr/>
+      </p:nvGrpSpPr>
+      <p:grpSpPr>
+        <a:xfrm>
+          <a:off x="0" y="0"/>
+          <a:ext cx="0" cy="0"/>
+          <a:chOff x="0" y="0"/>
+          <a:chExt cx="0" cy="0"/>
+        </a:xfrm>
+      </p:grpSpPr>
+      <p:sp>
+        <p:nvSpPr>
+          <p:cNvPr id="2" name="Slide Image Placeholder 1"/>
+          <p:cNvSpPr>
+            <a:spLocks noGrp="1" noRot="1" noChangeAspect="1"/>
+          </p:cNvSpPr>
+          <p:nvPr>
+            <p:ph type="sldImg"/>
+          </p:nvPr>
+        </p:nvSpPr>
+        <p:spPr/>
+      </p:sp>
+      <p:sp>
+        <p:nvSpPr>
+          <p:cNvPr id="3" name="Notes Placeholder 2"/>
+          <p:cNvSpPr>
+            <a:spLocks noGrp="1"/>
+          </p:cNvSpPr>
+          <p:nvPr>
+            <p:ph type="body" idx="1"/>
+          </p:nvPr>
+        </p:nvSpPr>
+        <p:spPr/>
+        <p:txBody>
+          <a:bodyPr/>
+          <a:lstStyle/>
+          <a:p>
+            <a:endParaRPr lang="en-US" dirty="0"/>
+          </a:p>
+        </p:txBody>
+      </p:sp>
+      <p:sp>
+        <p:nvSpPr>
+          <p:cNvPr id="4" name="Slide Number Placeholder 3"/>
+          <p:cNvSpPr>
+            <a:spLocks noGrp="1"/>
+          </p:cNvSpPr>
+          <p:nvPr>
+            <p:ph type="sldNum" sz="quarter" idx="5"/>
+          </p:nvPr>
+        </p:nvSpPr>
+        <p:spPr/>
+        <p:txBody>
+          <a:bodyPr/>
+          <a:lstStyle/>
+          <a:p>
+            <a:fld id="{ED060FC7-56EE-7148-A2F0-7A6C56864D50}" type="slidenum">
+              <a:rPr lang="en-US" smtClean="0"/>
+              <a:t>4</a:t>
+            </a:fld>
+            <a:endParaRPr lang="en-US"/>
+          </a:p>
+        </p:txBody>
+      </p:sp>
+    </p:spTree>
+    <p:extLst>
+      <p:ext uri="{BB962C8B-B14F-4D97-AF65-F5344CB8AC3E}">
+        <p14:creationId xmlns:p14="http://schemas.microsoft.com/office/powerpoint/2010/main" val="1798908111"/>
+      </p:ext>
+    </p:extLst>
+  </p:cSld>
+  <p:clrMapOvr>
+    <a:masterClrMapping/>
+  </p:clrMapOvr>
+</p:notes>
+</file>
+
 <file path=ppt/slideLayouts/slideLayout1.xml><?xml version="1.0" encoding="utf-8"?>
 <p:sldLayout xmlns:a="http://schemas.openxmlformats.org/drawingml/2006/main" xmlns:r="http://schemas.openxmlformats.org/officeDocument/2006/relationships" xmlns:p="http://schemas.openxmlformats.org/presentationml/2006/main" type="title" preserve="1">
   <p:cSld name="Title Slide">
@@ -262,7 +698,7 @@
           <a:p>
             <a:fld id="{BA2EFF2D-EB75-7441-83B2-DFF7D8BDD44A}" type="datetimeFigureOut">
               <a:rPr lang="en-US" smtClean="0"/>
-              <a:t>4/19/19</a:t>
+              <a:t>4/22/19</a:t>
             </a:fld>
             <a:endParaRPr lang="en-US" dirty="0"/>
           </a:p>
@@ -460,7 +896,7 @@
           <a:p>
             <a:fld id="{BA2EFF2D-EB75-7441-83B2-DFF7D8BDD44A}" type="datetimeFigureOut">
               <a:rPr lang="en-US" smtClean="0"/>
-              <a:t>4/19/19</a:t>
+              <a:t>4/22/19</a:t>
             </a:fld>
             <a:endParaRPr lang="en-US" dirty="0"/>
           </a:p>
@@ -668,7 +1104,7 @@
           <a:p>
             <a:fld id="{BA2EFF2D-EB75-7441-83B2-DFF7D8BDD44A}" type="datetimeFigureOut">
               <a:rPr lang="en-US" smtClean="0"/>
-              <a:t>4/19/19</a:t>
+              <a:t>4/22/19</a:t>
             </a:fld>
             <a:endParaRPr lang="en-US" dirty="0"/>
           </a:p>
@@ -866,7 +1302,7 @@
           <a:p>
             <a:fld id="{BA2EFF2D-EB75-7441-83B2-DFF7D8BDD44A}" type="datetimeFigureOut">
               <a:rPr lang="en-US" smtClean="0"/>
-              <a:t>4/19/19</a:t>
+              <a:t>4/22/19</a:t>
             </a:fld>
             <a:endParaRPr lang="en-US" dirty="0"/>
           </a:p>
@@ -1141,7 +1577,7 @@
           <a:p>
             <a:fld id="{BA2EFF2D-EB75-7441-83B2-DFF7D8BDD44A}" type="datetimeFigureOut">
               <a:rPr lang="en-US" smtClean="0"/>
-              <a:t>4/19/19</a:t>
+              <a:t>4/22/19</a:t>
             </a:fld>
             <a:endParaRPr lang="en-US" dirty="0"/>
           </a:p>
@@ -1406,7 +1842,7 @@
           <a:p>
             <a:fld id="{BA2EFF2D-EB75-7441-83B2-DFF7D8BDD44A}" type="datetimeFigureOut">
               <a:rPr lang="en-US" smtClean="0"/>
-              <a:t>4/19/19</a:t>
+              <a:t>4/22/19</a:t>
             </a:fld>
             <a:endParaRPr lang="en-US" dirty="0"/>
           </a:p>
@@ -1818,7 +2254,7 @@
           <a:p>
             <a:fld id="{BA2EFF2D-EB75-7441-83B2-DFF7D8BDD44A}" type="datetimeFigureOut">
               <a:rPr lang="en-US" smtClean="0"/>
-              <a:t>4/19/19</a:t>
+              <a:t>4/22/19</a:t>
             </a:fld>
             <a:endParaRPr lang="en-US" dirty="0"/>
           </a:p>
@@ -1959,7 +2395,7 @@
           <a:p>
             <a:fld id="{BA2EFF2D-EB75-7441-83B2-DFF7D8BDD44A}" type="datetimeFigureOut">
               <a:rPr lang="en-US" smtClean="0"/>
-              <a:t>4/19/19</a:t>
+              <a:t>4/22/19</a:t>
             </a:fld>
             <a:endParaRPr lang="en-US" dirty="0"/>
           </a:p>
@@ -2072,7 +2508,7 @@
           <a:p>
             <a:fld id="{BA2EFF2D-EB75-7441-83B2-DFF7D8BDD44A}" type="datetimeFigureOut">
               <a:rPr lang="en-US" smtClean="0"/>
-              <a:t>4/19/19</a:t>
+              <a:t>4/22/19</a:t>
             </a:fld>
             <a:endParaRPr lang="en-US" dirty="0"/>
           </a:p>
@@ -2383,7 +2819,7 @@
           <a:p>
             <a:fld id="{BA2EFF2D-EB75-7441-83B2-DFF7D8BDD44A}" type="datetimeFigureOut">
               <a:rPr lang="en-US" smtClean="0"/>
-              <a:t>4/19/19</a:t>
+              <a:t>4/22/19</a:t>
             </a:fld>
             <a:endParaRPr lang="en-US" dirty="0"/>
           </a:p>
@@ -2671,7 +3107,7 @@
           <a:p>
             <a:fld id="{BA2EFF2D-EB75-7441-83B2-DFF7D8BDD44A}" type="datetimeFigureOut">
               <a:rPr lang="en-US" smtClean="0"/>
-              <a:t>4/19/19</a:t>
+              <a:t>4/22/19</a:t>
             </a:fld>
             <a:endParaRPr lang="en-US" dirty="0"/>
           </a:p>
@@ -2912,7 +3348,7 @@
           <a:p>
             <a:fld id="{BA2EFF2D-EB75-7441-83B2-DFF7D8BDD44A}" type="datetimeFigureOut">
               <a:rPr lang="en-US" smtClean="0"/>
-              <a:t>4/19/19</a:t>
+              <a:t>4/22/19</a:t>
             </a:fld>
             <a:endParaRPr lang="en-US" dirty="0"/>
           </a:p>
@@ -4766,12 +5202,12 @@
               </a:lnSpc>
             </a:pPr>
             <a:r>
-              <a:rPr lang="en-US" sz="2400" b="1" dirty="0">
+              <a:rPr lang="en-US" sz="1800" b="1" dirty="0">
                 <a:solidFill>
                   <a:srgbClr val="0432FF"/>
                 </a:solidFill>
               </a:rPr>
-              <a:t>Working with Data Tables</a:t>
+              <a:t>Analyzing Data with Goal Seek</a:t>
             </a:r>
           </a:p>
           <a:p>
@@ -4783,8 +5219,16 @@
               <a:buChar char="ü"/>
             </a:pPr>
             <a:r>
-              <a:rPr lang="en-US" sz="2000" dirty="0"/>
-              <a:t>Data table is special range that excel uses to calculate multiple solutions to a formula.</a:t>
+              <a:rPr lang="en-US" sz="1600" dirty="0">
+                <a:solidFill>
+                  <a:srgbClr val="FF0000"/>
+                </a:solidFill>
+              </a:rPr>
+              <a:t>Goal seek: </a:t>
+            </a:r>
+            <a:r>
+              <a:rPr lang="en-US" sz="1600" dirty="0"/>
+              <a:t>trying dozens of possibilities to get closer and closer to a solution.</a:t>
             </a:r>
           </a:p>
           <a:p>
@@ -4796,9 +5240,54 @@
               <a:buChar char="ü"/>
             </a:pPr>
             <a:r>
-              <a:rPr lang="en-US" sz="2000" dirty="0"/>
-              <a:t>One-input data table</a:t>
-            </a:r>
+              <a:rPr lang="en-US" sz="1600" dirty="0">
+                <a:solidFill>
+                  <a:srgbClr val="FF0000"/>
+                </a:solidFill>
+              </a:rPr>
+              <a:t>Future value calculation:   </a:t>
+            </a:r>
+            <a:r>
+              <a:rPr lang="en-US" sz="1600" dirty="0"/>
+              <a:t>calculates the future value of an investment given an </a:t>
+            </a:r>
+            <a:r>
+              <a:rPr lang="en-US" sz="1600" dirty="0">
+                <a:solidFill>
+                  <a:srgbClr val="0432FF"/>
+                </a:solidFill>
+              </a:rPr>
+              <a:t>interest rate</a:t>
+            </a:r>
+            <a:r>
+              <a:rPr lang="en-US" sz="1600" dirty="0"/>
+              <a:t>, </a:t>
+            </a:r>
+            <a:r>
+              <a:rPr lang="en-US" sz="1600" dirty="0">
+                <a:solidFill>
+                  <a:srgbClr val="0432FF"/>
+                </a:solidFill>
+              </a:rPr>
+              <a:t>term</a:t>
+            </a:r>
+            <a:r>
+              <a:rPr lang="en-US" sz="1600" dirty="0"/>
+              <a:t>, and</a:t>
+            </a:r>
+            <a:r>
+              <a:rPr lang="en-US" sz="1600" dirty="0">
+                <a:solidFill>
+                  <a:srgbClr val="0432FF"/>
+                </a:solidFill>
+              </a:rPr>
+              <a:t> regular deposit.</a:t>
+            </a:r>
+            <a:endParaRPr lang="en-US" sz="1800" b="1" dirty="0">
+              <a:solidFill>
+                <a:srgbClr val="0432FF"/>
+              </a:solidFill>
+            </a:endParaRPr>
           </a:p>
           <a:p>
             <a:pPr>
@@ -4807,42 +5296,12 @@
               </a:lnSpc>
             </a:pPr>
             <a:r>
-              <a:rPr lang="en-US" sz="2400" b="1" dirty="0">
+              <a:rPr lang="en-US" sz="1800" b="1" dirty="0">
                 <a:solidFill>
                   <a:srgbClr val="0432FF"/>
                 </a:solidFill>
               </a:rPr>
-              <a:t>Analyzing Data with Goal Seek</a:t>
-            </a:r>
-          </a:p>
-          <a:p>
-            <a:pPr>
-              <a:lnSpc>
-                <a:spcPct val="100000"/>
-              </a:lnSpc>
-            </a:pPr>
-            <a:r>
-              <a:rPr lang="en-US" sz="2400" b="1" dirty="0">
-                <a:solidFill>
-                  <a:srgbClr val="0432FF"/>
-                </a:solidFill>
-              </a:rPr>
-              <a:t>Analyzing Data with Scenarios</a:t>
-            </a:r>
-          </a:p>
-          <a:p>
-            <a:pPr>
-              <a:lnSpc>
-                <a:spcPct val="100000"/>
-              </a:lnSpc>
-            </a:pPr>
-            <a:r>
-              <a:rPr lang="en-US" sz="2400" b="1" dirty="0">
-                <a:solidFill>
-                  <a:srgbClr val="0432FF"/>
-                </a:solidFill>
-              </a:rPr>
-              <a:t>Optimizing Data with Solver</a:t>
+              <a:t>Working with Data Tables</a:t>
             </a:r>
           </a:p>
           <a:p>
@@ -4854,14 +5313,41 @@
               <a:buChar char="ü"/>
             </a:pPr>
             <a:r>
-              <a:rPr lang="en-US" sz="2000" dirty="0"/>
-              <a:t>Con</a:t>
-            </a:r>
-            <a:endParaRPr lang="en-US" sz="1900" b="1" dirty="0">
-              <a:solidFill>
-                <a:srgbClr val="00B050"/>
-              </a:solidFill>
-            </a:endParaRPr>
+              <a:rPr lang="en-US" sz="1600" b="1" dirty="0">
+                <a:solidFill>
+                  <a:srgbClr val="FF0000"/>
+                </a:solidFill>
+              </a:rPr>
+              <a:t>Data table </a:t>
+            </a:r>
+            <a:r>
+              <a:rPr lang="en-US" sz="1600" dirty="0"/>
+              <a:t>is </a:t>
+            </a:r>
+            <a:r>
+              <a:rPr lang="en-US" sz="1600" b="1" dirty="0">
+                <a:solidFill>
+                  <a:srgbClr val="0432FF"/>
+                </a:solidFill>
+              </a:rPr>
+              <a:t>special range </a:t>
+            </a:r>
+            <a:r>
+              <a:rPr lang="en-US" sz="1600" dirty="0"/>
+              <a:t>that excel uses to </a:t>
+            </a:r>
+            <a:r>
+              <a:rPr lang="en-US" sz="1600" b="1" dirty="0">
+                <a:solidFill>
+                  <a:srgbClr val="0432FF"/>
+                </a:solidFill>
+              </a:rPr>
+              <a:t>calculate multiple solutions to a formula</a:t>
+            </a:r>
+            <a:r>
+              <a:rPr lang="en-US" sz="1600" dirty="0"/>
+              <a:t>.</a:t>
+            </a:r>
           </a:p>
           <a:p>
             <a:pPr lvl="1">
@@ -4872,14 +5358,275 @@
               <a:buChar char="ü"/>
             </a:pPr>
             <a:r>
-              <a:rPr lang="en-US" sz="2000" dirty="0"/>
-              <a:t>Co</a:t>
-            </a:r>
-            <a:endParaRPr lang="en-US" sz="1900" b="1" dirty="0">
-              <a:solidFill>
-                <a:srgbClr val="00B050"/>
-              </a:solidFill>
-            </a:endParaRPr>
+              <a:rPr lang="en-US" sz="1600" dirty="0">
+                <a:solidFill>
+                  <a:srgbClr val="FF0000"/>
+                </a:solidFill>
+              </a:rPr>
+              <a:t>One-input data table</a:t>
+            </a:r>
+            <a:r>
+              <a:rPr lang="en-US" sz="1600" dirty="0"/>
+              <a:t>:  vary only one of the formula’s input cells.</a:t>
+            </a:r>
+          </a:p>
+          <a:p>
+            <a:pPr lvl="1">
+              <a:lnSpc>
+                <a:spcPct val="100000"/>
+              </a:lnSpc>
+              <a:buFont typeface="Wingdings" pitchFamily="2" charset="2"/>
+              <a:buChar char="ü"/>
+            </a:pPr>
+            <a:r>
+              <a:rPr lang="en-US" sz="1600" dirty="0">
+                <a:solidFill>
+                  <a:srgbClr val="FF0000"/>
+                </a:solidFill>
+              </a:rPr>
+              <a:t>Two-input data table</a:t>
+            </a:r>
+            <a:r>
+              <a:rPr lang="en-US" sz="1600" dirty="0"/>
+              <a:t>: vary two formula inputs at the same time. </a:t>
+            </a:r>
+          </a:p>
+          <a:p>
+            <a:pPr lvl="1">
+              <a:lnSpc>
+                <a:spcPct val="100000"/>
+              </a:lnSpc>
+              <a:buFont typeface="Wingdings" pitchFamily="2" charset="2"/>
+              <a:buChar char="ü"/>
+            </a:pPr>
+            <a:r>
+              <a:rPr lang="en-US" sz="1600" dirty="0"/>
+              <a:t>Skipping data tables when calculating workbooks: </a:t>
+            </a:r>
+            <a:r>
+              <a:rPr lang="en-US" sz="1600" dirty="0">
+                <a:solidFill>
+                  <a:srgbClr val="00B050"/>
+                </a:solidFill>
+              </a:rPr>
+              <a:t>Formulas ➮ Calculation Options ➮ Automatic Except for Data Tables</a:t>
+            </a:r>
+            <a:endParaRPr lang="en-US" sz="1600" dirty="0"/>
+          </a:p>
+          <a:p>
+            <a:pPr>
+              <a:lnSpc>
+                <a:spcPct val="100000"/>
+              </a:lnSpc>
+            </a:pPr>
+            <a:r>
+              <a:rPr lang="en-US" sz="1800" b="1" dirty="0">
+                <a:solidFill>
+                  <a:srgbClr val="0432FF"/>
+                </a:solidFill>
+              </a:rPr>
+              <a:t>Analyzing Data with Scenarios</a:t>
+            </a:r>
+          </a:p>
+          <a:p>
+            <a:pPr lvl="1">
+              <a:lnSpc>
+                <a:spcPct val="100000"/>
+              </a:lnSpc>
+              <a:buFont typeface="Wingdings" pitchFamily="2" charset="2"/>
+              <a:buChar char="ü"/>
+            </a:pPr>
+            <a:r>
+              <a:rPr lang="en-US" sz="1600" b="1" dirty="0">
+                <a:solidFill>
+                  <a:srgbClr val="FF0000"/>
+                </a:solidFill>
+              </a:rPr>
+              <a:t>Scenario:</a:t>
+            </a:r>
+            <a:r>
+              <a:rPr lang="en-US" sz="1600" dirty="0"/>
+              <a:t> coherent sets of input values (three or more input values at a time)</a:t>
+            </a:r>
+          </a:p>
+          <a:p>
+            <a:pPr>
+              <a:lnSpc>
+                <a:spcPct val="100000"/>
+              </a:lnSpc>
+            </a:pPr>
+            <a:r>
+              <a:rPr lang="en-US" sz="1800" b="1" dirty="0">
+                <a:solidFill>
+                  <a:srgbClr val="0432FF"/>
+                </a:solidFill>
+              </a:rPr>
+              <a:t>Optimizing Data with Solver</a:t>
+            </a:r>
+          </a:p>
+          <a:p>
+            <a:pPr lvl="1">
+              <a:lnSpc>
+                <a:spcPct val="100000"/>
+              </a:lnSpc>
+              <a:buFont typeface="Wingdings" pitchFamily="2" charset="2"/>
+              <a:buChar char="ü"/>
+            </a:pPr>
+            <a:r>
+              <a:rPr lang="en-US" sz="1600" dirty="0"/>
+              <a:t>When should use solver? </a:t>
+            </a:r>
+            <a:r>
+              <a:rPr lang="en-US" sz="1600" b="1" dirty="0">
+                <a:solidFill>
+                  <a:srgbClr val="0432FF"/>
+                </a:solidFill>
+              </a:rPr>
+              <a:t>Find the optimized parameter for your equation.</a:t>
+            </a:r>
+          </a:p>
+          <a:p>
+            <a:pPr lvl="2">
+              <a:lnSpc>
+                <a:spcPct val="100000"/>
+              </a:lnSpc>
+              <a:buFont typeface="Wingdings" pitchFamily="2" charset="2"/>
+              <a:buChar char="§"/>
+            </a:pPr>
+            <a:r>
+              <a:rPr lang="en-US" sz="1400" dirty="0">
+                <a:solidFill>
+                  <a:srgbClr val="0432FF"/>
+                </a:solidFill>
+              </a:rPr>
+              <a:t>break-even analysis, maximized profits, minimize cost, etc.</a:t>
+            </a:r>
+          </a:p>
+          <a:p>
+            <a:pPr lvl="1">
+              <a:lnSpc>
+                <a:spcPct val="100000"/>
+              </a:lnSpc>
+              <a:buFont typeface="Wingdings" pitchFamily="2" charset="2"/>
+              <a:buChar char="ü"/>
+            </a:pPr>
+            <a:r>
+              <a:rPr lang="en-US" sz="1600" dirty="0"/>
+              <a:t>Save a solver solution as a scenario</a:t>
+            </a:r>
+          </a:p>
+          <a:p>
+            <a:pPr lvl="1">
+              <a:lnSpc>
+                <a:spcPct val="100000"/>
+              </a:lnSpc>
+              <a:buFont typeface="Wingdings" pitchFamily="2" charset="2"/>
+              <a:buChar char="ü"/>
+            </a:pPr>
+            <a:r>
+              <a:rPr lang="en-US" sz="1600" dirty="0"/>
+              <a:t>Advantages of solver</a:t>
+            </a:r>
+          </a:p>
+          <a:p>
+            <a:pPr lvl="2">
+              <a:lnSpc>
+                <a:spcPct val="100000"/>
+              </a:lnSpc>
+              <a:buFont typeface="Wingdings" pitchFamily="2" charset="2"/>
+              <a:buChar char="§"/>
+            </a:pPr>
+            <a:r>
+              <a:rPr lang="en-US" sz="1400" dirty="0"/>
+              <a:t>Solver enables you to </a:t>
+            </a:r>
+            <a:r>
+              <a:rPr lang="en-US" sz="1400" dirty="0">
+                <a:solidFill>
+                  <a:srgbClr val="0432FF"/>
+                </a:solidFill>
+              </a:rPr>
+              <a:t>specify multiple adjustable cells</a:t>
+            </a:r>
+            <a:r>
+              <a:rPr lang="en-US" sz="1400" dirty="0"/>
+              <a:t>.</a:t>
+            </a:r>
+          </a:p>
+          <a:p>
+            <a:pPr lvl="2">
+              <a:lnSpc>
+                <a:spcPct val="100000"/>
+              </a:lnSpc>
+              <a:buFont typeface="Wingdings" pitchFamily="2" charset="2"/>
+              <a:buChar char="§"/>
+            </a:pPr>
+            <a:r>
+              <a:rPr lang="en-US" sz="1400" dirty="0"/>
+              <a:t>Solver enables you to </a:t>
+            </a:r>
+            <a:r>
+              <a:rPr lang="en-US" sz="1400" dirty="0">
+                <a:solidFill>
+                  <a:srgbClr val="0432FF"/>
+                </a:solidFill>
+              </a:rPr>
+              <a:t>set up constraints </a:t>
+            </a:r>
+            <a:r>
+              <a:rPr lang="en-US" sz="1400" dirty="0"/>
+              <a:t>on the adjustable cells.</a:t>
+            </a:r>
+          </a:p>
+          <a:p>
+            <a:pPr lvl="2">
+              <a:lnSpc>
+                <a:spcPct val="100000"/>
+              </a:lnSpc>
+              <a:buFont typeface="Wingdings" pitchFamily="2" charset="2"/>
+              <a:buChar char="§"/>
+            </a:pPr>
+            <a:r>
+              <a:rPr lang="en-US" sz="1400" dirty="0"/>
+              <a:t>Solver seeks not only a desired results but also the</a:t>
+            </a:r>
+            <a:r>
+              <a:rPr lang="en-US" sz="1400" dirty="0">
+                <a:solidFill>
+                  <a:srgbClr val="0432FF"/>
+                </a:solidFill>
+              </a:rPr>
+              <a:t> optimal one</a:t>
+            </a:r>
+            <a:r>
+              <a:rPr lang="en-US" sz="1400" dirty="0"/>
+              <a:t>.</a:t>
+            </a:r>
+          </a:p>
+          <a:p>
+            <a:pPr lvl="2">
+              <a:lnSpc>
+                <a:spcPct val="100000"/>
+              </a:lnSpc>
+              <a:buFont typeface="Wingdings" pitchFamily="2" charset="2"/>
+              <a:buChar char="§"/>
+            </a:pPr>
+            <a:r>
+              <a:rPr lang="en-US" sz="1400" dirty="0"/>
+              <a:t>Solver can </a:t>
+            </a:r>
+            <a:r>
+              <a:rPr lang="en-US" sz="1400" dirty="0">
+                <a:solidFill>
+                  <a:srgbClr val="0432FF"/>
+                </a:solidFill>
+              </a:rPr>
+              <a:t>generate multiple solutions</a:t>
+            </a:r>
+            <a:r>
+              <a:rPr lang="en-US" sz="1400" dirty="0"/>
+              <a:t>.</a:t>
+            </a:r>
           </a:p>
         </p:txBody>
       </p:sp>
@@ -5189,4 +5936,299 @@
     </a:ext>
   </a:extLst>
 </a:theme>
+</file>
+
+<file path=ppt/theme/theme2.xml><?xml version="1.0" encoding="utf-8"?>
+<a:theme xmlns:a="http://schemas.openxmlformats.org/drawingml/2006/main" name="Office Theme">
+  <a:themeElements>
+    <a:clrScheme name="Office">
+      <a:dk1>
+        <a:sysClr val="windowText" lastClr="000000"/>
+      </a:dk1>
+      <a:lt1>
+        <a:sysClr val="window" lastClr="FFFFFF"/>
+      </a:lt1>
+      <a:dk2>
+        <a:srgbClr val="44546A"/>
+      </a:dk2>
+      <a:lt2>
+        <a:srgbClr val="E7E6E6"/>
+      </a:lt2>
+      <a:accent1>
+        <a:srgbClr val="4472C4"/>
+      </a:accent1>
+      <a:accent2>
+        <a:srgbClr val="ED7D31"/>
+      </a:accent2>
+      <a:accent3>
+        <a:srgbClr val="A5A5A5"/>
+      </a:accent3>
+      <a:accent4>
+        <a:srgbClr val="FFC000"/>
+      </a:accent4>
+      <a:accent5>
+        <a:srgbClr val="5B9BD5"/>
+      </a:accent5>
+      <a:accent6>
+        <a:srgbClr val="70AD47"/>
+      </a:accent6>
+      <a:hlink>
+        <a:srgbClr val="0563C1"/>
+      </a:hlink>
+      <a:folHlink>
+        <a:srgbClr val="954F72"/>
+      </a:folHlink>
+    </a:clrScheme>
+    <a:fontScheme name="Office">
+      <a:majorFont>
+        <a:latin typeface="Calibri Light" panose="020F0302020204030204"/>
+        <a:ea typeface=""/>
+        <a:cs typeface=""/>
+        <a:font script="Jpan" typeface="游ゴシック Light"/>
+        <a:font script="Hang" typeface="맑은 고딕"/>
+        <a:font script="Hans" typeface="等线 Light"/>
+        <a:font script="Hant" typeface="新細明體"/>
+        <a:font script="Arab" typeface="Times New Roman"/>
+        <a:font script="Hebr" typeface="Times New Roman"/>
+        <a:font script="Thai" typeface="Angsana New"/>
+        <a:font script="Ethi" typeface="Nyala"/>
+        <a:font script="Beng" typeface="Vrinda"/>
+        <a:font script="Gujr" typeface="Shruti"/>
+        <a:font script="Khmr" typeface="MoolBoran"/>
+        <a:font script="Knda" typeface="Tunga"/>
+        <a:font script="Guru" typeface="Raavi"/>
+        <a:font script="Cans" typeface="Euphemia"/>
+        <a:font script="Cher" typeface="Plantagenet Cherokee"/>
+        <a:font script="Yiii" typeface="Microsoft Yi Baiti"/>
+        <a:font script="Tibt" typeface="Microsoft Himalaya"/>
+        <a:font script="Thaa" typeface="MV Boli"/>
+        <a:font script="Deva" typeface="Mangal"/>
+        <a:font script="Telu" typeface="Gautami"/>
+        <a:font script="Taml" typeface="Latha"/>
+        <a:font script="Syrc" typeface="Estrangelo Edessa"/>
+        <a:font script="Orya" typeface="Kalinga"/>
+        <a:font script="Mlym" typeface="Kartika"/>
+        <a:font script="Laoo" typeface="DokChampa"/>
+        <a:font script="Sinh" typeface="Iskoola Pota"/>
+        <a:font script="Mong" typeface="Mongolian Baiti"/>
+        <a:font script="Viet" typeface="Times New Roman"/>
+        <a:font script="Uigh" typeface="Microsoft Uighur"/>
+        <a:font script="Geor" typeface="Sylfaen"/>
+        <a:font script="Armn" typeface="Arial"/>
+        <a:font script="Bugi" typeface="Leelawadee UI"/>
+        <a:font script="Bopo" typeface="Microsoft JhengHei"/>
+        <a:font script="Java" typeface="Javanese Text"/>
+        <a:font script="Lisu" typeface="Segoe UI"/>
+        <a:font script="Mymr" typeface="Myanmar Text"/>
+        <a:font script="Nkoo" typeface="Ebrima"/>
+        <a:font script="Olck" typeface="Nirmala UI"/>
+        <a:font script="Osma" typeface="Ebrima"/>
+        <a:font script="Phag" typeface="Phagspa"/>
+        <a:font script="Syrn" typeface="Estrangelo Edessa"/>
+        <a:font script="Syrj" typeface="Estrangelo Edessa"/>
+        <a:font script="Syre" typeface="Estrangelo Edessa"/>
+        <a:font script="Sora" typeface="Nirmala UI"/>
+        <a:font script="Tale" typeface="Microsoft Tai Le"/>
+        <a:font script="Talu" typeface="Microsoft New Tai Lue"/>
+        <a:font script="Tfng" typeface="Ebrima"/>
+      </a:majorFont>
+      <a:minorFont>
+        <a:latin typeface="Calibri" panose="020F0502020204030204"/>
+        <a:ea typeface=""/>
+        <a:cs typeface=""/>
+        <a:font script="Jpan" typeface="游ゴシック"/>
+        <a:font script="Hang" typeface="맑은 고딕"/>
+        <a:font script="Hans" typeface="等线"/>
+        <a:font script="Hant" typeface="新細明體"/>
+        <a:font script="Arab" typeface="Arial"/>
+        <a:font script="Hebr" typeface="Arial"/>
+        <a:font script="Thai" typeface="Cordia New"/>
+        <a:font script="Ethi" typeface="Nyala"/>
+        <a:font script="Beng" typeface="Vrinda"/>
+        <a:font script="Gujr" typeface="Shruti"/>
+        <a:font script="Khmr" typeface="DaunPenh"/>
+        <a:font script="Knda" typeface="Tunga"/>
+        <a:font script="Guru" typeface="Raavi"/>
+        <a:font script="Cans" typeface="Euphemia"/>
+        <a:font script="Cher" typeface="Plantagenet Cherokee"/>
+        <a:font script="Yiii" typeface="Microsoft Yi Baiti"/>
+        <a:font script="Tibt" typeface="Microsoft Himalaya"/>
+        <a:font script="Thaa" typeface="MV Boli"/>
+        <a:font script="Deva" typeface="Mangal"/>
+        <a:font script="Telu" typeface="Gautami"/>
+        <a:font script="Taml" typeface="Latha"/>
+        <a:font script="Syrc" typeface="Estrangelo Edessa"/>
+        <a:font script="Orya" typeface="Kalinga"/>
+        <a:font script="Mlym" typeface="Kartika"/>
+        <a:font script="Laoo" typeface="DokChampa"/>
+        <a:font script="Sinh" typeface="Iskoola Pota"/>
+        <a:font script="Mong" typeface="Mongolian Baiti"/>
+        <a:font script="Viet" typeface="Arial"/>
+        <a:font script="Uigh" typeface="Microsoft Uighur"/>
+        <a:font script="Geor" typeface="Sylfaen"/>
+        <a:font script="Armn" typeface="Arial"/>
+        <a:font script="Bugi" typeface="Leelawadee UI"/>
+        <a:font script="Bopo" typeface="Microsoft JhengHei"/>
+        <a:font script="Java" typeface="Javanese Text"/>
+        <a:font script="Lisu" typeface="Segoe UI"/>
+        <a:font script="Mymr" typeface="Myanmar Text"/>
+        <a:font script="Nkoo" typeface="Ebrima"/>
+        <a:font script="Olck" typeface="Nirmala UI"/>
+        <a:font script="Osma" typeface="Ebrima"/>
+        <a:font script="Phag" typeface="Phagspa"/>
+        <a:font script="Syrn" typeface="Estrangelo Edessa"/>
+        <a:font script="Syrj" typeface="Estrangelo Edessa"/>
+        <a:font script="Syre" typeface="Estrangelo Edessa"/>
+        <a:font script="Sora" typeface="Nirmala UI"/>
+        <a:font script="Tale" typeface="Microsoft Tai Le"/>
+        <a:font script="Talu" typeface="Microsoft New Tai Lue"/>
+        <a:font script="Tfng" typeface="Ebrima"/>
+      </a:minorFont>
+    </a:fontScheme>
+    <a:fmtScheme name="Office">
+      <a:fillStyleLst>
+        <a:solidFill>
+          <a:schemeClr val="phClr"/>
+        </a:solidFill>
+        <a:gradFill rotWithShape="1">
+          <a:gsLst>
+            <a:gs pos="0">
+              <a:schemeClr val="phClr">
+                <a:lumMod val="110000"/>
+                <a:satMod val="105000"/>
+                <a:tint val="67000"/>
+              </a:schemeClr>
+            </a:gs>
+            <a:gs pos="50000">
+              <a:schemeClr val="phClr">
+                <a:lumMod val="105000"/>
+                <a:satMod val="103000"/>
+                <a:tint val="73000"/>
+              </a:schemeClr>
+            </a:gs>
+            <a:gs pos="100000">
+              <a:schemeClr val="phClr">
+                <a:lumMod val="105000"/>
+                <a:satMod val="109000"/>
+                <a:tint val="81000"/>
+              </a:schemeClr>
+            </a:gs>
+          </a:gsLst>
+          <a:lin ang="5400000" scaled="0"/>
+        </a:gradFill>
+        <a:gradFill rotWithShape="1">
+          <a:gsLst>
+            <a:gs pos="0">
+              <a:schemeClr val="phClr">
+                <a:satMod val="103000"/>
+                <a:lumMod val="102000"/>
+                <a:tint val="94000"/>
+              </a:schemeClr>
+            </a:gs>
+            <a:gs pos="50000">
+              <a:schemeClr val="phClr">
+                <a:satMod val="110000"/>
+                <a:lumMod val="100000"/>
+                <a:shade val="100000"/>
+              </a:schemeClr>
+            </a:gs>
+            <a:gs pos="100000">
+              <a:schemeClr val="phClr">
+                <a:lumMod val="99000"/>
+                <a:satMod val="120000"/>
+                <a:shade val="78000"/>
+              </a:schemeClr>
+            </a:gs>
+          </a:gsLst>
+          <a:lin ang="5400000" scaled="0"/>
+        </a:gradFill>
+      </a:fillStyleLst>
+      <a:lnStyleLst>
+        <a:ln w="6350" cap="flat" cmpd="sng" algn="ctr">
+          <a:solidFill>
+            <a:schemeClr val="phClr"/>
+          </a:solidFill>
+          <a:prstDash val="solid"/>
+          <a:miter lim="800000"/>
+        </a:ln>
+        <a:ln w="12700" cap="flat" cmpd="sng" algn="ctr">
+          <a:solidFill>
+            <a:schemeClr val="phClr"/>
+          </a:solidFill>
+          <a:prstDash val="solid"/>
+          <a:miter lim="800000"/>
+        </a:ln>
+        <a:ln w="19050" cap="flat" cmpd="sng" algn="ctr">
+          <a:solidFill>
+            <a:schemeClr val="phClr"/>
+          </a:solidFill>
+          <a:prstDash val="solid"/>
+          <a:miter lim="800000"/>
+        </a:ln>
+      </a:lnStyleLst>
+      <a:effectStyleLst>
+        <a:effectStyle>
+          <a:effectLst/>
+        </a:effectStyle>
+        <a:effectStyle>
+          <a:effectLst/>
+        </a:effectStyle>
+        <a:effectStyle>
+          <a:effectLst>
+            <a:outerShdw blurRad="57150" dist="19050" dir="5400000" algn="ctr" rotWithShape="0">
+              <a:srgbClr val="000000">
+                <a:alpha val="63000"/>
+              </a:srgbClr>
+            </a:outerShdw>
+          </a:effectLst>
+        </a:effectStyle>
+      </a:effectStyleLst>
+      <a:bgFillStyleLst>
+        <a:solidFill>
+          <a:schemeClr val="phClr"/>
+        </a:solidFill>
+        <a:solidFill>
+          <a:schemeClr val="phClr">
+            <a:tint val="95000"/>
+            <a:satMod val="170000"/>
+          </a:schemeClr>
+        </a:solidFill>
+        <a:gradFill rotWithShape="1">
+          <a:gsLst>
+            <a:gs pos="0">
+              <a:schemeClr val="phClr">
+                <a:tint val="93000"/>
+                <a:satMod val="150000"/>
+                <a:shade val="98000"/>
+                <a:lumMod val="102000"/>
+              </a:schemeClr>
+            </a:gs>
+            <a:gs pos="50000">
+              <a:schemeClr val="phClr">
+                <a:tint val="98000"/>
+                <a:satMod val="130000"/>
+                <a:shade val="90000"/>
+                <a:lumMod val="103000"/>
+              </a:schemeClr>
+            </a:gs>
+            <a:gs pos="100000">
+              <a:schemeClr val="phClr">
+                <a:shade val="63000"/>
+                <a:satMod val="120000"/>
+              </a:schemeClr>
+            </a:gs>
+          </a:gsLst>
+          <a:lin ang="5400000" scaled="0"/>
+        </a:gradFill>
+      </a:bgFillStyleLst>
+    </a:fmtScheme>
+  </a:themeElements>
+  <a:objectDefaults/>
+  <a:extraClrSchemeLst/>
+  <a:extLst>
+    <a:ext uri="{05A4C25C-085E-4340-85A3-A5531E510DB2}">
+      <thm15:themeFamily xmlns:thm15="http://schemas.microsoft.com/office/thememl/2012/main" name="Office Theme" id="{62F939B6-93AF-4DB8-9C6B-D6C7DFDC589F}" vid="{4A3C46E8-61CC-4603-A589-7422A47A8E4A}"/>
+    </a:ext>
+  </a:extLst>
+</a:theme>
 </file>
--- a/EXCEL/ExcelDataAnalysisFD_Examples/Excel data analysis for dummies Outline.pptx
+++ b/EXCEL/ExcelDataAnalysisFD_Examples/Excel data analysis for dummies Outline.pptx
@@ -5,13 +5,14 @@
     <p:sldMasterId id="2147483648" r:id="rId1"/>
   </p:sldMasterIdLst>
   <p:notesMasterIdLst>
-    <p:notesMasterId r:id="rId6"/>
+    <p:notesMasterId r:id="rId7"/>
   </p:notesMasterIdLst>
   <p:sldIdLst>
     <p:sldId id="258" r:id="rId2"/>
     <p:sldId id="256" r:id="rId3"/>
     <p:sldId id="257" r:id="rId4"/>
     <p:sldId id="259" r:id="rId5"/>
+    <p:sldId id="260" r:id="rId6"/>
   </p:sldIdLst>
   <p:sldSz cx="12192000" cy="6858000"/>
   <p:notesSz cx="6858000" cy="9144000"/>
@@ -200,7 +201,7 @@
           <a:p>
             <a:fld id="{2B41910D-C82E-0643-9441-1C53B2342047}" type="datetimeFigureOut">
               <a:rPr lang="en-US" smtClean="0"/>
-              <a:t>4/22/19</a:t>
+              <a:t>4/23/19</a:t>
             </a:fld>
             <a:endParaRPr lang="en-US"/>
           </a:p>
@@ -551,6 +552,90 @@
 </p:notes>
 </file>
 
+<file path=ppt/notesSlides/notesSlide2.xml><?xml version="1.0" encoding="utf-8"?>
+<p:notes xmlns:a="http://schemas.openxmlformats.org/drawingml/2006/main" xmlns:r="http://schemas.openxmlformats.org/officeDocument/2006/relationships" xmlns:p="http://schemas.openxmlformats.org/presentationml/2006/main">
+  <p:cSld>
+    <p:spTree>
+      <p:nvGrpSpPr>
+        <p:cNvPr id="1" name=""/>
+        <p:cNvGrpSpPr/>
+        <p:nvPr/>
+      </p:nvGrpSpPr>
+      <p:grpSpPr>
+        <a:xfrm>
+          <a:off x="0" y="0"/>
+          <a:ext cx="0" cy="0"/>
+          <a:chOff x="0" y="0"/>
+          <a:chExt cx="0" cy="0"/>
+        </a:xfrm>
+      </p:grpSpPr>
+      <p:sp>
+        <p:nvSpPr>
+          <p:cNvPr id="2" name="Slide Image Placeholder 1"/>
+          <p:cNvSpPr>
+            <a:spLocks noGrp="1" noRot="1" noChangeAspect="1"/>
+          </p:cNvSpPr>
+          <p:nvPr>
+            <p:ph type="sldImg"/>
+          </p:nvPr>
+        </p:nvSpPr>
+        <p:spPr/>
+      </p:sp>
+      <p:sp>
+        <p:nvSpPr>
+          <p:cNvPr id="3" name="Notes Placeholder 2"/>
+          <p:cNvSpPr>
+            <a:spLocks noGrp="1"/>
+          </p:cNvSpPr>
+          <p:nvPr>
+            <p:ph type="body" idx="1"/>
+          </p:nvPr>
+        </p:nvSpPr>
+        <p:spPr/>
+        <p:txBody>
+          <a:bodyPr/>
+          <a:lstStyle/>
+          <a:p>
+            <a:endParaRPr lang="en-US" dirty="0"/>
+          </a:p>
+        </p:txBody>
+      </p:sp>
+      <p:sp>
+        <p:nvSpPr>
+          <p:cNvPr id="4" name="Slide Number Placeholder 3"/>
+          <p:cNvSpPr>
+            <a:spLocks noGrp="1"/>
+          </p:cNvSpPr>
+          <p:nvPr>
+            <p:ph type="sldNum" sz="quarter" idx="5"/>
+          </p:nvPr>
+        </p:nvSpPr>
+        <p:spPr/>
+        <p:txBody>
+          <a:bodyPr/>
+          <a:lstStyle/>
+          <a:p>
+            <a:fld id="{ED060FC7-56EE-7148-A2F0-7A6C56864D50}" type="slidenum">
+              <a:rPr lang="en-US" smtClean="0"/>
+              <a:t>5</a:t>
+            </a:fld>
+            <a:endParaRPr lang="en-US"/>
+          </a:p>
+        </p:txBody>
+      </p:sp>
+    </p:spTree>
+    <p:extLst>
+      <p:ext uri="{BB962C8B-B14F-4D97-AF65-F5344CB8AC3E}">
+        <p14:creationId xmlns:p14="http://schemas.microsoft.com/office/powerpoint/2010/main" val="3227549706"/>
+      </p:ext>
+    </p:extLst>
+  </p:cSld>
+  <p:clrMapOvr>
+    <a:masterClrMapping/>
+  </p:clrMapOvr>
+</p:notes>
+</file>
+
 <file path=ppt/slideLayouts/slideLayout1.xml><?xml version="1.0" encoding="utf-8"?>
 <p:sldLayout xmlns:a="http://schemas.openxmlformats.org/drawingml/2006/main" xmlns:r="http://schemas.openxmlformats.org/officeDocument/2006/relationships" xmlns:p="http://schemas.openxmlformats.org/presentationml/2006/main" type="title" preserve="1">
   <p:cSld name="Title Slide">
@@ -698,7 +783,7 @@
           <a:p>
             <a:fld id="{BA2EFF2D-EB75-7441-83B2-DFF7D8BDD44A}" type="datetimeFigureOut">
               <a:rPr lang="en-US" smtClean="0"/>
-              <a:t>4/22/19</a:t>
+              <a:t>4/23/19</a:t>
             </a:fld>
             <a:endParaRPr lang="en-US" dirty="0"/>
           </a:p>
@@ -896,7 +981,7 @@
           <a:p>
             <a:fld id="{BA2EFF2D-EB75-7441-83B2-DFF7D8BDD44A}" type="datetimeFigureOut">
               <a:rPr lang="en-US" smtClean="0"/>
-              <a:t>4/22/19</a:t>
+              <a:t>4/23/19</a:t>
             </a:fld>
             <a:endParaRPr lang="en-US" dirty="0"/>
           </a:p>
@@ -1104,7 +1189,7 @@
           <a:p>
             <a:fld id="{BA2EFF2D-EB75-7441-83B2-DFF7D8BDD44A}" type="datetimeFigureOut">
               <a:rPr lang="en-US" smtClean="0"/>
-              <a:t>4/22/19</a:t>
+              <a:t>4/23/19</a:t>
             </a:fld>
             <a:endParaRPr lang="en-US" dirty="0"/>
           </a:p>
@@ -1302,7 +1387,7 @@
           <a:p>
             <a:fld id="{BA2EFF2D-EB75-7441-83B2-DFF7D8BDD44A}" type="datetimeFigureOut">
               <a:rPr lang="en-US" smtClean="0"/>
-              <a:t>4/22/19</a:t>
+              <a:t>4/23/19</a:t>
             </a:fld>
             <a:endParaRPr lang="en-US" dirty="0"/>
           </a:p>
@@ -1577,7 +1662,7 @@
           <a:p>
             <a:fld id="{BA2EFF2D-EB75-7441-83B2-DFF7D8BDD44A}" type="datetimeFigureOut">
               <a:rPr lang="en-US" smtClean="0"/>
-              <a:t>4/22/19</a:t>
+              <a:t>4/23/19</a:t>
             </a:fld>
             <a:endParaRPr lang="en-US" dirty="0"/>
           </a:p>
@@ -1842,7 +1927,7 @@
           <a:p>
             <a:fld id="{BA2EFF2D-EB75-7441-83B2-DFF7D8BDD44A}" type="datetimeFigureOut">
               <a:rPr lang="en-US" smtClean="0"/>
-              <a:t>4/22/19</a:t>
+              <a:t>4/23/19</a:t>
             </a:fld>
             <a:endParaRPr lang="en-US" dirty="0"/>
           </a:p>
@@ -2254,7 +2339,7 @@
           <a:p>
             <a:fld id="{BA2EFF2D-EB75-7441-83B2-DFF7D8BDD44A}" type="datetimeFigureOut">
               <a:rPr lang="en-US" smtClean="0"/>
-              <a:t>4/22/19</a:t>
+              <a:t>4/23/19</a:t>
             </a:fld>
             <a:endParaRPr lang="en-US" dirty="0"/>
           </a:p>
@@ -2395,7 +2480,7 @@
           <a:p>
             <a:fld id="{BA2EFF2D-EB75-7441-83B2-DFF7D8BDD44A}" type="datetimeFigureOut">
               <a:rPr lang="en-US" smtClean="0"/>
-              <a:t>4/22/19</a:t>
+              <a:t>4/23/19</a:t>
             </a:fld>
             <a:endParaRPr lang="en-US" dirty="0"/>
           </a:p>
@@ -2508,7 +2593,7 @@
           <a:p>
             <a:fld id="{BA2EFF2D-EB75-7441-83B2-DFF7D8BDD44A}" type="datetimeFigureOut">
               <a:rPr lang="en-US" smtClean="0"/>
-              <a:t>4/22/19</a:t>
+              <a:t>4/23/19</a:t>
             </a:fld>
             <a:endParaRPr lang="en-US" dirty="0"/>
           </a:p>
@@ -2819,7 +2904,7 @@
           <a:p>
             <a:fld id="{BA2EFF2D-EB75-7441-83B2-DFF7D8BDD44A}" type="datetimeFigureOut">
               <a:rPr lang="en-US" smtClean="0"/>
-              <a:t>4/22/19</a:t>
+              <a:t>4/23/19</a:t>
             </a:fld>
             <a:endParaRPr lang="en-US" dirty="0"/>
           </a:p>
@@ -3107,7 +3192,7 @@
           <a:p>
             <a:fld id="{BA2EFF2D-EB75-7441-83B2-DFF7D8BDD44A}" type="datetimeFigureOut">
               <a:rPr lang="en-US" smtClean="0"/>
-              <a:t>4/22/19</a:t>
+              <a:t>4/23/19</a:t>
             </a:fld>
             <a:endParaRPr lang="en-US" dirty="0"/>
           </a:p>
@@ -3348,7 +3433,7 @@
           <a:p>
             <a:fld id="{BA2EFF2D-EB75-7441-83B2-DFF7D8BDD44A}" type="datetimeFigureOut">
               <a:rPr lang="en-US" smtClean="0"/>
-              <a:t>4/22/19</a:t>
+              <a:t>4/23/19</a:t>
             </a:fld>
             <a:endParaRPr lang="en-US" dirty="0"/>
           </a:p>
@@ -5634,6 +5719,245 @@
     <p:extLst>
       <p:ext uri="{BB962C8B-B14F-4D97-AF65-F5344CB8AC3E}">
         <p14:creationId xmlns:p14="http://schemas.microsoft.com/office/powerpoint/2010/main" val="924075620"/>
+      </p:ext>
+    </p:extLst>
+  </p:cSld>
+  <p:clrMapOvr>
+    <a:masterClrMapping/>
+  </p:clrMapOvr>
+</p:sld>
+</file>
+
+<file path=ppt/slides/slide5.xml><?xml version="1.0" encoding="utf-8"?>
+<p:sld xmlns:a="http://schemas.openxmlformats.org/drawingml/2006/main" xmlns:r="http://schemas.openxmlformats.org/officeDocument/2006/relationships" xmlns:p="http://schemas.openxmlformats.org/presentationml/2006/main">
+  <p:cSld>
+    <p:spTree>
+      <p:nvGrpSpPr>
+        <p:cNvPr id="1" name=""/>
+        <p:cNvGrpSpPr/>
+        <p:nvPr/>
+      </p:nvGrpSpPr>
+      <p:grpSpPr>
+        <a:xfrm>
+          <a:off x="0" y="0"/>
+          <a:ext cx="0" cy="0"/>
+          <a:chOff x="0" y="0"/>
+          <a:chExt cx="0" cy="0"/>
+        </a:xfrm>
+      </p:grpSpPr>
+      <p:sp>
+        <p:nvSpPr>
+          <p:cNvPr id="2" name="Title 1">
+            <a:extLst>
+              <a:ext uri="{FF2B5EF4-FFF2-40B4-BE49-F238E27FC236}">
+                <a16:creationId xmlns:a16="http://schemas.microsoft.com/office/drawing/2014/main" id="{325F2CEE-19ED-7C4A-A98E-9F27CF54B024}"/>
+              </a:ext>
+            </a:extLst>
+          </p:cNvPr>
+          <p:cNvSpPr>
+            <a:spLocks noGrp="1"/>
+          </p:cNvSpPr>
+          <p:nvPr>
+            <p:ph type="title"/>
+          </p:nvPr>
+        </p:nvSpPr>
+        <p:spPr>
+          <a:xfrm>
+            <a:off x="0" y="18256"/>
+            <a:ext cx="12192000" cy="649010"/>
+          </a:xfrm>
+        </p:spPr>
+        <p:txBody>
+          <a:bodyPr>
+            <a:normAutofit/>
+          </a:bodyPr>
+          <a:lstStyle/>
+          <a:p>
+            <a:r>
+              <a:rPr lang="en-US" sz="3200" b="1" dirty="0">
+                <a:solidFill>
+                  <a:srgbClr val="FF0000"/>
+                </a:solidFill>
+                <a:latin typeface="+mn-lt"/>
+              </a:rPr>
+              <a:t>Chapter 3 Introducing Excel Tables</a:t>
+            </a:r>
+          </a:p>
+        </p:txBody>
+      </p:sp>
+      <p:sp>
+        <p:nvSpPr>
+          <p:cNvPr id="3" name="Content Placeholder 2">
+            <a:extLst>
+              <a:ext uri="{FF2B5EF4-FFF2-40B4-BE49-F238E27FC236}">
+                <a16:creationId xmlns:a16="http://schemas.microsoft.com/office/drawing/2014/main" id="{DA798BC4-B594-814E-A4E1-8CD104A74B99}"/>
+              </a:ext>
+            </a:extLst>
+          </p:cNvPr>
+          <p:cNvSpPr>
+            <a:spLocks noGrp="1"/>
+          </p:cNvSpPr>
+          <p:nvPr>
+            <p:ph idx="1"/>
+          </p:nvPr>
+        </p:nvSpPr>
+        <p:spPr>
+          <a:xfrm>
+            <a:off x="0" y="667266"/>
+            <a:ext cx="12192000" cy="6190734"/>
+          </a:xfrm>
+        </p:spPr>
+        <p:txBody>
+          <a:bodyPr>
+            <a:normAutofit/>
+          </a:bodyPr>
+          <a:lstStyle/>
+          <a:p>
+            <a:pPr>
+              <a:lnSpc>
+                <a:spcPct val="100000"/>
+              </a:lnSpc>
+            </a:pPr>
+            <a:r>
+              <a:rPr lang="en-US" sz="1800" b="1" dirty="0">
+                <a:solidFill>
+                  <a:srgbClr val="0432FF"/>
+                </a:solidFill>
+              </a:rPr>
+              <a:t>Range ⬄ Table</a:t>
+            </a:r>
+          </a:p>
+          <a:p>
+            <a:pPr lvl="1">
+              <a:lnSpc>
+                <a:spcPct val="100000"/>
+              </a:lnSpc>
+              <a:buFont typeface="Wingdings" pitchFamily="2" charset="2"/>
+              <a:buChar char="ü"/>
+            </a:pPr>
+            <a:r>
+              <a:rPr lang="en-US" sz="1600" dirty="0">
+                <a:solidFill>
+                  <a:srgbClr val="00B050"/>
+                </a:solidFill>
+              </a:rPr>
+              <a:t>Choose </a:t>
+            </a:r>
+            <a:r>
+              <a:rPr lang="en-US" sz="1600" dirty="0">
+                <a:solidFill>
+                  <a:srgbClr val="FF0000"/>
+                </a:solidFill>
+              </a:rPr>
+              <a:t>Range</a:t>
+            </a:r>
+            <a:r>
+              <a:rPr lang="en-US" sz="1600" dirty="0">
+                <a:solidFill>
+                  <a:srgbClr val="00B050"/>
+                </a:solidFill>
+              </a:rPr>
+              <a:t> ➮ Insert ➮</a:t>
+            </a:r>
+            <a:r>
+              <a:rPr lang="en-US" sz="1600" dirty="0">
+                <a:solidFill>
+                  <a:srgbClr val="FF0000"/>
+                </a:solidFill>
+              </a:rPr>
+              <a:t> Tables </a:t>
+            </a:r>
+            <a:r>
+              <a:rPr lang="en-US" sz="1600" dirty="0">
+                <a:solidFill>
+                  <a:srgbClr val="00B050"/>
+                </a:solidFill>
+              </a:rPr>
+              <a:t> (</a:t>
+            </a:r>
+            <a:r>
+              <a:rPr lang="en-US" sz="1600" dirty="0"/>
+              <a:t>or </a:t>
+            </a:r>
+            <a:r>
+              <a:rPr lang="en-US" sz="1600" dirty="0">
+                <a:solidFill>
+                  <a:srgbClr val="00B050"/>
+                </a:solidFill>
+              </a:rPr>
+              <a:t>Command + T)</a:t>
+            </a:r>
+          </a:p>
+          <a:p>
+            <a:pPr lvl="1">
+              <a:lnSpc>
+                <a:spcPct val="100000"/>
+              </a:lnSpc>
+              <a:buFont typeface="Wingdings" pitchFamily="2" charset="2"/>
+              <a:buChar char="ü"/>
+            </a:pPr>
+            <a:r>
+              <a:rPr lang="en-US" sz="1600" dirty="0">
+                <a:solidFill>
+                  <a:srgbClr val="00B050"/>
+                </a:solidFill>
+              </a:rPr>
+              <a:t>Choose any cell of </a:t>
+            </a:r>
+            <a:r>
+              <a:rPr lang="en-US" sz="1600" dirty="0">
+                <a:solidFill>
+                  <a:srgbClr val="FF0000"/>
+                </a:solidFill>
+              </a:rPr>
+              <a:t>Table</a:t>
+            </a:r>
+            <a:r>
+              <a:rPr lang="en-US" sz="1600" dirty="0">
+                <a:solidFill>
+                  <a:srgbClr val="00B050"/>
+                </a:solidFill>
+              </a:rPr>
+              <a:t> ➮ Data ➮ Table Tool ➮ Convert to </a:t>
+            </a:r>
+            <a:r>
+              <a:rPr lang="en-US" sz="1600" dirty="0">
+                <a:solidFill>
+                  <a:srgbClr val="FF0000"/>
+                </a:solidFill>
+              </a:rPr>
+              <a:t>Range</a:t>
+            </a:r>
+            <a:r>
+              <a:rPr lang="en-US" sz="1600" dirty="0">
+                <a:solidFill>
+                  <a:srgbClr val="00B050"/>
+                </a:solidFill>
+              </a:rPr>
+              <a:t> </a:t>
+            </a:r>
+          </a:p>
+          <a:p>
+            <a:pPr>
+              <a:lnSpc>
+                <a:spcPct val="100000"/>
+              </a:lnSpc>
+            </a:pPr>
+            <a:r>
+              <a:rPr lang="en-US" sz="1800" b="1" dirty="0">
+                <a:solidFill>
+                  <a:srgbClr val="0432FF"/>
+                </a:solidFill>
+              </a:rPr>
+              <a:t>Advanced Filters</a:t>
+            </a:r>
+          </a:p>
+        </p:txBody>
+      </p:sp>
+    </p:spTree>
+    <p:extLst>
+      <p:ext uri="{BB962C8B-B14F-4D97-AF65-F5344CB8AC3E}">
+        <p14:creationId xmlns:p14="http://schemas.microsoft.com/office/powerpoint/2010/main" val="691318375"/>
       </p:ext>
     </p:extLst>
   </p:cSld>

--- a/EXCEL/ExcelDataAnalysisFD_Examples/Excel data analysis for dummies Outline.pptx
+++ b/EXCEL/ExcelDataAnalysisFD_Examples/Excel data analysis for dummies Outline.pptx
@@ -5804,7 +5804,7 @@
         <p:spPr>
           <a:xfrm>
             <a:off x="0" y="667266"/>
-            <a:ext cx="12192000" cy="6190734"/>
+            <a:ext cx="12192000" cy="1507523"/>
           </a:xfrm>
         </p:spPr>
         <p:txBody>
@@ -5951,6 +5951,363 @@
               </a:rPr>
               <a:t>Advanced Filters</a:t>
             </a:r>
+          </a:p>
+        </p:txBody>
+      </p:sp>
+      <p:sp>
+        <p:nvSpPr>
+          <p:cNvPr id="4" name="Title 1">
+            <a:extLst>
+              <a:ext uri="{FF2B5EF4-FFF2-40B4-BE49-F238E27FC236}">
+                <a16:creationId xmlns:a16="http://schemas.microsoft.com/office/drawing/2014/main" id="{9F755ABD-B28D-EB4D-98BD-4E718CD59098}"/>
+              </a:ext>
+            </a:extLst>
+          </p:cNvPr>
+          <p:cNvSpPr txBox="1">
+            <a:spLocks/>
+          </p:cNvSpPr>
+          <p:nvPr/>
+        </p:nvSpPr>
+        <p:spPr>
+          <a:xfrm>
+            <a:off x="0" y="2526679"/>
+            <a:ext cx="12192000" cy="649010"/>
+          </a:xfrm>
+          <a:prstGeom prst="rect">
+            <a:avLst/>
+          </a:prstGeom>
+        </p:spPr>
+        <p:txBody>
+          <a:bodyPr vert="horz" lIns="91440" tIns="45720" rIns="91440" bIns="45720" rtlCol="0" anchor="ctr">
+            <a:normAutofit/>
+          </a:bodyPr>
+          <a:lstStyle>
+            <a:lvl1pPr algn="l" defTabSz="914400" rtl="0" eaLnBrk="1" latinLnBrk="0" hangingPunct="1">
+              <a:lnSpc>
+                <a:spcPct val="90000"/>
+              </a:lnSpc>
+              <a:spcBef>
+                <a:spcPct val="0"/>
+              </a:spcBef>
+              <a:buNone/>
+              <a:defRPr sz="4400" kern="1200">
+                <a:solidFill>
+                  <a:schemeClr val="tx1"/>
+                </a:solidFill>
+                <a:latin typeface="+mj-lt"/>
+                <a:ea typeface="+mj-ea"/>
+                <a:cs typeface="+mj-cs"/>
+              </a:defRPr>
+            </a:lvl1pPr>
+          </a:lstStyle>
+          <a:p>
+            <a:r>
+              <a:rPr lang="en-US" sz="3200" b="1" dirty="0">
+                <a:solidFill>
+                  <a:srgbClr val="FF0000"/>
+                </a:solidFill>
+                <a:latin typeface="+mn-lt"/>
+              </a:rPr>
+              <a:t>Chapter 4 Grabbing Data from External </a:t>
+            </a:r>
+            <a:r>
+              <a:rPr lang="en-US" sz="3200" b="1" dirty="0" err="1">
+                <a:solidFill>
+                  <a:srgbClr val="FF0000"/>
+                </a:solidFill>
+                <a:latin typeface="+mn-lt"/>
+              </a:rPr>
+              <a:t>Souces</a:t>
+            </a:r>
+            <a:endParaRPr lang="en-US" sz="3200" b="1" dirty="0">
+              <a:solidFill>
+                <a:srgbClr val="FF0000"/>
+              </a:solidFill>
+              <a:latin typeface="+mn-lt"/>
+            </a:endParaRPr>
+          </a:p>
+        </p:txBody>
+      </p:sp>
+      <p:sp>
+        <p:nvSpPr>
+          <p:cNvPr id="5" name="Content Placeholder 2">
+            <a:extLst>
+              <a:ext uri="{FF2B5EF4-FFF2-40B4-BE49-F238E27FC236}">
+                <a16:creationId xmlns:a16="http://schemas.microsoft.com/office/drawing/2014/main" id="{46D69507-713B-9B40-8803-B8536647D345}"/>
+              </a:ext>
+            </a:extLst>
+          </p:cNvPr>
+          <p:cNvSpPr txBox="1">
+            <a:spLocks/>
+          </p:cNvSpPr>
+          <p:nvPr/>
+        </p:nvSpPr>
+        <p:spPr>
+          <a:xfrm>
+            <a:off x="0" y="3175689"/>
+            <a:ext cx="12192000" cy="3682311"/>
+          </a:xfrm>
+          <a:prstGeom prst="rect">
+            <a:avLst/>
+          </a:prstGeom>
+        </p:spPr>
+        <p:txBody>
+          <a:bodyPr vert="horz" lIns="91440" tIns="45720" rIns="91440" bIns="45720" rtlCol="0">
+            <a:normAutofit/>
+          </a:bodyPr>
+          <a:lstStyle>
+            <a:lvl1pPr marL="228600" indent="-228600" algn="l" defTabSz="914400" rtl="0" eaLnBrk="1" latinLnBrk="0" hangingPunct="1">
+              <a:lnSpc>
+                <a:spcPct val="90000"/>
+              </a:lnSpc>
+              <a:spcBef>
+                <a:spcPts val="1000"/>
+              </a:spcBef>
+              <a:buFont typeface="Arial" panose="020B0604020202020204" pitchFamily="34" charset="0"/>
+              <a:buChar char="•"/>
+              <a:defRPr sz="2800" kern="1200">
+                <a:solidFill>
+                  <a:schemeClr val="tx1"/>
+                </a:solidFill>
+                <a:latin typeface="+mn-lt"/>
+                <a:ea typeface="+mn-ea"/>
+                <a:cs typeface="+mn-cs"/>
+              </a:defRPr>
+            </a:lvl1pPr>
+            <a:lvl2pPr marL="685800" indent="-228600" algn="l" defTabSz="914400" rtl="0" eaLnBrk="1" latinLnBrk="0" hangingPunct="1">
+              <a:lnSpc>
+                <a:spcPct val="90000"/>
+              </a:lnSpc>
+              <a:spcBef>
+                <a:spcPts val="500"/>
+              </a:spcBef>
+              <a:buFont typeface="Arial" panose="020B0604020202020204" pitchFamily="34" charset="0"/>
+              <a:buChar char="•"/>
+              <a:defRPr sz="2400" kern="1200">
+                <a:solidFill>
+                  <a:schemeClr val="tx1"/>
+                </a:solidFill>
+                <a:latin typeface="+mn-lt"/>
+                <a:ea typeface="+mn-ea"/>
+                <a:cs typeface="+mn-cs"/>
+              </a:defRPr>
+            </a:lvl2pPr>
+            <a:lvl3pPr marL="1143000" indent="-228600" algn="l" defTabSz="914400" rtl="0" eaLnBrk="1" latinLnBrk="0" hangingPunct="1">
+              <a:lnSpc>
+                <a:spcPct val="90000"/>
+              </a:lnSpc>
+              <a:spcBef>
+                <a:spcPts val="500"/>
+              </a:spcBef>
+              <a:buFont typeface="Arial" panose="020B0604020202020204" pitchFamily="34" charset="0"/>
+              <a:buChar char="•"/>
+              <a:defRPr sz="2000" kern="1200">
+                <a:solidFill>
+                  <a:schemeClr val="tx1"/>
+                </a:solidFill>
+                <a:latin typeface="+mn-lt"/>
+                <a:ea typeface="+mn-ea"/>
+                <a:cs typeface="+mn-cs"/>
+              </a:defRPr>
+            </a:lvl3pPr>
+            <a:lvl4pPr marL="1600200" indent="-228600" algn="l" defTabSz="914400" rtl="0" eaLnBrk="1" latinLnBrk="0" hangingPunct="1">
+              <a:lnSpc>
+                <a:spcPct val="90000"/>
+              </a:lnSpc>
+              <a:spcBef>
+                <a:spcPts val="500"/>
+              </a:spcBef>
+              <a:buFont typeface="Arial" panose="020B0604020202020204" pitchFamily="34" charset="0"/>
+              <a:buChar char="•"/>
+              <a:defRPr sz="1800" kern="1200">
+                <a:solidFill>
+                  <a:schemeClr val="tx1"/>
+                </a:solidFill>
+                <a:latin typeface="+mn-lt"/>
+                <a:ea typeface="+mn-ea"/>
+                <a:cs typeface="+mn-cs"/>
+              </a:defRPr>
+            </a:lvl4pPr>
+            <a:lvl5pPr marL="2057400" indent="-228600" algn="l" defTabSz="914400" rtl="0" eaLnBrk="1" latinLnBrk="0" hangingPunct="1">
+              <a:lnSpc>
+                <a:spcPct val="90000"/>
+              </a:lnSpc>
+              <a:spcBef>
+                <a:spcPts val="500"/>
+              </a:spcBef>
+              <a:buFont typeface="Arial" panose="020B0604020202020204" pitchFamily="34" charset="0"/>
+              <a:buChar char="•"/>
+              <a:defRPr sz="1800" kern="1200">
+                <a:solidFill>
+                  <a:schemeClr val="tx1"/>
+                </a:solidFill>
+                <a:latin typeface="+mn-lt"/>
+                <a:ea typeface="+mn-ea"/>
+                <a:cs typeface="+mn-cs"/>
+              </a:defRPr>
+            </a:lvl5pPr>
+            <a:lvl6pPr marL="2514600" indent="-228600" algn="l" defTabSz="914400" rtl="0" eaLnBrk="1" latinLnBrk="0" hangingPunct="1">
+              <a:lnSpc>
+                <a:spcPct val="90000"/>
+              </a:lnSpc>
+              <a:spcBef>
+                <a:spcPts val="500"/>
+              </a:spcBef>
+              <a:buFont typeface="Arial" panose="020B0604020202020204" pitchFamily="34" charset="0"/>
+              <a:buChar char="•"/>
+              <a:defRPr sz="1800" kern="1200">
+                <a:solidFill>
+                  <a:schemeClr val="tx1"/>
+                </a:solidFill>
+                <a:latin typeface="+mn-lt"/>
+                <a:ea typeface="+mn-ea"/>
+                <a:cs typeface="+mn-cs"/>
+              </a:defRPr>
+            </a:lvl6pPr>
+            <a:lvl7pPr marL="2971800" indent="-228600" algn="l" defTabSz="914400" rtl="0" eaLnBrk="1" latinLnBrk="0" hangingPunct="1">
+              <a:lnSpc>
+                <a:spcPct val="90000"/>
+              </a:lnSpc>
+              <a:spcBef>
+                <a:spcPts val="500"/>
+              </a:spcBef>
+              <a:buFont typeface="Arial" panose="020B0604020202020204" pitchFamily="34" charset="0"/>
+              <a:buChar char="•"/>
+              <a:defRPr sz="1800" kern="1200">
+                <a:solidFill>
+                  <a:schemeClr val="tx1"/>
+                </a:solidFill>
+                <a:latin typeface="+mn-lt"/>
+                <a:ea typeface="+mn-ea"/>
+                <a:cs typeface="+mn-cs"/>
+              </a:defRPr>
+            </a:lvl7pPr>
+            <a:lvl8pPr marL="3429000" indent="-228600" algn="l" defTabSz="914400" rtl="0" eaLnBrk="1" latinLnBrk="0" hangingPunct="1">
+              <a:lnSpc>
+                <a:spcPct val="90000"/>
+              </a:lnSpc>
+              <a:spcBef>
+                <a:spcPts val="500"/>
+              </a:spcBef>
+              <a:buFont typeface="Arial" panose="020B0604020202020204" pitchFamily="34" charset="0"/>
+              <a:buChar char="•"/>
+              <a:defRPr sz="1800" kern="1200">
+                <a:solidFill>
+                  <a:schemeClr val="tx1"/>
+                </a:solidFill>
+                <a:latin typeface="+mn-lt"/>
+                <a:ea typeface="+mn-ea"/>
+                <a:cs typeface="+mn-cs"/>
+              </a:defRPr>
+            </a:lvl8pPr>
+            <a:lvl9pPr marL="3886200" indent="-228600" algn="l" defTabSz="914400" rtl="0" eaLnBrk="1" latinLnBrk="0" hangingPunct="1">
+              <a:lnSpc>
+                <a:spcPct val="90000"/>
+              </a:lnSpc>
+              <a:spcBef>
+                <a:spcPts val="500"/>
+              </a:spcBef>
+              <a:buFont typeface="Arial" panose="020B0604020202020204" pitchFamily="34" charset="0"/>
+              <a:buChar char="•"/>
+              <a:defRPr sz="1800" kern="1200">
+                <a:solidFill>
+                  <a:schemeClr val="tx1"/>
+                </a:solidFill>
+                <a:latin typeface="+mn-lt"/>
+                <a:ea typeface="+mn-ea"/>
+                <a:cs typeface="+mn-cs"/>
+              </a:defRPr>
+            </a:lvl9pPr>
+          </a:lstStyle>
+          <a:p>
+            <a:pPr>
+              <a:lnSpc>
+                <a:spcPct val="100000"/>
+              </a:lnSpc>
+            </a:pPr>
+            <a:r>
+              <a:rPr lang="en-US" sz="1800" b="1" dirty="0">
+                <a:solidFill>
+                  <a:srgbClr val="0432FF"/>
+                </a:solidFill>
+              </a:rPr>
+              <a:t>Import data from</a:t>
+            </a:r>
+          </a:p>
+          <a:p>
+            <a:pPr lvl="1">
+              <a:lnSpc>
+                <a:spcPct val="100000"/>
+              </a:lnSpc>
+              <a:buFont typeface="Wingdings" pitchFamily="2" charset="2"/>
+              <a:buChar char="ü"/>
+            </a:pPr>
+            <a:r>
+              <a:rPr lang="en-US" sz="1600" dirty="0"/>
+              <a:t>Word table</a:t>
+            </a:r>
+          </a:p>
+          <a:p>
+            <a:pPr lvl="1">
+              <a:lnSpc>
+                <a:spcPct val="100000"/>
+              </a:lnSpc>
+              <a:buFont typeface="Wingdings" pitchFamily="2" charset="2"/>
+              <a:buChar char="ü"/>
+            </a:pPr>
+            <a:r>
+              <a:rPr lang="en-US" sz="1600" dirty="0"/>
+              <a:t>Text file</a:t>
+            </a:r>
+          </a:p>
+          <a:p>
+            <a:pPr lvl="1">
+              <a:lnSpc>
+                <a:spcPct val="100000"/>
+              </a:lnSpc>
+              <a:buFont typeface="Wingdings" pitchFamily="2" charset="2"/>
+              <a:buChar char="ü"/>
+            </a:pPr>
+            <a:r>
+              <a:rPr lang="en-US" sz="1600" dirty="0"/>
+              <a:t>Web page</a:t>
+            </a:r>
+          </a:p>
+          <a:p>
+            <a:pPr lvl="1">
+              <a:lnSpc>
+                <a:spcPct val="100000"/>
+              </a:lnSpc>
+              <a:buFont typeface="Wingdings" pitchFamily="2" charset="2"/>
+              <a:buChar char="ü"/>
+            </a:pPr>
+            <a:r>
+              <a:rPr lang="en-US" sz="1600" dirty="0"/>
+              <a:t>XML file</a:t>
+            </a:r>
+          </a:p>
+          <a:p>
+            <a:pPr lvl="1">
+              <a:lnSpc>
+                <a:spcPct val="100000"/>
+              </a:lnSpc>
+              <a:buFont typeface="Wingdings" pitchFamily="2" charset="2"/>
+              <a:buChar char="ü"/>
+            </a:pPr>
+            <a:r>
+              <a:rPr lang="en-US" sz="1600" dirty="0"/>
+              <a:t>External Databases</a:t>
+            </a:r>
+          </a:p>
+          <a:p>
+            <a:pPr lvl="1">
+              <a:lnSpc>
+                <a:spcPct val="100000"/>
+              </a:lnSpc>
+              <a:buFont typeface="Wingdings" pitchFamily="2" charset="2"/>
+              <a:buChar char="ü"/>
+            </a:pPr>
+            <a:endParaRPr lang="en-US" sz="1600" dirty="0"/>
           </a:p>
         </p:txBody>
       </p:sp>

--- a/EXCEL/ExcelDataAnalysisFD_Examples/Excel data analysis for dummies Outline.pptx
+++ b/EXCEL/ExcelDataAnalysisFD_Examples/Excel data analysis for dummies Outline.pptx
@@ -6283,7 +6283,7 @@
             </a:pPr>
             <a:r>
               <a:rPr lang="en-US" sz="1600" dirty="0"/>
-              <a:t>XML file</a:t>
+              <a:t>XML file: Cannot realize on Mac excel version</a:t>
             </a:r>
           </a:p>
           <a:p>

--- a/EXCEL/ExcelDataAnalysisFD_Examples/Excel data analysis for dummies Outline.pptx
+++ b/EXCEL/ExcelDataAnalysisFD_Examples/Excel data analysis for dummies Outline.pptx
@@ -5,14 +5,16 @@
     <p:sldMasterId id="2147483648" r:id="rId1"/>
   </p:sldMasterIdLst>
   <p:notesMasterIdLst>
-    <p:notesMasterId r:id="rId7"/>
+    <p:notesMasterId r:id="rId9"/>
   </p:notesMasterIdLst>
   <p:sldIdLst>
-    <p:sldId id="258" r:id="rId2"/>
-    <p:sldId id="256" r:id="rId3"/>
+    <p:sldId id="256" r:id="rId2"/>
+    <p:sldId id="258" r:id="rId3"/>
     <p:sldId id="257" r:id="rId4"/>
     <p:sldId id="259" r:id="rId5"/>
     <p:sldId id="260" r:id="rId6"/>
+    <p:sldId id="261" r:id="rId7"/>
+    <p:sldId id="262" r:id="rId8"/>
   </p:sldIdLst>
   <p:sldSz cx="12192000" cy="6858000"/>
   <p:notesSz cx="6858000" cy="9144000"/>
@@ -168,7 +170,7 @@
             </a:lvl1pPr>
           </a:lstStyle>
           <a:p>
-            <a:endParaRPr lang="en-US"/>
+            <a:endParaRPr lang="en-US" dirty="0"/>
           </a:p>
         </p:txBody>
       </p:sp>
@@ -201,9 +203,9 @@
           <a:p>
             <a:fld id="{2B41910D-C82E-0643-9441-1C53B2342047}" type="datetimeFigureOut">
               <a:rPr lang="en-US" smtClean="0"/>
-              <a:t>4/23/19</a:t>
+              <a:t>4/24/19</a:t>
             </a:fld>
-            <a:endParaRPr lang="en-US"/>
+            <a:endParaRPr lang="en-US" dirty="0"/>
           </a:p>
         </p:txBody>
       </p:sp>
@@ -236,7 +238,7 @@
           <a:bodyPr vert="horz" lIns="91440" tIns="45720" rIns="91440" bIns="45720" rtlCol="0" anchor="ctr"/>
           <a:lstStyle/>
           <a:p>
-            <a:endParaRPr lang="en-US"/>
+            <a:endParaRPr lang="en-US" dirty="0"/>
           </a:p>
         </p:txBody>
       </p:sp>
@@ -326,7 +328,7 @@
             </a:lvl1pPr>
           </a:lstStyle>
           <a:p>
-            <a:endParaRPr lang="en-US"/>
+            <a:endParaRPr lang="en-US" dirty="0"/>
           </a:p>
         </p:txBody>
       </p:sp>
@@ -361,7 +363,7 @@
               <a:rPr lang="en-US" smtClean="0"/>
               <a:t>‹#›</a:t>
             </a:fld>
-            <a:endParaRPr lang="en-US"/>
+            <a:endParaRPr lang="en-US" dirty="0"/>
           </a:p>
         </p:txBody>
       </p:sp>
@@ -535,7 +537,7 @@
               <a:rPr lang="en-US" smtClean="0"/>
               <a:t>4</a:t>
             </a:fld>
-            <a:endParaRPr lang="en-US"/>
+            <a:endParaRPr lang="en-US" dirty="0"/>
           </a:p>
         </p:txBody>
       </p:sp>
@@ -596,6 +598,29 @@
           <a:bodyPr/>
           <a:lstStyle/>
           <a:p>
+            <a:pPr marL="0" marR="0" lvl="0" indent="0" algn="l" defTabSz="914400" rtl="0" eaLnBrk="1" fontAlgn="auto" latinLnBrk="0" hangingPunct="1">
+              <a:lnSpc>
+                <a:spcPct val="100000"/>
+              </a:lnSpc>
+              <a:spcBef>
+                <a:spcPts val="0"/>
+              </a:spcBef>
+              <a:spcAft>
+                <a:spcPts val="0"/>
+              </a:spcAft>
+              <a:buClrTx/>
+              <a:buSzTx/>
+              <a:buFontTx/>
+              <a:buNone/>
+              <a:tabLst/>
+              <a:defRPr/>
+            </a:pPr>
+            <a:r>
+              <a:rPr lang="en-US" sz="1200" dirty="0"/>
+              <a:t>XML file: Cannot realize on Mac excel version</a:t>
+            </a:r>
+          </a:p>
+          <a:p>
             <a:endParaRPr lang="en-US" dirty="0"/>
           </a:p>
         </p:txBody>
@@ -619,7 +644,7 @@
               <a:rPr lang="en-US" smtClean="0"/>
               <a:t>5</a:t>
             </a:fld>
-            <a:endParaRPr lang="en-US"/>
+            <a:endParaRPr lang="en-US" dirty="0"/>
           </a:p>
         </p:txBody>
       </p:sp>
@@ -627,6 +652,174 @@
     <p:extLst>
       <p:ext uri="{BB962C8B-B14F-4D97-AF65-F5344CB8AC3E}">
         <p14:creationId xmlns:p14="http://schemas.microsoft.com/office/powerpoint/2010/main" val="3227549706"/>
+      </p:ext>
+    </p:extLst>
+  </p:cSld>
+  <p:clrMapOvr>
+    <a:masterClrMapping/>
+  </p:clrMapOvr>
+</p:notes>
+</file>
+
+<file path=ppt/notesSlides/notesSlide3.xml><?xml version="1.0" encoding="utf-8"?>
+<p:notes xmlns:a="http://schemas.openxmlformats.org/drawingml/2006/main" xmlns:r="http://schemas.openxmlformats.org/officeDocument/2006/relationships" xmlns:p="http://schemas.openxmlformats.org/presentationml/2006/main">
+  <p:cSld>
+    <p:spTree>
+      <p:nvGrpSpPr>
+        <p:cNvPr id="1" name=""/>
+        <p:cNvGrpSpPr/>
+        <p:nvPr/>
+      </p:nvGrpSpPr>
+      <p:grpSpPr>
+        <a:xfrm>
+          <a:off x="0" y="0"/>
+          <a:ext cx="0" cy="0"/>
+          <a:chOff x="0" y="0"/>
+          <a:chExt cx="0" cy="0"/>
+        </a:xfrm>
+      </p:grpSpPr>
+      <p:sp>
+        <p:nvSpPr>
+          <p:cNvPr id="2" name="Slide Image Placeholder 1"/>
+          <p:cNvSpPr>
+            <a:spLocks noGrp="1" noRot="1" noChangeAspect="1"/>
+          </p:cNvSpPr>
+          <p:nvPr>
+            <p:ph type="sldImg"/>
+          </p:nvPr>
+        </p:nvSpPr>
+        <p:spPr/>
+      </p:sp>
+      <p:sp>
+        <p:nvSpPr>
+          <p:cNvPr id="3" name="Notes Placeholder 2"/>
+          <p:cNvSpPr>
+            <a:spLocks noGrp="1"/>
+          </p:cNvSpPr>
+          <p:nvPr>
+            <p:ph type="body" idx="1"/>
+          </p:nvPr>
+        </p:nvSpPr>
+        <p:spPr/>
+        <p:txBody>
+          <a:bodyPr/>
+          <a:lstStyle/>
+          <a:p>
+            <a:endParaRPr lang="en-US" dirty="0"/>
+          </a:p>
+        </p:txBody>
+      </p:sp>
+      <p:sp>
+        <p:nvSpPr>
+          <p:cNvPr id="4" name="Slide Number Placeholder 3"/>
+          <p:cNvSpPr>
+            <a:spLocks noGrp="1"/>
+          </p:cNvSpPr>
+          <p:nvPr>
+            <p:ph type="sldNum" sz="quarter" idx="5"/>
+          </p:nvPr>
+        </p:nvSpPr>
+        <p:spPr/>
+        <p:txBody>
+          <a:bodyPr/>
+          <a:lstStyle/>
+          <a:p>
+            <a:fld id="{ED060FC7-56EE-7148-A2F0-7A6C56864D50}" type="slidenum">
+              <a:rPr lang="en-US" smtClean="0"/>
+              <a:t>6</a:t>
+            </a:fld>
+            <a:endParaRPr lang="en-US" dirty="0"/>
+          </a:p>
+        </p:txBody>
+      </p:sp>
+    </p:spTree>
+    <p:extLst>
+      <p:ext uri="{BB962C8B-B14F-4D97-AF65-F5344CB8AC3E}">
+        <p14:creationId xmlns:p14="http://schemas.microsoft.com/office/powerpoint/2010/main" val="2268087691"/>
+      </p:ext>
+    </p:extLst>
+  </p:cSld>
+  <p:clrMapOvr>
+    <a:masterClrMapping/>
+  </p:clrMapOvr>
+</p:notes>
+</file>
+
+<file path=ppt/notesSlides/notesSlide4.xml><?xml version="1.0" encoding="utf-8"?>
+<p:notes xmlns:a="http://schemas.openxmlformats.org/drawingml/2006/main" xmlns:r="http://schemas.openxmlformats.org/officeDocument/2006/relationships" xmlns:p="http://schemas.openxmlformats.org/presentationml/2006/main">
+  <p:cSld>
+    <p:spTree>
+      <p:nvGrpSpPr>
+        <p:cNvPr id="1" name=""/>
+        <p:cNvGrpSpPr/>
+        <p:nvPr/>
+      </p:nvGrpSpPr>
+      <p:grpSpPr>
+        <a:xfrm>
+          <a:off x="0" y="0"/>
+          <a:ext cx="0" cy="0"/>
+          <a:chOff x="0" y="0"/>
+          <a:chExt cx="0" cy="0"/>
+        </a:xfrm>
+      </p:grpSpPr>
+      <p:sp>
+        <p:nvSpPr>
+          <p:cNvPr id="2" name="Slide Image Placeholder 1"/>
+          <p:cNvSpPr>
+            <a:spLocks noGrp="1" noRot="1" noChangeAspect="1"/>
+          </p:cNvSpPr>
+          <p:nvPr>
+            <p:ph type="sldImg"/>
+          </p:nvPr>
+        </p:nvSpPr>
+        <p:spPr/>
+      </p:sp>
+      <p:sp>
+        <p:nvSpPr>
+          <p:cNvPr id="3" name="Notes Placeholder 2"/>
+          <p:cNvSpPr>
+            <a:spLocks noGrp="1"/>
+          </p:cNvSpPr>
+          <p:nvPr>
+            <p:ph type="body" idx="1"/>
+          </p:nvPr>
+        </p:nvSpPr>
+        <p:spPr/>
+        <p:txBody>
+          <a:bodyPr/>
+          <a:lstStyle/>
+          <a:p>
+            <a:endParaRPr lang="en-US" dirty="0"/>
+          </a:p>
+        </p:txBody>
+      </p:sp>
+      <p:sp>
+        <p:nvSpPr>
+          <p:cNvPr id="4" name="Slide Number Placeholder 3"/>
+          <p:cNvSpPr>
+            <a:spLocks noGrp="1"/>
+          </p:cNvSpPr>
+          <p:nvPr>
+            <p:ph type="sldNum" sz="quarter" idx="5"/>
+          </p:nvPr>
+        </p:nvSpPr>
+        <p:spPr/>
+        <p:txBody>
+          <a:bodyPr/>
+          <a:lstStyle/>
+          <a:p>
+            <a:fld id="{ED060FC7-56EE-7148-A2F0-7A6C56864D50}" type="slidenum">
+              <a:rPr lang="en-US" smtClean="0"/>
+              <a:t>7</a:t>
+            </a:fld>
+            <a:endParaRPr lang="en-US" dirty="0"/>
+          </a:p>
+        </p:txBody>
+      </p:sp>
+    </p:spTree>
+    <p:extLst>
+      <p:ext uri="{BB962C8B-B14F-4D97-AF65-F5344CB8AC3E}">
+        <p14:creationId xmlns:p14="http://schemas.microsoft.com/office/powerpoint/2010/main" val="3428419113"/>
       </p:ext>
     </p:extLst>
   </p:cSld>
@@ -783,7 +976,7 @@
           <a:p>
             <a:fld id="{BA2EFF2D-EB75-7441-83B2-DFF7D8BDD44A}" type="datetimeFigureOut">
               <a:rPr lang="en-US" smtClean="0"/>
-              <a:t>4/23/19</a:t>
+              <a:t>4/24/19</a:t>
             </a:fld>
             <a:endParaRPr lang="en-US" dirty="0"/>
           </a:p>
@@ -981,7 +1174,7 @@
           <a:p>
             <a:fld id="{BA2EFF2D-EB75-7441-83B2-DFF7D8BDD44A}" type="datetimeFigureOut">
               <a:rPr lang="en-US" smtClean="0"/>
-              <a:t>4/23/19</a:t>
+              <a:t>4/24/19</a:t>
             </a:fld>
             <a:endParaRPr lang="en-US" dirty="0"/>
           </a:p>
@@ -1189,7 +1382,7 @@
           <a:p>
             <a:fld id="{BA2EFF2D-EB75-7441-83B2-DFF7D8BDD44A}" type="datetimeFigureOut">
               <a:rPr lang="en-US" smtClean="0"/>
-              <a:t>4/23/19</a:t>
+              <a:t>4/24/19</a:t>
             </a:fld>
             <a:endParaRPr lang="en-US" dirty="0"/>
           </a:p>
@@ -1387,7 +1580,7 @@
           <a:p>
             <a:fld id="{BA2EFF2D-EB75-7441-83B2-DFF7D8BDD44A}" type="datetimeFigureOut">
               <a:rPr lang="en-US" smtClean="0"/>
-              <a:t>4/23/19</a:t>
+              <a:t>4/24/19</a:t>
             </a:fld>
             <a:endParaRPr lang="en-US" dirty="0"/>
           </a:p>
@@ -1662,7 +1855,7 @@
           <a:p>
             <a:fld id="{BA2EFF2D-EB75-7441-83B2-DFF7D8BDD44A}" type="datetimeFigureOut">
               <a:rPr lang="en-US" smtClean="0"/>
-              <a:t>4/23/19</a:t>
+              <a:t>4/24/19</a:t>
             </a:fld>
             <a:endParaRPr lang="en-US" dirty="0"/>
           </a:p>
@@ -1927,7 +2120,7 @@
           <a:p>
             <a:fld id="{BA2EFF2D-EB75-7441-83B2-DFF7D8BDD44A}" type="datetimeFigureOut">
               <a:rPr lang="en-US" smtClean="0"/>
-              <a:t>4/23/19</a:t>
+              <a:t>4/24/19</a:t>
             </a:fld>
             <a:endParaRPr lang="en-US" dirty="0"/>
           </a:p>
@@ -2339,7 +2532,7 @@
           <a:p>
             <a:fld id="{BA2EFF2D-EB75-7441-83B2-DFF7D8BDD44A}" type="datetimeFigureOut">
               <a:rPr lang="en-US" smtClean="0"/>
-              <a:t>4/23/19</a:t>
+              <a:t>4/24/19</a:t>
             </a:fld>
             <a:endParaRPr lang="en-US" dirty="0"/>
           </a:p>
@@ -2480,7 +2673,7 @@
           <a:p>
             <a:fld id="{BA2EFF2D-EB75-7441-83B2-DFF7D8BDD44A}" type="datetimeFigureOut">
               <a:rPr lang="en-US" smtClean="0"/>
-              <a:t>4/23/19</a:t>
+              <a:t>4/24/19</a:t>
             </a:fld>
             <a:endParaRPr lang="en-US" dirty="0"/>
           </a:p>
@@ -2593,7 +2786,7 @@
           <a:p>
             <a:fld id="{BA2EFF2D-EB75-7441-83B2-DFF7D8BDD44A}" type="datetimeFigureOut">
               <a:rPr lang="en-US" smtClean="0"/>
-              <a:t>4/23/19</a:t>
+              <a:t>4/24/19</a:t>
             </a:fld>
             <a:endParaRPr lang="en-US" dirty="0"/>
           </a:p>
@@ -2904,7 +3097,7 @@
           <a:p>
             <a:fld id="{BA2EFF2D-EB75-7441-83B2-DFF7D8BDD44A}" type="datetimeFigureOut">
               <a:rPr lang="en-US" smtClean="0"/>
-              <a:t>4/23/19</a:t>
+              <a:t>4/24/19</a:t>
             </a:fld>
             <a:endParaRPr lang="en-US" dirty="0"/>
           </a:p>
@@ -3192,7 +3385,7 @@
           <a:p>
             <a:fld id="{BA2EFF2D-EB75-7441-83B2-DFF7D8BDD44A}" type="datetimeFigureOut">
               <a:rPr lang="en-US" smtClean="0"/>
-              <a:t>4/23/19</a:t>
+              <a:t>4/24/19</a:t>
             </a:fld>
             <a:endParaRPr lang="en-US" dirty="0"/>
           </a:p>
@@ -3433,7 +3626,7 @@
           <a:p>
             <a:fld id="{BA2EFF2D-EB75-7441-83B2-DFF7D8BDD44A}" type="datetimeFigureOut">
               <a:rPr lang="en-US" smtClean="0"/>
-              <a:t>4/23/19</a:t>
+              <a:t>4/24/19</a:t>
             </a:fld>
             <a:endParaRPr lang="en-US" dirty="0"/>
           </a:p>
@@ -3852,627 +4045,6 @@
       </p:grpSpPr>
       <p:sp>
         <p:nvSpPr>
-          <p:cNvPr id="3" name="Content Placeholder 2">
-            <a:extLst>
-              <a:ext uri="{FF2B5EF4-FFF2-40B4-BE49-F238E27FC236}">
-                <a16:creationId xmlns:a16="http://schemas.microsoft.com/office/drawing/2014/main" id="{DA798BC4-B594-814E-A4E1-8CD104A74B99}"/>
-              </a:ext>
-            </a:extLst>
-          </p:cNvPr>
-          <p:cNvSpPr>
-            <a:spLocks noGrp="1"/>
-          </p:cNvSpPr>
-          <p:nvPr>
-            <p:ph idx="1"/>
-          </p:nvPr>
-        </p:nvSpPr>
-        <p:spPr>
-          <a:xfrm>
-            <a:off x="1" y="0"/>
-            <a:ext cx="5226907" cy="6858000"/>
-          </a:xfrm>
-        </p:spPr>
-        <p:txBody>
-          <a:bodyPr>
-            <a:normAutofit/>
-          </a:bodyPr>
-          <a:lstStyle/>
-          <a:p>
-            <a:pPr marL="0" lvl="0" indent="0">
-              <a:lnSpc>
-                <a:spcPct val="100000"/>
-              </a:lnSpc>
-              <a:spcBef>
-                <a:spcPts val="0"/>
-              </a:spcBef>
-              <a:buNone/>
-            </a:pPr>
-            <a:r>
-              <a:rPr lang="en-US" sz="1800" b="1" dirty="0">
-                <a:solidFill>
-                  <a:srgbClr val="FF0000"/>
-                </a:solidFill>
-              </a:rPr>
-              <a:t>Shortcut key</a:t>
-            </a:r>
-          </a:p>
-          <a:p>
-            <a:pPr marL="285750" lvl="0" indent="-285750">
-              <a:lnSpc>
-                <a:spcPct val="100000"/>
-              </a:lnSpc>
-              <a:spcBef>
-                <a:spcPts val="0"/>
-              </a:spcBef>
-            </a:pPr>
-            <a:r>
-              <a:rPr lang="en-US" sz="1600" dirty="0">
-                <a:solidFill>
-                  <a:prstClr val="black"/>
-                </a:solidFill>
-              </a:rPr>
-              <a:t>Command + shift + arrow</a:t>
-            </a:r>
-            <a:endParaRPr lang="en-US" sz="1200" b="1" dirty="0">
-              <a:solidFill>
-                <a:srgbClr val="00B050"/>
-              </a:solidFill>
-            </a:endParaRPr>
-          </a:p>
-          <a:p>
-            <a:pPr marL="285750" lvl="0" indent="-285750">
-              <a:lnSpc>
-                <a:spcPct val="100000"/>
-              </a:lnSpc>
-              <a:spcBef>
-                <a:spcPts val="0"/>
-              </a:spcBef>
-            </a:pPr>
-            <a:endParaRPr lang="en-US" sz="1600" dirty="0">
-              <a:solidFill>
-                <a:prstClr val="black"/>
-              </a:solidFill>
-            </a:endParaRPr>
-          </a:p>
-        </p:txBody>
-      </p:sp>
-      <p:sp>
-        <p:nvSpPr>
-          <p:cNvPr id="8" name="Content Placeholder 2">
-            <a:extLst>
-              <a:ext uri="{FF2B5EF4-FFF2-40B4-BE49-F238E27FC236}">
-                <a16:creationId xmlns:a16="http://schemas.microsoft.com/office/drawing/2014/main" id="{0236DD4C-E007-9545-A54E-356E0A74475C}"/>
-              </a:ext>
-            </a:extLst>
-          </p:cNvPr>
-          <p:cNvSpPr txBox="1">
-            <a:spLocks/>
-          </p:cNvSpPr>
-          <p:nvPr/>
-        </p:nvSpPr>
-        <p:spPr>
-          <a:xfrm>
-            <a:off x="5226908" y="0"/>
-            <a:ext cx="6965091" cy="6858000"/>
-          </a:xfrm>
-          <a:prstGeom prst="rect">
-            <a:avLst/>
-          </a:prstGeom>
-        </p:spPr>
-        <p:txBody>
-          <a:bodyPr vert="horz" lIns="91440" tIns="45720" rIns="91440" bIns="45720" rtlCol="0">
-            <a:normAutofit/>
-          </a:bodyPr>
-          <a:lstStyle>
-            <a:lvl1pPr marL="228600" indent="-228600" algn="l" defTabSz="914400" rtl="0" eaLnBrk="1" latinLnBrk="0" hangingPunct="1">
-              <a:lnSpc>
-                <a:spcPct val="90000"/>
-              </a:lnSpc>
-              <a:spcBef>
-                <a:spcPts val="1000"/>
-              </a:spcBef>
-              <a:buFont typeface="Arial" panose="020B0604020202020204" pitchFamily="34" charset="0"/>
-              <a:buChar char="•"/>
-              <a:defRPr sz="2800" kern="1200">
-                <a:solidFill>
-                  <a:schemeClr val="tx1"/>
-                </a:solidFill>
-                <a:latin typeface="+mn-lt"/>
-                <a:ea typeface="+mn-ea"/>
-                <a:cs typeface="+mn-cs"/>
-              </a:defRPr>
-            </a:lvl1pPr>
-            <a:lvl2pPr marL="685800" indent="-228600" algn="l" defTabSz="914400" rtl="0" eaLnBrk="1" latinLnBrk="0" hangingPunct="1">
-              <a:lnSpc>
-                <a:spcPct val="90000"/>
-              </a:lnSpc>
-              <a:spcBef>
-                <a:spcPts val="500"/>
-              </a:spcBef>
-              <a:buFont typeface="Arial" panose="020B0604020202020204" pitchFamily="34" charset="0"/>
-              <a:buChar char="•"/>
-              <a:defRPr sz="2400" kern="1200">
-                <a:solidFill>
-                  <a:schemeClr val="tx1"/>
-                </a:solidFill>
-                <a:latin typeface="+mn-lt"/>
-                <a:ea typeface="+mn-ea"/>
-                <a:cs typeface="+mn-cs"/>
-              </a:defRPr>
-            </a:lvl2pPr>
-            <a:lvl3pPr marL="1143000" indent="-228600" algn="l" defTabSz="914400" rtl="0" eaLnBrk="1" latinLnBrk="0" hangingPunct="1">
-              <a:lnSpc>
-                <a:spcPct val="90000"/>
-              </a:lnSpc>
-              <a:spcBef>
-                <a:spcPts val="500"/>
-              </a:spcBef>
-              <a:buFont typeface="Arial" panose="020B0604020202020204" pitchFamily="34" charset="0"/>
-              <a:buChar char="•"/>
-              <a:defRPr sz="2000" kern="1200">
-                <a:solidFill>
-                  <a:schemeClr val="tx1"/>
-                </a:solidFill>
-                <a:latin typeface="+mn-lt"/>
-                <a:ea typeface="+mn-ea"/>
-                <a:cs typeface="+mn-cs"/>
-              </a:defRPr>
-            </a:lvl3pPr>
-            <a:lvl4pPr marL="1600200" indent="-228600" algn="l" defTabSz="914400" rtl="0" eaLnBrk="1" latinLnBrk="0" hangingPunct="1">
-              <a:lnSpc>
-                <a:spcPct val="90000"/>
-              </a:lnSpc>
-              <a:spcBef>
-                <a:spcPts val="500"/>
-              </a:spcBef>
-              <a:buFont typeface="Arial" panose="020B0604020202020204" pitchFamily="34" charset="0"/>
-              <a:buChar char="•"/>
-              <a:defRPr sz="1800" kern="1200">
-                <a:solidFill>
-                  <a:schemeClr val="tx1"/>
-                </a:solidFill>
-                <a:latin typeface="+mn-lt"/>
-                <a:ea typeface="+mn-ea"/>
-                <a:cs typeface="+mn-cs"/>
-              </a:defRPr>
-            </a:lvl4pPr>
-            <a:lvl5pPr marL="2057400" indent="-228600" algn="l" defTabSz="914400" rtl="0" eaLnBrk="1" latinLnBrk="0" hangingPunct="1">
-              <a:lnSpc>
-                <a:spcPct val="90000"/>
-              </a:lnSpc>
-              <a:spcBef>
-                <a:spcPts val="500"/>
-              </a:spcBef>
-              <a:buFont typeface="Arial" panose="020B0604020202020204" pitchFamily="34" charset="0"/>
-              <a:buChar char="•"/>
-              <a:defRPr sz="1800" kern="1200">
-                <a:solidFill>
-                  <a:schemeClr val="tx1"/>
-                </a:solidFill>
-                <a:latin typeface="+mn-lt"/>
-                <a:ea typeface="+mn-ea"/>
-                <a:cs typeface="+mn-cs"/>
-              </a:defRPr>
-            </a:lvl5pPr>
-            <a:lvl6pPr marL="2514600" indent="-228600" algn="l" defTabSz="914400" rtl="0" eaLnBrk="1" latinLnBrk="0" hangingPunct="1">
-              <a:lnSpc>
-                <a:spcPct val="90000"/>
-              </a:lnSpc>
-              <a:spcBef>
-                <a:spcPts val="500"/>
-              </a:spcBef>
-              <a:buFont typeface="Arial" panose="020B0604020202020204" pitchFamily="34" charset="0"/>
-              <a:buChar char="•"/>
-              <a:defRPr sz="1800" kern="1200">
-                <a:solidFill>
-                  <a:schemeClr val="tx1"/>
-                </a:solidFill>
-                <a:latin typeface="+mn-lt"/>
-                <a:ea typeface="+mn-ea"/>
-                <a:cs typeface="+mn-cs"/>
-              </a:defRPr>
-            </a:lvl6pPr>
-            <a:lvl7pPr marL="2971800" indent="-228600" algn="l" defTabSz="914400" rtl="0" eaLnBrk="1" latinLnBrk="0" hangingPunct="1">
-              <a:lnSpc>
-                <a:spcPct val="90000"/>
-              </a:lnSpc>
-              <a:spcBef>
-                <a:spcPts val="500"/>
-              </a:spcBef>
-              <a:buFont typeface="Arial" panose="020B0604020202020204" pitchFamily="34" charset="0"/>
-              <a:buChar char="•"/>
-              <a:defRPr sz="1800" kern="1200">
-                <a:solidFill>
-                  <a:schemeClr val="tx1"/>
-                </a:solidFill>
-                <a:latin typeface="+mn-lt"/>
-                <a:ea typeface="+mn-ea"/>
-                <a:cs typeface="+mn-cs"/>
-              </a:defRPr>
-            </a:lvl7pPr>
-            <a:lvl8pPr marL="3429000" indent="-228600" algn="l" defTabSz="914400" rtl="0" eaLnBrk="1" latinLnBrk="0" hangingPunct="1">
-              <a:lnSpc>
-                <a:spcPct val="90000"/>
-              </a:lnSpc>
-              <a:spcBef>
-                <a:spcPts val="500"/>
-              </a:spcBef>
-              <a:buFont typeface="Arial" panose="020B0604020202020204" pitchFamily="34" charset="0"/>
-              <a:buChar char="•"/>
-              <a:defRPr sz="1800" kern="1200">
-                <a:solidFill>
-                  <a:schemeClr val="tx1"/>
-                </a:solidFill>
-                <a:latin typeface="+mn-lt"/>
-                <a:ea typeface="+mn-ea"/>
-                <a:cs typeface="+mn-cs"/>
-              </a:defRPr>
-            </a:lvl8pPr>
-            <a:lvl9pPr marL="3886200" indent="-228600" algn="l" defTabSz="914400" rtl="0" eaLnBrk="1" latinLnBrk="0" hangingPunct="1">
-              <a:lnSpc>
-                <a:spcPct val="90000"/>
-              </a:lnSpc>
-              <a:spcBef>
-                <a:spcPts val="500"/>
-              </a:spcBef>
-              <a:buFont typeface="Arial" panose="020B0604020202020204" pitchFamily="34" charset="0"/>
-              <a:buChar char="•"/>
-              <a:defRPr sz="1800" kern="1200">
-                <a:solidFill>
-                  <a:schemeClr val="tx1"/>
-                </a:solidFill>
-                <a:latin typeface="+mn-lt"/>
-                <a:ea typeface="+mn-ea"/>
-                <a:cs typeface="+mn-cs"/>
-              </a:defRPr>
-            </a:lvl9pPr>
-          </a:lstStyle>
-          <a:p>
-            <a:pPr marL="0" indent="0">
-              <a:lnSpc>
-                <a:spcPct val="100000"/>
-              </a:lnSpc>
-              <a:spcBef>
-                <a:spcPts val="0"/>
-              </a:spcBef>
-              <a:buFont typeface="Arial" panose="020B0604020202020204" pitchFamily="34" charset="0"/>
-              <a:buNone/>
-            </a:pPr>
-            <a:r>
-              <a:rPr lang="en-US" sz="1800" b="1" dirty="0">
-                <a:solidFill>
-                  <a:srgbClr val="FF0000"/>
-                </a:solidFill>
-              </a:rPr>
-              <a:t>Function</a:t>
-            </a:r>
-          </a:p>
-          <a:p>
-            <a:pPr marL="0" indent="0">
-              <a:lnSpc>
-                <a:spcPct val="100000"/>
-              </a:lnSpc>
-              <a:spcBef>
-                <a:spcPts val="0"/>
-              </a:spcBef>
-              <a:buNone/>
-            </a:pPr>
-            <a:r>
-              <a:rPr lang="en-US" sz="1600" b="1" dirty="0">
-                <a:solidFill>
-                  <a:prstClr val="black"/>
-                </a:solidFill>
-              </a:rPr>
-              <a:t>= </a:t>
-            </a:r>
-            <a:r>
-              <a:rPr lang="en-US" sz="1600" b="1" dirty="0">
-                <a:solidFill>
-                  <a:srgbClr val="0432FF"/>
-                </a:solidFill>
-              </a:rPr>
-              <a:t>SUMIF</a:t>
-            </a:r>
-            <a:r>
-              <a:rPr lang="en-US" sz="1600" b="1" dirty="0">
-                <a:solidFill>
-                  <a:prstClr val="black"/>
-                </a:solidFill>
-              </a:rPr>
-              <a:t>(A1:A10,”User”,B1:B10)</a:t>
-            </a:r>
-          </a:p>
-          <a:p>
-            <a:pPr marL="0" indent="0">
-              <a:lnSpc>
-                <a:spcPct val="100000"/>
-              </a:lnSpc>
-              <a:spcBef>
-                <a:spcPts val="0"/>
-              </a:spcBef>
-              <a:buNone/>
-            </a:pPr>
-            <a:r>
-              <a:rPr lang="en-US" sz="1600" b="1" dirty="0"/>
-              <a:t>= </a:t>
-            </a:r>
-            <a:r>
-              <a:rPr lang="en-US" sz="1600" b="1" dirty="0">
-                <a:solidFill>
-                  <a:srgbClr val="0432FF"/>
-                </a:solidFill>
-              </a:rPr>
-              <a:t>IF</a:t>
-            </a:r>
-            <a:r>
-              <a:rPr lang="en-US" sz="1600" b="1" dirty="0"/>
-              <a:t>(logical_test, [value_if_true], [value_if_false])</a:t>
-            </a:r>
-          </a:p>
-          <a:p>
-            <a:pPr marL="0" indent="0">
-              <a:lnSpc>
-                <a:spcPct val="100000"/>
-              </a:lnSpc>
-              <a:spcBef>
-                <a:spcPts val="0"/>
-              </a:spcBef>
-              <a:buNone/>
-            </a:pPr>
-            <a:r>
-              <a:rPr lang="en-US" sz="1600" b="1" dirty="0"/>
-              <a:t>= </a:t>
-            </a:r>
-            <a:r>
-              <a:rPr lang="en-US" sz="1600" b="1" dirty="0">
-                <a:solidFill>
-                  <a:srgbClr val="0432FF"/>
-                </a:solidFill>
-              </a:rPr>
-              <a:t>IF(</a:t>
-            </a:r>
-            <a:r>
-              <a:rPr lang="en-US" sz="1600" b="1" dirty="0"/>
-              <a:t>A1&lt;10, “low”, </a:t>
-            </a:r>
-            <a:r>
-              <a:rPr lang="en-US" sz="1600" b="1" dirty="0">
-                <a:solidFill>
-                  <a:srgbClr val="00B050"/>
-                </a:solidFill>
-              </a:rPr>
-              <a:t>IF(</a:t>
-            </a:r>
-            <a:r>
-              <a:rPr lang="en-US" sz="1600" b="1" dirty="0"/>
-              <a:t>A1&lt;20, “middle”, “high”</a:t>
-            </a:r>
-            <a:r>
-              <a:rPr lang="en-US" sz="1600" b="1" dirty="0">
-                <a:solidFill>
-                  <a:srgbClr val="00B050"/>
-                </a:solidFill>
-              </a:rPr>
-              <a:t>)</a:t>
-            </a:r>
-            <a:r>
-              <a:rPr lang="en-US" sz="1600" b="1" dirty="0">
-                <a:solidFill>
-                  <a:srgbClr val="0432FF"/>
-                </a:solidFill>
-              </a:rPr>
-              <a:t>)</a:t>
-            </a:r>
-          </a:p>
-          <a:p>
-            <a:pPr marL="0" indent="0">
-              <a:lnSpc>
-                <a:spcPct val="100000"/>
-              </a:lnSpc>
-              <a:spcBef>
-                <a:spcPts val="0"/>
-              </a:spcBef>
-              <a:buNone/>
-            </a:pPr>
-            <a:r>
-              <a:rPr lang="en-US" sz="1600" b="1" dirty="0"/>
-              <a:t>=</a:t>
-            </a:r>
-            <a:r>
-              <a:rPr lang="en-US" sz="1600" b="1" dirty="0">
-                <a:solidFill>
-                  <a:srgbClr val="0432FF"/>
-                </a:solidFill>
-              </a:rPr>
-              <a:t> VLOOKUP(</a:t>
-            </a:r>
-            <a:r>
-              <a:rPr lang="en-US" sz="1600" b="1" dirty="0"/>
-              <a:t>lookup_value, table_array, col_index_num, False/True</a:t>
-            </a:r>
-            <a:r>
-              <a:rPr lang="en-US" sz="1600" b="1" dirty="0">
-                <a:solidFill>
-                  <a:srgbClr val="0432FF"/>
-                </a:solidFill>
-              </a:rPr>
-              <a:t>)</a:t>
-            </a:r>
-            <a:r>
-              <a:rPr lang="zh-CN" altLang="en-US" sz="1600" b="1" dirty="0">
-                <a:solidFill>
-                  <a:srgbClr val="0432FF"/>
-                </a:solidFill>
-              </a:rPr>
-              <a:t>  </a:t>
-            </a:r>
-            <a:r>
-              <a:rPr lang="zh-CN" altLang="en-US" sz="1200" dirty="0">
-                <a:solidFill>
-                  <a:prstClr val="black"/>
-                </a:solidFill>
-              </a:rPr>
-              <a:t>精确</a:t>
-            </a:r>
-            <a:r>
-              <a:rPr lang="en-US" altLang="zh-CN" sz="1200" dirty="0">
-                <a:solidFill>
-                  <a:prstClr val="black"/>
-                </a:solidFill>
-              </a:rPr>
-              <a:t>/</a:t>
-            </a:r>
-            <a:r>
-              <a:rPr lang="zh-CN" altLang="en-US" sz="1200" dirty="0"/>
-              <a:t>模糊</a:t>
-            </a:r>
-            <a:endParaRPr lang="en-US" sz="1600" dirty="0"/>
-          </a:p>
-          <a:p>
-            <a:pPr marL="0" indent="0">
-              <a:lnSpc>
-                <a:spcPct val="100000"/>
-              </a:lnSpc>
-              <a:spcBef>
-                <a:spcPts val="0"/>
-              </a:spcBef>
-              <a:buNone/>
-            </a:pPr>
-            <a:r>
-              <a:rPr lang="en-US" sz="1600" b="1" dirty="0"/>
-              <a:t>= </a:t>
-            </a:r>
-            <a:r>
-              <a:rPr lang="en-US" sz="1600" b="1" dirty="0">
-                <a:solidFill>
-                  <a:srgbClr val="0432FF"/>
-                </a:solidFill>
-              </a:rPr>
-              <a:t>HLOOKUP(</a:t>
-            </a:r>
-            <a:r>
-              <a:rPr lang="en-US" sz="1600" b="1" dirty="0"/>
-              <a:t>lookup_value, table_array, </a:t>
-            </a:r>
-            <a:r>
-              <a:rPr lang="en-US" sz="1600" b="1" dirty="0" err="1"/>
-              <a:t>row_index_num</a:t>
-            </a:r>
-            <a:r>
-              <a:rPr lang="en-US" sz="1600" b="1" dirty="0"/>
-              <a:t>, False/True</a:t>
-            </a:r>
-            <a:r>
-              <a:rPr lang="en-US" sz="1600" b="1" dirty="0">
-                <a:solidFill>
-                  <a:srgbClr val="0432FF"/>
-                </a:solidFill>
-              </a:rPr>
-              <a:t>)</a:t>
-            </a:r>
-            <a:r>
-              <a:rPr lang="zh-CN" altLang="en-US" sz="1600" b="1" dirty="0">
-                <a:solidFill>
-                  <a:srgbClr val="0432FF"/>
-                </a:solidFill>
-              </a:rPr>
-              <a:t>  </a:t>
-            </a:r>
-            <a:r>
-              <a:rPr lang="zh-CN" altLang="en-US" sz="1200" dirty="0">
-                <a:solidFill>
-                  <a:prstClr val="black"/>
-                </a:solidFill>
-              </a:rPr>
-              <a:t>精确</a:t>
-            </a:r>
-            <a:r>
-              <a:rPr lang="en-US" altLang="zh-CN" sz="1200" dirty="0">
-                <a:solidFill>
-                  <a:prstClr val="black"/>
-                </a:solidFill>
-              </a:rPr>
-              <a:t>/</a:t>
-            </a:r>
-            <a:r>
-              <a:rPr lang="zh-CN" altLang="en-US" sz="1200" dirty="0"/>
-              <a:t>模糊</a:t>
-            </a:r>
-            <a:endParaRPr lang="en-US" sz="1600" b="1" dirty="0"/>
-          </a:p>
-          <a:p>
-            <a:pPr marL="0" indent="0">
-              <a:lnSpc>
-                <a:spcPct val="100000"/>
-              </a:lnSpc>
-              <a:spcBef>
-                <a:spcPts val="0"/>
-              </a:spcBef>
-              <a:buNone/>
-            </a:pPr>
-            <a:r>
-              <a:rPr lang="en-US" sz="1600" b="1" dirty="0"/>
-              <a:t>=</a:t>
-            </a:r>
-            <a:r>
-              <a:rPr lang="en-US" sz="1600" b="1" dirty="0">
-                <a:solidFill>
-                  <a:srgbClr val="0432FF"/>
-                </a:solidFill>
-              </a:rPr>
-              <a:t> RANDBETWEEN</a:t>
-            </a:r>
-            <a:r>
-              <a:rPr lang="en-US" sz="1600" b="1" dirty="0"/>
-              <a:t>(1,4)</a:t>
-            </a:r>
-          </a:p>
-          <a:p>
-            <a:pPr marL="0" indent="0">
-              <a:lnSpc>
-                <a:spcPct val="100000"/>
-              </a:lnSpc>
-              <a:spcBef>
-                <a:spcPts val="0"/>
-              </a:spcBef>
-              <a:buNone/>
-            </a:pPr>
-            <a:endParaRPr lang="en-US" sz="1600" b="1" dirty="0"/>
-          </a:p>
-        </p:txBody>
-      </p:sp>
-    </p:spTree>
-    <p:extLst>
-      <p:ext uri="{BB962C8B-B14F-4D97-AF65-F5344CB8AC3E}">
-        <p14:creationId xmlns:p14="http://schemas.microsoft.com/office/powerpoint/2010/main" val="3931222474"/>
-      </p:ext>
-    </p:extLst>
-  </p:cSld>
-  <p:clrMapOvr>
-    <a:masterClrMapping/>
-  </p:clrMapOvr>
-</p:sld>
-</file>
-
-<file path=ppt/slides/slide2.xml><?xml version="1.0" encoding="utf-8"?>
-<p:sld xmlns:a="http://schemas.openxmlformats.org/drawingml/2006/main" xmlns:r="http://schemas.openxmlformats.org/officeDocument/2006/relationships" xmlns:p="http://schemas.openxmlformats.org/presentationml/2006/main">
-  <p:cSld>
-    <p:spTree>
-      <p:nvGrpSpPr>
-        <p:cNvPr id="1" name=""/>
-        <p:cNvGrpSpPr/>
-        <p:nvPr/>
-      </p:nvGrpSpPr>
-      <p:grpSpPr>
-        <a:xfrm>
-          <a:off x="0" y="0"/>
-          <a:ext cx="0" cy="0"/>
-          <a:chOff x="0" y="0"/>
-          <a:chExt cx="0" cy="0"/>
-        </a:xfrm>
-      </p:grpSpPr>
-      <p:sp>
-        <p:nvSpPr>
           <p:cNvPr id="2" name="Title 1">
             <a:extLst>
               <a:ext uri="{FF2B5EF4-FFF2-40B4-BE49-F238E27FC236}">
@@ -4763,7 +4335,7 @@
           <a:p>
             <a:pPr algn="l"/>
             <a:r>
-              <a:rPr lang="en-US" sz="2000" dirty="0">
+              <a:rPr lang="en-US" sz="2000" b="1" dirty="0">
                 <a:solidFill>
                   <a:srgbClr val="002060"/>
                 </a:solidFill>
@@ -4901,6 +4473,619 @@
 </p:sld>
 </file>
 
+<file path=ppt/slides/slide2.xml><?xml version="1.0" encoding="utf-8"?>
+<p:sld xmlns:a="http://schemas.openxmlformats.org/drawingml/2006/main" xmlns:r="http://schemas.openxmlformats.org/officeDocument/2006/relationships" xmlns:p="http://schemas.openxmlformats.org/presentationml/2006/main">
+  <p:cSld>
+    <p:spTree>
+      <p:nvGrpSpPr>
+        <p:cNvPr id="1" name=""/>
+        <p:cNvGrpSpPr/>
+        <p:nvPr/>
+      </p:nvGrpSpPr>
+      <p:grpSpPr>
+        <a:xfrm>
+          <a:off x="0" y="0"/>
+          <a:ext cx="0" cy="0"/>
+          <a:chOff x="0" y="0"/>
+          <a:chExt cx="0" cy="0"/>
+        </a:xfrm>
+      </p:grpSpPr>
+      <p:sp>
+        <p:nvSpPr>
+          <p:cNvPr id="3" name="Content Placeholder 2">
+            <a:extLst>
+              <a:ext uri="{FF2B5EF4-FFF2-40B4-BE49-F238E27FC236}">
+                <a16:creationId xmlns:a16="http://schemas.microsoft.com/office/drawing/2014/main" id="{DA798BC4-B594-814E-A4E1-8CD104A74B99}"/>
+              </a:ext>
+            </a:extLst>
+          </p:cNvPr>
+          <p:cNvSpPr>
+            <a:spLocks noGrp="1"/>
+          </p:cNvSpPr>
+          <p:nvPr>
+            <p:ph idx="1"/>
+          </p:nvPr>
+        </p:nvSpPr>
+        <p:spPr>
+          <a:xfrm>
+            <a:off x="1" y="0"/>
+            <a:ext cx="5226907" cy="6858000"/>
+          </a:xfrm>
+        </p:spPr>
+        <p:txBody>
+          <a:bodyPr>
+            <a:normAutofit/>
+          </a:bodyPr>
+          <a:lstStyle/>
+          <a:p>
+            <a:pPr marL="0" lvl="0" indent="0">
+              <a:lnSpc>
+                <a:spcPct val="100000"/>
+              </a:lnSpc>
+              <a:spcBef>
+                <a:spcPts val="0"/>
+              </a:spcBef>
+              <a:buNone/>
+            </a:pPr>
+            <a:r>
+              <a:rPr lang="en-US" sz="1800" b="1" dirty="0">
+                <a:solidFill>
+                  <a:srgbClr val="FF0000"/>
+                </a:solidFill>
+              </a:rPr>
+              <a:t>Shortcut key</a:t>
+            </a:r>
+          </a:p>
+          <a:p>
+            <a:pPr marL="285750" lvl="0" indent="-285750">
+              <a:lnSpc>
+                <a:spcPct val="100000"/>
+              </a:lnSpc>
+              <a:spcBef>
+                <a:spcPts val="0"/>
+              </a:spcBef>
+            </a:pPr>
+            <a:r>
+              <a:rPr lang="en-US" sz="1600" dirty="0">
+                <a:solidFill>
+                  <a:prstClr val="black"/>
+                </a:solidFill>
+              </a:rPr>
+              <a:t>Command + shift + arrow</a:t>
+            </a:r>
+            <a:endParaRPr lang="en-US" sz="1200" b="1" dirty="0">
+              <a:solidFill>
+                <a:srgbClr val="00B050"/>
+              </a:solidFill>
+            </a:endParaRPr>
+          </a:p>
+          <a:p>
+            <a:pPr marL="285750" lvl="0" indent="-285750">
+              <a:lnSpc>
+                <a:spcPct val="100000"/>
+              </a:lnSpc>
+              <a:spcBef>
+                <a:spcPts val="0"/>
+              </a:spcBef>
+            </a:pPr>
+            <a:endParaRPr lang="en-US" sz="1600" dirty="0">
+              <a:solidFill>
+                <a:prstClr val="black"/>
+              </a:solidFill>
+            </a:endParaRPr>
+          </a:p>
+        </p:txBody>
+      </p:sp>
+      <p:sp>
+        <p:nvSpPr>
+          <p:cNvPr id="8" name="Content Placeholder 2">
+            <a:extLst>
+              <a:ext uri="{FF2B5EF4-FFF2-40B4-BE49-F238E27FC236}">
+                <a16:creationId xmlns:a16="http://schemas.microsoft.com/office/drawing/2014/main" id="{0236DD4C-E007-9545-A54E-356E0A74475C}"/>
+              </a:ext>
+            </a:extLst>
+          </p:cNvPr>
+          <p:cNvSpPr txBox="1">
+            <a:spLocks/>
+          </p:cNvSpPr>
+          <p:nvPr/>
+        </p:nvSpPr>
+        <p:spPr>
+          <a:xfrm>
+            <a:off x="5226908" y="0"/>
+            <a:ext cx="6965091" cy="6858000"/>
+          </a:xfrm>
+          <a:prstGeom prst="rect">
+            <a:avLst/>
+          </a:prstGeom>
+        </p:spPr>
+        <p:txBody>
+          <a:bodyPr vert="horz" lIns="91440" tIns="45720" rIns="91440" bIns="45720" rtlCol="0">
+            <a:normAutofit/>
+          </a:bodyPr>
+          <a:lstStyle>
+            <a:lvl1pPr marL="228600" indent="-228600" algn="l" defTabSz="914400" rtl="0" eaLnBrk="1" latinLnBrk="0" hangingPunct="1">
+              <a:lnSpc>
+                <a:spcPct val="90000"/>
+              </a:lnSpc>
+              <a:spcBef>
+                <a:spcPts val="1000"/>
+              </a:spcBef>
+              <a:buFont typeface="Arial" panose="020B0604020202020204" pitchFamily="34" charset="0"/>
+              <a:buChar char="•"/>
+              <a:defRPr sz="2800" kern="1200">
+                <a:solidFill>
+                  <a:schemeClr val="tx1"/>
+                </a:solidFill>
+                <a:latin typeface="+mn-lt"/>
+                <a:ea typeface="+mn-ea"/>
+                <a:cs typeface="+mn-cs"/>
+              </a:defRPr>
+            </a:lvl1pPr>
+            <a:lvl2pPr marL="685800" indent="-228600" algn="l" defTabSz="914400" rtl="0" eaLnBrk="1" latinLnBrk="0" hangingPunct="1">
+              <a:lnSpc>
+                <a:spcPct val="90000"/>
+              </a:lnSpc>
+              <a:spcBef>
+                <a:spcPts val="500"/>
+              </a:spcBef>
+              <a:buFont typeface="Arial" panose="020B0604020202020204" pitchFamily="34" charset="0"/>
+              <a:buChar char="•"/>
+              <a:defRPr sz="2400" kern="1200">
+                <a:solidFill>
+                  <a:schemeClr val="tx1"/>
+                </a:solidFill>
+                <a:latin typeface="+mn-lt"/>
+                <a:ea typeface="+mn-ea"/>
+                <a:cs typeface="+mn-cs"/>
+              </a:defRPr>
+            </a:lvl2pPr>
+            <a:lvl3pPr marL="1143000" indent="-228600" algn="l" defTabSz="914400" rtl="0" eaLnBrk="1" latinLnBrk="0" hangingPunct="1">
+              <a:lnSpc>
+                <a:spcPct val="90000"/>
+              </a:lnSpc>
+              <a:spcBef>
+                <a:spcPts val="500"/>
+              </a:spcBef>
+              <a:buFont typeface="Arial" panose="020B0604020202020204" pitchFamily="34" charset="0"/>
+              <a:buChar char="•"/>
+              <a:defRPr sz="2000" kern="1200">
+                <a:solidFill>
+                  <a:schemeClr val="tx1"/>
+                </a:solidFill>
+                <a:latin typeface="+mn-lt"/>
+                <a:ea typeface="+mn-ea"/>
+                <a:cs typeface="+mn-cs"/>
+              </a:defRPr>
+            </a:lvl3pPr>
+            <a:lvl4pPr marL="1600200" indent="-228600" algn="l" defTabSz="914400" rtl="0" eaLnBrk="1" latinLnBrk="0" hangingPunct="1">
+              <a:lnSpc>
+                <a:spcPct val="90000"/>
+              </a:lnSpc>
+              <a:spcBef>
+                <a:spcPts val="500"/>
+              </a:spcBef>
+              <a:buFont typeface="Arial" panose="020B0604020202020204" pitchFamily="34" charset="0"/>
+              <a:buChar char="•"/>
+              <a:defRPr sz="1800" kern="1200">
+                <a:solidFill>
+                  <a:schemeClr val="tx1"/>
+                </a:solidFill>
+                <a:latin typeface="+mn-lt"/>
+                <a:ea typeface="+mn-ea"/>
+                <a:cs typeface="+mn-cs"/>
+              </a:defRPr>
+            </a:lvl4pPr>
+            <a:lvl5pPr marL="2057400" indent="-228600" algn="l" defTabSz="914400" rtl="0" eaLnBrk="1" latinLnBrk="0" hangingPunct="1">
+              <a:lnSpc>
+                <a:spcPct val="90000"/>
+              </a:lnSpc>
+              <a:spcBef>
+                <a:spcPts val="500"/>
+              </a:spcBef>
+              <a:buFont typeface="Arial" panose="020B0604020202020204" pitchFamily="34" charset="0"/>
+              <a:buChar char="•"/>
+              <a:defRPr sz="1800" kern="1200">
+                <a:solidFill>
+                  <a:schemeClr val="tx1"/>
+                </a:solidFill>
+                <a:latin typeface="+mn-lt"/>
+                <a:ea typeface="+mn-ea"/>
+                <a:cs typeface="+mn-cs"/>
+              </a:defRPr>
+            </a:lvl5pPr>
+            <a:lvl6pPr marL="2514600" indent="-228600" algn="l" defTabSz="914400" rtl="0" eaLnBrk="1" latinLnBrk="0" hangingPunct="1">
+              <a:lnSpc>
+                <a:spcPct val="90000"/>
+              </a:lnSpc>
+              <a:spcBef>
+                <a:spcPts val="500"/>
+              </a:spcBef>
+              <a:buFont typeface="Arial" panose="020B0604020202020204" pitchFamily="34" charset="0"/>
+              <a:buChar char="•"/>
+              <a:defRPr sz="1800" kern="1200">
+                <a:solidFill>
+                  <a:schemeClr val="tx1"/>
+                </a:solidFill>
+                <a:latin typeface="+mn-lt"/>
+                <a:ea typeface="+mn-ea"/>
+                <a:cs typeface="+mn-cs"/>
+              </a:defRPr>
+            </a:lvl6pPr>
+            <a:lvl7pPr marL="2971800" indent="-228600" algn="l" defTabSz="914400" rtl="0" eaLnBrk="1" latinLnBrk="0" hangingPunct="1">
+              <a:lnSpc>
+                <a:spcPct val="90000"/>
+              </a:lnSpc>
+              <a:spcBef>
+                <a:spcPts val="500"/>
+              </a:spcBef>
+              <a:buFont typeface="Arial" panose="020B0604020202020204" pitchFamily="34" charset="0"/>
+              <a:buChar char="•"/>
+              <a:defRPr sz="1800" kern="1200">
+                <a:solidFill>
+                  <a:schemeClr val="tx1"/>
+                </a:solidFill>
+                <a:latin typeface="+mn-lt"/>
+                <a:ea typeface="+mn-ea"/>
+                <a:cs typeface="+mn-cs"/>
+              </a:defRPr>
+            </a:lvl7pPr>
+            <a:lvl8pPr marL="3429000" indent="-228600" algn="l" defTabSz="914400" rtl="0" eaLnBrk="1" latinLnBrk="0" hangingPunct="1">
+              <a:lnSpc>
+                <a:spcPct val="90000"/>
+              </a:lnSpc>
+              <a:spcBef>
+                <a:spcPts val="500"/>
+              </a:spcBef>
+              <a:buFont typeface="Arial" panose="020B0604020202020204" pitchFamily="34" charset="0"/>
+              <a:buChar char="•"/>
+              <a:defRPr sz="1800" kern="1200">
+                <a:solidFill>
+                  <a:schemeClr val="tx1"/>
+                </a:solidFill>
+                <a:latin typeface="+mn-lt"/>
+                <a:ea typeface="+mn-ea"/>
+                <a:cs typeface="+mn-cs"/>
+              </a:defRPr>
+            </a:lvl8pPr>
+            <a:lvl9pPr marL="3886200" indent="-228600" algn="l" defTabSz="914400" rtl="0" eaLnBrk="1" latinLnBrk="0" hangingPunct="1">
+              <a:lnSpc>
+                <a:spcPct val="90000"/>
+              </a:lnSpc>
+              <a:spcBef>
+                <a:spcPts val="500"/>
+              </a:spcBef>
+              <a:buFont typeface="Arial" panose="020B0604020202020204" pitchFamily="34" charset="0"/>
+              <a:buChar char="•"/>
+              <a:defRPr sz="1800" kern="1200">
+                <a:solidFill>
+                  <a:schemeClr val="tx1"/>
+                </a:solidFill>
+                <a:latin typeface="+mn-lt"/>
+                <a:ea typeface="+mn-ea"/>
+                <a:cs typeface="+mn-cs"/>
+              </a:defRPr>
+            </a:lvl9pPr>
+          </a:lstStyle>
+          <a:p>
+            <a:pPr marL="0" indent="0">
+              <a:lnSpc>
+                <a:spcPct val="100000"/>
+              </a:lnSpc>
+              <a:spcBef>
+                <a:spcPts val="0"/>
+              </a:spcBef>
+              <a:buFont typeface="Arial" panose="020B0604020202020204" pitchFamily="34" charset="0"/>
+              <a:buNone/>
+            </a:pPr>
+            <a:r>
+              <a:rPr lang="en-US" sz="1800" b="1" dirty="0">
+                <a:solidFill>
+                  <a:srgbClr val="FF0000"/>
+                </a:solidFill>
+              </a:rPr>
+              <a:t>Function</a:t>
+            </a:r>
+          </a:p>
+          <a:p>
+            <a:pPr marL="0" indent="0">
+              <a:lnSpc>
+                <a:spcPct val="100000"/>
+              </a:lnSpc>
+              <a:spcBef>
+                <a:spcPts val="0"/>
+              </a:spcBef>
+              <a:buNone/>
+            </a:pPr>
+            <a:r>
+              <a:rPr lang="en-US" sz="1600" b="1" dirty="0">
+                <a:solidFill>
+                  <a:prstClr val="black"/>
+                </a:solidFill>
+              </a:rPr>
+              <a:t>= </a:t>
+            </a:r>
+            <a:r>
+              <a:rPr lang="en-US" sz="1600" b="1" dirty="0">
+                <a:solidFill>
+                  <a:srgbClr val="0432FF"/>
+                </a:solidFill>
+              </a:rPr>
+              <a:t>SUMIF</a:t>
+            </a:r>
+            <a:r>
+              <a:rPr lang="en-US" sz="1600" b="1" dirty="0">
+                <a:solidFill>
+                  <a:prstClr val="black"/>
+                </a:solidFill>
+              </a:rPr>
+              <a:t>(A1:A10,”User”,B1:B10)</a:t>
+            </a:r>
+          </a:p>
+          <a:p>
+            <a:pPr marL="0" indent="0">
+              <a:lnSpc>
+                <a:spcPct val="100000"/>
+              </a:lnSpc>
+              <a:spcBef>
+                <a:spcPts val="0"/>
+              </a:spcBef>
+              <a:buNone/>
+            </a:pPr>
+            <a:r>
+              <a:rPr lang="en-US" sz="1600" b="1" dirty="0"/>
+              <a:t>= </a:t>
+            </a:r>
+            <a:r>
+              <a:rPr lang="en-US" sz="1600" b="1" dirty="0">
+                <a:solidFill>
+                  <a:srgbClr val="0432FF"/>
+                </a:solidFill>
+              </a:rPr>
+              <a:t>IF</a:t>
+            </a:r>
+            <a:r>
+              <a:rPr lang="en-US" sz="1600" b="1" dirty="0"/>
+              <a:t>(logical_test, [value_if_true], [value_if_false])</a:t>
+            </a:r>
+          </a:p>
+          <a:p>
+            <a:pPr marL="0" indent="0">
+              <a:lnSpc>
+                <a:spcPct val="100000"/>
+              </a:lnSpc>
+              <a:spcBef>
+                <a:spcPts val="0"/>
+              </a:spcBef>
+              <a:buNone/>
+            </a:pPr>
+            <a:r>
+              <a:rPr lang="en-US" sz="1600" b="1" dirty="0"/>
+              <a:t>= </a:t>
+            </a:r>
+            <a:r>
+              <a:rPr lang="en-US" sz="1600" b="1" dirty="0">
+                <a:solidFill>
+                  <a:srgbClr val="0432FF"/>
+                </a:solidFill>
+              </a:rPr>
+              <a:t>IF(</a:t>
+            </a:r>
+            <a:r>
+              <a:rPr lang="en-US" sz="1600" b="1" dirty="0"/>
+              <a:t>A1&lt;10, “low”, </a:t>
+            </a:r>
+            <a:r>
+              <a:rPr lang="en-US" sz="1600" b="1" dirty="0">
+                <a:solidFill>
+                  <a:srgbClr val="00B050"/>
+                </a:solidFill>
+              </a:rPr>
+              <a:t>IF(</a:t>
+            </a:r>
+            <a:r>
+              <a:rPr lang="en-US" sz="1600" b="1" dirty="0"/>
+              <a:t>A1&lt;20, “middle”, “high”</a:t>
+            </a:r>
+            <a:r>
+              <a:rPr lang="en-US" sz="1600" b="1" dirty="0">
+                <a:solidFill>
+                  <a:srgbClr val="00B050"/>
+                </a:solidFill>
+              </a:rPr>
+              <a:t>)</a:t>
+            </a:r>
+            <a:r>
+              <a:rPr lang="en-US" sz="1600" b="1" dirty="0">
+                <a:solidFill>
+                  <a:srgbClr val="0432FF"/>
+                </a:solidFill>
+              </a:rPr>
+              <a:t>)</a:t>
+            </a:r>
+          </a:p>
+          <a:p>
+            <a:pPr marL="0" indent="0">
+              <a:lnSpc>
+                <a:spcPct val="100000"/>
+              </a:lnSpc>
+              <a:spcBef>
+                <a:spcPts val="0"/>
+              </a:spcBef>
+              <a:buNone/>
+            </a:pPr>
+            <a:r>
+              <a:rPr lang="en-US" sz="1600" b="1" dirty="0"/>
+              <a:t>=</a:t>
+            </a:r>
+            <a:r>
+              <a:rPr lang="en-US" sz="1600" b="1" dirty="0">
+                <a:solidFill>
+                  <a:srgbClr val="0432FF"/>
+                </a:solidFill>
+              </a:rPr>
+              <a:t> VLOOKUP(</a:t>
+            </a:r>
+            <a:r>
+              <a:rPr lang="en-US" sz="1600" b="1" dirty="0"/>
+              <a:t>lookup_value, table_array, col_index_num, False/True</a:t>
+            </a:r>
+            <a:r>
+              <a:rPr lang="en-US" sz="1600" b="1" dirty="0">
+                <a:solidFill>
+                  <a:srgbClr val="0432FF"/>
+                </a:solidFill>
+              </a:rPr>
+              <a:t>)</a:t>
+            </a:r>
+            <a:r>
+              <a:rPr lang="zh-CN" altLang="en-US" sz="1600" b="1" dirty="0">
+                <a:solidFill>
+                  <a:srgbClr val="0432FF"/>
+                </a:solidFill>
+              </a:rPr>
+              <a:t>  </a:t>
+            </a:r>
+            <a:r>
+              <a:rPr lang="zh-CN" altLang="en-US" sz="1200" dirty="0">
+                <a:solidFill>
+                  <a:prstClr val="black"/>
+                </a:solidFill>
+              </a:rPr>
+              <a:t>精确</a:t>
+            </a:r>
+            <a:r>
+              <a:rPr lang="en-US" altLang="zh-CN" sz="1200" dirty="0">
+                <a:solidFill>
+                  <a:prstClr val="black"/>
+                </a:solidFill>
+              </a:rPr>
+              <a:t>/</a:t>
+            </a:r>
+            <a:r>
+              <a:rPr lang="zh-CN" altLang="en-US" sz="1200" dirty="0"/>
+              <a:t>模糊</a:t>
+            </a:r>
+            <a:endParaRPr lang="en-US" sz="1600" dirty="0"/>
+          </a:p>
+          <a:p>
+            <a:pPr marL="0" indent="0">
+              <a:lnSpc>
+                <a:spcPct val="100000"/>
+              </a:lnSpc>
+              <a:spcBef>
+                <a:spcPts val="0"/>
+              </a:spcBef>
+              <a:buNone/>
+            </a:pPr>
+            <a:r>
+              <a:rPr lang="en-US" sz="1600" b="1" dirty="0"/>
+              <a:t>= </a:t>
+            </a:r>
+            <a:r>
+              <a:rPr lang="en-US" sz="1600" b="1" dirty="0">
+                <a:solidFill>
+                  <a:srgbClr val="0432FF"/>
+                </a:solidFill>
+              </a:rPr>
+              <a:t>HLOOKUP(</a:t>
+            </a:r>
+            <a:r>
+              <a:rPr lang="en-US" sz="1600" b="1" dirty="0"/>
+              <a:t>lookup_value, table_array, row_index_num, False/True</a:t>
+            </a:r>
+            <a:r>
+              <a:rPr lang="en-US" sz="1600" b="1" dirty="0">
+                <a:solidFill>
+                  <a:srgbClr val="0432FF"/>
+                </a:solidFill>
+              </a:rPr>
+              <a:t>)</a:t>
+            </a:r>
+            <a:r>
+              <a:rPr lang="zh-CN" altLang="en-US" sz="1600" b="1" dirty="0">
+                <a:solidFill>
+                  <a:srgbClr val="0432FF"/>
+                </a:solidFill>
+              </a:rPr>
+              <a:t>  </a:t>
+            </a:r>
+            <a:r>
+              <a:rPr lang="zh-CN" altLang="en-US" sz="1200" dirty="0">
+                <a:solidFill>
+                  <a:prstClr val="black"/>
+                </a:solidFill>
+              </a:rPr>
+              <a:t>精确</a:t>
+            </a:r>
+            <a:r>
+              <a:rPr lang="en-US" altLang="zh-CN" sz="1200" dirty="0">
+                <a:solidFill>
+                  <a:prstClr val="black"/>
+                </a:solidFill>
+              </a:rPr>
+              <a:t>/</a:t>
+            </a:r>
+            <a:r>
+              <a:rPr lang="zh-CN" altLang="en-US" sz="1200" dirty="0"/>
+              <a:t>模糊</a:t>
+            </a:r>
+            <a:endParaRPr lang="en-US" sz="1600" b="1" dirty="0"/>
+          </a:p>
+          <a:p>
+            <a:pPr marL="0" indent="0">
+              <a:lnSpc>
+                <a:spcPct val="100000"/>
+              </a:lnSpc>
+              <a:spcBef>
+                <a:spcPts val="0"/>
+              </a:spcBef>
+              <a:buNone/>
+            </a:pPr>
+            <a:r>
+              <a:rPr lang="en-US" sz="1600" b="1" dirty="0"/>
+              <a:t>=</a:t>
+            </a:r>
+            <a:r>
+              <a:rPr lang="en-US" sz="1600" b="1" dirty="0">
+                <a:solidFill>
+                  <a:srgbClr val="0432FF"/>
+                </a:solidFill>
+              </a:rPr>
+              <a:t> RANDBETWEEN</a:t>
+            </a:r>
+            <a:r>
+              <a:rPr lang="en-US" sz="1600" b="1" dirty="0"/>
+              <a:t>(1,4)</a:t>
+            </a:r>
+          </a:p>
+          <a:p>
+            <a:pPr marL="0" indent="0">
+              <a:lnSpc>
+                <a:spcPct val="100000"/>
+              </a:lnSpc>
+              <a:spcBef>
+                <a:spcPts val="0"/>
+              </a:spcBef>
+              <a:buNone/>
+            </a:pPr>
+            <a:endParaRPr lang="en-US" sz="1600" b="1" dirty="0"/>
+          </a:p>
+        </p:txBody>
+      </p:sp>
+    </p:spTree>
+    <p:extLst>
+      <p:ext uri="{BB962C8B-B14F-4D97-AF65-F5344CB8AC3E}">
+        <p14:creationId xmlns:p14="http://schemas.microsoft.com/office/powerpoint/2010/main" val="3931222474"/>
+      </p:ext>
+    </p:extLst>
+  </p:cSld>
+  <p:clrMapOvr>
+    <a:masterClrMapping/>
+  </p:clrMapOvr>
+</p:sld>
+</file>
+
 <file path=ppt/slides/slide3.xml><?xml version="1.0" encoding="utf-8"?>
 <p:sld xmlns:a="http://schemas.openxmlformats.org/drawingml/2006/main" xmlns:r="http://schemas.openxmlformats.org/officeDocument/2006/relationships" xmlns:p="http://schemas.openxmlformats.org/presentationml/2006/main">
   <p:cSld>
@@ -6008,23 +6193,8 @@
                 </a:solidFill>
                 <a:latin typeface="+mn-lt"/>
               </a:rPr>
-              <a:t>Chapter 4 Grabbing Data from External </a:t>
-            </a:r>
-            <a:r>
-              <a:rPr lang="en-US" sz="3200" b="1" dirty="0" err="1">
-                <a:solidFill>
-                  <a:srgbClr val="FF0000"/>
-                </a:solidFill>
-                <a:latin typeface="+mn-lt"/>
-              </a:rPr>
-              <a:t>Souces</a:t>
-            </a:r>
-            <a:endParaRPr lang="en-US" sz="3200" b="1" dirty="0">
-              <a:solidFill>
-                <a:srgbClr val="FF0000"/>
-              </a:solidFill>
-              <a:latin typeface="+mn-lt"/>
-            </a:endParaRPr>
+              <a:t>Chapter 4 Grabbing Data from External Sources</a:t>
+            </a:r>
           </a:p>
         </p:txBody>
       </p:sp>
@@ -6283,7 +6453,7 @@
             </a:pPr>
             <a:r>
               <a:rPr lang="en-US" sz="1600" dirty="0"/>
-              <a:t>XML file: Cannot realize on Mac excel version</a:t>
+              <a:t>XML file</a:t>
             </a:r>
           </a:p>
           <a:p>
@@ -6315,6 +6485,1516 @@
     <p:extLst>
       <p:ext uri="{BB962C8B-B14F-4D97-AF65-F5344CB8AC3E}">
         <p14:creationId xmlns:p14="http://schemas.microsoft.com/office/powerpoint/2010/main" val="691318375"/>
+      </p:ext>
+    </p:extLst>
+  </p:cSld>
+  <p:clrMapOvr>
+    <a:masterClrMapping/>
+  </p:clrMapOvr>
+</p:sld>
+</file>
+
+<file path=ppt/slides/slide6.xml><?xml version="1.0" encoding="utf-8"?>
+<p:sld xmlns:a="http://schemas.openxmlformats.org/drawingml/2006/main" xmlns:r="http://schemas.openxmlformats.org/officeDocument/2006/relationships" xmlns:p="http://schemas.openxmlformats.org/presentationml/2006/main">
+  <p:cSld>
+    <p:spTree>
+      <p:nvGrpSpPr>
+        <p:cNvPr id="1" name=""/>
+        <p:cNvGrpSpPr/>
+        <p:nvPr/>
+      </p:nvGrpSpPr>
+      <p:grpSpPr>
+        <a:xfrm>
+          <a:off x="0" y="0"/>
+          <a:ext cx="0" cy="0"/>
+          <a:chOff x="0" y="0"/>
+          <a:chExt cx="0" cy="0"/>
+        </a:xfrm>
+      </p:grpSpPr>
+      <p:sp>
+        <p:nvSpPr>
+          <p:cNvPr id="2" name="Title 1">
+            <a:extLst>
+              <a:ext uri="{FF2B5EF4-FFF2-40B4-BE49-F238E27FC236}">
+                <a16:creationId xmlns:a16="http://schemas.microsoft.com/office/drawing/2014/main" id="{325F2CEE-19ED-7C4A-A98E-9F27CF54B024}"/>
+              </a:ext>
+            </a:extLst>
+          </p:cNvPr>
+          <p:cNvSpPr>
+            <a:spLocks noGrp="1"/>
+          </p:cNvSpPr>
+          <p:nvPr>
+            <p:ph type="title"/>
+          </p:nvPr>
+        </p:nvSpPr>
+        <p:spPr>
+          <a:xfrm>
+            <a:off x="0" y="18256"/>
+            <a:ext cx="4473146" cy="649010"/>
+          </a:xfrm>
+        </p:spPr>
+        <p:txBody>
+          <a:bodyPr>
+            <a:normAutofit/>
+          </a:bodyPr>
+          <a:lstStyle/>
+          <a:p>
+            <a:r>
+              <a:rPr lang="en-US" sz="3200" b="1" dirty="0">
+                <a:solidFill>
+                  <a:srgbClr val="FF0000"/>
+                </a:solidFill>
+                <a:latin typeface="+mn-lt"/>
+              </a:rPr>
+              <a:t>Chapter 5 Cleaning Data</a:t>
+            </a:r>
+          </a:p>
+        </p:txBody>
+      </p:sp>
+      <p:sp>
+        <p:nvSpPr>
+          <p:cNvPr id="3" name="Content Placeholder 2">
+            <a:extLst>
+              <a:ext uri="{FF2B5EF4-FFF2-40B4-BE49-F238E27FC236}">
+                <a16:creationId xmlns:a16="http://schemas.microsoft.com/office/drawing/2014/main" id="{DA798BC4-B594-814E-A4E1-8CD104A74B99}"/>
+              </a:ext>
+            </a:extLst>
+          </p:cNvPr>
+          <p:cNvSpPr>
+            <a:spLocks noGrp="1"/>
+          </p:cNvSpPr>
+          <p:nvPr>
+            <p:ph idx="1"/>
+          </p:nvPr>
+        </p:nvSpPr>
+        <p:spPr>
+          <a:xfrm>
+            <a:off x="0" y="531341"/>
+            <a:ext cx="12192000" cy="6858000"/>
+          </a:xfrm>
+        </p:spPr>
+        <p:txBody>
+          <a:bodyPr>
+            <a:normAutofit lnSpcReduction="10000"/>
+          </a:bodyPr>
+          <a:lstStyle/>
+          <a:p>
+            <a:pPr lvl="1">
+              <a:lnSpc>
+                <a:spcPct val="100000"/>
+              </a:lnSpc>
+              <a:buFont typeface="Wingdings" pitchFamily="2" charset="2"/>
+              <a:buChar char="ü"/>
+            </a:pPr>
+            <a:r>
+              <a:rPr lang="en-US" sz="1600" b="1" dirty="0">
+                <a:solidFill>
+                  <a:srgbClr val="0432FF"/>
+                </a:solidFill>
+              </a:rPr>
+              <a:t>CLEAN(</a:t>
+            </a:r>
+            <a:r>
+              <a:rPr lang="en-US" sz="1600" dirty="0"/>
+              <a:t>[text]</a:t>
+            </a:r>
+            <a:r>
+              <a:rPr lang="en-US" sz="1600" b="1" dirty="0">
+                <a:solidFill>
+                  <a:srgbClr val="0432FF"/>
+                </a:solidFill>
+              </a:rPr>
+              <a:t>):</a:t>
+            </a:r>
+            <a:r>
+              <a:rPr lang="en-US" sz="1600" b="1" dirty="0">
+                <a:solidFill>
+                  <a:srgbClr val="FF40FF"/>
+                </a:solidFill>
+              </a:rPr>
+              <a:t> remove nonprintable characters</a:t>
+            </a:r>
+          </a:p>
+          <a:p>
+            <a:pPr lvl="1">
+              <a:lnSpc>
+                <a:spcPct val="100000"/>
+              </a:lnSpc>
+              <a:buFont typeface="Wingdings" pitchFamily="2" charset="2"/>
+              <a:buChar char="ü"/>
+            </a:pPr>
+            <a:r>
+              <a:rPr lang="en-US" sz="1600" b="1" dirty="0">
+                <a:solidFill>
+                  <a:srgbClr val="0432FF"/>
+                </a:solidFill>
+                <a:highlight>
+                  <a:srgbClr val="FFFF00"/>
+                </a:highlight>
+              </a:rPr>
+              <a:t>TRIM</a:t>
+            </a:r>
+            <a:r>
+              <a:rPr lang="en-US" sz="1600" b="1" dirty="0">
+                <a:solidFill>
+                  <a:srgbClr val="0432FF"/>
+                </a:solidFill>
+              </a:rPr>
+              <a:t>(</a:t>
+            </a:r>
+            <a:r>
+              <a:rPr lang="en-US" sz="1600" dirty="0"/>
+              <a:t>[text]</a:t>
+            </a:r>
+            <a:r>
+              <a:rPr lang="en-US" sz="1600" b="1" dirty="0">
+                <a:solidFill>
+                  <a:srgbClr val="0432FF"/>
+                </a:solidFill>
+              </a:rPr>
+              <a:t>): </a:t>
+            </a:r>
+            <a:r>
+              <a:rPr lang="en-US" sz="1600" b="1" dirty="0">
+                <a:solidFill>
+                  <a:srgbClr val="FF40FF"/>
+                </a:solidFill>
+              </a:rPr>
+              <a:t>remove extra spaces, line feeds, carriage returns and tabs from a string</a:t>
+            </a:r>
+          </a:p>
+          <a:p>
+            <a:pPr lvl="1">
+              <a:lnSpc>
+                <a:spcPct val="100000"/>
+              </a:lnSpc>
+              <a:buFont typeface="Wingdings" pitchFamily="2" charset="2"/>
+              <a:buChar char="ü"/>
+            </a:pPr>
+            <a:endParaRPr lang="en-US" sz="800" b="1" dirty="0">
+              <a:solidFill>
+                <a:srgbClr val="FF40FF"/>
+              </a:solidFill>
+            </a:endParaRPr>
+          </a:p>
+          <a:p>
+            <a:pPr lvl="1">
+              <a:lnSpc>
+                <a:spcPct val="100000"/>
+              </a:lnSpc>
+              <a:buFont typeface="Wingdings" pitchFamily="2" charset="2"/>
+              <a:buChar char="ü"/>
+            </a:pPr>
+            <a:r>
+              <a:rPr lang="en-US" sz="1600" b="1" dirty="0">
+                <a:solidFill>
+                  <a:srgbClr val="0432FF"/>
+                </a:solidFill>
+              </a:rPr>
+              <a:t>CONCAT(</a:t>
+            </a:r>
+            <a:r>
+              <a:rPr lang="en-US" sz="1600" dirty="0"/>
+              <a:t>[text], [text]…</a:t>
+            </a:r>
+            <a:r>
+              <a:rPr lang="en-US" sz="1600" b="1" dirty="0">
+                <a:solidFill>
+                  <a:srgbClr val="0432FF"/>
+                </a:solidFill>
+              </a:rPr>
+              <a:t>): </a:t>
+            </a:r>
+            <a:r>
+              <a:rPr lang="en-US" sz="1600" b="1" dirty="0">
+                <a:solidFill>
+                  <a:srgbClr val="FF40FF"/>
+                </a:solidFill>
+              </a:rPr>
+              <a:t>join two or more chunks of text into a single string</a:t>
+            </a:r>
+          </a:p>
+          <a:p>
+            <a:pPr lvl="1">
+              <a:lnSpc>
+                <a:spcPct val="100000"/>
+              </a:lnSpc>
+              <a:buFont typeface="Wingdings" pitchFamily="2" charset="2"/>
+              <a:buChar char="ü"/>
+            </a:pPr>
+            <a:r>
+              <a:rPr lang="en-US" sz="1600" b="1" dirty="0">
+                <a:solidFill>
+                  <a:srgbClr val="0432FF"/>
+                </a:solidFill>
+              </a:rPr>
+              <a:t>TEXTJOIN(</a:t>
+            </a:r>
+            <a:r>
+              <a:rPr lang="en-US" sz="1600" dirty="0"/>
+              <a:t>[delimiter],[ignore_empty],[text1]…</a:t>
+            </a:r>
+            <a:r>
+              <a:rPr lang="en-US" sz="1600" b="1" dirty="0">
+                <a:solidFill>
+                  <a:srgbClr val="0432FF"/>
+                </a:solidFill>
+              </a:rPr>
+              <a:t>): </a:t>
+            </a:r>
+            <a:r>
+              <a:rPr lang="en-US" sz="1600" b="1" dirty="0">
+                <a:solidFill>
+                  <a:srgbClr val="FF40FF"/>
+                </a:solidFill>
+              </a:rPr>
+              <a:t>combine two or more string into s single string </a:t>
+            </a:r>
+            <a:r>
+              <a:rPr lang="en-US" sz="1600" b="1" dirty="0"/>
+              <a:t>with the specified delimiter</a:t>
+            </a:r>
+          </a:p>
+          <a:p>
+            <a:pPr lvl="1">
+              <a:lnSpc>
+                <a:spcPct val="100000"/>
+              </a:lnSpc>
+              <a:buFont typeface="Wingdings" pitchFamily="2" charset="2"/>
+              <a:buChar char="ü"/>
+            </a:pPr>
+            <a:endParaRPr lang="en-US" sz="800" b="1" dirty="0">
+              <a:solidFill>
+                <a:srgbClr val="FF40FF"/>
+              </a:solidFill>
+            </a:endParaRPr>
+          </a:p>
+          <a:p>
+            <a:pPr lvl="1">
+              <a:lnSpc>
+                <a:spcPct val="100000"/>
+              </a:lnSpc>
+              <a:buFont typeface="Wingdings" pitchFamily="2" charset="2"/>
+              <a:buChar char="ü"/>
+            </a:pPr>
+            <a:r>
+              <a:rPr lang="en-US" sz="1600" b="1" dirty="0">
+                <a:solidFill>
+                  <a:srgbClr val="0432FF"/>
+                </a:solidFill>
+              </a:rPr>
+              <a:t>EXACT</a:t>
+            </a:r>
+            <a:r>
+              <a:rPr lang="en-US" sz="1800" b="1" dirty="0">
+                <a:solidFill>
+                  <a:srgbClr val="0432FF"/>
+                </a:solidFill>
+              </a:rPr>
+              <a:t>(</a:t>
+            </a:r>
+            <a:r>
+              <a:rPr lang="en-US" sz="1600" dirty="0">
+                <a:solidFill>
+                  <a:prstClr val="black"/>
+                </a:solidFill>
+              </a:rPr>
+              <a:t>[text], [text]</a:t>
+            </a:r>
+            <a:r>
+              <a:rPr lang="en-US" sz="1800" b="1" dirty="0">
+                <a:solidFill>
+                  <a:srgbClr val="0432FF"/>
+                </a:solidFill>
+              </a:rPr>
+              <a:t>): </a:t>
+            </a:r>
+            <a:r>
+              <a:rPr lang="en-US" sz="1600" b="1" dirty="0">
+                <a:solidFill>
+                  <a:srgbClr val="FF40FF"/>
+                </a:solidFill>
+              </a:rPr>
+              <a:t>compare two strings</a:t>
+            </a:r>
+          </a:p>
+          <a:p>
+            <a:pPr lvl="1">
+              <a:lnSpc>
+                <a:spcPct val="100000"/>
+              </a:lnSpc>
+              <a:buFont typeface="Wingdings" pitchFamily="2" charset="2"/>
+              <a:buChar char="ü"/>
+            </a:pPr>
+            <a:r>
+              <a:rPr lang="en-US" sz="1600" b="1" dirty="0">
+                <a:solidFill>
+                  <a:srgbClr val="0432FF"/>
+                </a:solidFill>
+              </a:rPr>
+              <a:t>LEN(</a:t>
+            </a:r>
+            <a:r>
+              <a:rPr lang="en-US" sz="1600" dirty="0"/>
+              <a:t>[text]</a:t>
+            </a:r>
+            <a:r>
+              <a:rPr lang="en-US" sz="1600" b="1" dirty="0">
+                <a:solidFill>
+                  <a:srgbClr val="0432FF"/>
+                </a:solidFill>
+              </a:rPr>
+              <a:t>): </a:t>
+            </a:r>
+            <a:r>
+              <a:rPr lang="en-US" sz="1600" b="1" dirty="0">
+                <a:solidFill>
+                  <a:srgbClr val="FF40FF"/>
+                </a:solidFill>
+              </a:rPr>
+              <a:t>count the number of characters in a string</a:t>
+            </a:r>
+          </a:p>
+          <a:p>
+            <a:pPr lvl="1">
+              <a:lnSpc>
+                <a:spcPct val="100000"/>
+              </a:lnSpc>
+              <a:buFont typeface="Wingdings" pitchFamily="2" charset="2"/>
+              <a:buChar char="ü"/>
+            </a:pPr>
+            <a:endParaRPr lang="en-US" sz="800" b="1" dirty="0">
+              <a:solidFill>
+                <a:srgbClr val="FF40FF"/>
+              </a:solidFill>
+            </a:endParaRPr>
+          </a:p>
+          <a:p>
+            <a:pPr lvl="1">
+              <a:lnSpc>
+                <a:spcPct val="100000"/>
+              </a:lnSpc>
+              <a:buFont typeface="Wingdings" pitchFamily="2" charset="2"/>
+              <a:buChar char="ü"/>
+            </a:pPr>
+            <a:r>
+              <a:rPr lang="en-US" sz="1600" b="1" dirty="0">
+                <a:solidFill>
+                  <a:srgbClr val="0432FF"/>
+                </a:solidFill>
+              </a:rPr>
+              <a:t>FIND(</a:t>
+            </a:r>
+            <a:r>
+              <a:rPr lang="en-US" sz="1600" dirty="0"/>
+              <a:t>[find_text],[within_text],[start_num]</a:t>
+            </a:r>
+            <a:r>
+              <a:rPr lang="en-US" sz="1600" b="1" dirty="0">
+                <a:solidFill>
+                  <a:srgbClr val="0432FF"/>
+                </a:solidFill>
+              </a:rPr>
+              <a:t>): </a:t>
+            </a:r>
+            <a:r>
+              <a:rPr lang="en-US" sz="1600" b="1" dirty="0">
+                <a:solidFill>
+                  <a:srgbClr val="FF40FF"/>
+                </a:solidFill>
+              </a:rPr>
+              <a:t>find the starting character position of one string</a:t>
+            </a:r>
+          </a:p>
+          <a:p>
+            <a:pPr lvl="1">
+              <a:lnSpc>
+                <a:spcPct val="100000"/>
+              </a:lnSpc>
+              <a:buFont typeface="Wingdings" pitchFamily="2" charset="2"/>
+              <a:buChar char="ü"/>
+            </a:pPr>
+            <a:r>
+              <a:rPr lang="en-US" sz="1600" b="1" dirty="0">
+                <a:solidFill>
+                  <a:srgbClr val="0432FF"/>
+                </a:solidFill>
+              </a:rPr>
+              <a:t>SEARCH(</a:t>
+            </a:r>
+            <a:r>
+              <a:rPr lang="en-US" sz="1600" dirty="0"/>
+              <a:t>[find_text],[within_text],[start_num]</a:t>
+            </a:r>
+            <a:r>
+              <a:rPr lang="en-US" sz="1600" b="1" dirty="0">
+                <a:solidFill>
+                  <a:srgbClr val="0432FF"/>
+                </a:solidFill>
+              </a:rPr>
+              <a:t>): </a:t>
+            </a:r>
+            <a:r>
+              <a:rPr lang="en-US" sz="1600" b="1" dirty="0">
+                <a:solidFill>
+                  <a:srgbClr val="FF40FF"/>
+                </a:solidFill>
+              </a:rPr>
+              <a:t>return the starting position of a specified string within a string</a:t>
+            </a:r>
+          </a:p>
+          <a:p>
+            <a:pPr lvl="1">
+              <a:lnSpc>
+                <a:spcPct val="100000"/>
+              </a:lnSpc>
+              <a:buFont typeface="Wingdings" pitchFamily="2" charset="2"/>
+              <a:buChar char="ü"/>
+            </a:pPr>
+            <a:endParaRPr lang="en-US" sz="800" b="1" dirty="0">
+              <a:solidFill>
+                <a:srgbClr val="FF40FF"/>
+              </a:solidFill>
+            </a:endParaRPr>
+          </a:p>
+          <a:p>
+            <a:pPr lvl="1">
+              <a:lnSpc>
+                <a:spcPct val="100000"/>
+              </a:lnSpc>
+              <a:buFont typeface="Wingdings" pitchFamily="2" charset="2"/>
+              <a:buChar char="ü"/>
+            </a:pPr>
+            <a:r>
+              <a:rPr lang="en-US" sz="1600" b="1" dirty="0">
+                <a:solidFill>
+                  <a:srgbClr val="0432FF"/>
+                </a:solidFill>
+              </a:rPr>
+              <a:t>LEFT(</a:t>
+            </a:r>
+            <a:r>
+              <a:rPr lang="en-US" sz="1600" dirty="0"/>
+              <a:t>[text],[num_chars]</a:t>
+            </a:r>
+            <a:r>
+              <a:rPr lang="en-US" sz="1600" b="1" dirty="0">
+                <a:solidFill>
+                  <a:srgbClr val="0432FF"/>
+                </a:solidFill>
+              </a:rPr>
+              <a:t>): </a:t>
+            </a:r>
+            <a:r>
+              <a:rPr lang="en-US" sz="1600" b="1" dirty="0">
+                <a:solidFill>
+                  <a:srgbClr val="FF40FF"/>
+                </a:solidFill>
+              </a:rPr>
+              <a:t>return a specified number of </a:t>
+            </a:r>
+            <a:r>
+              <a:rPr lang="en-US" sz="1600" b="1" dirty="0"/>
+              <a:t>characters</a:t>
+            </a:r>
+            <a:r>
+              <a:rPr lang="en-US" sz="1600" b="1" dirty="0">
+                <a:solidFill>
+                  <a:srgbClr val="FF40FF"/>
+                </a:solidFill>
+              </a:rPr>
+              <a:t> from the left end of a string</a:t>
+            </a:r>
+          </a:p>
+          <a:p>
+            <a:pPr lvl="1">
+              <a:lnSpc>
+                <a:spcPct val="100000"/>
+              </a:lnSpc>
+              <a:buFont typeface="Wingdings" pitchFamily="2" charset="2"/>
+              <a:buChar char="ü"/>
+            </a:pPr>
+            <a:r>
+              <a:rPr lang="en-US" sz="1600" b="1" dirty="0">
+                <a:solidFill>
+                  <a:srgbClr val="0432FF"/>
+                </a:solidFill>
+              </a:rPr>
+              <a:t>RIGHT(</a:t>
+            </a:r>
+            <a:r>
+              <a:rPr lang="en-US" sz="1600" dirty="0"/>
+              <a:t>[text],[num_chars]</a:t>
+            </a:r>
+            <a:r>
+              <a:rPr lang="en-US" sz="1600" b="1" dirty="0">
+                <a:solidFill>
+                  <a:srgbClr val="0432FF"/>
+                </a:solidFill>
+              </a:rPr>
+              <a:t>): </a:t>
+            </a:r>
+            <a:r>
+              <a:rPr lang="en-US" sz="1600" b="1" dirty="0">
+                <a:solidFill>
+                  <a:srgbClr val="FF40FF"/>
+                </a:solidFill>
+              </a:rPr>
+              <a:t>return a specified number of </a:t>
+            </a:r>
+            <a:r>
+              <a:rPr lang="en-US" sz="1600" b="1" dirty="0"/>
+              <a:t>characters</a:t>
+            </a:r>
+            <a:r>
+              <a:rPr lang="en-US" sz="1600" b="1" dirty="0">
+                <a:solidFill>
+                  <a:srgbClr val="FF40FF"/>
+                </a:solidFill>
+              </a:rPr>
+              <a:t> from the end of a string</a:t>
+            </a:r>
+          </a:p>
+          <a:p>
+            <a:pPr lvl="1">
+              <a:lnSpc>
+                <a:spcPct val="100000"/>
+              </a:lnSpc>
+              <a:buFont typeface="Wingdings" pitchFamily="2" charset="2"/>
+              <a:buChar char="ü"/>
+            </a:pPr>
+            <a:r>
+              <a:rPr lang="en-US" sz="1600" b="1" dirty="0">
+                <a:solidFill>
+                  <a:srgbClr val="0432FF"/>
+                </a:solidFill>
+              </a:rPr>
+              <a:t>MID(</a:t>
+            </a:r>
+            <a:r>
+              <a:rPr lang="en-US" sz="1600" dirty="0"/>
+              <a:t>[text],[start_num],[num_chars]</a:t>
+            </a:r>
+            <a:r>
+              <a:rPr lang="en-US" sz="1600" b="1" dirty="0">
+                <a:solidFill>
+                  <a:srgbClr val="0432FF"/>
+                </a:solidFill>
+              </a:rPr>
+              <a:t>): </a:t>
+            </a:r>
+            <a:r>
+              <a:rPr lang="en-US" sz="1600" b="1" dirty="0">
+                <a:solidFill>
+                  <a:srgbClr val="FF40FF"/>
+                </a:solidFill>
+              </a:rPr>
+              <a:t>return a </a:t>
+            </a:r>
+            <a:r>
+              <a:rPr lang="en-US" sz="1600" b="1" dirty="0"/>
+              <a:t>chunk of text </a:t>
+            </a:r>
+            <a:r>
+              <a:rPr lang="en-US" sz="1600" b="1" dirty="0">
+                <a:solidFill>
+                  <a:srgbClr val="FF40FF"/>
+                </a:solidFill>
+              </a:rPr>
+              <a:t>from inside of a string</a:t>
+            </a:r>
+          </a:p>
+          <a:p>
+            <a:pPr lvl="1">
+              <a:lnSpc>
+                <a:spcPct val="100000"/>
+              </a:lnSpc>
+              <a:buFont typeface="Wingdings" pitchFamily="2" charset="2"/>
+              <a:buChar char="ü"/>
+            </a:pPr>
+            <a:endParaRPr lang="en-US" sz="800" b="1" dirty="0">
+              <a:solidFill>
+                <a:srgbClr val="FF40FF"/>
+              </a:solidFill>
+            </a:endParaRPr>
+          </a:p>
+          <a:p>
+            <a:pPr lvl="1">
+              <a:lnSpc>
+                <a:spcPct val="100000"/>
+              </a:lnSpc>
+              <a:buFont typeface="Wingdings" pitchFamily="2" charset="2"/>
+              <a:buChar char="ü"/>
+            </a:pPr>
+            <a:r>
+              <a:rPr lang="en-US" sz="1600" b="1" dirty="0">
+                <a:solidFill>
+                  <a:srgbClr val="0432FF"/>
+                </a:solidFill>
+              </a:rPr>
+              <a:t>LOWER(</a:t>
+            </a:r>
+            <a:r>
+              <a:rPr lang="en-US" sz="1600" dirty="0"/>
+              <a:t>[text]</a:t>
+            </a:r>
+            <a:r>
+              <a:rPr lang="en-US" sz="1600" b="1" dirty="0">
+                <a:solidFill>
+                  <a:srgbClr val="0432FF"/>
+                </a:solidFill>
+              </a:rPr>
+              <a:t>): </a:t>
+            </a:r>
+            <a:r>
+              <a:rPr lang="en-US" sz="1600" b="1" dirty="0">
+                <a:solidFill>
+                  <a:srgbClr val="FF40FF"/>
+                </a:solidFill>
+              </a:rPr>
+              <a:t>return all-lowercase version of a string</a:t>
+            </a:r>
+          </a:p>
+          <a:p>
+            <a:pPr lvl="1">
+              <a:lnSpc>
+                <a:spcPct val="100000"/>
+              </a:lnSpc>
+              <a:buFont typeface="Wingdings" pitchFamily="2" charset="2"/>
+              <a:buChar char="ü"/>
+            </a:pPr>
+            <a:r>
+              <a:rPr lang="en-US" sz="1600" b="1" dirty="0">
+                <a:solidFill>
+                  <a:srgbClr val="0432FF"/>
+                </a:solidFill>
+              </a:rPr>
+              <a:t>UPPER(</a:t>
+            </a:r>
+            <a:r>
+              <a:rPr lang="en-US" sz="1600" dirty="0"/>
+              <a:t>[text]</a:t>
+            </a:r>
+            <a:r>
+              <a:rPr lang="en-US" sz="1600" b="1" dirty="0">
+                <a:solidFill>
+                  <a:srgbClr val="0432FF"/>
+                </a:solidFill>
+              </a:rPr>
+              <a:t>): </a:t>
+            </a:r>
+            <a:r>
+              <a:rPr lang="en-US" sz="1600" b="1" dirty="0">
+                <a:solidFill>
+                  <a:srgbClr val="FF40FF"/>
+                </a:solidFill>
+              </a:rPr>
+              <a:t>return all-uppercase version of a string</a:t>
+            </a:r>
+          </a:p>
+          <a:p>
+            <a:pPr lvl="1">
+              <a:lnSpc>
+                <a:spcPct val="100000"/>
+              </a:lnSpc>
+              <a:buFont typeface="Wingdings" pitchFamily="2" charset="2"/>
+              <a:buChar char="ü"/>
+            </a:pPr>
+            <a:r>
+              <a:rPr lang="en-US" sz="1600" b="1" dirty="0">
+                <a:solidFill>
+                  <a:srgbClr val="0432FF"/>
+                </a:solidFill>
+              </a:rPr>
+              <a:t>PROPER(</a:t>
+            </a:r>
+            <a:r>
+              <a:rPr lang="en-US" sz="1600" dirty="0"/>
+              <a:t>[text]</a:t>
+            </a:r>
+            <a:r>
+              <a:rPr lang="en-US" sz="1600" b="1" dirty="0">
+                <a:solidFill>
+                  <a:srgbClr val="0432FF"/>
+                </a:solidFill>
+              </a:rPr>
+              <a:t>)</a:t>
+            </a:r>
+            <a:r>
+              <a:rPr lang="en-US" sz="1600" b="1" dirty="0">
+                <a:solidFill>
+                  <a:srgbClr val="FF40FF"/>
+                </a:solidFill>
+              </a:rPr>
+              <a:t>: capitalize the first letter of every word in a string</a:t>
+            </a:r>
+          </a:p>
+          <a:p>
+            <a:pPr lvl="1">
+              <a:lnSpc>
+                <a:spcPct val="100000"/>
+              </a:lnSpc>
+              <a:buFont typeface="Wingdings" pitchFamily="2" charset="2"/>
+              <a:buChar char="ü"/>
+            </a:pPr>
+            <a:endParaRPr lang="en-US" sz="800" b="1" dirty="0">
+              <a:solidFill>
+                <a:srgbClr val="FF40FF"/>
+              </a:solidFill>
+            </a:endParaRPr>
+          </a:p>
+          <a:p>
+            <a:pPr lvl="1">
+              <a:lnSpc>
+                <a:spcPct val="100000"/>
+              </a:lnSpc>
+              <a:buFont typeface="Wingdings" pitchFamily="2" charset="2"/>
+              <a:buChar char="ü"/>
+            </a:pPr>
+            <a:r>
+              <a:rPr lang="en-US" sz="1600" b="1" dirty="0">
+                <a:solidFill>
+                  <a:srgbClr val="0432FF"/>
+                </a:solidFill>
+                <a:highlight>
+                  <a:srgbClr val="FFFF00"/>
+                </a:highlight>
+              </a:rPr>
+              <a:t>NUMBERVALUE</a:t>
+            </a:r>
+            <a:r>
+              <a:rPr lang="en-US" sz="1600" b="1" dirty="0">
+                <a:solidFill>
+                  <a:srgbClr val="0432FF"/>
+                </a:solidFill>
+              </a:rPr>
+              <a:t>(</a:t>
+            </a:r>
+            <a:r>
+              <a:rPr lang="en-US" sz="1600" dirty="0"/>
+              <a:t>[text],[decimal_separator],[group_separator]</a:t>
+            </a:r>
+            <a:r>
+              <a:rPr lang="en-US" sz="1600" b="1" dirty="0">
+                <a:solidFill>
+                  <a:srgbClr val="0432FF"/>
+                </a:solidFill>
+              </a:rPr>
+              <a:t>): </a:t>
+            </a:r>
+            <a:r>
+              <a:rPr lang="en-US" sz="1600" b="1" dirty="0">
+                <a:solidFill>
+                  <a:srgbClr val="FF40FF"/>
+                </a:solidFill>
+              </a:rPr>
+              <a:t>convert digits formatted as a string to a </a:t>
+            </a:r>
+            <a:r>
+              <a:rPr lang="en-US" sz="1600" b="1" dirty="0"/>
+              <a:t>true numeric value</a:t>
+            </a:r>
+          </a:p>
+          <a:p>
+            <a:pPr lvl="1">
+              <a:lnSpc>
+                <a:spcPct val="100000"/>
+              </a:lnSpc>
+              <a:buFont typeface="Wingdings" pitchFamily="2" charset="2"/>
+              <a:buChar char="ü"/>
+            </a:pPr>
+            <a:r>
+              <a:rPr lang="en-US" sz="1600" b="1" dirty="0">
+                <a:solidFill>
+                  <a:srgbClr val="0432FF"/>
+                </a:solidFill>
+              </a:rPr>
+              <a:t>VALUE(</a:t>
+            </a:r>
+            <a:r>
+              <a:rPr lang="en-US" sz="1600" dirty="0"/>
+              <a:t>[text]</a:t>
+            </a:r>
+            <a:r>
+              <a:rPr lang="en-US" sz="1600" b="1" dirty="0">
+                <a:solidFill>
+                  <a:srgbClr val="0432FF"/>
+                </a:solidFill>
+              </a:rPr>
+              <a:t>): </a:t>
+            </a:r>
+            <a:r>
+              <a:rPr lang="en-US" sz="1600" b="1" dirty="0">
+                <a:solidFill>
+                  <a:srgbClr val="FF40FF"/>
+                </a:solidFill>
+              </a:rPr>
+              <a:t>converts a string that looks like a numeric value to an </a:t>
+            </a:r>
+            <a:r>
+              <a:rPr lang="en-US" sz="1600" b="1" dirty="0"/>
+              <a:t>actual number</a:t>
+            </a:r>
+          </a:p>
+          <a:p>
+            <a:pPr lvl="1">
+              <a:lnSpc>
+                <a:spcPct val="100000"/>
+              </a:lnSpc>
+              <a:buFont typeface="Wingdings" pitchFamily="2" charset="2"/>
+              <a:buChar char="ü"/>
+            </a:pPr>
+            <a:endParaRPr lang="en-US" sz="800" b="1" dirty="0">
+              <a:solidFill>
+                <a:srgbClr val="0432FF"/>
+              </a:solidFill>
+            </a:endParaRPr>
+          </a:p>
+          <a:p>
+            <a:pPr lvl="1">
+              <a:lnSpc>
+                <a:spcPct val="100000"/>
+              </a:lnSpc>
+              <a:buFont typeface="Wingdings" pitchFamily="2" charset="2"/>
+              <a:buChar char="ü"/>
+            </a:pPr>
+            <a:r>
+              <a:rPr lang="en-US" sz="1600" b="1" dirty="0">
+                <a:solidFill>
+                  <a:srgbClr val="0432FF"/>
+                </a:solidFill>
+              </a:rPr>
+              <a:t>REPLACE (</a:t>
+            </a:r>
+            <a:r>
+              <a:rPr lang="en-US" sz="1600" dirty="0"/>
+              <a:t>[old_text],[start_num],[num_chars],[new_text]</a:t>
+            </a:r>
+            <a:r>
+              <a:rPr lang="en-US" sz="1600" b="1" dirty="0">
+                <a:solidFill>
+                  <a:srgbClr val="0432FF"/>
+                </a:solidFill>
+              </a:rPr>
+              <a:t>): </a:t>
+            </a:r>
+            <a:r>
+              <a:rPr lang="en-US" sz="1600" b="1" dirty="0">
+                <a:solidFill>
+                  <a:srgbClr val="FF40FF"/>
+                </a:solidFill>
+              </a:rPr>
+              <a:t>replace a portion of a string with new text</a:t>
+            </a:r>
+          </a:p>
+          <a:p>
+            <a:pPr lvl="1">
+              <a:lnSpc>
+                <a:spcPct val="100000"/>
+              </a:lnSpc>
+              <a:buFont typeface="Wingdings" pitchFamily="2" charset="2"/>
+              <a:buChar char="ü"/>
+            </a:pPr>
+            <a:r>
+              <a:rPr lang="en-US" sz="1600" b="1" dirty="0">
+                <a:solidFill>
+                  <a:srgbClr val="0432FF"/>
+                </a:solidFill>
+                <a:highlight>
+                  <a:srgbClr val="FFFF00"/>
+                </a:highlight>
+              </a:rPr>
+              <a:t>SUBSTITUTE</a:t>
+            </a:r>
+            <a:r>
+              <a:rPr lang="en-US" sz="1600" b="1" dirty="0">
+                <a:solidFill>
+                  <a:srgbClr val="0432FF"/>
+                </a:solidFill>
+              </a:rPr>
+              <a:t>(</a:t>
+            </a:r>
+            <a:r>
+              <a:rPr lang="en-US" sz="1600" dirty="0"/>
+              <a:t>[text],[old_text],[new_text],[instance_num]</a:t>
+            </a:r>
+            <a:r>
+              <a:rPr lang="en-US" sz="1600" b="1" dirty="0">
+                <a:solidFill>
+                  <a:srgbClr val="0432FF"/>
+                </a:solidFill>
+              </a:rPr>
+              <a:t>): </a:t>
+            </a:r>
+            <a:r>
+              <a:rPr lang="en-US" sz="1600" b="1" dirty="0">
+                <a:solidFill>
+                  <a:srgbClr val="FF40FF"/>
+                </a:solidFill>
+              </a:rPr>
+              <a:t>replace occurrences of text in a string</a:t>
+            </a:r>
+          </a:p>
+        </p:txBody>
+      </p:sp>
+      <p:sp>
+        <p:nvSpPr>
+          <p:cNvPr id="4" name="Rectangle 3">
+            <a:extLst>
+              <a:ext uri="{FF2B5EF4-FFF2-40B4-BE49-F238E27FC236}">
+                <a16:creationId xmlns:a16="http://schemas.microsoft.com/office/drawing/2014/main" id="{A6D2CF01-4FBC-F848-BFF1-246EEE1D1AC8}"/>
+              </a:ext>
+            </a:extLst>
+          </p:cNvPr>
+          <p:cNvSpPr/>
+          <p:nvPr/>
+        </p:nvSpPr>
+        <p:spPr>
+          <a:xfrm>
+            <a:off x="5929511" y="162009"/>
+            <a:ext cx="4806124" cy="369332"/>
+          </a:xfrm>
+          <a:prstGeom prst="rect">
+            <a:avLst/>
+          </a:prstGeom>
+        </p:spPr>
+        <p:txBody>
+          <a:bodyPr wrap="none">
+            <a:spAutoFit/>
+          </a:bodyPr>
+          <a:lstStyle/>
+          <a:p>
+            <a:r>
+              <a:rPr lang="en-US" b="1" dirty="0">
+                <a:solidFill>
+                  <a:srgbClr val="002060"/>
+                </a:solidFill>
+              </a:rPr>
+              <a:t>Data: disorganized, inconsistent, inaccurate, etc. </a:t>
+            </a:r>
+          </a:p>
+        </p:txBody>
+      </p:sp>
+    </p:spTree>
+    <p:extLst>
+      <p:ext uri="{BB962C8B-B14F-4D97-AF65-F5344CB8AC3E}">
+        <p14:creationId xmlns:p14="http://schemas.microsoft.com/office/powerpoint/2010/main" val="766404983"/>
+      </p:ext>
+    </p:extLst>
+  </p:cSld>
+  <p:clrMapOvr>
+    <a:masterClrMapping/>
+  </p:clrMapOvr>
+</p:sld>
+</file>
+
+<file path=ppt/slides/slide7.xml><?xml version="1.0" encoding="utf-8"?>
+<p:sld xmlns:a="http://schemas.openxmlformats.org/drawingml/2006/main" xmlns:r="http://schemas.openxmlformats.org/officeDocument/2006/relationships" xmlns:p="http://schemas.openxmlformats.org/presentationml/2006/main">
+  <p:cSld>
+    <p:spTree>
+      <p:nvGrpSpPr>
+        <p:cNvPr id="1" name=""/>
+        <p:cNvGrpSpPr/>
+        <p:nvPr/>
+      </p:nvGrpSpPr>
+      <p:grpSpPr>
+        <a:xfrm>
+          <a:off x="0" y="0"/>
+          <a:ext cx="0" cy="0"/>
+          <a:chOff x="0" y="0"/>
+          <a:chExt cx="0" cy="0"/>
+        </a:xfrm>
+      </p:grpSpPr>
+      <p:sp>
+        <p:nvSpPr>
+          <p:cNvPr id="2" name="Title 1">
+            <a:extLst>
+              <a:ext uri="{FF2B5EF4-FFF2-40B4-BE49-F238E27FC236}">
+                <a16:creationId xmlns:a16="http://schemas.microsoft.com/office/drawing/2014/main" id="{325F2CEE-19ED-7C4A-A98E-9F27CF54B024}"/>
+              </a:ext>
+            </a:extLst>
+          </p:cNvPr>
+          <p:cNvSpPr>
+            <a:spLocks noGrp="1"/>
+          </p:cNvSpPr>
+          <p:nvPr>
+            <p:ph type="title"/>
+          </p:nvPr>
+        </p:nvSpPr>
+        <p:spPr>
+          <a:xfrm>
+            <a:off x="0" y="18256"/>
+            <a:ext cx="12192000" cy="649010"/>
+          </a:xfrm>
+        </p:spPr>
+        <p:txBody>
+          <a:bodyPr>
+            <a:normAutofit/>
+          </a:bodyPr>
+          <a:lstStyle/>
+          <a:p>
+            <a:r>
+              <a:rPr lang="en-US" sz="3200" b="1" dirty="0">
+                <a:solidFill>
+                  <a:srgbClr val="FF0000"/>
+                </a:solidFill>
+                <a:latin typeface="+mn-lt"/>
+              </a:rPr>
+              <a:t>Chapter 6 Analyzing Table Data with Function</a:t>
+            </a:r>
+          </a:p>
+        </p:txBody>
+      </p:sp>
+      <p:sp>
+        <p:nvSpPr>
+          <p:cNvPr id="3" name="Content Placeholder 2">
+            <a:extLst>
+              <a:ext uri="{FF2B5EF4-FFF2-40B4-BE49-F238E27FC236}">
+                <a16:creationId xmlns:a16="http://schemas.microsoft.com/office/drawing/2014/main" id="{DA798BC4-B594-814E-A4E1-8CD104A74B99}"/>
+              </a:ext>
+            </a:extLst>
+          </p:cNvPr>
+          <p:cNvSpPr>
+            <a:spLocks noGrp="1"/>
+          </p:cNvSpPr>
+          <p:nvPr>
+            <p:ph idx="1"/>
+          </p:nvPr>
+        </p:nvSpPr>
+        <p:spPr>
+          <a:xfrm>
+            <a:off x="0" y="913445"/>
+            <a:ext cx="6224954" cy="4386648"/>
+          </a:xfrm>
+        </p:spPr>
+        <p:txBody>
+          <a:bodyPr>
+            <a:normAutofit/>
+          </a:bodyPr>
+          <a:lstStyle/>
+          <a:p>
+            <a:pPr>
+              <a:lnSpc>
+                <a:spcPct val="150000"/>
+              </a:lnSpc>
+            </a:pPr>
+            <a:r>
+              <a:rPr lang="en-US" sz="1800" b="1" dirty="0">
+                <a:solidFill>
+                  <a:srgbClr val="0432FF"/>
+                </a:solidFill>
+              </a:rPr>
+              <a:t>Database functions: for the statistical analysis of information </a:t>
+            </a:r>
+          </a:p>
+          <a:p>
+            <a:pPr lvl="1">
+              <a:lnSpc>
+                <a:spcPct val="150000"/>
+              </a:lnSpc>
+              <a:buFont typeface="Wingdings" pitchFamily="2" charset="2"/>
+              <a:buChar char="ü"/>
+            </a:pPr>
+            <a:r>
+              <a:rPr lang="en-US" sz="1600" b="1" dirty="0">
+                <a:solidFill>
+                  <a:srgbClr val="0432FF"/>
+                </a:solidFill>
+              </a:rPr>
+              <a:t>DGET(</a:t>
+            </a:r>
+            <a:r>
+              <a:rPr lang="en-US" sz="1600" dirty="0"/>
+              <a:t>[database],[field],[criteria]</a:t>
+            </a:r>
+            <a:r>
+              <a:rPr lang="en-US" sz="1600" b="1" dirty="0">
+                <a:solidFill>
+                  <a:srgbClr val="0432FF"/>
+                </a:solidFill>
+              </a:rPr>
+              <a:t>)</a:t>
+            </a:r>
+            <a:endParaRPr lang="en-US" sz="1600" b="1" dirty="0">
+              <a:solidFill>
+                <a:srgbClr val="7030A0"/>
+              </a:solidFill>
+            </a:endParaRPr>
+          </a:p>
+          <a:p>
+            <a:pPr lvl="1">
+              <a:lnSpc>
+                <a:spcPct val="150000"/>
+              </a:lnSpc>
+              <a:buFont typeface="Wingdings" pitchFamily="2" charset="2"/>
+              <a:buChar char="ü"/>
+            </a:pPr>
+            <a:r>
+              <a:rPr lang="en-US" sz="1600" b="1" dirty="0">
+                <a:solidFill>
+                  <a:srgbClr val="0432FF"/>
+                </a:solidFill>
+              </a:rPr>
+              <a:t>DSUM(</a:t>
+            </a:r>
+            <a:r>
+              <a:rPr lang="en-US" sz="1600" dirty="0"/>
+              <a:t>[database],[field],[criteria]</a:t>
+            </a:r>
+            <a:r>
+              <a:rPr lang="en-US" sz="1600" b="1" dirty="0">
+                <a:solidFill>
+                  <a:srgbClr val="0432FF"/>
+                </a:solidFill>
+              </a:rPr>
+              <a:t>)</a:t>
+            </a:r>
+            <a:endParaRPr lang="en-US" sz="1600" b="1" dirty="0"/>
+          </a:p>
+          <a:p>
+            <a:pPr lvl="1">
+              <a:lnSpc>
+                <a:spcPct val="150000"/>
+              </a:lnSpc>
+              <a:buFont typeface="Wingdings" pitchFamily="2" charset="2"/>
+              <a:buChar char="ü"/>
+            </a:pPr>
+            <a:r>
+              <a:rPr lang="en-US" sz="1600" b="1" dirty="0">
+                <a:solidFill>
+                  <a:srgbClr val="0432FF"/>
+                </a:solidFill>
+              </a:rPr>
+              <a:t>DCOUNT(</a:t>
+            </a:r>
+            <a:r>
+              <a:rPr lang="en-US" sz="1600" dirty="0"/>
+              <a:t>[database],[field],[criteria]</a:t>
+            </a:r>
+            <a:r>
+              <a:rPr lang="en-US" sz="1600" b="1" dirty="0">
+                <a:solidFill>
+                  <a:srgbClr val="0432FF"/>
+                </a:solidFill>
+              </a:rPr>
+              <a:t>)</a:t>
+            </a:r>
+          </a:p>
+          <a:p>
+            <a:pPr lvl="1">
+              <a:lnSpc>
+                <a:spcPct val="150000"/>
+              </a:lnSpc>
+              <a:buFont typeface="Wingdings" pitchFamily="2" charset="2"/>
+              <a:buChar char="ü"/>
+            </a:pPr>
+            <a:r>
+              <a:rPr lang="en-US" sz="1600" b="1" dirty="0">
+                <a:solidFill>
+                  <a:srgbClr val="0432FF"/>
+                </a:solidFill>
+              </a:rPr>
+              <a:t>DAVERAGE(</a:t>
+            </a:r>
+            <a:r>
+              <a:rPr lang="en-US" sz="1600" dirty="0"/>
+              <a:t>[database],[field],[criteria]</a:t>
+            </a:r>
+            <a:r>
+              <a:rPr lang="en-US" sz="1600" b="1" dirty="0">
+                <a:solidFill>
+                  <a:srgbClr val="0432FF"/>
+                </a:solidFill>
+              </a:rPr>
+              <a:t>)</a:t>
+            </a:r>
+          </a:p>
+          <a:p>
+            <a:pPr lvl="1">
+              <a:lnSpc>
+                <a:spcPct val="150000"/>
+              </a:lnSpc>
+              <a:buFont typeface="Wingdings" pitchFamily="2" charset="2"/>
+              <a:buChar char="ü"/>
+            </a:pPr>
+            <a:r>
+              <a:rPr lang="en-US" sz="1600" b="1" dirty="0">
+                <a:solidFill>
+                  <a:srgbClr val="0432FF"/>
+                </a:solidFill>
+              </a:rPr>
+              <a:t>DMAX/DMIN(</a:t>
+            </a:r>
+            <a:r>
+              <a:rPr lang="en-US" sz="1600" dirty="0"/>
+              <a:t>[database],[field],[criteria]</a:t>
+            </a:r>
+            <a:r>
+              <a:rPr lang="en-US" sz="1600" b="1" dirty="0">
+                <a:solidFill>
+                  <a:srgbClr val="0432FF"/>
+                </a:solidFill>
+              </a:rPr>
+              <a:t>)</a:t>
+            </a:r>
+          </a:p>
+          <a:p>
+            <a:pPr lvl="1">
+              <a:lnSpc>
+                <a:spcPct val="150000"/>
+              </a:lnSpc>
+              <a:buFont typeface="Wingdings" pitchFamily="2" charset="2"/>
+              <a:buChar char="ü"/>
+            </a:pPr>
+            <a:r>
+              <a:rPr lang="en-US" sz="1600" b="1" dirty="0">
+                <a:solidFill>
+                  <a:srgbClr val="0432FF"/>
+                </a:solidFill>
+              </a:rPr>
+              <a:t>DPRODUCT(</a:t>
+            </a:r>
+            <a:r>
+              <a:rPr lang="en-US" sz="1600" dirty="0"/>
+              <a:t>[database],[field],[criteria]</a:t>
+            </a:r>
+            <a:r>
+              <a:rPr lang="en-US" sz="1600" b="1" dirty="0">
+                <a:solidFill>
+                  <a:srgbClr val="0432FF"/>
+                </a:solidFill>
+              </a:rPr>
+              <a:t>)</a:t>
+            </a:r>
+          </a:p>
+          <a:p>
+            <a:pPr lvl="1">
+              <a:lnSpc>
+                <a:spcPct val="150000"/>
+              </a:lnSpc>
+              <a:buFont typeface="Wingdings" pitchFamily="2" charset="2"/>
+              <a:buChar char="ü"/>
+            </a:pPr>
+            <a:r>
+              <a:rPr lang="en-US" sz="1600" b="1" dirty="0">
+                <a:solidFill>
+                  <a:srgbClr val="0432FF"/>
+                </a:solidFill>
+              </a:rPr>
+              <a:t>DSTDEV(</a:t>
+            </a:r>
+            <a:r>
+              <a:rPr lang="en-US" sz="1600" dirty="0"/>
+              <a:t>[database],[field],[criteria]</a:t>
+            </a:r>
+            <a:r>
+              <a:rPr lang="en-US" sz="1600" b="1" dirty="0">
+                <a:solidFill>
+                  <a:srgbClr val="0432FF"/>
+                </a:solidFill>
+              </a:rPr>
+              <a:t>)</a:t>
+            </a:r>
+          </a:p>
+          <a:p>
+            <a:pPr lvl="1">
+              <a:lnSpc>
+                <a:spcPct val="150000"/>
+              </a:lnSpc>
+              <a:buFont typeface="Wingdings" pitchFamily="2" charset="2"/>
+              <a:buChar char="ü"/>
+            </a:pPr>
+            <a:r>
+              <a:rPr lang="en-US" sz="1600" b="1" dirty="0">
+                <a:solidFill>
+                  <a:srgbClr val="0432FF"/>
+                </a:solidFill>
+              </a:rPr>
+              <a:t>DVAR(</a:t>
+            </a:r>
+            <a:r>
+              <a:rPr lang="en-US" sz="1600" dirty="0"/>
+              <a:t>[database],[field],[criteria]</a:t>
+            </a:r>
+            <a:r>
+              <a:rPr lang="en-US" sz="1600" b="1" dirty="0">
+                <a:solidFill>
+                  <a:srgbClr val="0432FF"/>
+                </a:solidFill>
+              </a:rPr>
+              <a:t>)</a:t>
+            </a:r>
+          </a:p>
+        </p:txBody>
+      </p:sp>
+      <p:sp>
+        <p:nvSpPr>
+          <p:cNvPr id="4" name="Rectangle 3">
+            <a:extLst>
+              <a:ext uri="{FF2B5EF4-FFF2-40B4-BE49-F238E27FC236}">
+                <a16:creationId xmlns:a16="http://schemas.microsoft.com/office/drawing/2014/main" id="{6DC6947D-8129-1D4B-880F-463F498D8C22}"/>
+              </a:ext>
+            </a:extLst>
+          </p:cNvPr>
+          <p:cNvSpPr/>
+          <p:nvPr/>
+        </p:nvSpPr>
+        <p:spPr>
+          <a:xfrm>
+            <a:off x="5914137" y="1474724"/>
+            <a:ext cx="6096000" cy="2957861"/>
+          </a:xfrm>
+          <a:prstGeom prst="rect">
+            <a:avLst/>
+          </a:prstGeom>
+        </p:spPr>
+        <p:txBody>
+          <a:bodyPr>
+            <a:spAutoFit/>
+          </a:bodyPr>
+          <a:lstStyle/>
+          <a:p>
+            <a:pPr>
+              <a:lnSpc>
+                <a:spcPct val="150000"/>
+              </a:lnSpc>
+            </a:pPr>
+            <a:r>
+              <a:rPr lang="en-US" b="1" dirty="0">
+                <a:solidFill>
+                  <a:srgbClr val="FF40FF"/>
+                </a:solidFill>
+              </a:rPr>
+              <a:t>returns the sum/count/average…. of values from a set of records that match criteria. </a:t>
+            </a:r>
+          </a:p>
+          <a:p>
+            <a:pPr marL="285750" indent="-285750">
+              <a:lnSpc>
+                <a:spcPct val="150000"/>
+              </a:lnSpc>
+              <a:buFont typeface="Wingdings" pitchFamily="2" charset="2"/>
+              <a:buChar char="Ø"/>
+            </a:pPr>
+            <a:r>
+              <a:rPr lang="en-US" b="1" dirty="0">
+                <a:solidFill>
+                  <a:srgbClr val="00B050"/>
+                </a:solidFill>
+              </a:rPr>
+              <a:t>database : </a:t>
+            </a:r>
+            <a:r>
+              <a:rPr lang="en-US" dirty="0"/>
+              <a:t>The range of cells that make up the table you want to work with, it </a:t>
+            </a:r>
+            <a:r>
+              <a:rPr lang="en-US" b="1" dirty="0"/>
+              <a:t>includes headers</a:t>
+            </a:r>
+            <a:r>
+              <a:rPr lang="en-US" dirty="0"/>
+              <a:t>. </a:t>
+            </a:r>
+          </a:p>
+          <a:p>
+            <a:pPr marL="285750" indent="-285750">
+              <a:lnSpc>
+                <a:spcPct val="150000"/>
+              </a:lnSpc>
+              <a:buFont typeface="Wingdings" pitchFamily="2" charset="2"/>
+              <a:buChar char="Ø"/>
+            </a:pPr>
+            <a:r>
+              <a:rPr lang="en-US" b="1" dirty="0">
+                <a:solidFill>
+                  <a:srgbClr val="00B050"/>
+                </a:solidFill>
+              </a:rPr>
+              <a:t>field :</a:t>
+            </a:r>
+            <a:r>
+              <a:rPr lang="en-US" dirty="0">
+                <a:solidFill>
+                  <a:srgbClr val="00B050"/>
+                </a:solidFill>
+              </a:rPr>
+              <a:t> </a:t>
+            </a:r>
+            <a:r>
+              <a:rPr lang="en-US" dirty="0"/>
+              <a:t>A reference to the table column on which you want to perform the operation.</a:t>
+            </a:r>
+          </a:p>
+          <a:p>
+            <a:pPr marL="285750" indent="-285750">
+              <a:lnSpc>
+                <a:spcPct val="150000"/>
+              </a:lnSpc>
+              <a:buFont typeface="Wingdings" pitchFamily="2" charset="2"/>
+              <a:buChar char="Ø"/>
+            </a:pPr>
+            <a:r>
+              <a:rPr lang="en-US" b="1" dirty="0">
+                <a:solidFill>
+                  <a:srgbClr val="00B050"/>
+                </a:solidFill>
+              </a:rPr>
+              <a:t>criteria : </a:t>
+            </a:r>
+            <a:r>
+              <a:rPr lang="en-US" dirty="0"/>
+              <a:t>Criteria range</a:t>
+            </a:r>
+            <a:r>
+              <a:rPr lang="en-US" b="1" dirty="0"/>
+              <a:t> including headers.</a:t>
+            </a:r>
+          </a:p>
+        </p:txBody>
+      </p:sp>
+      <p:sp>
+        <p:nvSpPr>
+          <p:cNvPr id="7" name="Rectangle 6">
+            <a:extLst>
+              <a:ext uri="{FF2B5EF4-FFF2-40B4-BE49-F238E27FC236}">
+                <a16:creationId xmlns:a16="http://schemas.microsoft.com/office/drawing/2014/main" id="{9BE27FCF-C64B-874E-ABD0-325E77053CCB}"/>
+              </a:ext>
+            </a:extLst>
+          </p:cNvPr>
+          <p:cNvSpPr/>
+          <p:nvPr/>
+        </p:nvSpPr>
+        <p:spPr>
+          <a:xfrm>
+            <a:off x="0" y="712335"/>
+            <a:ext cx="237566" cy="369332"/>
+          </a:xfrm>
+          <a:prstGeom prst="rect">
+            <a:avLst/>
+          </a:prstGeom>
+        </p:spPr>
+        <p:txBody>
+          <a:bodyPr wrap="none">
+            <a:spAutoFit/>
+          </a:bodyPr>
+          <a:lstStyle/>
+          <a:p>
+            <a:r>
+              <a:rPr lang="en-US" b="1" dirty="0">
+                <a:solidFill>
+                  <a:srgbClr val="002060"/>
+                </a:solidFill>
+              </a:rPr>
+              <a:t> </a:t>
+            </a:r>
+          </a:p>
+        </p:txBody>
+      </p:sp>
+    </p:spTree>
+    <p:extLst>
+      <p:ext uri="{BB962C8B-B14F-4D97-AF65-F5344CB8AC3E}">
+        <p14:creationId xmlns:p14="http://schemas.microsoft.com/office/powerpoint/2010/main" val="2913702545"/>
       </p:ext>
     </p:extLst>
   </p:cSld>

--- a/EXCEL/ExcelDataAnalysisFD_Examples/Excel data analysis for dummies Outline.pptx
+++ b/EXCEL/ExcelDataAnalysisFD_Examples/Excel data analysis for dummies Outline.pptx
@@ -5,7 +5,7 @@
     <p:sldMasterId id="2147483648" r:id="rId1"/>
   </p:sldMasterIdLst>
   <p:notesMasterIdLst>
-    <p:notesMasterId r:id="rId9"/>
+    <p:notesMasterId r:id="rId10"/>
   </p:notesMasterIdLst>
   <p:sldIdLst>
     <p:sldId id="256" r:id="rId2"/>
@@ -15,6 +15,7 @@
     <p:sldId id="260" r:id="rId6"/>
     <p:sldId id="261" r:id="rId7"/>
     <p:sldId id="262" r:id="rId8"/>
+    <p:sldId id="263" r:id="rId9"/>
   </p:sldIdLst>
   <p:sldSz cx="12192000" cy="6858000"/>
   <p:notesSz cx="6858000" cy="9144000"/>
@@ -203,7 +204,7 @@
           <a:p>
             <a:fld id="{2B41910D-C82E-0643-9441-1C53B2342047}" type="datetimeFigureOut">
               <a:rPr lang="en-US" smtClean="0"/>
-              <a:t>4/24/19</a:t>
+              <a:t>4/25/19</a:t>
             </a:fld>
             <a:endParaRPr lang="en-US" dirty="0"/>
           </a:p>
@@ -829,6 +830,90 @@
 </p:notes>
 </file>
 
+<file path=ppt/notesSlides/notesSlide5.xml><?xml version="1.0" encoding="utf-8"?>
+<p:notes xmlns:a="http://schemas.openxmlformats.org/drawingml/2006/main" xmlns:r="http://schemas.openxmlformats.org/officeDocument/2006/relationships" xmlns:p="http://schemas.openxmlformats.org/presentationml/2006/main">
+  <p:cSld>
+    <p:spTree>
+      <p:nvGrpSpPr>
+        <p:cNvPr id="1" name=""/>
+        <p:cNvGrpSpPr/>
+        <p:nvPr/>
+      </p:nvGrpSpPr>
+      <p:grpSpPr>
+        <a:xfrm>
+          <a:off x="0" y="0"/>
+          <a:ext cx="0" cy="0"/>
+          <a:chOff x="0" y="0"/>
+          <a:chExt cx="0" cy="0"/>
+        </a:xfrm>
+      </p:grpSpPr>
+      <p:sp>
+        <p:nvSpPr>
+          <p:cNvPr id="2" name="Slide Image Placeholder 1"/>
+          <p:cNvSpPr>
+            <a:spLocks noGrp="1" noRot="1" noChangeAspect="1"/>
+          </p:cNvSpPr>
+          <p:nvPr>
+            <p:ph type="sldImg"/>
+          </p:nvPr>
+        </p:nvSpPr>
+        <p:spPr/>
+      </p:sp>
+      <p:sp>
+        <p:nvSpPr>
+          <p:cNvPr id="3" name="Notes Placeholder 2"/>
+          <p:cNvSpPr>
+            <a:spLocks noGrp="1"/>
+          </p:cNvSpPr>
+          <p:nvPr>
+            <p:ph type="body" idx="1"/>
+          </p:nvPr>
+        </p:nvSpPr>
+        <p:spPr/>
+        <p:txBody>
+          <a:bodyPr/>
+          <a:lstStyle/>
+          <a:p>
+            <a:endParaRPr lang="en-US" dirty="0"/>
+          </a:p>
+        </p:txBody>
+      </p:sp>
+      <p:sp>
+        <p:nvSpPr>
+          <p:cNvPr id="4" name="Slide Number Placeholder 3"/>
+          <p:cNvSpPr>
+            <a:spLocks noGrp="1"/>
+          </p:cNvSpPr>
+          <p:nvPr>
+            <p:ph type="sldNum" sz="quarter" idx="5"/>
+          </p:nvPr>
+        </p:nvSpPr>
+        <p:spPr/>
+        <p:txBody>
+          <a:bodyPr/>
+          <a:lstStyle/>
+          <a:p>
+            <a:fld id="{ED060FC7-56EE-7148-A2F0-7A6C56864D50}" type="slidenum">
+              <a:rPr lang="en-US" smtClean="0"/>
+              <a:t>8</a:t>
+            </a:fld>
+            <a:endParaRPr lang="en-US" dirty="0"/>
+          </a:p>
+        </p:txBody>
+      </p:sp>
+    </p:spTree>
+    <p:extLst>
+      <p:ext uri="{BB962C8B-B14F-4D97-AF65-F5344CB8AC3E}">
+        <p14:creationId xmlns:p14="http://schemas.microsoft.com/office/powerpoint/2010/main" val="2495438269"/>
+      </p:ext>
+    </p:extLst>
+  </p:cSld>
+  <p:clrMapOvr>
+    <a:masterClrMapping/>
+  </p:clrMapOvr>
+</p:notes>
+</file>
+
 <file path=ppt/slideLayouts/slideLayout1.xml><?xml version="1.0" encoding="utf-8"?>
 <p:sldLayout xmlns:a="http://schemas.openxmlformats.org/drawingml/2006/main" xmlns:r="http://schemas.openxmlformats.org/officeDocument/2006/relationships" xmlns:p="http://schemas.openxmlformats.org/presentationml/2006/main" type="title" preserve="1">
   <p:cSld name="Title Slide">
@@ -976,7 +1061,7 @@
           <a:p>
             <a:fld id="{BA2EFF2D-EB75-7441-83B2-DFF7D8BDD44A}" type="datetimeFigureOut">
               <a:rPr lang="en-US" smtClean="0"/>
-              <a:t>4/24/19</a:t>
+              <a:t>4/25/19</a:t>
             </a:fld>
             <a:endParaRPr lang="en-US" dirty="0"/>
           </a:p>
@@ -1174,7 +1259,7 @@
           <a:p>
             <a:fld id="{BA2EFF2D-EB75-7441-83B2-DFF7D8BDD44A}" type="datetimeFigureOut">
               <a:rPr lang="en-US" smtClean="0"/>
-              <a:t>4/24/19</a:t>
+              <a:t>4/25/19</a:t>
             </a:fld>
             <a:endParaRPr lang="en-US" dirty="0"/>
           </a:p>
@@ -1382,7 +1467,7 @@
           <a:p>
             <a:fld id="{BA2EFF2D-EB75-7441-83B2-DFF7D8BDD44A}" type="datetimeFigureOut">
               <a:rPr lang="en-US" smtClean="0"/>
-              <a:t>4/24/19</a:t>
+              <a:t>4/25/19</a:t>
             </a:fld>
             <a:endParaRPr lang="en-US" dirty="0"/>
           </a:p>
@@ -1580,7 +1665,7 @@
           <a:p>
             <a:fld id="{BA2EFF2D-EB75-7441-83B2-DFF7D8BDD44A}" type="datetimeFigureOut">
               <a:rPr lang="en-US" smtClean="0"/>
-              <a:t>4/24/19</a:t>
+              <a:t>4/25/19</a:t>
             </a:fld>
             <a:endParaRPr lang="en-US" dirty="0"/>
           </a:p>
@@ -1855,7 +1940,7 @@
           <a:p>
             <a:fld id="{BA2EFF2D-EB75-7441-83B2-DFF7D8BDD44A}" type="datetimeFigureOut">
               <a:rPr lang="en-US" smtClean="0"/>
-              <a:t>4/24/19</a:t>
+              <a:t>4/25/19</a:t>
             </a:fld>
             <a:endParaRPr lang="en-US" dirty="0"/>
           </a:p>
@@ -2120,7 +2205,7 @@
           <a:p>
             <a:fld id="{BA2EFF2D-EB75-7441-83B2-DFF7D8BDD44A}" type="datetimeFigureOut">
               <a:rPr lang="en-US" smtClean="0"/>
-              <a:t>4/24/19</a:t>
+              <a:t>4/25/19</a:t>
             </a:fld>
             <a:endParaRPr lang="en-US" dirty="0"/>
           </a:p>
@@ -2532,7 +2617,7 @@
           <a:p>
             <a:fld id="{BA2EFF2D-EB75-7441-83B2-DFF7D8BDD44A}" type="datetimeFigureOut">
               <a:rPr lang="en-US" smtClean="0"/>
-              <a:t>4/24/19</a:t>
+              <a:t>4/25/19</a:t>
             </a:fld>
             <a:endParaRPr lang="en-US" dirty="0"/>
           </a:p>
@@ -2673,7 +2758,7 @@
           <a:p>
             <a:fld id="{BA2EFF2D-EB75-7441-83B2-DFF7D8BDD44A}" type="datetimeFigureOut">
               <a:rPr lang="en-US" smtClean="0"/>
-              <a:t>4/24/19</a:t>
+              <a:t>4/25/19</a:t>
             </a:fld>
             <a:endParaRPr lang="en-US" dirty="0"/>
           </a:p>
@@ -2786,7 +2871,7 @@
           <a:p>
             <a:fld id="{BA2EFF2D-EB75-7441-83B2-DFF7D8BDD44A}" type="datetimeFigureOut">
               <a:rPr lang="en-US" smtClean="0"/>
-              <a:t>4/24/19</a:t>
+              <a:t>4/25/19</a:t>
             </a:fld>
             <a:endParaRPr lang="en-US" dirty="0"/>
           </a:p>
@@ -3097,7 +3182,7 @@
           <a:p>
             <a:fld id="{BA2EFF2D-EB75-7441-83B2-DFF7D8BDD44A}" type="datetimeFigureOut">
               <a:rPr lang="en-US" smtClean="0"/>
-              <a:t>4/24/19</a:t>
+              <a:t>4/25/19</a:t>
             </a:fld>
             <a:endParaRPr lang="en-US" dirty="0"/>
           </a:p>
@@ -3385,7 +3470,7 @@
           <a:p>
             <a:fld id="{BA2EFF2D-EB75-7441-83B2-DFF7D8BDD44A}" type="datetimeFigureOut">
               <a:rPr lang="en-US" smtClean="0"/>
-              <a:t>4/24/19</a:t>
+              <a:t>4/25/19</a:t>
             </a:fld>
             <a:endParaRPr lang="en-US" dirty="0"/>
           </a:p>
@@ -3626,7 +3711,7 @@
           <a:p>
             <a:fld id="{BA2EFF2D-EB75-7441-83B2-DFF7D8BDD44A}" type="datetimeFigureOut">
               <a:rPr lang="en-US" smtClean="0"/>
-              <a:t>4/24/19</a:t>
+              <a:t>4/25/19</a:t>
             </a:fld>
             <a:endParaRPr lang="en-US" dirty="0"/>
           </a:p>
@@ -7564,7 +7649,7 @@
         <p:spPr>
           <a:xfrm>
             <a:off x="0" y="913445"/>
-            <a:ext cx="6224954" cy="4386648"/>
+            <a:ext cx="5914137" cy="4386648"/>
           </a:xfrm>
         </p:spPr>
         <p:txBody>
@@ -7584,7 +7669,15 @@
                   <a:srgbClr val="0432FF"/>
                 </a:solidFill>
               </a:rPr>
-              <a:t>Database functions: for the statistical analysis of information </a:t>
+              <a:t>Database functions: special set functions especially for the </a:t>
+            </a:r>
+            <a:r>
+              <a:rPr lang="en-US" sz="1800" b="1" u="sng" dirty="0">
+                <a:solidFill>
+                  <a:srgbClr val="FF0000"/>
+                </a:solidFill>
+              </a:rPr>
+              <a:t>statistical analysis  </a:t>
             </a:r>
           </a:p>
           <a:p>
@@ -7889,7 +7982,11 @@
               <a:t>The range of cells that make up the table you want to work with, it </a:t>
             </a:r>
             <a:r>
-              <a:rPr lang="en-US" b="1" dirty="0"/>
+              <a:rPr lang="en-US" b="1" u="sng" dirty="0">
+                <a:solidFill>
+                  <a:srgbClr val="0432FF"/>
+                </a:solidFill>
+              </a:rPr>
               <a:t>includes headers</a:t>
             </a:r>
             <a:r>
@@ -7923,7 +8020,19 @@
             </a:r>
             <a:r>
               <a:rPr lang="en-US" dirty="0"/>
-              <a:t>A reference to the table column on which you want to perform the operation.</a:t>
+              <a:t>A </a:t>
+            </a:r>
+            <a:r>
+              <a:rPr lang="en-US" b="1" u="sng" dirty="0">
+                <a:solidFill>
+                  <a:srgbClr val="0432FF"/>
+                </a:solidFill>
+              </a:rPr>
+              <a:t>reference to the table column </a:t>
+            </a:r>
+            <a:r>
+              <a:rPr lang="en-US" dirty="0"/>
+              <a:t>on which you want to perform the operation.</a:t>
             </a:r>
           </a:p>
           <a:p>
@@ -7947,8 +8056,16 @@
               <a:t>Criteria range</a:t>
             </a:r>
             <a:r>
+              <a:rPr lang="en-US" b="1" u="sng" dirty="0">
+                <a:solidFill>
+                  <a:srgbClr val="0432FF"/>
+                </a:solidFill>
+              </a:rPr>
+              <a:t> including headers</a:t>
+            </a:r>
+            <a:r>
               <a:rPr lang="en-US" b="1" dirty="0"/>
-              <a:t> including headers.</a:t>
+              <a:t>.</a:t>
             </a:r>
           </a:p>
         </p:txBody>
@@ -7995,6 +8112,437 @@
     <p:extLst>
       <p:ext uri="{BB962C8B-B14F-4D97-AF65-F5344CB8AC3E}">
         <p14:creationId xmlns:p14="http://schemas.microsoft.com/office/powerpoint/2010/main" val="2913702545"/>
+      </p:ext>
+    </p:extLst>
+  </p:cSld>
+  <p:clrMapOvr>
+    <a:masterClrMapping/>
+  </p:clrMapOvr>
+</p:sld>
+</file>
+
+<file path=ppt/slides/slide8.xml><?xml version="1.0" encoding="utf-8"?>
+<p:sld xmlns:a="http://schemas.openxmlformats.org/drawingml/2006/main" xmlns:r="http://schemas.openxmlformats.org/officeDocument/2006/relationships" xmlns:p="http://schemas.openxmlformats.org/presentationml/2006/main">
+  <p:cSld>
+    <p:spTree>
+      <p:nvGrpSpPr>
+        <p:cNvPr id="1" name=""/>
+        <p:cNvGrpSpPr/>
+        <p:nvPr/>
+      </p:nvGrpSpPr>
+      <p:grpSpPr>
+        <a:xfrm>
+          <a:off x="0" y="0"/>
+          <a:ext cx="0" cy="0"/>
+          <a:chOff x="0" y="0"/>
+          <a:chExt cx="0" cy="0"/>
+        </a:xfrm>
+      </p:grpSpPr>
+      <p:sp>
+        <p:nvSpPr>
+          <p:cNvPr id="2" name="Title 1">
+            <a:extLst>
+              <a:ext uri="{FF2B5EF4-FFF2-40B4-BE49-F238E27FC236}">
+                <a16:creationId xmlns:a16="http://schemas.microsoft.com/office/drawing/2014/main" id="{325F2CEE-19ED-7C4A-A98E-9F27CF54B024}"/>
+              </a:ext>
+            </a:extLst>
+          </p:cNvPr>
+          <p:cNvSpPr>
+            <a:spLocks noGrp="1"/>
+          </p:cNvSpPr>
+          <p:nvPr>
+            <p:ph type="title"/>
+          </p:nvPr>
+        </p:nvSpPr>
+        <p:spPr>
+          <a:xfrm>
+            <a:off x="0" y="18256"/>
+            <a:ext cx="12192000" cy="649010"/>
+          </a:xfrm>
+        </p:spPr>
+        <p:txBody>
+          <a:bodyPr>
+            <a:normAutofit/>
+          </a:bodyPr>
+          <a:lstStyle/>
+          <a:p>
+            <a:r>
+              <a:rPr lang="en-US" sz="3200" b="1" dirty="0">
+                <a:solidFill>
+                  <a:srgbClr val="FF0000"/>
+                </a:solidFill>
+                <a:latin typeface="+mn-lt"/>
+              </a:rPr>
+              <a:t>Chapter 7 Creating and Using PivotTables</a:t>
+            </a:r>
+          </a:p>
+        </p:txBody>
+      </p:sp>
+      <p:sp>
+        <p:nvSpPr>
+          <p:cNvPr id="3" name="Content Placeholder 2">
+            <a:extLst>
+              <a:ext uri="{FF2B5EF4-FFF2-40B4-BE49-F238E27FC236}">
+                <a16:creationId xmlns:a16="http://schemas.microsoft.com/office/drawing/2014/main" id="{DA798BC4-B594-814E-A4E1-8CD104A74B99}"/>
+              </a:ext>
+            </a:extLst>
+          </p:cNvPr>
+          <p:cNvSpPr>
+            <a:spLocks noGrp="1"/>
+          </p:cNvSpPr>
+          <p:nvPr>
+            <p:ph idx="1"/>
+          </p:nvPr>
+        </p:nvSpPr>
+        <p:spPr>
+          <a:xfrm>
+            <a:off x="-1" y="712334"/>
+            <a:ext cx="12191999" cy="6127409"/>
+          </a:xfrm>
+        </p:spPr>
+        <p:txBody>
+          <a:bodyPr>
+            <a:normAutofit/>
+          </a:bodyPr>
+          <a:lstStyle/>
+          <a:p>
+            <a:pPr>
+              <a:lnSpc>
+                <a:spcPct val="100000"/>
+              </a:lnSpc>
+            </a:pPr>
+            <a:r>
+              <a:rPr lang="en-US" sz="1800" b="1" dirty="0">
+                <a:solidFill>
+                  <a:srgbClr val="0432FF"/>
+                </a:solidFill>
+              </a:rPr>
+              <a:t>Pivot table </a:t>
+            </a:r>
+            <a:r>
+              <a:rPr lang="en-US" sz="1800" dirty="0"/>
+              <a:t>can take records  and summarize them into </a:t>
+            </a:r>
+            <a:r>
+              <a:rPr lang="en-US" sz="1800" b="1" u="sng" dirty="0">
+                <a:solidFill>
+                  <a:srgbClr val="0432FF"/>
+                </a:solidFill>
+              </a:rPr>
+              <a:t>a compact, comprehensible report.</a:t>
+            </a:r>
+          </a:p>
+          <a:p>
+            <a:pPr>
+              <a:lnSpc>
+                <a:spcPct val="100000"/>
+              </a:lnSpc>
+            </a:pPr>
+            <a:r>
+              <a:rPr lang="en-US" sz="1800" b="1" dirty="0">
+                <a:solidFill>
+                  <a:srgbClr val="0432FF"/>
+                </a:solidFill>
+              </a:rPr>
+              <a:t>PivotTable: </a:t>
+            </a:r>
+            <a:r>
+              <a:rPr lang="en-US" sz="1800" dirty="0"/>
+              <a:t>performing three operations</a:t>
+            </a:r>
+          </a:p>
+          <a:p>
+            <a:pPr lvl="1">
+              <a:lnSpc>
+                <a:spcPct val="100000"/>
+              </a:lnSpc>
+              <a:buFont typeface="Wingdings" pitchFamily="2" charset="2"/>
+              <a:buChar char="ü"/>
+            </a:pPr>
+            <a:r>
+              <a:rPr lang="en-US" sz="1600" b="1" dirty="0">
+                <a:solidFill>
+                  <a:srgbClr val="FF0000"/>
+                </a:solidFill>
+              </a:rPr>
+              <a:t>Grouping</a:t>
+            </a:r>
+            <a:r>
+              <a:rPr lang="en-US" sz="1600" b="1" dirty="0"/>
+              <a:t> the data into categories;</a:t>
+            </a:r>
+          </a:p>
+          <a:p>
+            <a:pPr lvl="1">
+              <a:lnSpc>
+                <a:spcPct val="100000"/>
+              </a:lnSpc>
+              <a:buFont typeface="Wingdings" pitchFamily="2" charset="2"/>
+              <a:buChar char="ü"/>
+            </a:pPr>
+            <a:r>
+              <a:rPr lang="en-US" sz="1600" b="1" dirty="0">
+                <a:solidFill>
+                  <a:srgbClr val="FF0000"/>
+                </a:solidFill>
+              </a:rPr>
+              <a:t>Summarizing</a:t>
+            </a:r>
+            <a:r>
+              <a:rPr lang="en-US" sz="1600" b="1" dirty="0"/>
+              <a:t> the data using calculations;</a:t>
+            </a:r>
+          </a:p>
+          <a:p>
+            <a:pPr lvl="2">
+              <a:lnSpc>
+                <a:spcPct val="100000"/>
+              </a:lnSpc>
+              <a:buFont typeface="Wingdings" pitchFamily="2" charset="2"/>
+              <a:buChar char="ü"/>
+            </a:pPr>
+            <a:r>
+              <a:rPr lang="en-US" sz="1400" dirty="0"/>
+              <a:t>The default summary calculation for Text values is Count.</a:t>
+            </a:r>
+            <a:endParaRPr lang="en-US" sz="1200" b="1" dirty="0"/>
+          </a:p>
+          <a:p>
+            <a:pPr lvl="1">
+              <a:lnSpc>
+                <a:spcPct val="100000"/>
+              </a:lnSpc>
+              <a:buFont typeface="Wingdings" pitchFamily="2" charset="2"/>
+              <a:buChar char="ü"/>
+            </a:pPr>
+            <a:r>
+              <a:rPr lang="en-US" sz="1600" b="1" dirty="0">
+                <a:solidFill>
+                  <a:srgbClr val="FF0000"/>
+                </a:solidFill>
+              </a:rPr>
+              <a:t>Filtering</a:t>
+            </a:r>
+            <a:r>
+              <a:rPr lang="en-US" sz="1600" b="1" dirty="0"/>
+              <a:t> the data to show just the records you want to work with</a:t>
+            </a:r>
+            <a:endParaRPr lang="en-US" sz="1600" dirty="0"/>
+          </a:p>
+          <a:p>
+            <a:pPr>
+              <a:lnSpc>
+                <a:spcPct val="100000"/>
+              </a:lnSpc>
+              <a:buFont typeface="Wingdings" pitchFamily="2" charset="2"/>
+              <a:buChar char="ü"/>
+            </a:pPr>
+            <a:r>
+              <a:rPr lang="en-US" sz="2000" dirty="0"/>
+              <a:t>Grouping PivotTable Values</a:t>
+            </a:r>
+          </a:p>
+          <a:p>
+            <a:pPr lvl="1">
+              <a:lnSpc>
+                <a:spcPct val="100000"/>
+              </a:lnSpc>
+              <a:buFont typeface="Wingdings" pitchFamily="2" charset="2"/>
+              <a:buChar char="ü"/>
+            </a:pPr>
+            <a:r>
+              <a:rPr lang="en-US" sz="1600" b="1" u="sng" dirty="0">
+                <a:solidFill>
+                  <a:srgbClr val="0432FF"/>
+                </a:solidFill>
+              </a:rPr>
+              <a:t>Grouping numeric values</a:t>
+            </a:r>
+          </a:p>
+          <a:p>
+            <a:pPr lvl="1">
+              <a:lnSpc>
+                <a:spcPct val="100000"/>
+              </a:lnSpc>
+              <a:buFont typeface="Wingdings" pitchFamily="2" charset="2"/>
+              <a:buChar char="ü"/>
+            </a:pPr>
+            <a:r>
+              <a:rPr lang="en-US" sz="1600" b="1" u="sng" dirty="0">
+                <a:solidFill>
+                  <a:srgbClr val="0432FF"/>
+                </a:solidFill>
+              </a:rPr>
+              <a:t>Grouping date and time values</a:t>
+            </a:r>
+          </a:p>
+          <a:p>
+            <a:pPr lvl="1">
+              <a:lnSpc>
+                <a:spcPct val="100000"/>
+              </a:lnSpc>
+              <a:buFont typeface="Wingdings" pitchFamily="2" charset="2"/>
+              <a:buChar char="ü"/>
+            </a:pPr>
+            <a:r>
+              <a:rPr lang="en-US" sz="1600" b="1" u="sng" dirty="0">
+                <a:solidFill>
+                  <a:srgbClr val="0432FF"/>
+                </a:solidFill>
+              </a:rPr>
+              <a:t>Grouping text values</a:t>
+            </a:r>
+          </a:p>
+          <a:p>
+            <a:pPr>
+              <a:lnSpc>
+                <a:spcPct val="100000"/>
+              </a:lnSpc>
+              <a:buFont typeface="Wingdings" pitchFamily="2" charset="2"/>
+              <a:buChar char="ü"/>
+            </a:pPr>
+            <a:r>
+              <a:rPr lang="en-US" sz="2000" dirty="0"/>
+              <a:t>Filtering PivotTable Values</a:t>
+            </a:r>
+          </a:p>
+          <a:p>
+            <a:pPr lvl="1">
+              <a:lnSpc>
+                <a:spcPct val="100000"/>
+              </a:lnSpc>
+              <a:buFont typeface="Wingdings" pitchFamily="2" charset="2"/>
+              <a:buChar char="ü"/>
+            </a:pPr>
+            <a:r>
+              <a:rPr lang="en-US" sz="1600" b="1" u="sng" dirty="0">
+                <a:solidFill>
+                  <a:srgbClr val="0432FF"/>
+                </a:solidFill>
+              </a:rPr>
+              <a:t>Report filter:</a:t>
+            </a:r>
+            <a:r>
+              <a:rPr lang="en-US" sz="1600" dirty="0"/>
+              <a:t> applies to the entire PivotTable</a:t>
+            </a:r>
+          </a:p>
+          <a:p>
+            <a:pPr lvl="1">
+              <a:lnSpc>
+                <a:spcPct val="100000"/>
+              </a:lnSpc>
+              <a:buFont typeface="Wingdings" pitchFamily="2" charset="2"/>
+              <a:buChar char="ü"/>
+            </a:pPr>
+            <a:r>
+              <a:rPr lang="en-US" sz="1600" b="1" u="sng" dirty="0">
+                <a:solidFill>
+                  <a:srgbClr val="0432FF"/>
+                </a:solidFill>
+              </a:rPr>
+              <a:t>Label filter &amp; Date filter &amp; Value filter: </a:t>
+            </a:r>
+            <a:r>
+              <a:rPr lang="en-US" sz="1600" dirty="0"/>
+              <a:t>applies only to the filter field</a:t>
+            </a:r>
+          </a:p>
+          <a:p>
+            <a:pPr lvl="2">
+              <a:lnSpc>
+                <a:spcPct val="100000"/>
+              </a:lnSpc>
+              <a:buFont typeface="Wingdings" pitchFamily="2" charset="2"/>
+              <a:buChar char="ü"/>
+            </a:pPr>
+            <a:r>
+              <a:rPr lang="en-US" sz="1600" dirty="0"/>
+              <a:t>Value filter: restrict the values that shown in the value area.</a:t>
+            </a:r>
+          </a:p>
+          <a:p>
+            <a:pPr lvl="1">
+              <a:lnSpc>
+                <a:spcPct val="100000"/>
+              </a:lnSpc>
+              <a:buFont typeface="Wingdings" pitchFamily="2" charset="2"/>
+              <a:buChar char="ü"/>
+            </a:pPr>
+            <a:r>
+              <a:rPr lang="en-US" sz="1600" b="1" u="sng" dirty="0">
+                <a:solidFill>
+                  <a:srgbClr val="0432FF"/>
+                </a:solidFill>
+              </a:rPr>
+              <a:t>Slicer</a:t>
+            </a:r>
+          </a:p>
+          <a:p>
+            <a:pPr lvl="2">
+              <a:lnSpc>
+                <a:spcPct val="100000"/>
+              </a:lnSpc>
+              <a:buFont typeface="Wingdings" pitchFamily="2" charset="2"/>
+              <a:buChar char="ü"/>
+            </a:pPr>
+            <a:r>
+              <a:rPr lang="en-US" sz="1600" b="1" dirty="0">
+                <a:solidFill>
+                  <a:srgbClr val="FF0000"/>
+                </a:solidFill>
+              </a:rPr>
+              <a:t>Independent </a:t>
+            </a:r>
+            <a:r>
+              <a:rPr lang="en-US" sz="1600" dirty="0"/>
+              <a:t>of any PivotTable. It can be used to filter multiple PivotTables.</a:t>
+            </a:r>
+          </a:p>
+        </p:txBody>
+      </p:sp>
+      <p:sp>
+        <p:nvSpPr>
+          <p:cNvPr id="7" name="Rectangle 6">
+            <a:extLst>
+              <a:ext uri="{FF2B5EF4-FFF2-40B4-BE49-F238E27FC236}">
+                <a16:creationId xmlns:a16="http://schemas.microsoft.com/office/drawing/2014/main" id="{9BE27FCF-C64B-874E-ABD0-325E77053CCB}"/>
+              </a:ext>
+            </a:extLst>
+          </p:cNvPr>
+          <p:cNvSpPr/>
+          <p:nvPr/>
+        </p:nvSpPr>
+        <p:spPr>
+          <a:xfrm>
+            <a:off x="0" y="712335"/>
+            <a:ext cx="237566" cy="369332"/>
+          </a:xfrm>
+          <a:prstGeom prst="rect">
+            <a:avLst/>
+          </a:prstGeom>
+        </p:spPr>
+        <p:txBody>
+          <a:bodyPr wrap="none">
+            <a:spAutoFit/>
+          </a:bodyPr>
+          <a:lstStyle/>
+          <a:p>
+            <a:r>
+              <a:rPr lang="en-US" b="1" dirty="0">
+                <a:solidFill>
+                  <a:srgbClr val="002060"/>
+                </a:solidFill>
+              </a:rPr>
+              <a:t> </a:t>
+            </a:r>
+          </a:p>
+        </p:txBody>
+      </p:sp>
+    </p:spTree>
+    <p:extLst>
+      <p:ext uri="{BB962C8B-B14F-4D97-AF65-F5344CB8AC3E}">
+        <p14:creationId xmlns:p14="http://schemas.microsoft.com/office/powerpoint/2010/main" val="4248543261"/>
       </p:ext>
     </p:extLst>
   </p:cSld>

--- a/EXCEL/ExcelDataAnalysisFD_Examples/Excel data analysis for dummies Outline.pptx
+++ b/EXCEL/ExcelDataAnalysisFD_Examples/Excel data analysis for dummies Outline.pptx
@@ -5,7 +5,7 @@
     <p:sldMasterId id="2147483648" r:id="rId1"/>
   </p:sldMasterIdLst>
   <p:notesMasterIdLst>
-    <p:notesMasterId r:id="rId10"/>
+    <p:notesMasterId r:id="rId11"/>
   </p:notesMasterIdLst>
   <p:sldIdLst>
     <p:sldId id="256" r:id="rId2"/>
@@ -16,6 +16,7 @@
     <p:sldId id="261" r:id="rId7"/>
     <p:sldId id="262" r:id="rId8"/>
     <p:sldId id="263" r:id="rId9"/>
+    <p:sldId id="264" r:id="rId10"/>
   </p:sldIdLst>
   <p:sldSz cx="12192000" cy="6858000"/>
   <p:notesSz cx="6858000" cy="9144000"/>
@@ -905,6 +906,90 @@
     <p:extLst>
       <p:ext uri="{BB962C8B-B14F-4D97-AF65-F5344CB8AC3E}">
         <p14:creationId xmlns:p14="http://schemas.microsoft.com/office/powerpoint/2010/main" val="2495438269"/>
+      </p:ext>
+    </p:extLst>
+  </p:cSld>
+  <p:clrMapOvr>
+    <a:masterClrMapping/>
+  </p:clrMapOvr>
+</p:notes>
+</file>
+
+<file path=ppt/notesSlides/notesSlide6.xml><?xml version="1.0" encoding="utf-8"?>
+<p:notes xmlns:a="http://schemas.openxmlformats.org/drawingml/2006/main" xmlns:r="http://schemas.openxmlformats.org/officeDocument/2006/relationships" xmlns:p="http://schemas.openxmlformats.org/presentationml/2006/main">
+  <p:cSld>
+    <p:spTree>
+      <p:nvGrpSpPr>
+        <p:cNvPr id="1" name=""/>
+        <p:cNvGrpSpPr/>
+        <p:nvPr/>
+      </p:nvGrpSpPr>
+      <p:grpSpPr>
+        <a:xfrm>
+          <a:off x="0" y="0"/>
+          <a:ext cx="0" cy="0"/>
+          <a:chOff x="0" y="0"/>
+          <a:chExt cx="0" cy="0"/>
+        </a:xfrm>
+      </p:grpSpPr>
+      <p:sp>
+        <p:nvSpPr>
+          <p:cNvPr id="2" name="Slide Image Placeholder 1"/>
+          <p:cNvSpPr>
+            <a:spLocks noGrp="1" noRot="1" noChangeAspect="1"/>
+          </p:cNvSpPr>
+          <p:nvPr>
+            <p:ph type="sldImg"/>
+          </p:nvPr>
+        </p:nvSpPr>
+        <p:spPr/>
+      </p:sp>
+      <p:sp>
+        <p:nvSpPr>
+          <p:cNvPr id="3" name="Notes Placeholder 2"/>
+          <p:cNvSpPr>
+            <a:spLocks noGrp="1"/>
+          </p:cNvSpPr>
+          <p:nvPr>
+            <p:ph type="body" idx="1"/>
+          </p:nvPr>
+        </p:nvSpPr>
+        <p:spPr/>
+        <p:txBody>
+          <a:bodyPr/>
+          <a:lstStyle/>
+          <a:p>
+            <a:endParaRPr lang="en-US" dirty="0"/>
+          </a:p>
+        </p:txBody>
+      </p:sp>
+      <p:sp>
+        <p:nvSpPr>
+          <p:cNvPr id="4" name="Slide Number Placeholder 3"/>
+          <p:cNvSpPr>
+            <a:spLocks noGrp="1"/>
+          </p:cNvSpPr>
+          <p:nvPr>
+            <p:ph type="sldNum" sz="quarter" idx="5"/>
+          </p:nvPr>
+        </p:nvSpPr>
+        <p:spPr/>
+        <p:txBody>
+          <a:bodyPr/>
+          <a:lstStyle/>
+          <a:p>
+            <a:fld id="{ED060FC7-56EE-7148-A2F0-7A6C56864D50}" type="slidenum">
+              <a:rPr lang="en-US" smtClean="0"/>
+              <a:t>9</a:t>
+            </a:fld>
+            <a:endParaRPr lang="en-US" dirty="0"/>
+          </a:p>
+        </p:txBody>
+      </p:sp>
+    </p:spTree>
+    <p:extLst>
+      <p:ext uri="{BB962C8B-B14F-4D97-AF65-F5344CB8AC3E}">
+        <p14:creationId xmlns:p14="http://schemas.microsoft.com/office/powerpoint/2010/main" val="3472009241"/>
       </p:ext>
     </p:extLst>
   </p:cSld>
@@ -8339,8 +8424,21 @@
             </a:pPr>
             <a:r>
               <a:rPr lang="en-US" sz="2000" dirty="0"/>
-              <a:t>Grouping PivotTable Values</a:t>
-            </a:r>
+              <a:t>Grouping PivotTable Values: </a:t>
+            </a:r>
+            <a:r>
+              <a:rPr lang="en-US" sz="1800" dirty="0">
+                <a:solidFill>
+                  <a:srgbClr val="002060"/>
+                </a:solidFill>
+              </a:rPr>
+              <a:t>reducing the number of items</a:t>
+            </a:r>
+            <a:endParaRPr lang="en-US" sz="2000" dirty="0">
+              <a:solidFill>
+                <a:srgbClr val="002060"/>
+              </a:solidFill>
+            </a:endParaRPr>
           </a:p>
           <a:p>
             <a:pPr lvl="1">
@@ -8543,6 +8641,495 @@
     <p:extLst>
       <p:ext uri="{BB962C8B-B14F-4D97-AF65-F5344CB8AC3E}">
         <p14:creationId xmlns:p14="http://schemas.microsoft.com/office/powerpoint/2010/main" val="4248543261"/>
+      </p:ext>
+    </p:extLst>
+  </p:cSld>
+  <p:clrMapOvr>
+    <a:masterClrMapping/>
+  </p:clrMapOvr>
+</p:sld>
+</file>
+
+<file path=ppt/slides/slide9.xml><?xml version="1.0" encoding="utf-8"?>
+<p:sld xmlns:a="http://schemas.openxmlformats.org/drawingml/2006/main" xmlns:r="http://schemas.openxmlformats.org/officeDocument/2006/relationships" xmlns:p="http://schemas.openxmlformats.org/presentationml/2006/main">
+  <p:cSld>
+    <p:spTree>
+      <p:nvGrpSpPr>
+        <p:cNvPr id="1" name=""/>
+        <p:cNvGrpSpPr/>
+        <p:nvPr/>
+      </p:nvGrpSpPr>
+      <p:grpSpPr>
+        <a:xfrm>
+          <a:off x="0" y="0"/>
+          <a:ext cx="0" cy="0"/>
+          <a:chOff x="0" y="0"/>
+          <a:chExt cx="0" cy="0"/>
+        </a:xfrm>
+      </p:grpSpPr>
+      <p:sp>
+        <p:nvSpPr>
+          <p:cNvPr id="2" name="Title 1">
+            <a:extLst>
+              <a:ext uri="{FF2B5EF4-FFF2-40B4-BE49-F238E27FC236}">
+                <a16:creationId xmlns:a16="http://schemas.microsoft.com/office/drawing/2014/main" id="{325F2CEE-19ED-7C4A-A98E-9F27CF54B024}"/>
+              </a:ext>
+            </a:extLst>
+          </p:cNvPr>
+          <p:cNvSpPr>
+            <a:spLocks noGrp="1"/>
+          </p:cNvSpPr>
+          <p:nvPr>
+            <p:ph type="title"/>
+          </p:nvPr>
+        </p:nvSpPr>
+        <p:spPr>
+          <a:xfrm>
+            <a:off x="0" y="18256"/>
+            <a:ext cx="12192000" cy="649010"/>
+          </a:xfrm>
+        </p:spPr>
+        <p:txBody>
+          <a:bodyPr>
+            <a:normAutofit/>
+          </a:bodyPr>
+          <a:lstStyle/>
+          <a:p>
+            <a:r>
+              <a:rPr lang="en-US" sz="3200" b="1" dirty="0">
+                <a:solidFill>
+                  <a:srgbClr val="FF0000"/>
+                </a:solidFill>
+                <a:latin typeface="+mn-lt"/>
+              </a:rPr>
+              <a:t>Chapter 8 Performing PivotTable Calculations</a:t>
+            </a:r>
+          </a:p>
+        </p:txBody>
+      </p:sp>
+      <p:sp>
+        <p:nvSpPr>
+          <p:cNvPr id="3" name="Content Placeholder 2">
+            <a:extLst>
+              <a:ext uri="{FF2B5EF4-FFF2-40B4-BE49-F238E27FC236}">
+                <a16:creationId xmlns:a16="http://schemas.microsoft.com/office/drawing/2014/main" id="{DA798BC4-B594-814E-A4E1-8CD104A74B99}"/>
+              </a:ext>
+            </a:extLst>
+          </p:cNvPr>
+          <p:cNvSpPr>
+            <a:spLocks noGrp="1"/>
+          </p:cNvSpPr>
+          <p:nvPr>
+            <p:ph idx="1"/>
+          </p:nvPr>
+        </p:nvSpPr>
+        <p:spPr>
+          <a:xfrm>
+            <a:off x="-1" y="712334"/>
+            <a:ext cx="12191999" cy="6127409"/>
+          </a:xfrm>
+        </p:spPr>
+        <p:txBody>
+          <a:bodyPr>
+            <a:normAutofit/>
+          </a:bodyPr>
+          <a:lstStyle/>
+          <a:p>
+            <a:pPr>
+              <a:lnSpc>
+                <a:spcPct val="100000"/>
+              </a:lnSpc>
+            </a:pPr>
+            <a:r>
+              <a:rPr lang="en-US" sz="1800" b="1" dirty="0">
+                <a:solidFill>
+                  <a:srgbClr val="0432FF"/>
+                </a:solidFill>
+              </a:rPr>
+              <a:t>Summary Calculations </a:t>
+            </a:r>
+            <a:r>
+              <a:rPr lang="en-US" sz="1800" b="1" dirty="0">
+                <a:solidFill>
+                  <a:srgbClr val="FF0000"/>
+                </a:solidFill>
+              </a:rPr>
+              <a:t>apply over an entire field</a:t>
+            </a:r>
+          </a:p>
+          <a:p>
+            <a:pPr lvl="1">
+              <a:lnSpc>
+                <a:spcPct val="100000"/>
+              </a:lnSpc>
+            </a:pPr>
+            <a:r>
+              <a:rPr lang="en-US" sz="1400" b="1" u="sng" dirty="0">
+                <a:solidFill>
+                  <a:srgbClr val="0432FF"/>
+                </a:solidFill>
+              </a:rPr>
+              <a:t>Count:</a:t>
+            </a:r>
+            <a:r>
+              <a:rPr lang="en-US" sz="1400" dirty="0">
+                <a:solidFill>
+                  <a:srgbClr val="002060"/>
+                </a:solidFill>
+              </a:rPr>
+              <a:t> the total number of cells in the source field</a:t>
+            </a:r>
+          </a:p>
+          <a:p>
+            <a:pPr lvl="1">
+              <a:lnSpc>
+                <a:spcPct val="100000"/>
+              </a:lnSpc>
+            </a:pPr>
+            <a:r>
+              <a:rPr lang="en-US" sz="1400" b="1" u="sng" dirty="0">
+                <a:solidFill>
+                  <a:srgbClr val="0432FF"/>
+                </a:solidFill>
+              </a:rPr>
+              <a:t>Count numbers: </a:t>
+            </a:r>
+            <a:r>
+              <a:rPr lang="en-US" sz="1400" dirty="0">
+                <a:solidFill>
+                  <a:srgbClr val="002060"/>
+                </a:solidFill>
+              </a:rPr>
+              <a:t>the total number of numeric values in the source field</a:t>
+            </a:r>
+            <a:endParaRPr lang="en-US" sz="1400" b="1" u="sng" dirty="0">
+              <a:solidFill>
+                <a:srgbClr val="0432FF"/>
+              </a:solidFill>
+            </a:endParaRPr>
+          </a:p>
+          <a:p>
+            <a:pPr lvl="1">
+              <a:lnSpc>
+                <a:spcPct val="100000"/>
+              </a:lnSpc>
+            </a:pPr>
+            <a:r>
+              <a:rPr lang="en-US" sz="1400" b="1" u="sng" dirty="0" err="1">
+                <a:solidFill>
+                  <a:srgbClr val="0432FF"/>
+                </a:solidFill>
+              </a:rPr>
+              <a:t>StdDev</a:t>
+            </a:r>
+            <a:r>
+              <a:rPr lang="en-US" sz="1400" b="1" u="sng" dirty="0">
+                <a:solidFill>
+                  <a:srgbClr val="0432FF"/>
+                </a:solidFill>
+              </a:rPr>
+              <a:t>: </a:t>
+            </a:r>
+            <a:r>
+              <a:rPr lang="en-US" sz="1400" dirty="0">
+                <a:solidFill>
+                  <a:srgbClr val="002060"/>
+                </a:solidFill>
+              </a:rPr>
+              <a:t>the standard deviation of a population sample</a:t>
+            </a:r>
+            <a:endParaRPr lang="en-US" sz="1400" b="1" u="sng" dirty="0">
+              <a:solidFill>
+                <a:srgbClr val="0432FF"/>
+              </a:solidFill>
+            </a:endParaRPr>
+          </a:p>
+          <a:p>
+            <a:pPr lvl="1">
+              <a:lnSpc>
+                <a:spcPct val="100000"/>
+              </a:lnSpc>
+            </a:pPr>
+            <a:r>
+              <a:rPr lang="en-US" sz="1400" b="1" u="sng" dirty="0" err="1">
+                <a:solidFill>
+                  <a:srgbClr val="0432FF"/>
+                </a:solidFill>
+              </a:rPr>
+              <a:t>StdDevp</a:t>
+            </a:r>
+            <a:r>
+              <a:rPr lang="en-US" sz="1400" b="1" u="sng" dirty="0">
+                <a:solidFill>
+                  <a:srgbClr val="0432FF"/>
+                </a:solidFill>
+              </a:rPr>
+              <a:t>: </a:t>
+            </a:r>
+            <a:r>
+              <a:rPr lang="en-US" sz="1400" dirty="0">
+                <a:solidFill>
+                  <a:srgbClr val="002060"/>
+                </a:solidFill>
+              </a:rPr>
+              <a:t>the standard deviation when the values in the data field represent the entire population</a:t>
+            </a:r>
+            <a:endParaRPr lang="en-US" sz="1400" b="1" u="sng" dirty="0">
+              <a:solidFill>
+                <a:srgbClr val="0432FF"/>
+              </a:solidFill>
+            </a:endParaRPr>
+          </a:p>
+          <a:p>
+            <a:pPr lvl="1">
+              <a:lnSpc>
+                <a:spcPct val="100000"/>
+              </a:lnSpc>
+            </a:pPr>
+            <a:r>
+              <a:rPr lang="en-US" sz="1400" b="1" u="sng" dirty="0">
+                <a:solidFill>
+                  <a:srgbClr val="0432FF"/>
+                </a:solidFill>
+              </a:rPr>
+              <a:t>Var: </a:t>
+            </a:r>
+            <a:r>
+              <a:rPr lang="en-US" sz="1400" dirty="0">
+                <a:solidFill>
+                  <a:srgbClr val="002060"/>
+                </a:solidFill>
+              </a:rPr>
+              <a:t>the variance of a population sample</a:t>
+            </a:r>
+            <a:endParaRPr lang="en-US" sz="1400" b="1" u="sng" dirty="0">
+              <a:solidFill>
+                <a:srgbClr val="0432FF"/>
+              </a:solidFill>
+            </a:endParaRPr>
+          </a:p>
+          <a:p>
+            <a:pPr lvl="1">
+              <a:lnSpc>
+                <a:spcPct val="100000"/>
+              </a:lnSpc>
+            </a:pPr>
+            <a:r>
+              <a:rPr lang="en-US" sz="1400" b="1" u="sng" dirty="0" err="1">
+                <a:solidFill>
+                  <a:srgbClr val="0432FF"/>
+                </a:solidFill>
+              </a:rPr>
+              <a:t>Varp</a:t>
+            </a:r>
+            <a:r>
+              <a:rPr lang="en-US" sz="1400" b="1" u="sng" dirty="0">
+                <a:solidFill>
+                  <a:srgbClr val="0432FF"/>
+                </a:solidFill>
+              </a:rPr>
+              <a:t>:</a:t>
+            </a:r>
+            <a:r>
+              <a:rPr lang="en-US" sz="1400" dirty="0">
+                <a:solidFill>
+                  <a:srgbClr val="002060"/>
+                </a:solidFill>
+              </a:rPr>
+              <a:t> the variance when the values in the data field represent the entire population</a:t>
+            </a:r>
+          </a:p>
+          <a:p>
+            <a:pPr lvl="1">
+              <a:lnSpc>
+                <a:spcPct val="100000"/>
+              </a:lnSpc>
+            </a:pPr>
+            <a:r>
+              <a:rPr lang="en-US" sz="1400" b="1" u="sng" dirty="0">
+                <a:solidFill>
+                  <a:srgbClr val="0432FF"/>
+                </a:solidFill>
+              </a:rPr>
+              <a:t>Average, Max, Min, Product, Sum</a:t>
+            </a:r>
+          </a:p>
+          <a:p>
+            <a:pPr>
+              <a:lnSpc>
+                <a:spcPct val="100000"/>
+              </a:lnSpc>
+            </a:pPr>
+            <a:r>
+              <a:rPr lang="en-US" sz="1800" b="1" dirty="0">
+                <a:solidFill>
+                  <a:srgbClr val="0432FF"/>
+                </a:solidFill>
+              </a:rPr>
+              <a:t>Summary Calculations </a:t>
+            </a:r>
+            <a:r>
+              <a:rPr lang="en-US" sz="1800" b="1" dirty="0">
+                <a:solidFill>
+                  <a:srgbClr val="FF0000"/>
+                </a:solidFill>
+              </a:rPr>
+              <a:t>comparing one item with another</a:t>
+            </a:r>
+          </a:p>
+          <a:p>
+            <a:pPr lvl="1">
+              <a:lnSpc>
+                <a:spcPct val="100000"/>
+              </a:lnSpc>
+            </a:pPr>
+            <a:r>
+              <a:rPr lang="en-US" sz="1400" b="1" u="sng" dirty="0">
+                <a:solidFill>
+                  <a:srgbClr val="0432FF"/>
+                </a:solidFill>
+              </a:rPr>
+              <a:t>Difference From: </a:t>
+            </a:r>
+            <a:r>
+              <a:rPr lang="en-US" sz="1400" dirty="0"/>
+              <a:t>comparing one numeric item with another and returns the </a:t>
+            </a:r>
+            <a:r>
+              <a:rPr lang="en-US" sz="1400" b="1" dirty="0">
+                <a:solidFill>
+                  <a:srgbClr val="FF40FF"/>
+                </a:solidFill>
+              </a:rPr>
+              <a:t>difference between them</a:t>
+            </a:r>
+          </a:p>
+          <a:p>
+            <a:pPr lvl="1">
+              <a:lnSpc>
+                <a:spcPct val="100000"/>
+              </a:lnSpc>
+            </a:pPr>
+            <a:r>
+              <a:rPr lang="en-US" sz="1400" b="1" u="sng" dirty="0">
+                <a:solidFill>
+                  <a:srgbClr val="0432FF"/>
+                </a:solidFill>
+              </a:rPr>
+              <a:t>%Difference From: </a:t>
+            </a:r>
+            <a:r>
+              <a:rPr lang="en-US" sz="1400" dirty="0"/>
+              <a:t>comparing one numeric item with another and returns the </a:t>
+            </a:r>
+            <a:r>
+              <a:rPr lang="en-US" sz="1400" b="1" dirty="0">
+                <a:solidFill>
+                  <a:srgbClr val="FF0000"/>
+                </a:solidFill>
+              </a:rPr>
+              <a:t>percentage </a:t>
+            </a:r>
+            <a:r>
+              <a:rPr lang="en-US" sz="1400" b="1" dirty="0">
+                <a:solidFill>
+                  <a:srgbClr val="FF40FF"/>
+                </a:solidFill>
+              </a:rPr>
+              <a:t>difference between them</a:t>
+            </a:r>
+          </a:p>
+          <a:p>
+            <a:pPr lvl="2">
+              <a:lnSpc>
+                <a:spcPct val="100000"/>
+              </a:lnSpc>
+            </a:pPr>
+            <a:r>
+              <a:rPr lang="en-US" sz="1600" b="1" dirty="0">
+                <a:solidFill>
+                  <a:srgbClr val="0432FF"/>
+                </a:solidFill>
+              </a:rPr>
+              <a:t>Base field:</a:t>
+            </a:r>
+            <a:r>
+              <a:rPr lang="en-US" sz="1600" dirty="0"/>
+              <a:t> which field in your </a:t>
+            </a:r>
+            <a:r>
+              <a:rPr lang="en-US" sz="1600" dirty="0" err="1"/>
+              <a:t>PivoTable</a:t>
+            </a:r>
+            <a:r>
+              <a:rPr lang="en-US" sz="1600" dirty="0"/>
+              <a:t> to use as the comparison field</a:t>
+            </a:r>
+          </a:p>
+          <a:p>
+            <a:pPr lvl="2">
+              <a:lnSpc>
+                <a:spcPct val="100000"/>
+              </a:lnSpc>
+            </a:pPr>
+            <a:r>
+              <a:rPr lang="en-US" sz="1600" b="1" dirty="0">
+                <a:solidFill>
+                  <a:srgbClr val="0432FF"/>
+                </a:solidFill>
+              </a:rPr>
+              <a:t>Base item: </a:t>
+            </a:r>
+            <a:r>
+              <a:rPr lang="en-US" sz="1600" dirty="0"/>
+              <a:t>which item within that field to use as the basis for all the comparison</a:t>
+            </a:r>
+            <a:endParaRPr lang="en-US" sz="1000" dirty="0"/>
+          </a:p>
+        </p:txBody>
+      </p:sp>
+      <p:sp>
+        <p:nvSpPr>
+          <p:cNvPr id="7" name="Rectangle 6">
+            <a:extLst>
+              <a:ext uri="{FF2B5EF4-FFF2-40B4-BE49-F238E27FC236}">
+                <a16:creationId xmlns:a16="http://schemas.microsoft.com/office/drawing/2014/main" id="{9BE27FCF-C64B-874E-ABD0-325E77053CCB}"/>
+              </a:ext>
+            </a:extLst>
+          </p:cNvPr>
+          <p:cNvSpPr/>
+          <p:nvPr/>
+        </p:nvSpPr>
+        <p:spPr>
+          <a:xfrm>
+            <a:off x="0" y="712335"/>
+            <a:ext cx="237566" cy="369332"/>
+          </a:xfrm>
+          <a:prstGeom prst="rect">
+            <a:avLst/>
+          </a:prstGeom>
+        </p:spPr>
+        <p:txBody>
+          <a:bodyPr wrap="none">
+            <a:spAutoFit/>
+          </a:bodyPr>
+          <a:lstStyle/>
+          <a:p>
+            <a:r>
+              <a:rPr lang="en-US" b="1" dirty="0">
+                <a:solidFill>
+                  <a:srgbClr val="002060"/>
+                </a:solidFill>
+              </a:rPr>
+              <a:t> </a:t>
+            </a:r>
+          </a:p>
+        </p:txBody>
+      </p:sp>
+    </p:spTree>
+    <p:extLst>
+      <p:ext uri="{BB962C8B-B14F-4D97-AF65-F5344CB8AC3E}">
+        <p14:creationId xmlns:p14="http://schemas.microsoft.com/office/powerpoint/2010/main" val="3587053995"/>
       </p:ext>
     </p:extLst>
   </p:cSld>

--- a/EXCEL/ExcelDataAnalysisFD_Examples/Excel data analysis for dummies Outline.pptx
+++ b/EXCEL/ExcelDataAnalysisFD_Examples/Excel data analysis for dummies Outline.pptx
@@ -5,7 +5,7 @@
     <p:sldMasterId id="2147483648" r:id="rId1"/>
   </p:sldMasterIdLst>
   <p:notesMasterIdLst>
-    <p:notesMasterId r:id="rId11"/>
+    <p:notesMasterId r:id="rId14"/>
   </p:notesMasterIdLst>
   <p:sldIdLst>
     <p:sldId id="256" r:id="rId2"/>
@@ -17,6 +17,9 @@
     <p:sldId id="262" r:id="rId8"/>
     <p:sldId id="263" r:id="rId9"/>
     <p:sldId id="264" r:id="rId10"/>
+    <p:sldId id="266" r:id="rId11"/>
+    <p:sldId id="267" r:id="rId12"/>
+    <p:sldId id="265" r:id="rId13"/>
   </p:sldIdLst>
   <p:sldSz cx="12192000" cy="6858000"/>
   <p:notesSz cx="6858000" cy="9144000"/>
@@ -990,6 +993,174 @@
     <p:extLst>
       <p:ext uri="{BB962C8B-B14F-4D97-AF65-F5344CB8AC3E}">
         <p14:creationId xmlns:p14="http://schemas.microsoft.com/office/powerpoint/2010/main" val="3472009241"/>
+      </p:ext>
+    </p:extLst>
+  </p:cSld>
+  <p:clrMapOvr>
+    <a:masterClrMapping/>
+  </p:clrMapOvr>
+</p:notes>
+</file>
+
+<file path=ppt/notesSlides/notesSlide7.xml><?xml version="1.0" encoding="utf-8"?>
+<p:notes xmlns:a="http://schemas.openxmlformats.org/drawingml/2006/main" xmlns:r="http://schemas.openxmlformats.org/officeDocument/2006/relationships" xmlns:p="http://schemas.openxmlformats.org/presentationml/2006/main">
+  <p:cSld>
+    <p:spTree>
+      <p:nvGrpSpPr>
+        <p:cNvPr id="1" name=""/>
+        <p:cNvGrpSpPr/>
+        <p:nvPr/>
+      </p:nvGrpSpPr>
+      <p:grpSpPr>
+        <a:xfrm>
+          <a:off x="0" y="0"/>
+          <a:ext cx="0" cy="0"/>
+          <a:chOff x="0" y="0"/>
+          <a:chExt cx="0" cy="0"/>
+        </a:xfrm>
+      </p:grpSpPr>
+      <p:sp>
+        <p:nvSpPr>
+          <p:cNvPr id="2" name="Slide Image Placeholder 1"/>
+          <p:cNvSpPr>
+            <a:spLocks noGrp="1" noRot="1" noChangeAspect="1"/>
+          </p:cNvSpPr>
+          <p:nvPr>
+            <p:ph type="sldImg"/>
+          </p:nvPr>
+        </p:nvSpPr>
+        <p:spPr/>
+      </p:sp>
+      <p:sp>
+        <p:nvSpPr>
+          <p:cNvPr id="3" name="Notes Placeholder 2"/>
+          <p:cNvSpPr>
+            <a:spLocks noGrp="1"/>
+          </p:cNvSpPr>
+          <p:nvPr>
+            <p:ph type="body" idx="1"/>
+          </p:nvPr>
+        </p:nvSpPr>
+        <p:spPr/>
+        <p:txBody>
+          <a:bodyPr/>
+          <a:lstStyle/>
+          <a:p>
+            <a:endParaRPr lang="en-US" dirty="0"/>
+          </a:p>
+        </p:txBody>
+      </p:sp>
+      <p:sp>
+        <p:nvSpPr>
+          <p:cNvPr id="4" name="Slide Number Placeholder 3"/>
+          <p:cNvSpPr>
+            <a:spLocks noGrp="1"/>
+          </p:cNvSpPr>
+          <p:nvPr>
+            <p:ph type="sldNum" sz="quarter" idx="5"/>
+          </p:nvPr>
+        </p:nvSpPr>
+        <p:spPr/>
+        <p:txBody>
+          <a:bodyPr/>
+          <a:lstStyle/>
+          <a:p>
+            <a:fld id="{ED060FC7-56EE-7148-A2F0-7A6C56864D50}" type="slidenum">
+              <a:rPr lang="en-US" smtClean="0"/>
+              <a:t>10</a:t>
+            </a:fld>
+            <a:endParaRPr lang="en-US" dirty="0"/>
+          </a:p>
+        </p:txBody>
+      </p:sp>
+    </p:spTree>
+    <p:extLst>
+      <p:ext uri="{BB962C8B-B14F-4D97-AF65-F5344CB8AC3E}">
+        <p14:creationId xmlns:p14="http://schemas.microsoft.com/office/powerpoint/2010/main" val="2213678284"/>
+      </p:ext>
+    </p:extLst>
+  </p:cSld>
+  <p:clrMapOvr>
+    <a:masterClrMapping/>
+  </p:clrMapOvr>
+</p:notes>
+</file>
+
+<file path=ppt/notesSlides/notesSlide8.xml><?xml version="1.0" encoding="utf-8"?>
+<p:notes xmlns:a="http://schemas.openxmlformats.org/drawingml/2006/main" xmlns:r="http://schemas.openxmlformats.org/officeDocument/2006/relationships" xmlns:p="http://schemas.openxmlformats.org/presentationml/2006/main">
+  <p:cSld>
+    <p:spTree>
+      <p:nvGrpSpPr>
+        <p:cNvPr id="1" name=""/>
+        <p:cNvGrpSpPr/>
+        <p:nvPr/>
+      </p:nvGrpSpPr>
+      <p:grpSpPr>
+        <a:xfrm>
+          <a:off x="0" y="0"/>
+          <a:ext cx="0" cy="0"/>
+          <a:chOff x="0" y="0"/>
+          <a:chExt cx="0" cy="0"/>
+        </a:xfrm>
+      </p:grpSpPr>
+      <p:sp>
+        <p:nvSpPr>
+          <p:cNvPr id="2" name="Slide Image Placeholder 1"/>
+          <p:cNvSpPr>
+            <a:spLocks noGrp="1" noRot="1" noChangeAspect="1"/>
+          </p:cNvSpPr>
+          <p:nvPr>
+            <p:ph type="sldImg"/>
+          </p:nvPr>
+        </p:nvSpPr>
+        <p:spPr/>
+      </p:sp>
+      <p:sp>
+        <p:nvSpPr>
+          <p:cNvPr id="3" name="Notes Placeholder 2"/>
+          <p:cNvSpPr>
+            <a:spLocks noGrp="1"/>
+          </p:cNvSpPr>
+          <p:nvPr>
+            <p:ph type="body" idx="1"/>
+          </p:nvPr>
+        </p:nvSpPr>
+        <p:spPr/>
+        <p:txBody>
+          <a:bodyPr/>
+          <a:lstStyle/>
+          <a:p>
+            <a:endParaRPr lang="en-US" dirty="0"/>
+          </a:p>
+        </p:txBody>
+      </p:sp>
+      <p:sp>
+        <p:nvSpPr>
+          <p:cNvPr id="4" name="Slide Number Placeholder 3"/>
+          <p:cNvSpPr>
+            <a:spLocks noGrp="1"/>
+          </p:cNvSpPr>
+          <p:nvPr>
+            <p:ph type="sldNum" sz="quarter" idx="5"/>
+          </p:nvPr>
+        </p:nvSpPr>
+        <p:spPr/>
+        <p:txBody>
+          <a:bodyPr/>
+          <a:lstStyle/>
+          <a:p>
+            <a:fld id="{ED060FC7-56EE-7148-A2F0-7A6C56864D50}" type="slidenum">
+              <a:rPr lang="en-US" smtClean="0"/>
+              <a:t>11</a:t>
+            </a:fld>
+            <a:endParaRPr lang="en-US" dirty="0"/>
+          </a:p>
+        </p:txBody>
+      </p:sp>
+    </p:spTree>
+    <p:extLst>
+      <p:ext uri="{BB962C8B-B14F-4D97-AF65-F5344CB8AC3E}">
+        <p14:creationId xmlns:p14="http://schemas.microsoft.com/office/powerpoint/2010/main" val="1941853392"/>
       </p:ext>
     </p:extLst>
   </p:cSld>
@@ -4643,6 +4814,1301 @@
 </p:sld>
 </file>
 
+<file path=ppt/slides/slide10.xml><?xml version="1.0" encoding="utf-8"?>
+<p:sld xmlns:a="http://schemas.openxmlformats.org/drawingml/2006/main" xmlns:r="http://schemas.openxmlformats.org/officeDocument/2006/relationships" xmlns:p="http://schemas.openxmlformats.org/presentationml/2006/main">
+  <p:cSld>
+    <p:spTree>
+      <p:nvGrpSpPr>
+        <p:cNvPr id="1" name=""/>
+        <p:cNvGrpSpPr/>
+        <p:nvPr/>
+      </p:nvGrpSpPr>
+      <p:grpSpPr>
+        <a:xfrm>
+          <a:off x="0" y="0"/>
+          <a:ext cx="0" cy="0"/>
+          <a:chOff x="0" y="0"/>
+          <a:chExt cx="0" cy="0"/>
+        </a:xfrm>
+      </p:grpSpPr>
+      <p:sp>
+        <p:nvSpPr>
+          <p:cNvPr id="2" name="Title 1">
+            <a:extLst>
+              <a:ext uri="{FF2B5EF4-FFF2-40B4-BE49-F238E27FC236}">
+                <a16:creationId xmlns:a16="http://schemas.microsoft.com/office/drawing/2014/main" id="{325F2CEE-19ED-7C4A-A98E-9F27CF54B024}"/>
+              </a:ext>
+            </a:extLst>
+          </p:cNvPr>
+          <p:cNvSpPr>
+            <a:spLocks noGrp="1"/>
+          </p:cNvSpPr>
+          <p:nvPr>
+            <p:ph type="title"/>
+          </p:nvPr>
+        </p:nvSpPr>
+        <p:spPr>
+          <a:xfrm>
+            <a:off x="0" y="18256"/>
+            <a:ext cx="12192000" cy="649010"/>
+          </a:xfrm>
+        </p:spPr>
+        <p:txBody>
+          <a:bodyPr>
+            <a:normAutofit/>
+          </a:bodyPr>
+          <a:lstStyle/>
+          <a:p>
+            <a:r>
+              <a:rPr lang="en-US" sz="3200" b="1" dirty="0">
+                <a:solidFill>
+                  <a:srgbClr val="FF0000"/>
+                </a:solidFill>
+                <a:latin typeface="+mn-lt"/>
+              </a:rPr>
+              <a:t>Chapter 8 Performing PivotTable Calculations</a:t>
+            </a:r>
+          </a:p>
+        </p:txBody>
+      </p:sp>
+      <p:sp>
+        <p:nvSpPr>
+          <p:cNvPr id="3" name="Content Placeholder 2">
+            <a:extLst>
+              <a:ext uri="{FF2B5EF4-FFF2-40B4-BE49-F238E27FC236}">
+                <a16:creationId xmlns:a16="http://schemas.microsoft.com/office/drawing/2014/main" id="{DA798BC4-B594-814E-A4E1-8CD104A74B99}"/>
+              </a:ext>
+            </a:extLst>
+          </p:cNvPr>
+          <p:cNvSpPr>
+            <a:spLocks noGrp="1"/>
+          </p:cNvSpPr>
+          <p:nvPr>
+            <p:ph idx="1"/>
+          </p:nvPr>
+        </p:nvSpPr>
+        <p:spPr>
+          <a:xfrm>
+            <a:off x="-1" y="712334"/>
+            <a:ext cx="12191999" cy="6127409"/>
+          </a:xfrm>
+        </p:spPr>
+        <p:txBody>
+          <a:bodyPr>
+            <a:normAutofit fontScale="92500" lnSpcReduction="10000"/>
+          </a:bodyPr>
+          <a:lstStyle/>
+          <a:p>
+            <a:pPr>
+              <a:lnSpc>
+                <a:spcPct val="100000"/>
+              </a:lnSpc>
+              <a:buFont typeface="Wingdings" pitchFamily="2" charset="2"/>
+              <a:buChar char="Ø"/>
+            </a:pPr>
+            <a:r>
+              <a:rPr lang="en-US" sz="1700" b="1" u="sng" dirty="0">
+                <a:solidFill>
+                  <a:srgbClr val="0432FF"/>
+                </a:solidFill>
+              </a:rPr>
+              <a:t>Running total summary calculation: show the cumulative sum of the values that appear in a given set of data.</a:t>
+            </a:r>
+          </a:p>
+          <a:p>
+            <a:pPr lvl="1">
+              <a:lnSpc>
+                <a:spcPct val="100000"/>
+              </a:lnSpc>
+            </a:pPr>
+            <a:r>
+              <a:rPr lang="en-US" sz="1700" b="1" u="sng" dirty="0"/>
+              <a:t>Most running totals accumulate over a period of time.</a:t>
+            </a:r>
+          </a:p>
+          <a:p>
+            <a:pPr lvl="1">
+              <a:lnSpc>
+                <a:spcPct val="100000"/>
+              </a:lnSpc>
+            </a:pPr>
+            <a:r>
+              <a:rPr lang="en-US" sz="1700" b="1" u="sng" dirty="0"/>
+              <a:t>Running Total applies to not just the Sum calculation but also related calculations, such as Count and Average.</a:t>
+            </a:r>
+          </a:p>
+          <a:p>
+            <a:pPr lvl="1">
+              <a:lnSpc>
+                <a:spcPct val="100000"/>
+              </a:lnSpc>
+            </a:pPr>
+            <a:r>
+              <a:rPr lang="en-US" sz="1700" b="1" u="sng" dirty="0">
+                <a:solidFill>
+                  <a:srgbClr val="0432FF"/>
+                </a:solidFill>
+              </a:rPr>
+              <a:t>Running total in</a:t>
+            </a:r>
+          </a:p>
+          <a:p>
+            <a:pPr lvl="1">
+              <a:lnSpc>
+                <a:spcPct val="100000"/>
+              </a:lnSpc>
+            </a:pPr>
+            <a:r>
+              <a:rPr lang="en-US" sz="1700" b="1" u="sng" dirty="0">
+                <a:solidFill>
+                  <a:srgbClr val="0432FF"/>
+                </a:solidFill>
+              </a:rPr>
+              <a:t>% running total in</a:t>
+            </a:r>
+          </a:p>
+          <a:p>
+            <a:pPr>
+              <a:lnSpc>
+                <a:spcPct val="100000"/>
+              </a:lnSpc>
+              <a:buFont typeface="Wingdings" pitchFamily="2" charset="2"/>
+              <a:buChar char="Ø"/>
+            </a:pPr>
+            <a:r>
+              <a:rPr lang="en-US" sz="1700" b="1" u="sng" dirty="0">
+                <a:solidFill>
+                  <a:srgbClr val="0432FF"/>
+                </a:solidFill>
+              </a:rPr>
+              <a:t>Index </a:t>
+            </a:r>
+            <a:r>
+              <a:rPr lang="en-US" sz="1700" b="1" dirty="0"/>
+              <a:t>summary calculation:</a:t>
+            </a:r>
+            <a:endParaRPr lang="en-US" sz="1700" b="1" dirty="0">
+              <a:solidFill>
+                <a:srgbClr val="FF0000"/>
+              </a:solidFill>
+            </a:endParaRPr>
+          </a:p>
+          <a:p>
+            <a:pPr lvl="1">
+              <a:lnSpc>
+                <a:spcPct val="100000"/>
+              </a:lnSpc>
+            </a:pPr>
+            <a:r>
+              <a:rPr lang="en-US" sz="1700" b="1" dirty="0">
+                <a:solidFill>
+                  <a:srgbClr val="FF0000"/>
+                </a:solidFill>
+              </a:rPr>
+              <a:t>determining the relative importance of the results</a:t>
+            </a:r>
+          </a:p>
+          <a:p>
+            <a:pPr lvl="1">
+              <a:lnSpc>
+                <a:spcPct val="100000"/>
+              </a:lnSpc>
+            </a:pPr>
+            <a:r>
+              <a:rPr lang="en-US" sz="1700" b="1" dirty="0">
+                <a:solidFill>
+                  <a:srgbClr val="FF0000"/>
+                </a:solidFill>
+              </a:rPr>
+              <a:t>Index calculation determines the weighted average of each cell in the PivotTable results, where the average taking into account the relative importance of each value.</a:t>
+            </a:r>
+          </a:p>
+          <a:p>
+            <a:pPr lvl="1">
+              <a:lnSpc>
+                <a:spcPct val="100000"/>
+              </a:lnSpc>
+            </a:pPr>
+            <a:r>
+              <a:rPr lang="en-US" sz="1700" b="1" dirty="0">
+                <a:solidFill>
+                  <a:srgbClr val="FF0000"/>
+                </a:solidFill>
+              </a:rPr>
+              <a:t>(Cell value) * (Grand Total) / (Row Total) * (Column Total)</a:t>
+            </a:r>
+            <a:endParaRPr lang="en-US" sz="1700" b="1" dirty="0">
+              <a:solidFill>
+                <a:srgbClr val="0432FF"/>
+              </a:solidFill>
+            </a:endParaRPr>
+          </a:p>
+          <a:p>
+            <a:pPr marL="514350" indent="-514350">
+              <a:lnSpc>
+                <a:spcPct val="100000"/>
+              </a:lnSpc>
+              <a:buFont typeface="+mj-lt"/>
+              <a:buAutoNum type="romanUcPeriod" startAt="3"/>
+            </a:pPr>
+            <a:r>
+              <a:rPr lang="en-US" sz="1900" b="1" dirty="0">
+                <a:solidFill>
+                  <a:srgbClr val="0432FF"/>
+                </a:solidFill>
+                <a:highlight>
+                  <a:srgbClr val="FFFF00"/>
+                </a:highlight>
+              </a:rPr>
+              <a:t>Custom Calculations</a:t>
+            </a:r>
+            <a:endParaRPr lang="en-US" sz="1900" b="1" dirty="0">
+              <a:solidFill>
+                <a:srgbClr val="FF0000"/>
+              </a:solidFill>
+              <a:highlight>
+                <a:srgbClr val="FFFF00"/>
+              </a:highlight>
+            </a:endParaRPr>
+          </a:p>
+          <a:p>
+            <a:pPr lvl="1">
+              <a:lnSpc>
+                <a:spcPct val="100000"/>
+              </a:lnSpc>
+            </a:pPr>
+            <a:r>
+              <a:rPr lang="en-US" sz="1600" b="1" u="sng" dirty="0">
+                <a:solidFill>
+                  <a:srgbClr val="0432FF"/>
+                </a:solidFill>
+              </a:rPr>
+              <a:t>Inserting a Custom Calculated Field</a:t>
+            </a:r>
+          </a:p>
+          <a:p>
+            <a:pPr lvl="2">
+              <a:lnSpc>
+                <a:spcPct val="100000"/>
+              </a:lnSpc>
+            </a:pPr>
+            <a:r>
+              <a:rPr lang="en-US" sz="1600" b="1" u="sng" dirty="0"/>
+              <a:t>Be careful the </a:t>
+            </a:r>
+            <a:r>
+              <a:rPr lang="en-US" sz="1600" b="1" u="sng" dirty="0">
+                <a:solidFill>
+                  <a:srgbClr val="FF0000"/>
+                </a:solidFill>
+              </a:rPr>
+              <a:t>Grand Total value is often inaccurate</a:t>
+            </a:r>
+          </a:p>
+          <a:p>
+            <a:pPr lvl="1">
+              <a:lnSpc>
+                <a:spcPct val="100000"/>
+              </a:lnSpc>
+            </a:pPr>
+            <a:r>
+              <a:rPr lang="en-US" sz="1600" b="1" u="sng" dirty="0">
+                <a:solidFill>
+                  <a:srgbClr val="0432FF"/>
+                </a:solidFill>
+              </a:rPr>
+              <a:t>Inserting a Custom Calculated Item</a:t>
+            </a:r>
+          </a:p>
+          <a:p>
+            <a:pPr>
+              <a:lnSpc>
+                <a:spcPct val="100000"/>
+              </a:lnSpc>
+              <a:buFont typeface="Wingdings" pitchFamily="2" charset="2"/>
+              <a:buChar char="Ø"/>
+            </a:pPr>
+            <a:r>
+              <a:rPr lang="en-US" sz="1700" b="1" u="sng" dirty="0">
+                <a:solidFill>
+                  <a:srgbClr val="0432FF"/>
+                </a:solidFill>
+              </a:rPr>
+              <a:t>Custom Calculation Limitations</a:t>
+            </a:r>
+          </a:p>
+          <a:p>
+            <a:pPr lvl="1">
+              <a:lnSpc>
+                <a:spcPct val="100000"/>
+              </a:lnSpc>
+            </a:pPr>
+            <a:r>
+              <a:rPr lang="en-US" sz="1400" dirty="0"/>
+              <a:t>You can’t use a cell reference, range address, or range name as an operand in a custom calculation formula.</a:t>
+            </a:r>
+          </a:p>
+          <a:p>
+            <a:pPr lvl="1">
+              <a:lnSpc>
+                <a:spcPct val="100000"/>
+              </a:lnSpc>
+            </a:pPr>
+            <a:r>
+              <a:rPr lang="en-US" sz="1400" dirty="0"/>
+              <a:t>You can’t use any worksheet functions that requires a cell reference, range or defined name in a custom calculation formula.</a:t>
+            </a:r>
+          </a:p>
+          <a:p>
+            <a:pPr lvl="1">
+              <a:lnSpc>
+                <a:spcPct val="100000"/>
+              </a:lnSpc>
+            </a:pPr>
+            <a:r>
+              <a:rPr lang="en-US" sz="1400" dirty="0"/>
+              <a:t>You can’t use the PivotTable’s subtotals, row totals, columns totals, or grand total as an operand in a custom calculation formula.</a:t>
+            </a:r>
+          </a:p>
+          <a:p>
+            <a:pPr marL="514350" indent="-514350">
+              <a:lnSpc>
+                <a:spcPct val="100000"/>
+              </a:lnSpc>
+              <a:buFont typeface="+mj-lt"/>
+              <a:buAutoNum type="romanUcPeriod" startAt="4"/>
+            </a:pPr>
+            <a:r>
+              <a:rPr lang="en-US" sz="1900" b="1" dirty="0">
+                <a:solidFill>
+                  <a:srgbClr val="0432FF"/>
+                </a:solidFill>
+                <a:highlight>
+                  <a:srgbClr val="FFFF00"/>
+                </a:highlight>
+              </a:rPr>
+              <a:t>PivotTable Subtotals</a:t>
+            </a:r>
+            <a:endParaRPr lang="en-US" sz="1900" b="1" dirty="0">
+              <a:solidFill>
+                <a:srgbClr val="FF0000"/>
+              </a:solidFill>
+              <a:highlight>
+                <a:srgbClr val="FFFF00"/>
+              </a:highlight>
+            </a:endParaRPr>
+          </a:p>
+          <a:p>
+            <a:pPr lvl="1">
+              <a:lnSpc>
+                <a:spcPct val="100000"/>
+              </a:lnSpc>
+            </a:pPr>
+            <a:r>
+              <a:rPr lang="en-US" sz="1400" b="1" u="sng" dirty="0">
+                <a:solidFill>
+                  <a:srgbClr val="0432FF"/>
+                </a:solidFill>
+              </a:rPr>
+              <a:t>Turning off subtotals for a field</a:t>
+            </a:r>
+          </a:p>
+          <a:p>
+            <a:pPr lvl="1">
+              <a:lnSpc>
+                <a:spcPct val="100000"/>
+              </a:lnSpc>
+            </a:pPr>
+            <a:r>
+              <a:rPr lang="en-US" sz="1400" b="1" u="sng" dirty="0">
+                <a:solidFill>
+                  <a:srgbClr val="0432FF"/>
+                </a:solidFill>
+              </a:rPr>
+              <a:t>Displaying multiple subtotals for a field</a:t>
+            </a:r>
+          </a:p>
+        </p:txBody>
+      </p:sp>
+      <p:sp>
+        <p:nvSpPr>
+          <p:cNvPr id="7" name="Rectangle 6">
+            <a:extLst>
+              <a:ext uri="{FF2B5EF4-FFF2-40B4-BE49-F238E27FC236}">
+                <a16:creationId xmlns:a16="http://schemas.microsoft.com/office/drawing/2014/main" id="{9BE27FCF-C64B-874E-ABD0-325E77053CCB}"/>
+              </a:ext>
+            </a:extLst>
+          </p:cNvPr>
+          <p:cNvSpPr/>
+          <p:nvPr/>
+        </p:nvSpPr>
+        <p:spPr>
+          <a:xfrm>
+            <a:off x="0" y="712335"/>
+            <a:ext cx="237566" cy="369332"/>
+          </a:xfrm>
+          <a:prstGeom prst="rect">
+            <a:avLst/>
+          </a:prstGeom>
+        </p:spPr>
+        <p:txBody>
+          <a:bodyPr wrap="none">
+            <a:spAutoFit/>
+          </a:bodyPr>
+          <a:lstStyle/>
+          <a:p>
+            <a:r>
+              <a:rPr lang="en-US" b="1" dirty="0">
+                <a:solidFill>
+                  <a:srgbClr val="002060"/>
+                </a:solidFill>
+              </a:rPr>
+              <a:t> </a:t>
+            </a:r>
+          </a:p>
+        </p:txBody>
+      </p:sp>
+    </p:spTree>
+    <p:extLst>
+      <p:ext uri="{BB962C8B-B14F-4D97-AF65-F5344CB8AC3E}">
+        <p14:creationId xmlns:p14="http://schemas.microsoft.com/office/powerpoint/2010/main" val="2149874289"/>
+      </p:ext>
+    </p:extLst>
+  </p:cSld>
+  <p:clrMapOvr>
+    <a:masterClrMapping/>
+  </p:clrMapOvr>
+</p:sld>
+</file>
+
+<file path=ppt/slides/slide11.xml><?xml version="1.0" encoding="utf-8"?>
+<p:sld xmlns:a="http://schemas.openxmlformats.org/drawingml/2006/main" xmlns:r="http://schemas.openxmlformats.org/officeDocument/2006/relationships" xmlns:p="http://schemas.openxmlformats.org/presentationml/2006/main">
+  <p:cSld>
+    <p:spTree>
+      <p:nvGrpSpPr>
+        <p:cNvPr id="1" name=""/>
+        <p:cNvGrpSpPr/>
+        <p:nvPr/>
+      </p:nvGrpSpPr>
+      <p:grpSpPr>
+        <a:xfrm>
+          <a:off x="0" y="0"/>
+          <a:ext cx="0" cy="0"/>
+          <a:chOff x="0" y="0"/>
+          <a:chExt cx="0" cy="0"/>
+        </a:xfrm>
+      </p:grpSpPr>
+      <p:sp>
+        <p:nvSpPr>
+          <p:cNvPr id="2" name="Title 1">
+            <a:extLst>
+              <a:ext uri="{FF2B5EF4-FFF2-40B4-BE49-F238E27FC236}">
+                <a16:creationId xmlns:a16="http://schemas.microsoft.com/office/drawing/2014/main" id="{325F2CEE-19ED-7C4A-A98E-9F27CF54B024}"/>
+              </a:ext>
+            </a:extLst>
+          </p:cNvPr>
+          <p:cNvSpPr>
+            <a:spLocks noGrp="1"/>
+          </p:cNvSpPr>
+          <p:nvPr>
+            <p:ph type="title"/>
+          </p:nvPr>
+        </p:nvSpPr>
+        <p:spPr>
+          <a:xfrm>
+            <a:off x="0" y="18256"/>
+            <a:ext cx="12192000" cy="649010"/>
+          </a:xfrm>
+        </p:spPr>
+        <p:txBody>
+          <a:bodyPr>
+            <a:normAutofit/>
+          </a:bodyPr>
+          <a:lstStyle/>
+          <a:p>
+            <a:r>
+              <a:rPr lang="en-US" sz="3200" b="1" dirty="0">
+                <a:solidFill>
+                  <a:srgbClr val="FF0000"/>
+                </a:solidFill>
+                <a:latin typeface="+mn-lt"/>
+              </a:rPr>
+              <a:t>Chapter 9 Building </a:t>
+            </a:r>
+            <a:r>
+              <a:rPr lang="en-US" sz="3200" b="1" dirty="0" err="1">
+                <a:solidFill>
+                  <a:srgbClr val="FF0000"/>
+                </a:solidFill>
+                <a:latin typeface="+mn-lt"/>
+              </a:rPr>
+              <a:t>PivotCharts</a:t>
+            </a:r>
+            <a:endParaRPr lang="en-US" sz="3200" b="1" dirty="0">
+              <a:solidFill>
+                <a:srgbClr val="FF0000"/>
+              </a:solidFill>
+              <a:latin typeface="+mn-lt"/>
+            </a:endParaRPr>
+          </a:p>
+        </p:txBody>
+      </p:sp>
+      <p:sp>
+        <p:nvSpPr>
+          <p:cNvPr id="3" name="Content Placeholder 2">
+            <a:extLst>
+              <a:ext uri="{FF2B5EF4-FFF2-40B4-BE49-F238E27FC236}">
+                <a16:creationId xmlns:a16="http://schemas.microsoft.com/office/drawing/2014/main" id="{DA798BC4-B594-814E-A4E1-8CD104A74B99}"/>
+              </a:ext>
+            </a:extLst>
+          </p:cNvPr>
+          <p:cNvSpPr>
+            <a:spLocks noGrp="1"/>
+          </p:cNvSpPr>
+          <p:nvPr>
+            <p:ph idx="1"/>
+          </p:nvPr>
+        </p:nvSpPr>
+        <p:spPr>
+          <a:xfrm>
+            <a:off x="-1" y="712335"/>
+            <a:ext cx="12191999" cy="4316866"/>
+          </a:xfrm>
+        </p:spPr>
+        <p:txBody>
+          <a:bodyPr>
+            <a:normAutofit/>
+          </a:bodyPr>
+          <a:lstStyle/>
+          <a:p>
+            <a:pPr>
+              <a:lnSpc>
+                <a:spcPct val="100000"/>
+              </a:lnSpc>
+              <a:buFont typeface="Wingdings" pitchFamily="2" charset="2"/>
+              <a:buChar char="Ø"/>
+            </a:pPr>
+            <a:r>
+              <a:rPr lang="en-US" sz="1800" b="1" dirty="0">
+                <a:solidFill>
+                  <a:srgbClr val="0432FF"/>
+                </a:solidFill>
+              </a:rPr>
+              <a:t>PivotChart</a:t>
+            </a:r>
+            <a:endParaRPr lang="en-US" sz="1800" b="1" dirty="0">
+              <a:solidFill>
+                <a:srgbClr val="FF0000"/>
+              </a:solidFill>
+            </a:endParaRPr>
+          </a:p>
+          <a:p>
+            <a:pPr lvl="1">
+              <a:lnSpc>
+                <a:spcPct val="100000"/>
+              </a:lnSpc>
+            </a:pPr>
+            <a:r>
+              <a:rPr lang="en-US" sz="1600" b="1" dirty="0">
+                <a:solidFill>
+                  <a:srgbClr val="0432FF"/>
+                </a:solidFill>
+              </a:rPr>
+              <a:t>Chart Categories (X-axis)</a:t>
+            </a:r>
+            <a:r>
+              <a:rPr lang="en-US" sz="1600" dirty="0"/>
+              <a:t>: It automatically groups large amounts of data.</a:t>
+            </a:r>
+          </a:p>
+          <a:p>
+            <a:pPr lvl="1">
+              <a:lnSpc>
+                <a:spcPct val="100000"/>
+              </a:lnSpc>
+            </a:pPr>
+            <a:r>
+              <a:rPr lang="en-US" sz="1600" b="1" dirty="0">
+                <a:solidFill>
+                  <a:srgbClr val="0432FF"/>
+                </a:solidFill>
+              </a:rPr>
+              <a:t>Chart Data Series: </a:t>
+            </a:r>
+            <a:r>
+              <a:rPr lang="en-US" sz="1600" dirty="0"/>
+              <a:t>One can break down the data in terms of a second field.</a:t>
+            </a:r>
+          </a:p>
+          <a:p>
+            <a:pPr lvl="1">
+              <a:lnSpc>
+                <a:spcPct val="100000"/>
+              </a:lnSpc>
+            </a:pPr>
+            <a:r>
+              <a:rPr lang="en-US" sz="1600" b="1" dirty="0">
+                <a:solidFill>
+                  <a:srgbClr val="0432FF"/>
+                </a:solidFill>
+              </a:rPr>
+              <a:t>Chart Values (Y-axis):</a:t>
+            </a:r>
+            <a:r>
+              <a:rPr lang="en-US" sz="1600" dirty="0"/>
+              <a:t> Equivalent of a value field in a PivotTable.</a:t>
+            </a:r>
+          </a:p>
+          <a:p>
+            <a:pPr lvl="1">
+              <a:lnSpc>
+                <a:spcPct val="100000"/>
+              </a:lnSpc>
+            </a:pPr>
+            <a:r>
+              <a:rPr lang="en-US" sz="1600" b="1" dirty="0">
+                <a:solidFill>
+                  <a:srgbClr val="0432FF"/>
+                </a:solidFill>
+              </a:rPr>
+              <a:t>Dynamic PivotChart: </a:t>
+            </a:r>
+            <a:r>
+              <a:rPr lang="en-US" sz="1600" dirty="0"/>
+              <a:t>One can reconfigure as needed</a:t>
+            </a:r>
+          </a:p>
+          <a:p>
+            <a:pPr lvl="1">
+              <a:lnSpc>
+                <a:spcPct val="100000"/>
+              </a:lnSpc>
+            </a:pPr>
+            <a:r>
+              <a:rPr lang="en-US" sz="1600" b="1" dirty="0">
+                <a:solidFill>
+                  <a:srgbClr val="0432FF"/>
+                </a:solidFill>
+              </a:rPr>
+              <a:t>Filtering: </a:t>
+            </a:r>
+            <a:r>
+              <a:rPr lang="en-US" sz="1600" dirty="0"/>
+              <a:t>Used to filter the chart results.</a:t>
+            </a:r>
+          </a:p>
+          <a:p>
+            <a:pPr>
+              <a:lnSpc>
+                <a:spcPct val="100000"/>
+              </a:lnSpc>
+              <a:buFont typeface="Wingdings" pitchFamily="2" charset="2"/>
+              <a:buChar char="Ø"/>
+            </a:pPr>
+            <a:r>
+              <a:rPr lang="en-US" sz="2000" b="1" dirty="0">
+                <a:solidFill>
+                  <a:srgbClr val="0432FF"/>
+                </a:solidFill>
+              </a:rPr>
+              <a:t> Limitations of PivotChart</a:t>
+            </a:r>
+          </a:p>
+          <a:p>
+            <a:pPr lvl="1">
+              <a:lnSpc>
+                <a:spcPct val="100000"/>
+              </a:lnSpc>
+            </a:pPr>
+            <a:r>
+              <a:rPr lang="en-US" sz="1600" dirty="0"/>
+              <a:t>Three chart types (</a:t>
+            </a:r>
+            <a:r>
+              <a:rPr lang="en-US" sz="1600" b="1" dirty="0">
+                <a:solidFill>
+                  <a:srgbClr val="0432FF"/>
+                </a:solidFill>
+              </a:rPr>
+              <a:t>Bubble, XY Scatter, Stock</a:t>
+            </a:r>
+            <a:r>
+              <a:rPr lang="en-US" sz="1600" dirty="0"/>
+              <a:t>) can’t apply to a PivotChart.</a:t>
+            </a:r>
+          </a:p>
+          <a:p>
+            <a:pPr lvl="1">
+              <a:lnSpc>
+                <a:spcPct val="100000"/>
+              </a:lnSpc>
+            </a:pPr>
+            <a:r>
+              <a:rPr lang="en-US" sz="1600" dirty="0"/>
+              <a:t>Adding , removing and pivoting fields have </a:t>
+            </a:r>
+            <a:r>
+              <a:rPr lang="en-US" sz="1600" b="1" dirty="0">
+                <a:solidFill>
+                  <a:srgbClr val="0432FF"/>
+                </a:solidFill>
+              </a:rPr>
+              <a:t>to use the underlying PivotTable.</a:t>
+            </a:r>
+          </a:p>
+          <a:p>
+            <a:pPr>
+              <a:lnSpc>
+                <a:spcPct val="100000"/>
+              </a:lnSpc>
+              <a:buFont typeface="Wingdings" pitchFamily="2" charset="2"/>
+              <a:buChar char="Ø"/>
+            </a:pPr>
+            <a:r>
+              <a:rPr lang="en-US" sz="2000" b="1" dirty="0">
+                <a:solidFill>
+                  <a:srgbClr val="0432FF"/>
+                </a:solidFill>
+              </a:rPr>
+              <a:t> Creating a PivotChart</a:t>
+            </a:r>
+          </a:p>
+          <a:p>
+            <a:pPr lvl="1">
+              <a:lnSpc>
+                <a:spcPct val="100000"/>
+              </a:lnSpc>
+            </a:pPr>
+            <a:r>
+              <a:rPr lang="en-US" sz="1600" dirty="0"/>
+              <a:t>Creating a PivotChart </a:t>
+            </a:r>
+            <a:r>
+              <a:rPr lang="en-US" sz="1600" b="1" dirty="0">
+                <a:solidFill>
+                  <a:srgbClr val="FF0000"/>
+                </a:solidFill>
+              </a:rPr>
+              <a:t>from a PivotTable</a:t>
+            </a:r>
+          </a:p>
+          <a:p>
+            <a:pPr lvl="1">
+              <a:lnSpc>
+                <a:spcPct val="100000"/>
+              </a:lnSpc>
+            </a:pPr>
+            <a:r>
+              <a:rPr lang="en-US" sz="1600" b="1" dirty="0">
+                <a:solidFill>
+                  <a:srgbClr val="FF0000"/>
+                </a:solidFill>
+              </a:rPr>
+              <a:t>Embedding </a:t>
+            </a:r>
+            <a:r>
+              <a:rPr lang="en-US" sz="1600" dirty="0"/>
+              <a:t>a PivotChart on a PivotTable’s </a:t>
+            </a:r>
+            <a:r>
+              <a:rPr lang="en-US" sz="1600" b="1" dirty="0">
+                <a:solidFill>
+                  <a:srgbClr val="FF0000"/>
+                </a:solidFill>
+              </a:rPr>
+              <a:t>worksheet</a:t>
+            </a:r>
+          </a:p>
+          <a:p>
+            <a:pPr lvl="1">
+              <a:lnSpc>
+                <a:spcPct val="100000"/>
+              </a:lnSpc>
+            </a:pPr>
+            <a:r>
+              <a:rPr lang="en-US" sz="1600" dirty="0"/>
+              <a:t>Creating a PivotChart </a:t>
+            </a:r>
+            <a:r>
+              <a:rPr lang="en-US" sz="1600" b="1" dirty="0">
+                <a:solidFill>
+                  <a:srgbClr val="FF0000"/>
+                </a:solidFill>
+              </a:rPr>
+              <a:t>from an Excel table</a:t>
+            </a:r>
+          </a:p>
+        </p:txBody>
+      </p:sp>
+      <p:sp>
+        <p:nvSpPr>
+          <p:cNvPr id="7" name="Rectangle 6">
+            <a:extLst>
+              <a:ext uri="{FF2B5EF4-FFF2-40B4-BE49-F238E27FC236}">
+                <a16:creationId xmlns:a16="http://schemas.microsoft.com/office/drawing/2014/main" id="{9BE27FCF-C64B-874E-ABD0-325E77053CCB}"/>
+              </a:ext>
+            </a:extLst>
+          </p:cNvPr>
+          <p:cNvSpPr/>
+          <p:nvPr/>
+        </p:nvSpPr>
+        <p:spPr>
+          <a:xfrm>
+            <a:off x="0" y="712335"/>
+            <a:ext cx="237566" cy="369332"/>
+          </a:xfrm>
+          <a:prstGeom prst="rect">
+            <a:avLst/>
+          </a:prstGeom>
+        </p:spPr>
+        <p:txBody>
+          <a:bodyPr wrap="none">
+            <a:spAutoFit/>
+          </a:bodyPr>
+          <a:lstStyle/>
+          <a:p>
+            <a:r>
+              <a:rPr lang="en-US" b="1" dirty="0">
+                <a:solidFill>
+                  <a:srgbClr val="002060"/>
+                </a:solidFill>
+              </a:rPr>
+              <a:t> </a:t>
+            </a:r>
+          </a:p>
+        </p:txBody>
+      </p:sp>
+      <p:sp>
+        <p:nvSpPr>
+          <p:cNvPr id="4" name="Rectangle 3">
+            <a:extLst>
+              <a:ext uri="{FF2B5EF4-FFF2-40B4-BE49-F238E27FC236}">
+                <a16:creationId xmlns:a16="http://schemas.microsoft.com/office/drawing/2014/main" id="{880A7BA6-9FA7-1F49-91FE-2B6D8F4718EB}"/>
+              </a:ext>
+            </a:extLst>
+          </p:cNvPr>
+          <p:cNvSpPr/>
+          <p:nvPr/>
+        </p:nvSpPr>
+        <p:spPr>
+          <a:xfrm>
+            <a:off x="0" y="5186626"/>
+            <a:ext cx="4806464" cy="1384995"/>
+          </a:xfrm>
+          <a:prstGeom prst="rect">
+            <a:avLst/>
+          </a:prstGeom>
+        </p:spPr>
+        <p:txBody>
+          <a:bodyPr wrap="square">
+            <a:spAutoFit/>
+          </a:bodyPr>
+          <a:lstStyle/>
+          <a:p>
+            <a:pPr>
+              <a:lnSpc>
+                <a:spcPct val="100000"/>
+              </a:lnSpc>
+              <a:buFont typeface="Wingdings" pitchFamily="2" charset="2"/>
+              <a:buChar char="Ø"/>
+            </a:pPr>
+            <a:r>
+              <a:rPr lang="en-US" sz="2000" b="1" dirty="0">
+                <a:solidFill>
+                  <a:srgbClr val="0432FF"/>
+                </a:solidFill>
+              </a:rPr>
+              <a:t>Working with PivotChart</a:t>
+            </a:r>
+          </a:p>
+          <a:p>
+            <a:pPr marL="800100" lvl="1" indent="-342900">
+              <a:lnSpc>
+                <a:spcPct val="100000"/>
+              </a:lnSpc>
+              <a:buFont typeface="+mj-lt"/>
+              <a:buAutoNum type="arabicPeriod"/>
+            </a:pPr>
+            <a:r>
+              <a:rPr lang="en-US" sz="1600" b="1" dirty="0">
+                <a:solidFill>
+                  <a:srgbClr val="FF0000"/>
+                </a:solidFill>
+              </a:rPr>
+              <a:t>Moving</a:t>
+            </a:r>
+            <a:r>
+              <a:rPr lang="en-US" sz="1600" b="1" dirty="0"/>
+              <a:t> a PivotChart to another sheet</a:t>
+            </a:r>
+          </a:p>
+          <a:p>
+            <a:pPr marL="800100" lvl="1" indent="-342900">
+              <a:lnSpc>
+                <a:spcPct val="100000"/>
+              </a:lnSpc>
+              <a:buFont typeface="+mj-lt"/>
+              <a:buAutoNum type="arabicPeriod"/>
+            </a:pPr>
+            <a:r>
+              <a:rPr lang="en-US" sz="1600" b="1" dirty="0">
+                <a:solidFill>
+                  <a:srgbClr val="FF0000"/>
+                </a:solidFill>
+              </a:rPr>
+              <a:t>Filtering</a:t>
+            </a:r>
+            <a:r>
+              <a:rPr lang="en-US" sz="1600" b="1" dirty="0"/>
+              <a:t> a PivotChart</a:t>
+            </a:r>
+          </a:p>
+          <a:p>
+            <a:pPr marL="800100" lvl="1" indent="-342900">
+              <a:lnSpc>
+                <a:spcPct val="100000"/>
+              </a:lnSpc>
+              <a:buFont typeface="+mj-lt"/>
+              <a:buAutoNum type="arabicPeriod"/>
+            </a:pPr>
+            <a:r>
+              <a:rPr lang="en-US" sz="1600" b="1" dirty="0">
+                <a:solidFill>
+                  <a:srgbClr val="FF0000"/>
+                </a:solidFill>
+              </a:rPr>
+              <a:t>Changing</a:t>
+            </a:r>
+            <a:r>
+              <a:rPr lang="en-US" sz="1600" b="1" dirty="0"/>
+              <a:t> the PivotChart </a:t>
+            </a:r>
+            <a:r>
+              <a:rPr lang="en-US" sz="1600" b="1" dirty="0">
+                <a:solidFill>
+                  <a:srgbClr val="FF0000"/>
+                </a:solidFill>
+              </a:rPr>
+              <a:t>type</a:t>
+            </a:r>
+          </a:p>
+          <a:p>
+            <a:pPr marL="800100" lvl="1" indent="-342900">
+              <a:lnSpc>
+                <a:spcPct val="100000"/>
+              </a:lnSpc>
+              <a:buFont typeface="+mj-lt"/>
+              <a:buAutoNum type="arabicPeriod"/>
+            </a:pPr>
+            <a:r>
+              <a:rPr lang="en-US" sz="1600" b="1" dirty="0">
+                <a:solidFill>
+                  <a:srgbClr val="FF0000"/>
+                </a:solidFill>
+              </a:rPr>
+              <a:t>Adding</a:t>
+            </a:r>
+            <a:r>
+              <a:rPr lang="en-US" sz="1600" b="1" dirty="0"/>
+              <a:t> data </a:t>
+            </a:r>
+            <a:r>
+              <a:rPr lang="en-US" sz="1600" b="1" dirty="0">
+                <a:solidFill>
+                  <a:srgbClr val="FF0000"/>
+                </a:solidFill>
+              </a:rPr>
+              <a:t>labels</a:t>
+            </a:r>
+            <a:r>
+              <a:rPr lang="en-US" sz="1600" b="1" dirty="0"/>
+              <a:t> to your PivotChart</a:t>
+            </a:r>
+          </a:p>
+        </p:txBody>
+      </p:sp>
+      <p:sp>
+        <p:nvSpPr>
+          <p:cNvPr id="6" name="Rectangle 5">
+            <a:extLst>
+              <a:ext uri="{FF2B5EF4-FFF2-40B4-BE49-F238E27FC236}">
+                <a16:creationId xmlns:a16="http://schemas.microsoft.com/office/drawing/2014/main" id="{399F0670-3627-4149-91BA-01439AE92DCA}"/>
+              </a:ext>
+            </a:extLst>
+          </p:cNvPr>
+          <p:cNvSpPr/>
+          <p:nvPr/>
+        </p:nvSpPr>
+        <p:spPr>
+          <a:xfrm>
+            <a:off x="4806464" y="5186626"/>
+            <a:ext cx="4806464" cy="1384995"/>
+          </a:xfrm>
+          <a:prstGeom prst="rect">
+            <a:avLst/>
+          </a:prstGeom>
+        </p:spPr>
+        <p:txBody>
+          <a:bodyPr wrap="square">
+            <a:spAutoFit/>
+          </a:bodyPr>
+          <a:lstStyle/>
+          <a:p>
+            <a:pPr>
+              <a:lnSpc>
+                <a:spcPct val="100000"/>
+              </a:lnSpc>
+              <a:buFont typeface="Wingdings" pitchFamily="2" charset="2"/>
+              <a:buChar char="Ø"/>
+            </a:pPr>
+            <a:r>
+              <a:rPr lang="en-US" sz="2000" b="1" dirty="0">
+                <a:solidFill>
+                  <a:srgbClr val="0432FF"/>
+                </a:solidFill>
+              </a:rPr>
+              <a:t>Working with PivotChart</a:t>
+            </a:r>
+          </a:p>
+          <a:p>
+            <a:pPr marL="800100" lvl="1" indent="-342900">
+              <a:lnSpc>
+                <a:spcPct val="100000"/>
+              </a:lnSpc>
+              <a:buFont typeface="+mj-lt"/>
+              <a:buAutoNum type="arabicPeriod" startAt="5"/>
+            </a:pPr>
+            <a:r>
+              <a:rPr lang="en-US" sz="1600" b="1" dirty="0">
+                <a:solidFill>
+                  <a:srgbClr val="FF0000"/>
+                </a:solidFill>
+              </a:rPr>
+              <a:t>Sorting</a:t>
+            </a:r>
+            <a:r>
+              <a:rPr lang="en-US" sz="1600" b="1" dirty="0"/>
+              <a:t> the PivotChart</a:t>
+            </a:r>
+          </a:p>
+          <a:p>
+            <a:pPr marL="800100" lvl="1" indent="-342900">
+              <a:lnSpc>
+                <a:spcPct val="100000"/>
+              </a:lnSpc>
+              <a:buFont typeface="+mj-lt"/>
+              <a:buAutoNum type="arabicPeriod" startAt="5"/>
+            </a:pPr>
+            <a:r>
+              <a:rPr lang="en-US" sz="1600" b="1" dirty="0">
+                <a:solidFill>
+                  <a:srgbClr val="FF0000"/>
+                </a:solidFill>
+              </a:rPr>
+              <a:t>Adding</a:t>
+            </a:r>
+            <a:r>
+              <a:rPr lang="en-US" sz="1600" b="1" dirty="0"/>
+              <a:t> PivotChart </a:t>
+            </a:r>
+            <a:r>
+              <a:rPr lang="en-US" sz="1600" b="1" dirty="0">
+                <a:solidFill>
+                  <a:srgbClr val="FF0000"/>
+                </a:solidFill>
+              </a:rPr>
+              <a:t>titles</a:t>
+            </a:r>
+          </a:p>
+          <a:p>
+            <a:pPr marL="800100" lvl="1" indent="-342900">
+              <a:lnSpc>
+                <a:spcPct val="100000"/>
+              </a:lnSpc>
+              <a:buFont typeface="+mj-lt"/>
+              <a:buAutoNum type="arabicPeriod" startAt="5"/>
+            </a:pPr>
+            <a:r>
+              <a:rPr lang="en-US" sz="1600" b="1" dirty="0">
+                <a:solidFill>
+                  <a:srgbClr val="FF0000"/>
+                </a:solidFill>
+              </a:rPr>
+              <a:t>Moving </a:t>
+            </a:r>
+            <a:r>
+              <a:rPr lang="en-US" sz="1600" b="1" dirty="0"/>
+              <a:t>the PivotChart </a:t>
+            </a:r>
+            <a:r>
+              <a:rPr lang="en-US" sz="1600" b="1" dirty="0">
+                <a:solidFill>
+                  <a:srgbClr val="FF0000"/>
+                </a:solidFill>
+              </a:rPr>
+              <a:t>legend</a:t>
+            </a:r>
+          </a:p>
+          <a:p>
+            <a:pPr marL="800100" lvl="1" indent="-342900">
+              <a:lnSpc>
+                <a:spcPct val="100000"/>
+              </a:lnSpc>
+              <a:buFont typeface="+mj-lt"/>
+              <a:buAutoNum type="arabicPeriod" startAt="5"/>
+            </a:pPr>
+            <a:r>
+              <a:rPr lang="en-US" sz="1600" b="1" dirty="0">
+                <a:solidFill>
+                  <a:srgbClr val="FF0000"/>
+                </a:solidFill>
+              </a:rPr>
+              <a:t>Displaying a data table </a:t>
+            </a:r>
+            <a:r>
+              <a:rPr lang="en-US" sz="1600" b="1" dirty="0"/>
+              <a:t>with the PivotChart</a:t>
+            </a:r>
+          </a:p>
+        </p:txBody>
+      </p:sp>
+    </p:spTree>
+    <p:extLst>
+      <p:ext uri="{BB962C8B-B14F-4D97-AF65-F5344CB8AC3E}">
+        <p14:creationId xmlns:p14="http://schemas.microsoft.com/office/powerpoint/2010/main" val="2773633449"/>
+      </p:ext>
+    </p:extLst>
+  </p:cSld>
+  <p:clrMapOvr>
+    <a:masterClrMapping/>
+  </p:clrMapOvr>
+</p:sld>
+</file>
+
+<file path=ppt/slides/slide12.xml><?xml version="1.0" encoding="utf-8"?>
+<p:sld xmlns:a="http://schemas.openxmlformats.org/drawingml/2006/main" xmlns:r="http://schemas.openxmlformats.org/officeDocument/2006/relationships" xmlns:p="http://schemas.openxmlformats.org/presentationml/2006/main">
+  <p:cSld>
+    <p:spTree>
+      <p:nvGrpSpPr>
+        <p:cNvPr id="1" name=""/>
+        <p:cNvGrpSpPr/>
+        <p:nvPr/>
+      </p:nvGrpSpPr>
+      <p:grpSpPr>
+        <a:xfrm>
+          <a:off x="0" y="0"/>
+          <a:ext cx="0" cy="0"/>
+          <a:chOff x="0" y="0"/>
+          <a:chExt cx="0" cy="0"/>
+        </a:xfrm>
+      </p:grpSpPr>
+      <p:sp>
+        <p:nvSpPr>
+          <p:cNvPr id="14" name="Rectangle 13">
+            <a:extLst>
+              <a:ext uri="{FF2B5EF4-FFF2-40B4-BE49-F238E27FC236}">
+                <a16:creationId xmlns:a16="http://schemas.microsoft.com/office/drawing/2014/main" id="{B9AE5C37-5E9D-CD45-B3DE-AC3511D0244C}"/>
+              </a:ext>
+            </a:extLst>
+          </p:cNvPr>
+          <p:cNvSpPr/>
+          <p:nvPr/>
+        </p:nvSpPr>
+        <p:spPr>
+          <a:xfrm>
+            <a:off x="3048000" y="2598004"/>
+            <a:ext cx="5416062" cy="1854354"/>
+          </a:xfrm>
+          <a:prstGeom prst="rect">
+            <a:avLst/>
+          </a:prstGeom>
+        </p:spPr>
+        <p:txBody>
+          <a:bodyPr wrap="square">
+            <a:spAutoFit/>
+          </a:bodyPr>
+          <a:lstStyle/>
+          <a:p>
+            <a:pPr lvl="0">
+              <a:spcBef>
+                <a:spcPts val="1000"/>
+              </a:spcBef>
+            </a:pPr>
+            <a:r>
+              <a:rPr lang="en-US" b="1" u="sng" dirty="0">
+                <a:solidFill>
+                  <a:srgbClr val="0432FF"/>
+                </a:solidFill>
+              </a:rPr>
+              <a:t>Custom Calculation Limitations</a:t>
+            </a:r>
+          </a:p>
+          <a:p>
+            <a:pPr marL="228600" indent="-228600">
+              <a:spcBef>
+                <a:spcPts val="500"/>
+              </a:spcBef>
+              <a:buFont typeface="Arial" panose="020B0604020202020204" pitchFamily="34" charset="0"/>
+              <a:buChar char="•"/>
+            </a:pPr>
+            <a:r>
+              <a:rPr lang="en-US" sz="1400" dirty="0">
+                <a:solidFill>
+                  <a:prstClr val="black"/>
+                </a:solidFill>
+              </a:rPr>
+              <a:t>You can’t use a cell reference, range address, or range name as an operand in a custom calculation formula.</a:t>
+            </a:r>
+          </a:p>
+          <a:p>
+            <a:pPr marL="228600" indent="-228600">
+              <a:spcBef>
+                <a:spcPts val="500"/>
+              </a:spcBef>
+              <a:buFont typeface="Arial" panose="020B0604020202020204" pitchFamily="34" charset="0"/>
+              <a:buChar char="•"/>
+            </a:pPr>
+            <a:r>
+              <a:rPr lang="en-US" sz="1400" dirty="0">
+                <a:solidFill>
+                  <a:prstClr val="black"/>
+                </a:solidFill>
+              </a:rPr>
+              <a:t>You can’t use any worksheet functions that requires a cell reference, range or defined name in a custom calculation formula.</a:t>
+            </a:r>
+          </a:p>
+          <a:p>
+            <a:pPr marL="228600" indent="-228600">
+              <a:spcBef>
+                <a:spcPts val="500"/>
+              </a:spcBef>
+              <a:buFont typeface="Arial" panose="020B0604020202020204" pitchFamily="34" charset="0"/>
+              <a:buChar char="•"/>
+            </a:pPr>
+            <a:r>
+              <a:rPr lang="en-US" sz="1400" dirty="0">
+                <a:solidFill>
+                  <a:prstClr val="black"/>
+                </a:solidFill>
+              </a:rPr>
+              <a:t>You can’t use the PivotTable’s subtotals, row totals, columns totals, or grand total as an operand in a custom calculation formula.</a:t>
+            </a:r>
+          </a:p>
+        </p:txBody>
+      </p:sp>
+    </p:spTree>
+    <p:extLst>
+      <p:ext uri="{BB962C8B-B14F-4D97-AF65-F5344CB8AC3E}">
+        <p14:creationId xmlns:p14="http://schemas.microsoft.com/office/powerpoint/2010/main" val="3599844264"/>
+      </p:ext>
+    </p:extLst>
+  </p:cSld>
+  <p:clrMapOvr>
+    <a:masterClrMapping/>
+  </p:clrMapOvr>
+</p:sld>
+</file>
+
 <file path=ppt/slides/slide2.xml><?xml version="1.0" encoding="utf-8"?>
 <p:sld xmlns:a="http://schemas.openxmlformats.org/drawingml/2006/main" xmlns:r="http://schemas.openxmlformats.org/officeDocument/2006/relationships" xmlns:p="http://schemas.openxmlformats.org/presentationml/2006/main">
   <p:cSld>
@@ -8731,20 +10197,25 @@
         </p:spPr>
         <p:txBody>
           <a:bodyPr>
-            <a:normAutofit/>
+            <a:normAutofit lnSpcReduction="10000"/>
           </a:bodyPr>
           <a:lstStyle/>
           <a:p>
-            <a:pPr>
-              <a:lnSpc>
-                <a:spcPct val="100000"/>
-              </a:lnSpc>
+            <a:pPr marL="400050" indent="-400050">
+              <a:lnSpc>
+                <a:spcPct val="100000"/>
+              </a:lnSpc>
+              <a:buFont typeface="+mj-lt"/>
+              <a:buAutoNum type="romanUcPeriod"/>
             </a:pPr>
             <a:r>
               <a:rPr lang="en-US" sz="1800" b="1" dirty="0">
                 <a:solidFill>
                   <a:srgbClr val="0432FF"/>
                 </a:solidFill>
+                <a:highlight>
+                  <a:srgbClr val="FFFF00"/>
+                </a:highlight>
               </a:rPr>
               <a:t>Summary Calculations </a:t>
             </a:r>
@@ -8753,8 +10224,26 @@
                 <a:solidFill>
                   <a:srgbClr val="FF0000"/>
                 </a:solidFill>
+                <a:highlight>
+                  <a:srgbClr val="FFFF00"/>
+                </a:highlight>
               </a:rPr>
               <a:t>apply over an entire field</a:t>
+            </a:r>
+          </a:p>
+          <a:p>
+            <a:pPr lvl="1">
+              <a:lnSpc>
+                <a:spcPct val="100000"/>
+              </a:lnSpc>
+            </a:pPr>
+            <a:r>
+              <a:rPr lang="en-US" sz="1400" b="1" u="sng" dirty="0">
+                <a:solidFill>
+                  <a:srgbClr val="0432FF"/>
+                </a:solidFill>
+              </a:rPr>
+              <a:t>Average, Max, Min, Product, Sum</a:t>
             </a:r>
           </a:p>
           <a:p>
@@ -8836,7 +10325,7 @@
                   <a:srgbClr val="002060"/>
                 </a:solidFill>
               </a:rPr>
-              <a:t>the standard deviation of a population sample</a:t>
+              <a:t>the standard deviation of a population sample </a:t>
             </a:r>
             <a:endParaRPr lang="en-US" sz="1400" b="1" u="sng" dirty="0">
               <a:solidFill>
@@ -8940,18 +10429,72 @@
             </a:r>
           </a:p>
           <a:p>
+            <a:pPr marL="400050" indent="-400050">
+              <a:lnSpc>
+                <a:spcPct val="100000"/>
+              </a:lnSpc>
+              <a:buFont typeface="+mj-lt"/>
+              <a:buAutoNum type="romanUcPeriod"/>
+            </a:pPr>
+            <a:r>
+              <a:rPr lang="en-US" sz="1800" b="1" dirty="0">
+                <a:solidFill>
+                  <a:srgbClr val="0432FF"/>
+                </a:solidFill>
+                <a:highlight>
+                  <a:srgbClr val="FFFF00"/>
+                </a:highlight>
+              </a:rPr>
+              <a:t>Summary Calculations </a:t>
+            </a:r>
+            <a:r>
+              <a:rPr lang="en-US" sz="1800" b="1" dirty="0">
+                <a:solidFill>
+                  <a:srgbClr val="FF0000"/>
+                </a:solidFill>
+                <a:highlight>
+                  <a:srgbClr val="FFFF00"/>
+                </a:highlight>
+              </a:rPr>
+              <a:t>comparing item with another</a:t>
+            </a:r>
+          </a:p>
+          <a:p>
             <a:pPr lvl="1">
               <a:lnSpc>
                 <a:spcPct val="100000"/>
               </a:lnSpc>
             </a:pPr>
             <a:r>
-              <a:rPr lang="en-US" sz="1400" b="1" u="sng" dirty="0">
-                <a:solidFill>
-                  <a:srgbClr val="0432FF"/>
-                </a:solidFill>
-              </a:rPr>
-              <a:t>Average, Max, Min, Product, Sum</a:t>
+              <a:rPr lang="en-US" sz="1400" b="1" dirty="0">
+                <a:solidFill>
+                  <a:srgbClr val="0432FF"/>
+                </a:solidFill>
+              </a:rPr>
+              <a:t>Base field:</a:t>
+            </a:r>
+            <a:r>
+              <a:rPr lang="en-US" sz="1400" dirty="0"/>
+              <a:t> which field in your PivotTable to use as the comparison field</a:t>
+            </a:r>
+          </a:p>
+          <a:p>
+            <a:pPr lvl="1">
+              <a:lnSpc>
+                <a:spcPct val="100000"/>
+              </a:lnSpc>
+            </a:pPr>
+            <a:r>
+              <a:rPr lang="en-US" sz="1400" b="1" dirty="0">
+                <a:solidFill>
+                  <a:srgbClr val="0432FF"/>
+                </a:solidFill>
+              </a:rPr>
+              <a:t>Base item: </a:t>
+            </a:r>
+            <a:r>
+              <a:rPr lang="en-US" sz="1400" dirty="0"/>
+              <a:t>which item within that field to use as the basis for all the comparison</a:t>
             </a:r>
           </a:p>
           <a:p>
@@ -8959,23 +10502,42 @@
               <a:lnSpc>
                 <a:spcPct val="100000"/>
               </a:lnSpc>
-            </a:pPr>
-            <a:r>
-              <a:rPr lang="en-US" sz="1800" b="1" dirty="0">
-                <a:solidFill>
-                  <a:srgbClr val="0432FF"/>
-                </a:solidFill>
-              </a:rPr>
-              <a:t>Summary Calculations </a:t>
-            </a:r>
-            <a:r>
-              <a:rPr lang="en-US" sz="1800" b="1" dirty="0">
+              <a:buFont typeface="Wingdings" pitchFamily="2" charset="2"/>
+              <a:buChar char="Ø"/>
+            </a:pPr>
+            <a:r>
+              <a:rPr lang="en-US" sz="1600" b="1" u="sng" dirty="0">
+                <a:solidFill>
+                  <a:srgbClr val="0432FF"/>
+                </a:solidFill>
+              </a:rPr>
+              <a:t>Difference</a:t>
+            </a:r>
+            <a:r>
+              <a:rPr lang="en-US" sz="1600" b="1" dirty="0">
+                <a:solidFill>
+                  <a:srgbClr val="0432FF"/>
+                </a:solidFill>
+              </a:rPr>
+              <a:t> </a:t>
+            </a:r>
+            <a:r>
+              <a:rPr lang="en-US" sz="1600" b="1" dirty="0"/>
+              <a:t>Summary calculation: </a:t>
+            </a:r>
+            <a:r>
+              <a:rPr lang="en-US" sz="1600" b="1" dirty="0">
                 <a:solidFill>
                   <a:srgbClr val="FF0000"/>
                 </a:solidFill>
               </a:rPr>
               <a:t>comparing one item with another</a:t>
             </a:r>
+            <a:endParaRPr lang="en-US" sz="1800" b="1" dirty="0">
+              <a:solidFill>
+                <a:srgbClr val="FF0000"/>
+              </a:solidFill>
+            </a:endParaRPr>
           </a:p>
           <a:p>
             <a:pPr lvl="1">
@@ -9038,53 +10600,224 @@
               </a:rPr>
               <a:t>difference between them</a:t>
             </a:r>
-          </a:p>
-          <a:p>
-            <a:pPr lvl="2">
-              <a:lnSpc>
-                <a:spcPct val="100000"/>
-              </a:lnSpc>
-            </a:pPr>
-            <a:r>
-              <a:rPr lang="en-US" sz="1600" b="1" dirty="0">
-                <a:solidFill>
-                  <a:srgbClr val="0432FF"/>
-                </a:solidFill>
-              </a:rPr>
-              <a:t>Base field:</a:t>
-            </a:r>
-            <a:r>
-              <a:rPr lang="en-US" sz="1600" dirty="0"/>
-              <a:t> which field in your </a:t>
-            </a:r>
-            <a:r>
-              <a:rPr lang="en-US" sz="1600" dirty="0" err="1"/>
-              <a:t>PivoTable</a:t>
-            </a:r>
-            <a:r>
-              <a:rPr lang="en-US" sz="1600" dirty="0"/>
-              <a:t> to use as the comparison field</a:t>
-            </a:r>
-          </a:p>
-          <a:p>
-            <a:pPr lvl="2">
-              <a:lnSpc>
-                <a:spcPct val="100000"/>
-              </a:lnSpc>
-            </a:pPr>
-            <a:r>
-              <a:rPr lang="en-US" sz="1600" b="1" dirty="0">
-                <a:solidFill>
-                  <a:srgbClr val="0432FF"/>
-                </a:solidFill>
-              </a:rPr>
-              <a:t>Base item: </a:t>
-            </a:r>
-            <a:r>
-              <a:rPr lang="en-US" sz="1600" dirty="0"/>
-              <a:t>which item within that field to use as the basis for all the comparison</a:t>
-            </a:r>
-            <a:endParaRPr lang="en-US" sz="1000" dirty="0"/>
+            <a:endParaRPr lang="en-US" sz="1400" dirty="0"/>
+          </a:p>
+          <a:p>
+            <a:pPr>
+              <a:buFont typeface="Wingdings" pitchFamily="2" charset="2"/>
+              <a:buChar char="Ø"/>
+            </a:pPr>
+            <a:r>
+              <a:rPr lang="en-US" sz="1600" b="1" u="sng" dirty="0">
+                <a:solidFill>
+                  <a:srgbClr val="0432FF"/>
+                </a:solidFill>
+              </a:rPr>
+              <a:t>Percentage </a:t>
+            </a:r>
+            <a:r>
+              <a:rPr lang="en-US" sz="1600" b="1" dirty="0"/>
+              <a:t>summary calculation: </a:t>
+            </a:r>
+            <a:r>
+              <a:rPr lang="en-US" sz="1600" b="1" dirty="0">
+                <a:solidFill>
+                  <a:srgbClr val="FF0000"/>
+                </a:solidFill>
+              </a:rPr>
+              <a:t>comparing two or more items as a percentage</a:t>
+            </a:r>
+          </a:p>
+          <a:p>
+            <a:pPr lvl="1"/>
+            <a:r>
+              <a:rPr lang="en-US" sz="1400" b="1" dirty="0">
+                <a:solidFill>
+                  <a:srgbClr val="FF0000"/>
+                </a:solidFill>
+              </a:rPr>
+              <a:t>% of: </a:t>
+            </a:r>
+            <a:r>
+              <a:rPr lang="en-US" sz="1400" dirty="0"/>
+              <a:t>returns the percentage of each value with respect to a </a:t>
+            </a:r>
+            <a:r>
+              <a:rPr lang="en-US" sz="1400" dirty="0">
+                <a:solidFill>
+                  <a:srgbClr val="0432FF"/>
+                </a:solidFill>
+              </a:rPr>
+              <a:t>selected base item</a:t>
+            </a:r>
+          </a:p>
+          <a:p>
+            <a:pPr lvl="1"/>
+            <a:r>
+              <a:rPr lang="en-US" sz="1400" b="1" dirty="0">
+                <a:solidFill>
+                  <a:srgbClr val="FF0000"/>
+                </a:solidFill>
+              </a:rPr>
+              <a:t>% of Row Total : </a:t>
+            </a:r>
+            <a:r>
+              <a:rPr lang="en-US" sz="1400" dirty="0"/>
+              <a:t>returns the percentage that each value in a row represents of </a:t>
+            </a:r>
+            <a:r>
+              <a:rPr lang="en-US" sz="1400" dirty="0">
+                <a:solidFill>
+                  <a:srgbClr val="0432FF"/>
+                </a:solidFill>
+              </a:rPr>
+              <a:t>the  total value of the row</a:t>
+            </a:r>
+            <a:endParaRPr lang="en-US" sz="1400" b="1" dirty="0">
+              <a:solidFill>
+                <a:srgbClr val="0432FF"/>
+              </a:solidFill>
+            </a:endParaRPr>
+          </a:p>
+          <a:p>
+            <a:pPr lvl="1"/>
+            <a:r>
+              <a:rPr lang="en-US" sz="1400" b="1" dirty="0">
+                <a:solidFill>
+                  <a:srgbClr val="FF0000"/>
+                </a:solidFill>
+              </a:rPr>
+              <a:t>% of Column Total : </a:t>
+            </a:r>
+            <a:r>
+              <a:rPr lang="en-US" sz="1400" dirty="0"/>
+              <a:t>returns the percentage that each value in a column represents of the  </a:t>
+            </a:r>
+            <a:r>
+              <a:rPr lang="en-US" sz="1400" dirty="0">
+                <a:solidFill>
+                  <a:srgbClr val="0432FF"/>
+                </a:solidFill>
+              </a:rPr>
+              <a:t>total value of the column</a:t>
+            </a:r>
+            <a:endParaRPr lang="en-US" sz="1400" b="1" dirty="0">
+              <a:solidFill>
+                <a:srgbClr val="0432FF"/>
+              </a:solidFill>
+            </a:endParaRPr>
+          </a:p>
+          <a:p>
+            <a:pPr lvl="1"/>
+            <a:r>
+              <a:rPr lang="en-US" sz="1400" b="1" dirty="0">
+                <a:solidFill>
+                  <a:srgbClr val="FF0000"/>
+                </a:solidFill>
+              </a:rPr>
+              <a:t>% of Grand Total : </a:t>
+            </a:r>
+            <a:r>
+              <a:rPr lang="en-US" sz="1400" dirty="0"/>
+              <a:t>returns the percentage that each value in a row represents of the  </a:t>
+            </a:r>
+            <a:r>
+              <a:rPr lang="en-US" sz="1400" dirty="0">
+                <a:solidFill>
+                  <a:srgbClr val="0432FF"/>
+                </a:solidFill>
+              </a:rPr>
+              <a:t>PivotTable grand total</a:t>
+            </a:r>
+            <a:endParaRPr lang="en-US" sz="1400" b="1" dirty="0">
+              <a:solidFill>
+                <a:srgbClr val="0432FF"/>
+              </a:solidFill>
+            </a:endParaRPr>
+          </a:p>
+          <a:p>
+            <a:pPr lvl="1"/>
+            <a:r>
+              <a:rPr lang="en-US" sz="1400" b="1" dirty="0">
+                <a:solidFill>
+                  <a:srgbClr val="FF0000"/>
+                </a:solidFill>
+              </a:rPr>
+              <a:t>% of Parent Row Total : </a:t>
+            </a:r>
+            <a:r>
+              <a:rPr lang="en-US" sz="1400" dirty="0"/>
+              <a:t>returns the percentage that each value in an inner row represents with respect to the  </a:t>
+            </a:r>
+            <a:r>
+              <a:rPr lang="en-US" sz="1400" dirty="0">
+                <a:solidFill>
+                  <a:srgbClr val="0432FF"/>
+                </a:solidFill>
+              </a:rPr>
+              <a:t>total of the parent item in the outer row</a:t>
+            </a:r>
+            <a:endParaRPr lang="en-US" sz="1400" b="1" dirty="0">
+              <a:solidFill>
+                <a:srgbClr val="0432FF"/>
+              </a:solidFill>
+            </a:endParaRPr>
+          </a:p>
+          <a:p>
+            <a:pPr lvl="1"/>
+            <a:r>
+              <a:rPr lang="en-US" sz="1400" b="1" dirty="0">
+                <a:solidFill>
+                  <a:srgbClr val="FF0000"/>
+                </a:solidFill>
+              </a:rPr>
+              <a:t>% of Parent Column Total : </a:t>
+            </a:r>
+            <a:r>
+              <a:rPr lang="en-US" sz="1400" dirty="0"/>
+              <a:t>returns the percentage that each value in an inner column represents with respect to the  </a:t>
+            </a:r>
+            <a:r>
+              <a:rPr lang="en-US" sz="1400" dirty="0">
+                <a:solidFill>
+                  <a:srgbClr val="0432FF"/>
+                </a:solidFill>
+              </a:rPr>
+              <a:t>total of the parent item in the outer column</a:t>
+            </a:r>
+            <a:endParaRPr lang="en-US" sz="1400" b="1" dirty="0">
+              <a:solidFill>
+                <a:srgbClr val="0432FF"/>
+              </a:solidFill>
+            </a:endParaRPr>
+          </a:p>
+          <a:p>
+            <a:pPr lvl="1"/>
+            <a:r>
+              <a:rPr lang="en-US" sz="1400" b="1" dirty="0">
+                <a:solidFill>
+                  <a:srgbClr val="FF0000"/>
+                </a:solidFill>
+              </a:rPr>
+              <a:t>% of Parent Total : </a:t>
+            </a:r>
+            <a:r>
+              <a:rPr lang="en-US" sz="1400" dirty="0"/>
+              <a:t>returns the percentage of each value with respect to </a:t>
+            </a:r>
+            <a:r>
+              <a:rPr lang="en-US" sz="1400" dirty="0">
+                <a:solidFill>
+                  <a:srgbClr val="0432FF"/>
+                </a:solidFill>
+              </a:rPr>
+              <a:t>a selected base field in the outer row or column</a:t>
+            </a:r>
+            <a:endParaRPr lang="en-US" sz="1400" b="1" dirty="0">
+              <a:solidFill>
+                <a:srgbClr val="FF0000"/>
+              </a:solidFill>
+            </a:endParaRPr>
           </a:p>
         </p:txBody>
       </p:sp>

--- a/EXCEL/ExcelDataAnalysisFD_Examples/Excel data analysis for dummies Outline.pptx
+++ b/EXCEL/ExcelDataAnalysisFD_Examples/Excel data analysis for dummies Outline.pptx
@@ -218,7 +218,7 @@
           <a:p>
             <a:fld id="{2B41910D-C82E-0643-9441-1C53B2342047}" type="datetimeFigureOut">
               <a:rPr lang="en-US" smtClean="0"/>
-              <a:t>5/7/19</a:t>
+              <a:t>5/8/19</a:t>
             </a:fld>
             <a:endParaRPr lang="en-US" dirty="0"/>
           </a:p>
@@ -2700,7 +2700,7 @@
           <a:p>
             <a:fld id="{BA2EFF2D-EB75-7441-83B2-DFF7D8BDD44A}" type="datetimeFigureOut">
               <a:rPr lang="en-US" smtClean="0"/>
-              <a:t>5/7/19</a:t>
+              <a:t>5/8/19</a:t>
             </a:fld>
             <a:endParaRPr lang="en-US" dirty="0"/>
           </a:p>
@@ -2898,7 +2898,7 @@
           <a:p>
             <a:fld id="{BA2EFF2D-EB75-7441-83B2-DFF7D8BDD44A}" type="datetimeFigureOut">
               <a:rPr lang="en-US" smtClean="0"/>
-              <a:t>5/7/19</a:t>
+              <a:t>5/8/19</a:t>
             </a:fld>
             <a:endParaRPr lang="en-US" dirty="0"/>
           </a:p>
@@ -3106,7 +3106,7 @@
           <a:p>
             <a:fld id="{BA2EFF2D-EB75-7441-83B2-DFF7D8BDD44A}" type="datetimeFigureOut">
               <a:rPr lang="en-US" smtClean="0"/>
-              <a:t>5/7/19</a:t>
+              <a:t>5/8/19</a:t>
             </a:fld>
             <a:endParaRPr lang="en-US" dirty="0"/>
           </a:p>
@@ -3304,7 +3304,7 @@
           <a:p>
             <a:fld id="{BA2EFF2D-EB75-7441-83B2-DFF7D8BDD44A}" type="datetimeFigureOut">
               <a:rPr lang="en-US" smtClean="0"/>
-              <a:t>5/7/19</a:t>
+              <a:t>5/8/19</a:t>
             </a:fld>
             <a:endParaRPr lang="en-US" dirty="0"/>
           </a:p>
@@ -3579,7 +3579,7 @@
           <a:p>
             <a:fld id="{BA2EFF2D-EB75-7441-83B2-DFF7D8BDD44A}" type="datetimeFigureOut">
               <a:rPr lang="en-US" smtClean="0"/>
-              <a:t>5/7/19</a:t>
+              <a:t>5/8/19</a:t>
             </a:fld>
             <a:endParaRPr lang="en-US" dirty="0"/>
           </a:p>
@@ -3844,7 +3844,7 @@
           <a:p>
             <a:fld id="{BA2EFF2D-EB75-7441-83B2-DFF7D8BDD44A}" type="datetimeFigureOut">
               <a:rPr lang="en-US" smtClean="0"/>
-              <a:t>5/7/19</a:t>
+              <a:t>5/8/19</a:t>
             </a:fld>
             <a:endParaRPr lang="en-US" dirty="0"/>
           </a:p>
@@ -4256,7 +4256,7 @@
           <a:p>
             <a:fld id="{BA2EFF2D-EB75-7441-83B2-DFF7D8BDD44A}" type="datetimeFigureOut">
               <a:rPr lang="en-US" smtClean="0"/>
-              <a:t>5/7/19</a:t>
+              <a:t>5/8/19</a:t>
             </a:fld>
             <a:endParaRPr lang="en-US" dirty="0"/>
           </a:p>
@@ -4397,7 +4397,7 @@
           <a:p>
             <a:fld id="{BA2EFF2D-EB75-7441-83B2-DFF7D8BDD44A}" type="datetimeFigureOut">
               <a:rPr lang="en-US" smtClean="0"/>
-              <a:t>5/7/19</a:t>
+              <a:t>5/8/19</a:t>
             </a:fld>
             <a:endParaRPr lang="en-US" dirty="0"/>
           </a:p>
@@ -4510,7 +4510,7 @@
           <a:p>
             <a:fld id="{BA2EFF2D-EB75-7441-83B2-DFF7D8BDD44A}" type="datetimeFigureOut">
               <a:rPr lang="en-US" smtClean="0"/>
-              <a:t>5/7/19</a:t>
+              <a:t>5/8/19</a:t>
             </a:fld>
             <a:endParaRPr lang="en-US" dirty="0"/>
           </a:p>
@@ -4821,7 +4821,7 @@
           <a:p>
             <a:fld id="{BA2EFF2D-EB75-7441-83B2-DFF7D8BDD44A}" type="datetimeFigureOut">
               <a:rPr lang="en-US" smtClean="0"/>
-              <a:t>5/7/19</a:t>
+              <a:t>5/8/19</a:t>
             </a:fld>
             <a:endParaRPr lang="en-US" dirty="0"/>
           </a:p>
@@ -5109,7 +5109,7 @@
           <a:p>
             <a:fld id="{BA2EFF2D-EB75-7441-83B2-DFF7D8BDD44A}" type="datetimeFigureOut">
               <a:rPr lang="en-US" smtClean="0"/>
-              <a:t>5/7/19</a:t>
+              <a:t>5/8/19</a:t>
             </a:fld>
             <a:endParaRPr lang="en-US" dirty="0"/>
           </a:p>
@@ -5350,7 +5350,7 @@
           <a:p>
             <a:fld id="{BA2EFF2D-EB75-7441-83B2-DFF7D8BDD44A}" type="datetimeFigureOut">
               <a:rPr lang="en-US" smtClean="0"/>
-              <a:t>5/7/19</a:t>
+              <a:t>5/8/19</a:t>
             </a:fld>
             <a:endParaRPr lang="en-US" dirty="0"/>
           </a:p>
@@ -20335,6 +20335,40 @@
               <a:t>of any PivotTable. It can be used to filter multiple PivotTables.</a:t>
             </a:r>
           </a:p>
+          <a:p>
+            <a:pPr lvl="2">
+              <a:lnSpc>
+                <a:spcPct val="100000"/>
+              </a:lnSpc>
+              <a:buFont typeface="Wingdings" pitchFamily="2" charset="2"/>
+              <a:buChar char="ü"/>
+            </a:pPr>
+            <a:r>
+              <a:rPr lang="en-US" sz="1600" b="1" dirty="0">
+                <a:solidFill>
+                  <a:srgbClr val="FF0000"/>
+                </a:solidFill>
+              </a:rPr>
+              <a:t>Connect slicer with PivotTable: </a:t>
+            </a:r>
+            <a:r>
+              <a:rPr lang="en-US" sz="1600" dirty="0"/>
+              <a:t>Right click ➮ Report Connections </a:t>
+            </a:r>
+            <a:r>
+              <a:rPr lang="en-US" sz="1600"/>
+              <a:t>➮ Choose </a:t>
+            </a:r>
+            <a:r>
+              <a:rPr lang="en-US" sz="1600" dirty="0"/>
+              <a:t>icon of </a:t>
+            </a:r>
+            <a:r>
+              <a:rPr lang="en-US" sz="1600"/>
+              <a:t>PivotTable ➮ OK</a:t>
+            </a:r>
+            <a:endParaRPr lang="en-US" sz="1600" dirty="0"/>
+          </a:p>
         </p:txBody>
       </p:sp>
       <p:sp>

--- a/EXCEL/ExcelDataAnalysisFD_Examples/Excel data analysis for dummies Outline.pptx
+++ b/EXCEL/ExcelDataAnalysisFD_Examples/Excel data analysis for dummies Outline.pptx
@@ -5,7 +5,7 @@
     <p:sldMasterId id="2147483648" r:id="rId1"/>
   </p:sldMasterIdLst>
   <p:notesMasterIdLst>
-    <p:notesMasterId r:id="rId24"/>
+    <p:notesMasterId r:id="rId31"/>
   </p:notesMasterIdLst>
   <p:sldIdLst>
     <p:sldId id="256" r:id="rId2"/>
@@ -30,6 +30,13 @@
     <p:sldId id="277" r:id="rId21"/>
     <p:sldId id="276" r:id="rId22"/>
     <p:sldId id="275" r:id="rId23"/>
+    <p:sldId id="279" r:id="rId24"/>
+    <p:sldId id="280" r:id="rId25"/>
+    <p:sldId id="282" r:id="rId26"/>
+    <p:sldId id="283" r:id="rId27"/>
+    <p:sldId id="284" r:id="rId28"/>
+    <p:sldId id="285" r:id="rId29"/>
+    <p:sldId id="281" r:id="rId30"/>
   </p:sldIdLst>
   <p:sldSz cx="12192000" cy="6858000"/>
   <p:notesSz cx="6858000" cy="9144000"/>
@@ -218,7 +225,7 @@
           <a:p>
             <a:fld id="{2B41910D-C82E-0643-9441-1C53B2342047}" type="datetimeFigureOut">
               <a:rPr lang="en-US" smtClean="0"/>
-              <a:t>5/8/19</a:t>
+              <a:t>5/9/19</a:t>
             </a:fld>
             <a:endParaRPr lang="en-US" dirty="0"/>
           </a:p>
@@ -753,7 +760,7 @@
               <a:t>Generating oodles of descriptive statistics </a:t>
             </a:r>
             <a:r>
-              <a:rPr lang="zh-CN" altLang="en-US" dirty="0"/>
+              <a:rPr lang="zh-CN" altLang="en-US"/>
               <a:t>大量的描述性统计</a:t>
             </a:r>
             <a:endParaRPr lang="en-US" dirty="0"/>
@@ -1874,6 +1881,570 @@
     <p:extLst>
       <p:ext uri="{BB962C8B-B14F-4D97-AF65-F5344CB8AC3E}">
         <p14:creationId xmlns:p14="http://schemas.microsoft.com/office/powerpoint/2010/main" val="3227549706"/>
+      </p:ext>
+    </p:extLst>
+  </p:cSld>
+  <p:clrMapOvr>
+    <a:masterClrMapping/>
+  </p:clrMapOvr>
+</p:notes>
+</file>
+
+<file path=ppt/notesSlides/notesSlide20.xml><?xml version="1.0" encoding="utf-8"?>
+<p:notes xmlns:a="http://schemas.openxmlformats.org/drawingml/2006/main" xmlns:r="http://schemas.openxmlformats.org/officeDocument/2006/relationships" xmlns:p="http://schemas.openxmlformats.org/presentationml/2006/main">
+  <p:cSld>
+    <p:spTree>
+      <p:nvGrpSpPr>
+        <p:cNvPr id="1" name=""/>
+        <p:cNvGrpSpPr/>
+        <p:nvPr/>
+      </p:nvGrpSpPr>
+      <p:grpSpPr>
+        <a:xfrm>
+          <a:off x="0" y="0"/>
+          <a:ext cx="0" cy="0"/>
+          <a:chOff x="0" y="0"/>
+          <a:chExt cx="0" cy="0"/>
+        </a:xfrm>
+      </p:grpSpPr>
+      <p:sp>
+        <p:nvSpPr>
+          <p:cNvPr id="2" name="Slide Image Placeholder 1"/>
+          <p:cNvSpPr>
+            <a:spLocks noGrp="1" noRot="1" noChangeAspect="1"/>
+          </p:cNvSpPr>
+          <p:nvPr>
+            <p:ph type="sldImg"/>
+          </p:nvPr>
+        </p:nvSpPr>
+        <p:spPr/>
+      </p:sp>
+      <p:sp>
+        <p:nvSpPr>
+          <p:cNvPr id="3" name="Notes Placeholder 2"/>
+          <p:cNvSpPr>
+            <a:spLocks noGrp="1"/>
+          </p:cNvSpPr>
+          <p:nvPr>
+            <p:ph type="body" idx="1"/>
+          </p:nvPr>
+        </p:nvSpPr>
+        <p:spPr/>
+        <p:txBody>
+          <a:bodyPr/>
+          <a:lstStyle/>
+          <a:p>
+            <a:pPr marL="457200" lvl="1" indent="0">
+              <a:spcBef>
+                <a:spcPts val="400"/>
+              </a:spcBef>
+              <a:buFontTx/>
+              <a:buNone/>
+            </a:pPr>
+            <a:endParaRPr lang="en-US" sz="1100" b="1" dirty="0">
+              <a:solidFill>
+                <a:srgbClr val="0432FF"/>
+              </a:solidFill>
+              <a:latin typeface="Gotham SSm A"/>
+            </a:endParaRPr>
+          </a:p>
+        </p:txBody>
+      </p:sp>
+      <p:sp>
+        <p:nvSpPr>
+          <p:cNvPr id="4" name="Slide Number Placeholder 3"/>
+          <p:cNvSpPr>
+            <a:spLocks noGrp="1"/>
+          </p:cNvSpPr>
+          <p:nvPr>
+            <p:ph type="sldNum" sz="quarter" idx="5"/>
+          </p:nvPr>
+        </p:nvSpPr>
+        <p:spPr/>
+        <p:txBody>
+          <a:bodyPr/>
+          <a:lstStyle/>
+          <a:p>
+            <a:fld id="{ED060FC7-56EE-7148-A2F0-7A6C56864D50}" type="slidenum">
+              <a:rPr lang="en-US" smtClean="0"/>
+              <a:t>24</a:t>
+            </a:fld>
+            <a:endParaRPr lang="en-US" dirty="0"/>
+          </a:p>
+        </p:txBody>
+      </p:sp>
+    </p:spTree>
+    <p:extLst>
+      <p:ext uri="{BB962C8B-B14F-4D97-AF65-F5344CB8AC3E}">
+        <p14:creationId xmlns:p14="http://schemas.microsoft.com/office/powerpoint/2010/main" val="4034469938"/>
+      </p:ext>
+    </p:extLst>
+  </p:cSld>
+  <p:clrMapOvr>
+    <a:masterClrMapping/>
+  </p:clrMapOvr>
+</p:notes>
+</file>
+
+<file path=ppt/notesSlides/notesSlide21.xml><?xml version="1.0" encoding="utf-8"?>
+<p:notes xmlns:a="http://schemas.openxmlformats.org/drawingml/2006/main" xmlns:r="http://schemas.openxmlformats.org/officeDocument/2006/relationships" xmlns:p="http://schemas.openxmlformats.org/presentationml/2006/main">
+  <p:cSld>
+    <p:spTree>
+      <p:nvGrpSpPr>
+        <p:cNvPr id="1" name=""/>
+        <p:cNvGrpSpPr/>
+        <p:nvPr/>
+      </p:nvGrpSpPr>
+      <p:grpSpPr>
+        <a:xfrm>
+          <a:off x="0" y="0"/>
+          <a:ext cx="0" cy="0"/>
+          <a:chOff x="0" y="0"/>
+          <a:chExt cx="0" cy="0"/>
+        </a:xfrm>
+      </p:grpSpPr>
+      <p:sp>
+        <p:nvSpPr>
+          <p:cNvPr id="2" name="Slide Image Placeholder 1"/>
+          <p:cNvSpPr>
+            <a:spLocks noGrp="1" noRot="1" noChangeAspect="1"/>
+          </p:cNvSpPr>
+          <p:nvPr>
+            <p:ph type="sldImg"/>
+          </p:nvPr>
+        </p:nvSpPr>
+        <p:spPr/>
+      </p:sp>
+      <p:sp>
+        <p:nvSpPr>
+          <p:cNvPr id="3" name="Notes Placeholder 2"/>
+          <p:cNvSpPr>
+            <a:spLocks noGrp="1"/>
+          </p:cNvSpPr>
+          <p:nvPr>
+            <p:ph type="body" idx="1"/>
+          </p:nvPr>
+        </p:nvSpPr>
+        <p:spPr/>
+        <p:txBody>
+          <a:bodyPr/>
+          <a:lstStyle/>
+          <a:p>
+            <a:pPr marL="457200" lvl="1" indent="0">
+              <a:spcBef>
+                <a:spcPts val="400"/>
+              </a:spcBef>
+              <a:buFontTx/>
+              <a:buNone/>
+            </a:pPr>
+            <a:endParaRPr lang="en-US" sz="1100" b="1" dirty="0">
+              <a:solidFill>
+                <a:srgbClr val="0432FF"/>
+              </a:solidFill>
+              <a:latin typeface="Gotham SSm A"/>
+            </a:endParaRPr>
+          </a:p>
+        </p:txBody>
+      </p:sp>
+      <p:sp>
+        <p:nvSpPr>
+          <p:cNvPr id="4" name="Slide Number Placeholder 3"/>
+          <p:cNvSpPr>
+            <a:spLocks noGrp="1"/>
+          </p:cNvSpPr>
+          <p:nvPr>
+            <p:ph type="sldNum" sz="quarter" idx="5"/>
+          </p:nvPr>
+        </p:nvSpPr>
+        <p:spPr/>
+        <p:txBody>
+          <a:bodyPr/>
+          <a:lstStyle/>
+          <a:p>
+            <a:fld id="{ED060FC7-56EE-7148-A2F0-7A6C56864D50}" type="slidenum">
+              <a:rPr lang="en-US" smtClean="0"/>
+              <a:t>25</a:t>
+            </a:fld>
+            <a:endParaRPr lang="en-US" dirty="0"/>
+          </a:p>
+        </p:txBody>
+      </p:sp>
+    </p:spTree>
+    <p:extLst>
+      <p:ext uri="{BB962C8B-B14F-4D97-AF65-F5344CB8AC3E}">
+        <p14:creationId xmlns:p14="http://schemas.microsoft.com/office/powerpoint/2010/main" val="2733733014"/>
+      </p:ext>
+    </p:extLst>
+  </p:cSld>
+  <p:clrMapOvr>
+    <a:masterClrMapping/>
+  </p:clrMapOvr>
+</p:notes>
+</file>
+
+<file path=ppt/notesSlides/notesSlide22.xml><?xml version="1.0" encoding="utf-8"?>
+<p:notes xmlns:a="http://schemas.openxmlformats.org/drawingml/2006/main" xmlns:r="http://schemas.openxmlformats.org/officeDocument/2006/relationships" xmlns:p="http://schemas.openxmlformats.org/presentationml/2006/main">
+  <p:cSld>
+    <p:spTree>
+      <p:nvGrpSpPr>
+        <p:cNvPr id="1" name=""/>
+        <p:cNvGrpSpPr/>
+        <p:nvPr/>
+      </p:nvGrpSpPr>
+      <p:grpSpPr>
+        <a:xfrm>
+          <a:off x="0" y="0"/>
+          <a:ext cx="0" cy="0"/>
+          <a:chOff x="0" y="0"/>
+          <a:chExt cx="0" cy="0"/>
+        </a:xfrm>
+      </p:grpSpPr>
+      <p:sp>
+        <p:nvSpPr>
+          <p:cNvPr id="2" name="Slide Image Placeholder 1"/>
+          <p:cNvSpPr>
+            <a:spLocks noGrp="1" noRot="1" noChangeAspect="1"/>
+          </p:cNvSpPr>
+          <p:nvPr>
+            <p:ph type="sldImg"/>
+          </p:nvPr>
+        </p:nvSpPr>
+        <p:spPr/>
+      </p:sp>
+      <p:sp>
+        <p:nvSpPr>
+          <p:cNvPr id="3" name="Notes Placeholder 2"/>
+          <p:cNvSpPr>
+            <a:spLocks noGrp="1"/>
+          </p:cNvSpPr>
+          <p:nvPr>
+            <p:ph type="body" idx="1"/>
+          </p:nvPr>
+        </p:nvSpPr>
+        <p:spPr/>
+        <p:txBody>
+          <a:bodyPr/>
+          <a:lstStyle/>
+          <a:p>
+            <a:pPr marL="457200" lvl="1" indent="0">
+              <a:spcBef>
+                <a:spcPts val="400"/>
+              </a:spcBef>
+              <a:buFontTx/>
+              <a:buNone/>
+            </a:pPr>
+            <a:endParaRPr lang="en-US" sz="1100" b="1" dirty="0">
+              <a:solidFill>
+                <a:srgbClr val="0432FF"/>
+              </a:solidFill>
+              <a:latin typeface="Gotham SSm A"/>
+            </a:endParaRPr>
+          </a:p>
+        </p:txBody>
+      </p:sp>
+      <p:sp>
+        <p:nvSpPr>
+          <p:cNvPr id="4" name="Slide Number Placeholder 3"/>
+          <p:cNvSpPr>
+            <a:spLocks noGrp="1"/>
+          </p:cNvSpPr>
+          <p:nvPr>
+            <p:ph type="sldNum" sz="quarter" idx="5"/>
+          </p:nvPr>
+        </p:nvSpPr>
+        <p:spPr/>
+        <p:txBody>
+          <a:bodyPr/>
+          <a:lstStyle/>
+          <a:p>
+            <a:fld id="{ED060FC7-56EE-7148-A2F0-7A6C56864D50}" type="slidenum">
+              <a:rPr lang="en-US" smtClean="0"/>
+              <a:t>26</a:t>
+            </a:fld>
+            <a:endParaRPr lang="en-US" dirty="0"/>
+          </a:p>
+        </p:txBody>
+      </p:sp>
+    </p:spTree>
+    <p:extLst>
+      <p:ext uri="{BB962C8B-B14F-4D97-AF65-F5344CB8AC3E}">
+        <p14:creationId xmlns:p14="http://schemas.microsoft.com/office/powerpoint/2010/main" val="688138942"/>
+      </p:ext>
+    </p:extLst>
+  </p:cSld>
+  <p:clrMapOvr>
+    <a:masterClrMapping/>
+  </p:clrMapOvr>
+</p:notes>
+</file>
+
+<file path=ppt/notesSlides/notesSlide23.xml><?xml version="1.0" encoding="utf-8"?>
+<p:notes xmlns:a="http://schemas.openxmlformats.org/drawingml/2006/main" xmlns:r="http://schemas.openxmlformats.org/officeDocument/2006/relationships" xmlns:p="http://schemas.openxmlformats.org/presentationml/2006/main">
+  <p:cSld>
+    <p:spTree>
+      <p:nvGrpSpPr>
+        <p:cNvPr id="1" name=""/>
+        <p:cNvGrpSpPr/>
+        <p:nvPr/>
+      </p:nvGrpSpPr>
+      <p:grpSpPr>
+        <a:xfrm>
+          <a:off x="0" y="0"/>
+          <a:ext cx="0" cy="0"/>
+          <a:chOff x="0" y="0"/>
+          <a:chExt cx="0" cy="0"/>
+        </a:xfrm>
+      </p:grpSpPr>
+      <p:sp>
+        <p:nvSpPr>
+          <p:cNvPr id="2" name="Slide Image Placeholder 1"/>
+          <p:cNvSpPr>
+            <a:spLocks noGrp="1" noRot="1" noChangeAspect="1"/>
+          </p:cNvSpPr>
+          <p:nvPr>
+            <p:ph type="sldImg"/>
+          </p:nvPr>
+        </p:nvSpPr>
+        <p:spPr/>
+      </p:sp>
+      <p:sp>
+        <p:nvSpPr>
+          <p:cNvPr id="3" name="Notes Placeholder 2"/>
+          <p:cNvSpPr>
+            <a:spLocks noGrp="1"/>
+          </p:cNvSpPr>
+          <p:nvPr>
+            <p:ph type="body" idx="1"/>
+          </p:nvPr>
+        </p:nvSpPr>
+        <p:spPr/>
+        <p:txBody>
+          <a:bodyPr/>
+          <a:lstStyle/>
+          <a:p>
+            <a:pPr marL="457200" lvl="1" indent="0">
+              <a:spcBef>
+                <a:spcPts val="400"/>
+              </a:spcBef>
+              <a:buFontTx/>
+              <a:buNone/>
+            </a:pPr>
+            <a:endParaRPr lang="en-US" sz="1100" b="1" dirty="0">
+              <a:solidFill>
+                <a:srgbClr val="0432FF"/>
+              </a:solidFill>
+              <a:latin typeface="Gotham SSm A"/>
+            </a:endParaRPr>
+          </a:p>
+        </p:txBody>
+      </p:sp>
+      <p:sp>
+        <p:nvSpPr>
+          <p:cNvPr id="4" name="Slide Number Placeholder 3"/>
+          <p:cNvSpPr>
+            <a:spLocks noGrp="1"/>
+          </p:cNvSpPr>
+          <p:nvPr>
+            <p:ph type="sldNum" sz="quarter" idx="5"/>
+          </p:nvPr>
+        </p:nvSpPr>
+        <p:spPr/>
+        <p:txBody>
+          <a:bodyPr/>
+          <a:lstStyle/>
+          <a:p>
+            <a:fld id="{ED060FC7-56EE-7148-A2F0-7A6C56864D50}" type="slidenum">
+              <a:rPr lang="en-US" smtClean="0"/>
+              <a:t>27</a:t>
+            </a:fld>
+            <a:endParaRPr lang="en-US" dirty="0"/>
+          </a:p>
+        </p:txBody>
+      </p:sp>
+    </p:spTree>
+    <p:extLst>
+      <p:ext uri="{BB962C8B-B14F-4D97-AF65-F5344CB8AC3E}">
+        <p14:creationId xmlns:p14="http://schemas.microsoft.com/office/powerpoint/2010/main" val="4203827162"/>
+      </p:ext>
+    </p:extLst>
+  </p:cSld>
+  <p:clrMapOvr>
+    <a:masterClrMapping/>
+  </p:clrMapOvr>
+</p:notes>
+</file>
+
+<file path=ppt/notesSlides/notesSlide24.xml><?xml version="1.0" encoding="utf-8"?>
+<p:notes xmlns:a="http://schemas.openxmlformats.org/drawingml/2006/main" xmlns:r="http://schemas.openxmlformats.org/officeDocument/2006/relationships" xmlns:p="http://schemas.openxmlformats.org/presentationml/2006/main">
+  <p:cSld>
+    <p:spTree>
+      <p:nvGrpSpPr>
+        <p:cNvPr id="1" name=""/>
+        <p:cNvGrpSpPr/>
+        <p:nvPr/>
+      </p:nvGrpSpPr>
+      <p:grpSpPr>
+        <a:xfrm>
+          <a:off x="0" y="0"/>
+          <a:ext cx="0" cy="0"/>
+          <a:chOff x="0" y="0"/>
+          <a:chExt cx="0" cy="0"/>
+        </a:xfrm>
+      </p:grpSpPr>
+      <p:sp>
+        <p:nvSpPr>
+          <p:cNvPr id="2" name="Slide Image Placeholder 1"/>
+          <p:cNvSpPr>
+            <a:spLocks noGrp="1" noRot="1" noChangeAspect="1"/>
+          </p:cNvSpPr>
+          <p:nvPr>
+            <p:ph type="sldImg"/>
+          </p:nvPr>
+        </p:nvSpPr>
+        <p:spPr/>
+      </p:sp>
+      <p:sp>
+        <p:nvSpPr>
+          <p:cNvPr id="3" name="Notes Placeholder 2"/>
+          <p:cNvSpPr>
+            <a:spLocks noGrp="1"/>
+          </p:cNvSpPr>
+          <p:nvPr>
+            <p:ph type="body" idx="1"/>
+          </p:nvPr>
+        </p:nvSpPr>
+        <p:spPr/>
+        <p:txBody>
+          <a:bodyPr/>
+          <a:lstStyle/>
+          <a:p>
+            <a:pPr marL="457200" lvl="1" indent="0">
+              <a:spcBef>
+                <a:spcPts val="400"/>
+              </a:spcBef>
+              <a:buFontTx/>
+              <a:buNone/>
+            </a:pPr>
+            <a:endParaRPr lang="en-US" sz="1100" b="1" dirty="0">
+              <a:solidFill>
+                <a:srgbClr val="0432FF"/>
+              </a:solidFill>
+              <a:latin typeface="Gotham SSm A"/>
+            </a:endParaRPr>
+          </a:p>
+        </p:txBody>
+      </p:sp>
+      <p:sp>
+        <p:nvSpPr>
+          <p:cNvPr id="4" name="Slide Number Placeholder 3"/>
+          <p:cNvSpPr>
+            <a:spLocks noGrp="1"/>
+          </p:cNvSpPr>
+          <p:nvPr>
+            <p:ph type="sldNum" sz="quarter" idx="5"/>
+          </p:nvPr>
+        </p:nvSpPr>
+        <p:spPr/>
+        <p:txBody>
+          <a:bodyPr/>
+          <a:lstStyle/>
+          <a:p>
+            <a:fld id="{ED060FC7-56EE-7148-A2F0-7A6C56864D50}" type="slidenum">
+              <a:rPr lang="en-US" smtClean="0"/>
+              <a:t>28</a:t>
+            </a:fld>
+            <a:endParaRPr lang="en-US" dirty="0"/>
+          </a:p>
+        </p:txBody>
+      </p:sp>
+    </p:spTree>
+    <p:extLst>
+      <p:ext uri="{BB962C8B-B14F-4D97-AF65-F5344CB8AC3E}">
+        <p14:creationId xmlns:p14="http://schemas.microsoft.com/office/powerpoint/2010/main" val="3417702037"/>
+      </p:ext>
+    </p:extLst>
+  </p:cSld>
+  <p:clrMapOvr>
+    <a:masterClrMapping/>
+  </p:clrMapOvr>
+</p:notes>
+</file>
+
+<file path=ppt/notesSlides/notesSlide25.xml><?xml version="1.0" encoding="utf-8"?>
+<p:notes xmlns:a="http://schemas.openxmlformats.org/drawingml/2006/main" xmlns:r="http://schemas.openxmlformats.org/officeDocument/2006/relationships" xmlns:p="http://schemas.openxmlformats.org/presentationml/2006/main">
+  <p:cSld>
+    <p:spTree>
+      <p:nvGrpSpPr>
+        <p:cNvPr id="1" name=""/>
+        <p:cNvGrpSpPr/>
+        <p:nvPr/>
+      </p:nvGrpSpPr>
+      <p:grpSpPr>
+        <a:xfrm>
+          <a:off x="0" y="0"/>
+          <a:ext cx="0" cy="0"/>
+          <a:chOff x="0" y="0"/>
+          <a:chExt cx="0" cy="0"/>
+        </a:xfrm>
+      </p:grpSpPr>
+      <p:sp>
+        <p:nvSpPr>
+          <p:cNvPr id="2" name="Slide Image Placeholder 1"/>
+          <p:cNvSpPr>
+            <a:spLocks noGrp="1" noRot="1" noChangeAspect="1"/>
+          </p:cNvSpPr>
+          <p:nvPr>
+            <p:ph type="sldImg"/>
+          </p:nvPr>
+        </p:nvSpPr>
+        <p:spPr/>
+      </p:sp>
+      <p:sp>
+        <p:nvSpPr>
+          <p:cNvPr id="3" name="Notes Placeholder 2"/>
+          <p:cNvSpPr>
+            <a:spLocks noGrp="1"/>
+          </p:cNvSpPr>
+          <p:nvPr>
+            <p:ph type="body" idx="1"/>
+          </p:nvPr>
+        </p:nvSpPr>
+        <p:spPr/>
+        <p:txBody>
+          <a:bodyPr/>
+          <a:lstStyle/>
+          <a:p>
+            <a:endParaRPr lang="en-US" dirty="0"/>
+          </a:p>
+        </p:txBody>
+      </p:sp>
+      <p:sp>
+        <p:nvSpPr>
+          <p:cNvPr id="4" name="Slide Number Placeholder 3"/>
+          <p:cNvSpPr>
+            <a:spLocks noGrp="1"/>
+          </p:cNvSpPr>
+          <p:nvPr>
+            <p:ph type="sldNum" sz="quarter" idx="5"/>
+          </p:nvPr>
+        </p:nvSpPr>
+        <p:spPr/>
+        <p:txBody>
+          <a:bodyPr/>
+          <a:lstStyle/>
+          <a:p>
+            <a:fld id="{ED060FC7-56EE-7148-A2F0-7A6C56864D50}" type="slidenum">
+              <a:rPr lang="en-US" smtClean="0"/>
+              <a:t>29</a:t>
+            </a:fld>
+            <a:endParaRPr lang="en-US" dirty="0"/>
+          </a:p>
+        </p:txBody>
+      </p:sp>
+    </p:spTree>
+    <p:extLst>
+      <p:ext uri="{BB962C8B-B14F-4D97-AF65-F5344CB8AC3E}">
+        <p14:creationId xmlns:p14="http://schemas.microsoft.com/office/powerpoint/2010/main" val="2395615950"/>
       </p:ext>
     </p:extLst>
   </p:cSld>
@@ -2700,7 +3271,7 @@
           <a:p>
             <a:fld id="{BA2EFF2D-EB75-7441-83B2-DFF7D8BDD44A}" type="datetimeFigureOut">
               <a:rPr lang="en-US" smtClean="0"/>
-              <a:t>5/8/19</a:t>
+              <a:t>5/9/19</a:t>
             </a:fld>
             <a:endParaRPr lang="en-US" dirty="0"/>
           </a:p>
@@ -2898,7 +3469,7 @@
           <a:p>
             <a:fld id="{BA2EFF2D-EB75-7441-83B2-DFF7D8BDD44A}" type="datetimeFigureOut">
               <a:rPr lang="en-US" smtClean="0"/>
-              <a:t>5/8/19</a:t>
+              <a:t>5/9/19</a:t>
             </a:fld>
             <a:endParaRPr lang="en-US" dirty="0"/>
           </a:p>
@@ -3106,7 +3677,7 @@
           <a:p>
             <a:fld id="{BA2EFF2D-EB75-7441-83B2-DFF7D8BDD44A}" type="datetimeFigureOut">
               <a:rPr lang="en-US" smtClean="0"/>
-              <a:t>5/8/19</a:t>
+              <a:t>5/9/19</a:t>
             </a:fld>
             <a:endParaRPr lang="en-US" dirty="0"/>
           </a:p>
@@ -3304,7 +3875,7 @@
           <a:p>
             <a:fld id="{BA2EFF2D-EB75-7441-83B2-DFF7D8BDD44A}" type="datetimeFigureOut">
               <a:rPr lang="en-US" smtClean="0"/>
-              <a:t>5/8/19</a:t>
+              <a:t>5/9/19</a:t>
             </a:fld>
             <a:endParaRPr lang="en-US" dirty="0"/>
           </a:p>
@@ -3579,7 +4150,7 @@
           <a:p>
             <a:fld id="{BA2EFF2D-EB75-7441-83B2-DFF7D8BDD44A}" type="datetimeFigureOut">
               <a:rPr lang="en-US" smtClean="0"/>
-              <a:t>5/8/19</a:t>
+              <a:t>5/9/19</a:t>
             </a:fld>
             <a:endParaRPr lang="en-US" dirty="0"/>
           </a:p>
@@ -3844,7 +4415,7 @@
           <a:p>
             <a:fld id="{BA2EFF2D-EB75-7441-83B2-DFF7D8BDD44A}" type="datetimeFigureOut">
               <a:rPr lang="en-US" smtClean="0"/>
-              <a:t>5/8/19</a:t>
+              <a:t>5/9/19</a:t>
             </a:fld>
             <a:endParaRPr lang="en-US" dirty="0"/>
           </a:p>
@@ -4256,7 +4827,7 @@
           <a:p>
             <a:fld id="{BA2EFF2D-EB75-7441-83B2-DFF7D8BDD44A}" type="datetimeFigureOut">
               <a:rPr lang="en-US" smtClean="0"/>
-              <a:t>5/8/19</a:t>
+              <a:t>5/9/19</a:t>
             </a:fld>
             <a:endParaRPr lang="en-US" dirty="0"/>
           </a:p>
@@ -4397,7 +4968,7 @@
           <a:p>
             <a:fld id="{BA2EFF2D-EB75-7441-83B2-DFF7D8BDD44A}" type="datetimeFigureOut">
               <a:rPr lang="en-US" smtClean="0"/>
-              <a:t>5/8/19</a:t>
+              <a:t>5/9/19</a:t>
             </a:fld>
             <a:endParaRPr lang="en-US" dirty="0"/>
           </a:p>
@@ -4510,7 +5081,7 @@
           <a:p>
             <a:fld id="{BA2EFF2D-EB75-7441-83B2-DFF7D8BDD44A}" type="datetimeFigureOut">
               <a:rPr lang="en-US" smtClean="0"/>
-              <a:t>5/8/19</a:t>
+              <a:t>5/9/19</a:t>
             </a:fld>
             <a:endParaRPr lang="en-US" dirty="0"/>
           </a:p>
@@ -4821,7 +5392,7 @@
           <a:p>
             <a:fld id="{BA2EFF2D-EB75-7441-83B2-DFF7D8BDD44A}" type="datetimeFigureOut">
               <a:rPr lang="en-US" smtClean="0"/>
-              <a:t>5/8/19</a:t>
+              <a:t>5/9/19</a:t>
             </a:fld>
             <a:endParaRPr lang="en-US" dirty="0"/>
           </a:p>
@@ -5109,7 +5680,7 @@
           <a:p>
             <a:fld id="{BA2EFF2D-EB75-7441-83B2-DFF7D8BDD44A}" type="datetimeFigureOut">
               <a:rPr lang="en-US" smtClean="0"/>
-              <a:t>5/8/19</a:t>
+              <a:t>5/9/19</a:t>
             </a:fld>
             <a:endParaRPr lang="en-US" dirty="0"/>
           </a:p>
@@ -5350,7 +5921,7 @@
           <a:p>
             <a:fld id="{BA2EFF2D-EB75-7441-83B2-DFF7D8BDD44A}" type="datetimeFigureOut">
               <a:rPr lang="en-US" smtClean="0"/>
-              <a:t>5/8/19</a:t>
+              <a:t>5/9/19</a:t>
             </a:fld>
             <a:endParaRPr lang="en-US" dirty="0"/>
           </a:p>
@@ -14872,7 +15443,7 @@
               <a:t>CUMPRINC(0.03/12, 25*12, 20000,1,12,0): the cumulative principal </a:t>
             </a:r>
             <a:r>
-              <a:rPr lang="zh-CN" altLang="en-US" sz="1600" dirty="0">
+              <a:rPr lang="zh-CN" altLang="en-US" sz="1600">
                 <a:solidFill>
                   <a:srgbClr val="FF0000"/>
                 </a:solidFill>
@@ -15464,7 +16035,7 @@
               <a:t>)</a:t>
             </a:r>
             <a:r>
-              <a:rPr lang="zh-CN" altLang="en-US" sz="1600" b="1" dirty="0">
+              <a:rPr lang="zh-CN" altLang="en-US" sz="1600" b="1">
                 <a:solidFill>
                   <a:srgbClr val="0432FF"/>
                 </a:solidFill>
@@ -15472,7 +16043,7 @@
               <a:t>  </a:t>
             </a:r>
             <a:r>
-              <a:rPr lang="zh-CN" altLang="en-US" sz="1200" dirty="0">
+              <a:rPr lang="zh-CN" altLang="en-US" sz="1200">
                 <a:solidFill>
                   <a:prstClr val="black"/>
                 </a:solidFill>
@@ -15488,7 +16059,7 @@
               <a:t>/</a:t>
             </a:r>
             <a:r>
-              <a:rPr lang="zh-CN" altLang="en-US" sz="1200" dirty="0"/>
+              <a:rPr lang="zh-CN" altLang="en-US" sz="1200"/>
               <a:t>模糊</a:t>
             </a:r>
             <a:endParaRPr lang="en-US" sz="1600" dirty="0"/>
@@ -15528,7 +16099,7 @@
               <a:t>)</a:t>
             </a:r>
             <a:r>
-              <a:rPr lang="zh-CN" altLang="en-US" sz="1600" b="1" dirty="0">
+              <a:rPr lang="zh-CN" altLang="en-US" sz="1600" b="1">
                 <a:solidFill>
                   <a:srgbClr val="0432FF"/>
                 </a:solidFill>
@@ -15536,7 +16107,7 @@
               <a:t>  </a:t>
             </a:r>
             <a:r>
-              <a:rPr lang="zh-CN" altLang="en-US" sz="1200" dirty="0">
+              <a:rPr lang="zh-CN" altLang="en-US" sz="1200">
                 <a:solidFill>
                   <a:prstClr val="black"/>
                 </a:solidFill>
@@ -15552,7 +16123,7 @@
               <a:t>/</a:t>
             </a:r>
             <a:r>
-              <a:rPr lang="zh-CN" altLang="en-US" sz="1200" dirty="0"/>
+              <a:rPr lang="zh-CN" altLang="en-US" sz="1200"/>
               <a:t>模糊</a:t>
             </a:r>
             <a:endParaRPr lang="en-US" sz="1600" b="1" dirty="0"/>
@@ -16413,7 +16984,7 @@
               <a:t> </a:t>
             </a:r>
             <a:r>
-              <a:rPr lang="zh-CN" altLang="en-US" sz="1400" dirty="0">
+              <a:rPr lang="zh-CN" altLang="en-US" sz="1400">
                 <a:solidFill>
                   <a:prstClr val="black"/>
                 </a:solidFill>
@@ -16994,6 +17565,2828 @@
 </p:sld>
 </file>
 
+<file path=ppt/slides/slide23.xml><?xml version="1.0" encoding="utf-8"?>
+<p:sld xmlns:a="http://schemas.openxmlformats.org/drawingml/2006/main" xmlns:r="http://schemas.openxmlformats.org/officeDocument/2006/relationships" xmlns:p="http://schemas.openxmlformats.org/presentationml/2006/main">
+  <p:cSld>
+    <p:spTree>
+      <p:nvGrpSpPr>
+        <p:cNvPr id="1" name=""/>
+        <p:cNvGrpSpPr/>
+        <p:nvPr/>
+      </p:nvGrpSpPr>
+      <p:grpSpPr>
+        <a:xfrm>
+          <a:off x="0" y="0"/>
+          <a:ext cx="0" cy="0"/>
+          <a:chOff x="0" y="0"/>
+          <a:chExt cx="0" cy="0"/>
+        </a:xfrm>
+      </p:grpSpPr>
+      <p:sp>
+        <p:nvSpPr>
+          <p:cNvPr id="2" name="Title 1">
+            <a:extLst>
+              <a:ext uri="{FF2B5EF4-FFF2-40B4-BE49-F238E27FC236}">
+                <a16:creationId xmlns:a16="http://schemas.microsoft.com/office/drawing/2014/main" id="{27B8508E-F1DA-5145-B7EB-73ED8DA6CA17}"/>
+              </a:ext>
+            </a:extLst>
+          </p:cNvPr>
+          <p:cNvSpPr>
+            <a:spLocks noGrp="1"/>
+          </p:cNvSpPr>
+          <p:nvPr>
+            <p:ph type="ctrTitle"/>
+          </p:nvPr>
+        </p:nvSpPr>
+        <p:spPr>
+          <a:xfrm>
+            <a:off x="1524000" y="0"/>
+            <a:ext cx="9144000" cy="1859650"/>
+          </a:xfrm>
+        </p:spPr>
+        <p:txBody>
+          <a:bodyPr>
+            <a:normAutofit/>
+          </a:bodyPr>
+          <a:lstStyle/>
+          <a:p>
+            <a:r>
+              <a:rPr lang="en-US" b="1" dirty="0">
+                <a:solidFill>
+                  <a:srgbClr val="FF0000"/>
+                </a:solidFill>
+                <a:latin typeface="+mn-lt"/>
+              </a:rPr>
+              <a:t>Business Statistics and Analysis Specialization</a:t>
+            </a:r>
+          </a:p>
+        </p:txBody>
+      </p:sp>
+      <p:sp>
+        <p:nvSpPr>
+          <p:cNvPr id="4" name="Subtitle 2">
+            <a:extLst>
+              <a:ext uri="{FF2B5EF4-FFF2-40B4-BE49-F238E27FC236}">
+                <a16:creationId xmlns:a16="http://schemas.microsoft.com/office/drawing/2014/main" id="{E72441B3-E60E-944B-AD0C-C079FED42C21}"/>
+              </a:ext>
+            </a:extLst>
+          </p:cNvPr>
+          <p:cNvSpPr txBox="1">
+            <a:spLocks/>
+          </p:cNvSpPr>
+          <p:nvPr/>
+        </p:nvSpPr>
+        <p:spPr>
+          <a:xfrm>
+            <a:off x="0" y="0"/>
+            <a:ext cx="9844216" cy="475692"/>
+          </a:xfrm>
+          <a:prstGeom prst="rect">
+            <a:avLst/>
+          </a:prstGeom>
+        </p:spPr>
+        <p:txBody>
+          <a:bodyPr vert="horz" lIns="91440" tIns="45720" rIns="91440" bIns="45720" rtlCol="0">
+            <a:normAutofit/>
+          </a:bodyPr>
+          <a:lstStyle>
+            <a:lvl1pPr marL="0" indent="0" algn="ctr" defTabSz="914400" rtl="0" eaLnBrk="1" latinLnBrk="0" hangingPunct="1">
+              <a:lnSpc>
+                <a:spcPct val="90000"/>
+              </a:lnSpc>
+              <a:spcBef>
+                <a:spcPts val="1000"/>
+              </a:spcBef>
+              <a:buFont typeface="Arial" panose="020B0604020202020204" pitchFamily="34" charset="0"/>
+              <a:buNone/>
+              <a:defRPr sz="2400" kern="1200">
+                <a:solidFill>
+                  <a:schemeClr val="tx1"/>
+                </a:solidFill>
+                <a:latin typeface="+mn-lt"/>
+                <a:ea typeface="+mn-ea"/>
+                <a:cs typeface="+mn-cs"/>
+              </a:defRPr>
+            </a:lvl1pPr>
+            <a:lvl2pPr marL="457200" indent="0" algn="ctr" defTabSz="914400" rtl="0" eaLnBrk="1" latinLnBrk="0" hangingPunct="1">
+              <a:lnSpc>
+                <a:spcPct val="90000"/>
+              </a:lnSpc>
+              <a:spcBef>
+                <a:spcPts val="500"/>
+              </a:spcBef>
+              <a:buFont typeface="Arial" panose="020B0604020202020204" pitchFamily="34" charset="0"/>
+              <a:buNone/>
+              <a:defRPr sz="2000" kern="1200">
+                <a:solidFill>
+                  <a:schemeClr val="tx1"/>
+                </a:solidFill>
+                <a:latin typeface="+mn-lt"/>
+                <a:ea typeface="+mn-ea"/>
+                <a:cs typeface="+mn-cs"/>
+              </a:defRPr>
+            </a:lvl2pPr>
+            <a:lvl3pPr marL="914400" indent="0" algn="ctr" defTabSz="914400" rtl="0" eaLnBrk="1" latinLnBrk="0" hangingPunct="1">
+              <a:lnSpc>
+                <a:spcPct val="90000"/>
+              </a:lnSpc>
+              <a:spcBef>
+                <a:spcPts val="500"/>
+              </a:spcBef>
+              <a:buFont typeface="Arial" panose="020B0604020202020204" pitchFamily="34" charset="0"/>
+              <a:buNone/>
+              <a:defRPr sz="1800" kern="1200">
+                <a:solidFill>
+                  <a:schemeClr val="tx1"/>
+                </a:solidFill>
+                <a:latin typeface="+mn-lt"/>
+                <a:ea typeface="+mn-ea"/>
+                <a:cs typeface="+mn-cs"/>
+              </a:defRPr>
+            </a:lvl3pPr>
+            <a:lvl4pPr marL="1371600" indent="0" algn="ctr" defTabSz="914400" rtl="0" eaLnBrk="1" latinLnBrk="0" hangingPunct="1">
+              <a:lnSpc>
+                <a:spcPct val="90000"/>
+              </a:lnSpc>
+              <a:spcBef>
+                <a:spcPts val="500"/>
+              </a:spcBef>
+              <a:buFont typeface="Arial" panose="020B0604020202020204" pitchFamily="34" charset="0"/>
+              <a:buNone/>
+              <a:defRPr sz="1600" kern="1200">
+                <a:solidFill>
+                  <a:schemeClr val="tx1"/>
+                </a:solidFill>
+                <a:latin typeface="+mn-lt"/>
+                <a:ea typeface="+mn-ea"/>
+                <a:cs typeface="+mn-cs"/>
+              </a:defRPr>
+            </a:lvl4pPr>
+            <a:lvl5pPr marL="1828800" indent="0" algn="ctr" defTabSz="914400" rtl="0" eaLnBrk="1" latinLnBrk="0" hangingPunct="1">
+              <a:lnSpc>
+                <a:spcPct val="90000"/>
+              </a:lnSpc>
+              <a:spcBef>
+                <a:spcPts val="500"/>
+              </a:spcBef>
+              <a:buFont typeface="Arial" panose="020B0604020202020204" pitchFamily="34" charset="0"/>
+              <a:buNone/>
+              <a:defRPr sz="1600" kern="1200">
+                <a:solidFill>
+                  <a:schemeClr val="tx1"/>
+                </a:solidFill>
+                <a:latin typeface="+mn-lt"/>
+                <a:ea typeface="+mn-ea"/>
+                <a:cs typeface="+mn-cs"/>
+              </a:defRPr>
+            </a:lvl5pPr>
+            <a:lvl6pPr marL="2286000" indent="0" algn="ctr" defTabSz="914400" rtl="0" eaLnBrk="1" latinLnBrk="0" hangingPunct="1">
+              <a:lnSpc>
+                <a:spcPct val="90000"/>
+              </a:lnSpc>
+              <a:spcBef>
+                <a:spcPts val="500"/>
+              </a:spcBef>
+              <a:buFont typeface="Arial" panose="020B0604020202020204" pitchFamily="34" charset="0"/>
+              <a:buNone/>
+              <a:defRPr sz="1600" kern="1200">
+                <a:solidFill>
+                  <a:schemeClr val="tx1"/>
+                </a:solidFill>
+                <a:latin typeface="+mn-lt"/>
+                <a:ea typeface="+mn-ea"/>
+                <a:cs typeface="+mn-cs"/>
+              </a:defRPr>
+            </a:lvl6pPr>
+            <a:lvl7pPr marL="2743200" indent="0" algn="ctr" defTabSz="914400" rtl="0" eaLnBrk="1" latinLnBrk="0" hangingPunct="1">
+              <a:lnSpc>
+                <a:spcPct val="90000"/>
+              </a:lnSpc>
+              <a:spcBef>
+                <a:spcPts val="500"/>
+              </a:spcBef>
+              <a:buFont typeface="Arial" panose="020B0604020202020204" pitchFamily="34" charset="0"/>
+              <a:buNone/>
+              <a:defRPr sz="1600" kern="1200">
+                <a:solidFill>
+                  <a:schemeClr val="tx1"/>
+                </a:solidFill>
+                <a:latin typeface="+mn-lt"/>
+                <a:ea typeface="+mn-ea"/>
+                <a:cs typeface="+mn-cs"/>
+              </a:defRPr>
+            </a:lvl7pPr>
+            <a:lvl8pPr marL="3200400" indent="0" algn="ctr" defTabSz="914400" rtl="0" eaLnBrk="1" latinLnBrk="0" hangingPunct="1">
+              <a:lnSpc>
+                <a:spcPct val="90000"/>
+              </a:lnSpc>
+              <a:spcBef>
+                <a:spcPts val="500"/>
+              </a:spcBef>
+              <a:buFont typeface="Arial" panose="020B0604020202020204" pitchFamily="34" charset="0"/>
+              <a:buNone/>
+              <a:defRPr sz="1600" kern="1200">
+                <a:solidFill>
+                  <a:schemeClr val="tx1"/>
+                </a:solidFill>
+                <a:latin typeface="+mn-lt"/>
+                <a:ea typeface="+mn-ea"/>
+                <a:cs typeface="+mn-cs"/>
+              </a:defRPr>
+            </a:lvl8pPr>
+            <a:lvl9pPr marL="3657600" indent="0" algn="ctr" defTabSz="914400" rtl="0" eaLnBrk="1" latinLnBrk="0" hangingPunct="1">
+              <a:lnSpc>
+                <a:spcPct val="90000"/>
+              </a:lnSpc>
+              <a:spcBef>
+                <a:spcPts val="500"/>
+              </a:spcBef>
+              <a:buFont typeface="Arial" panose="020B0604020202020204" pitchFamily="34" charset="0"/>
+              <a:buNone/>
+              <a:defRPr sz="1600" kern="1200">
+                <a:solidFill>
+                  <a:schemeClr val="tx1"/>
+                </a:solidFill>
+                <a:latin typeface="+mn-lt"/>
+                <a:ea typeface="+mn-ea"/>
+                <a:cs typeface="+mn-cs"/>
+              </a:defRPr>
+            </a:lvl9pPr>
+          </a:lstStyle>
+          <a:p>
+            <a:pPr algn="l"/>
+            <a:r>
+              <a:rPr lang="en-US" sz="2000" b="1" dirty="0">
+                <a:solidFill>
+                  <a:srgbClr val="002060"/>
+                </a:solidFill>
+              </a:rPr>
+              <a:t>Studying Note</a:t>
+            </a:r>
+          </a:p>
+        </p:txBody>
+      </p:sp>
+      <p:sp>
+        <p:nvSpPr>
+          <p:cNvPr id="10" name="Rectangle 9">
+            <a:extLst>
+              <a:ext uri="{FF2B5EF4-FFF2-40B4-BE49-F238E27FC236}">
+                <a16:creationId xmlns:a16="http://schemas.microsoft.com/office/drawing/2014/main" id="{73E08C1B-D50B-C244-9BD6-694367346442}"/>
+              </a:ext>
+            </a:extLst>
+          </p:cNvPr>
+          <p:cNvSpPr/>
+          <p:nvPr/>
+        </p:nvSpPr>
+        <p:spPr>
+          <a:xfrm>
+            <a:off x="2757616" y="1859650"/>
+            <a:ext cx="7086600" cy="369332"/>
+          </a:xfrm>
+          <a:prstGeom prst="rect">
+            <a:avLst/>
+          </a:prstGeom>
+        </p:spPr>
+        <p:txBody>
+          <a:bodyPr wrap="square">
+            <a:spAutoFit/>
+          </a:bodyPr>
+          <a:lstStyle/>
+          <a:p>
+            <a:r>
+              <a:rPr lang="en-US" dirty="0">
+                <a:hlinkClick r:id="rId2"/>
+              </a:rPr>
+              <a:t>https://www.coursera.org/specializations/business-statistics-analysis</a:t>
+            </a:r>
+            <a:r>
+              <a:rPr lang="en-US" dirty="0"/>
+              <a:t>? </a:t>
+            </a:r>
+          </a:p>
+        </p:txBody>
+      </p:sp>
+      <p:sp>
+        <p:nvSpPr>
+          <p:cNvPr id="11" name="Rectangle 10">
+            <a:extLst>
+              <a:ext uri="{FF2B5EF4-FFF2-40B4-BE49-F238E27FC236}">
+                <a16:creationId xmlns:a16="http://schemas.microsoft.com/office/drawing/2014/main" id="{EA14C58E-12C9-AB40-8195-35FBB801F9AA}"/>
+              </a:ext>
+            </a:extLst>
+          </p:cNvPr>
+          <p:cNvSpPr/>
+          <p:nvPr/>
+        </p:nvSpPr>
+        <p:spPr>
+          <a:xfrm>
+            <a:off x="5311875" y="2366963"/>
+            <a:ext cx="1568250" cy="369332"/>
+          </a:xfrm>
+          <a:prstGeom prst="rect">
+            <a:avLst/>
+          </a:prstGeom>
+        </p:spPr>
+        <p:txBody>
+          <a:bodyPr wrap="none">
+            <a:spAutoFit/>
+          </a:bodyPr>
+          <a:lstStyle/>
+          <a:p>
+            <a:r>
+              <a:rPr lang="en-US" dirty="0">
+                <a:solidFill>
+                  <a:prstClr val="black"/>
+                </a:solidFill>
+              </a:rPr>
+              <a:t>Rice University</a:t>
+            </a:r>
+            <a:endParaRPr lang="en-US" dirty="0"/>
+          </a:p>
+        </p:txBody>
+      </p:sp>
+    </p:spTree>
+    <p:extLst>
+      <p:ext uri="{BB962C8B-B14F-4D97-AF65-F5344CB8AC3E}">
+        <p14:creationId xmlns:p14="http://schemas.microsoft.com/office/powerpoint/2010/main" val="1470331972"/>
+      </p:ext>
+    </p:extLst>
+  </p:cSld>
+  <p:clrMapOvr>
+    <a:masterClrMapping/>
+  </p:clrMapOvr>
+</p:sld>
+</file>
+
+<file path=ppt/slides/slide24.xml><?xml version="1.0" encoding="utf-8"?>
+<p:sld xmlns:a="http://schemas.openxmlformats.org/drawingml/2006/main" xmlns:r="http://schemas.openxmlformats.org/officeDocument/2006/relationships" xmlns:p="http://schemas.openxmlformats.org/presentationml/2006/main">
+  <p:cSld>
+    <p:spTree>
+      <p:nvGrpSpPr>
+        <p:cNvPr id="1" name=""/>
+        <p:cNvGrpSpPr/>
+        <p:nvPr/>
+      </p:nvGrpSpPr>
+      <p:grpSpPr>
+        <a:xfrm>
+          <a:off x="0" y="0"/>
+          <a:ext cx="0" cy="0"/>
+          <a:chOff x="0" y="0"/>
+          <a:chExt cx="0" cy="0"/>
+        </a:xfrm>
+      </p:grpSpPr>
+      <p:sp>
+        <p:nvSpPr>
+          <p:cNvPr id="2" name="Title 1">
+            <a:extLst>
+              <a:ext uri="{FF2B5EF4-FFF2-40B4-BE49-F238E27FC236}">
+                <a16:creationId xmlns:a16="http://schemas.microsoft.com/office/drawing/2014/main" id="{325F2CEE-19ED-7C4A-A98E-9F27CF54B024}"/>
+              </a:ext>
+            </a:extLst>
+          </p:cNvPr>
+          <p:cNvSpPr>
+            <a:spLocks noGrp="1"/>
+          </p:cNvSpPr>
+          <p:nvPr>
+            <p:ph type="title"/>
+          </p:nvPr>
+        </p:nvSpPr>
+        <p:spPr>
+          <a:xfrm>
+            <a:off x="0" y="0"/>
+            <a:ext cx="12192000" cy="923536"/>
+          </a:xfrm>
+        </p:spPr>
+        <p:txBody>
+          <a:bodyPr>
+            <a:normAutofit fontScale="90000"/>
+          </a:bodyPr>
+          <a:lstStyle/>
+          <a:p>
+            <a:r>
+              <a:rPr lang="en-US" sz="3200" b="1" dirty="0">
+                <a:solidFill>
+                  <a:srgbClr val="FF0000"/>
+                </a:solidFill>
+                <a:latin typeface="+mn-lt"/>
+              </a:rPr>
+              <a:t>Course 2 Basic Data Descriptors, Statistical Distributions, and Application to Business Decisions</a:t>
+            </a:r>
+          </a:p>
+        </p:txBody>
+      </p:sp>
+      <p:sp>
+        <p:nvSpPr>
+          <p:cNvPr id="7" name="Rectangle 6">
+            <a:extLst>
+              <a:ext uri="{FF2B5EF4-FFF2-40B4-BE49-F238E27FC236}">
+                <a16:creationId xmlns:a16="http://schemas.microsoft.com/office/drawing/2014/main" id="{9BE27FCF-C64B-874E-ABD0-325E77053CCB}"/>
+              </a:ext>
+            </a:extLst>
+          </p:cNvPr>
+          <p:cNvSpPr/>
+          <p:nvPr/>
+        </p:nvSpPr>
+        <p:spPr>
+          <a:xfrm>
+            <a:off x="0" y="712335"/>
+            <a:ext cx="237566" cy="369332"/>
+          </a:xfrm>
+          <a:prstGeom prst="rect">
+            <a:avLst/>
+          </a:prstGeom>
+        </p:spPr>
+        <p:txBody>
+          <a:bodyPr wrap="none">
+            <a:spAutoFit/>
+          </a:bodyPr>
+          <a:lstStyle/>
+          <a:p>
+            <a:r>
+              <a:rPr lang="en-US" b="1" dirty="0">
+                <a:solidFill>
+                  <a:srgbClr val="002060"/>
+                </a:solidFill>
+              </a:rPr>
+              <a:t> </a:t>
+            </a:r>
+          </a:p>
+        </p:txBody>
+      </p:sp>
+      <p:sp>
+        <p:nvSpPr>
+          <p:cNvPr id="8" name="Rectangle 7">
+            <a:extLst>
+              <a:ext uri="{FF2B5EF4-FFF2-40B4-BE49-F238E27FC236}">
+                <a16:creationId xmlns:a16="http://schemas.microsoft.com/office/drawing/2014/main" id="{5477B7C1-75FD-7346-A273-0544B4FFFE12}"/>
+              </a:ext>
+            </a:extLst>
+          </p:cNvPr>
+          <p:cNvSpPr/>
+          <p:nvPr/>
+        </p:nvSpPr>
+        <p:spPr>
+          <a:xfrm>
+            <a:off x="0" y="1081667"/>
+            <a:ext cx="5944088" cy="1697901"/>
+          </a:xfrm>
+          <a:prstGeom prst="rect">
+            <a:avLst/>
+          </a:prstGeom>
+        </p:spPr>
+        <p:txBody>
+          <a:bodyPr wrap="square">
+            <a:spAutoFit/>
+          </a:bodyPr>
+          <a:lstStyle/>
+          <a:p>
+            <a:pPr marL="285750" indent="-285750">
+              <a:spcBef>
+                <a:spcPts val="200"/>
+              </a:spcBef>
+              <a:buFont typeface="Arial" panose="020B0604020202020204" pitchFamily="34" charset="0"/>
+              <a:buChar char="•"/>
+            </a:pPr>
+            <a:r>
+              <a:rPr lang="en-US" sz="1600" b="1" dirty="0">
+                <a:solidFill>
+                  <a:srgbClr val="0432FF"/>
+                </a:solidFill>
+              </a:rPr>
+              <a:t>Mode.sngl</a:t>
+            </a:r>
+            <a:r>
+              <a:rPr lang="en-US" sz="1600" dirty="0">
+                <a:solidFill>
+                  <a:prstClr val="black"/>
+                </a:solidFill>
+              </a:rPr>
+              <a:t>(range)</a:t>
+            </a:r>
+          </a:p>
+          <a:p>
+            <a:pPr marL="285750" indent="-285750">
+              <a:spcBef>
+                <a:spcPts val="200"/>
+              </a:spcBef>
+              <a:buFont typeface="Arial" panose="020B0604020202020204" pitchFamily="34" charset="0"/>
+              <a:buChar char="•"/>
+            </a:pPr>
+            <a:r>
+              <a:rPr lang="en-US" sz="1600" b="1" dirty="0">
+                <a:solidFill>
+                  <a:srgbClr val="0432FF"/>
+                </a:solidFill>
+              </a:rPr>
+              <a:t>Quartile.inc</a:t>
+            </a:r>
+            <a:r>
+              <a:rPr lang="en-US" sz="1600" dirty="0">
+                <a:solidFill>
+                  <a:prstClr val="black"/>
+                </a:solidFill>
+              </a:rPr>
+              <a:t>(array, quart)</a:t>
+            </a:r>
+          </a:p>
+          <a:p>
+            <a:pPr marL="285750" indent="-285750">
+              <a:spcBef>
+                <a:spcPts val="200"/>
+              </a:spcBef>
+              <a:buFont typeface="Arial" panose="020B0604020202020204" pitchFamily="34" charset="0"/>
+              <a:buChar char="•"/>
+            </a:pPr>
+            <a:r>
+              <a:rPr lang="en-US" sz="1600" b="1" dirty="0">
+                <a:solidFill>
+                  <a:srgbClr val="0432FF"/>
+                </a:solidFill>
+              </a:rPr>
+              <a:t>Stdev.P</a:t>
+            </a:r>
+            <a:r>
+              <a:rPr lang="en-US" sz="1600" dirty="0">
+                <a:solidFill>
+                  <a:prstClr val="black"/>
+                </a:solidFill>
+              </a:rPr>
+              <a:t>(range)     or.       </a:t>
+            </a:r>
+            <a:r>
+              <a:rPr lang="en-US" sz="1600" b="1" dirty="0">
+                <a:solidFill>
+                  <a:srgbClr val="0432FF"/>
+                </a:solidFill>
+              </a:rPr>
+              <a:t>Stdev.S</a:t>
+            </a:r>
+            <a:r>
+              <a:rPr lang="en-US" sz="1600" dirty="0">
+                <a:solidFill>
+                  <a:prstClr val="black"/>
+                </a:solidFill>
+              </a:rPr>
+              <a:t>(range)</a:t>
+            </a:r>
+          </a:p>
+          <a:p>
+            <a:pPr marL="285750" indent="-285750">
+              <a:spcBef>
+                <a:spcPts val="200"/>
+              </a:spcBef>
+              <a:buFont typeface="Arial" panose="020B0604020202020204" pitchFamily="34" charset="0"/>
+              <a:buChar char="•"/>
+            </a:pPr>
+            <a:r>
+              <a:rPr lang="en-US" sz="1600" b="1" dirty="0" err="1">
+                <a:solidFill>
+                  <a:srgbClr val="0432FF"/>
+                </a:solidFill>
+              </a:rPr>
+              <a:t>Covariance.S</a:t>
+            </a:r>
+            <a:r>
+              <a:rPr lang="en-US" sz="1600" dirty="0">
+                <a:solidFill>
+                  <a:prstClr val="black"/>
+                </a:solidFill>
+              </a:rPr>
+              <a:t>(range1, range2)</a:t>
+            </a:r>
+          </a:p>
+          <a:p>
+            <a:pPr marL="285750" indent="-285750">
+              <a:spcBef>
+                <a:spcPts val="200"/>
+              </a:spcBef>
+              <a:buFont typeface="Arial" panose="020B0604020202020204" pitchFamily="34" charset="0"/>
+              <a:buChar char="•"/>
+            </a:pPr>
+            <a:r>
+              <a:rPr lang="en-US" sz="1600" b="1" dirty="0" err="1">
+                <a:solidFill>
+                  <a:srgbClr val="0432FF"/>
+                </a:solidFill>
+              </a:rPr>
+              <a:t>Correl</a:t>
+            </a:r>
+            <a:r>
+              <a:rPr lang="en-US" sz="1600" dirty="0">
+                <a:solidFill>
+                  <a:prstClr val="black"/>
+                </a:solidFill>
+              </a:rPr>
+              <a:t>(range1, range2)  </a:t>
+            </a:r>
+          </a:p>
+          <a:p>
+            <a:pPr marL="285750" indent="-285750">
+              <a:spcBef>
+                <a:spcPts val="200"/>
+              </a:spcBef>
+              <a:buFont typeface="Arial" panose="020B0604020202020204" pitchFamily="34" charset="0"/>
+              <a:buChar char="•"/>
+            </a:pPr>
+            <a:endParaRPr lang="en-US" sz="1600" dirty="0">
+              <a:solidFill>
+                <a:prstClr val="black"/>
+              </a:solidFill>
+            </a:endParaRPr>
+          </a:p>
+        </p:txBody>
+      </p:sp>
+    </p:spTree>
+    <p:extLst>
+      <p:ext uri="{BB962C8B-B14F-4D97-AF65-F5344CB8AC3E}">
+        <p14:creationId xmlns:p14="http://schemas.microsoft.com/office/powerpoint/2010/main" val="4072325179"/>
+      </p:ext>
+    </p:extLst>
+  </p:cSld>
+  <p:clrMapOvr>
+    <a:masterClrMapping/>
+  </p:clrMapOvr>
+</p:sld>
+</file>
+
+<file path=ppt/slides/slide25.xml><?xml version="1.0" encoding="utf-8"?>
+<p:sld xmlns:a="http://schemas.openxmlformats.org/drawingml/2006/main" xmlns:r="http://schemas.openxmlformats.org/officeDocument/2006/relationships" xmlns:p="http://schemas.openxmlformats.org/presentationml/2006/main">
+  <p:cSld>
+    <p:spTree>
+      <p:nvGrpSpPr>
+        <p:cNvPr id="1" name=""/>
+        <p:cNvGrpSpPr/>
+        <p:nvPr/>
+      </p:nvGrpSpPr>
+      <p:grpSpPr>
+        <a:xfrm>
+          <a:off x="0" y="0"/>
+          <a:ext cx="0" cy="0"/>
+          <a:chOff x="0" y="0"/>
+          <a:chExt cx="0" cy="0"/>
+        </a:xfrm>
+      </p:grpSpPr>
+      <p:sp>
+        <p:nvSpPr>
+          <p:cNvPr id="2" name="Title 1">
+            <a:extLst>
+              <a:ext uri="{FF2B5EF4-FFF2-40B4-BE49-F238E27FC236}">
+                <a16:creationId xmlns:a16="http://schemas.microsoft.com/office/drawing/2014/main" id="{325F2CEE-19ED-7C4A-A98E-9F27CF54B024}"/>
+              </a:ext>
+            </a:extLst>
+          </p:cNvPr>
+          <p:cNvSpPr>
+            <a:spLocks noGrp="1"/>
+          </p:cNvSpPr>
+          <p:nvPr>
+            <p:ph type="title"/>
+          </p:nvPr>
+        </p:nvSpPr>
+        <p:spPr>
+          <a:xfrm>
+            <a:off x="0" y="0"/>
+            <a:ext cx="12192000" cy="923536"/>
+          </a:xfrm>
+        </p:spPr>
+        <p:txBody>
+          <a:bodyPr>
+            <a:normAutofit fontScale="90000"/>
+          </a:bodyPr>
+          <a:lstStyle/>
+          <a:p>
+            <a:r>
+              <a:rPr lang="en-US" sz="3200" b="1" dirty="0">
+                <a:solidFill>
+                  <a:srgbClr val="FF0000"/>
+                </a:solidFill>
+                <a:latin typeface="+mn-lt"/>
+              </a:rPr>
+              <a:t>Course 2 Basic Data Descriptors, Statistical Distributions, and Application to Business Decisions</a:t>
+            </a:r>
+          </a:p>
+        </p:txBody>
+      </p:sp>
+      <p:sp>
+        <p:nvSpPr>
+          <p:cNvPr id="7" name="Rectangle 6">
+            <a:extLst>
+              <a:ext uri="{FF2B5EF4-FFF2-40B4-BE49-F238E27FC236}">
+                <a16:creationId xmlns:a16="http://schemas.microsoft.com/office/drawing/2014/main" id="{9BE27FCF-C64B-874E-ABD0-325E77053CCB}"/>
+              </a:ext>
+            </a:extLst>
+          </p:cNvPr>
+          <p:cNvSpPr/>
+          <p:nvPr/>
+        </p:nvSpPr>
+        <p:spPr>
+          <a:xfrm>
+            <a:off x="0" y="712335"/>
+            <a:ext cx="237566" cy="369332"/>
+          </a:xfrm>
+          <a:prstGeom prst="rect">
+            <a:avLst/>
+          </a:prstGeom>
+        </p:spPr>
+        <p:txBody>
+          <a:bodyPr wrap="none">
+            <a:spAutoFit/>
+          </a:bodyPr>
+          <a:lstStyle/>
+          <a:p>
+            <a:r>
+              <a:rPr lang="en-US" b="1" dirty="0">
+                <a:solidFill>
+                  <a:srgbClr val="002060"/>
+                </a:solidFill>
+              </a:rPr>
+              <a:t> </a:t>
+            </a:r>
+          </a:p>
+        </p:txBody>
+      </p:sp>
+      <p:sp>
+        <p:nvSpPr>
+          <p:cNvPr id="8" name="Rectangle 7">
+            <a:extLst>
+              <a:ext uri="{FF2B5EF4-FFF2-40B4-BE49-F238E27FC236}">
+                <a16:creationId xmlns:a16="http://schemas.microsoft.com/office/drawing/2014/main" id="{5477B7C1-75FD-7346-A273-0544B4FFFE12}"/>
+              </a:ext>
+            </a:extLst>
+          </p:cNvPr>
+          <p:cNvSpPr/>
+          <p:nvPr/>
+        </p:nvSpPr>
+        <p:spPr>
+          <a:xfrm>
+            <a:off x="0" y="1081667"/>
+            <a:ext cx="5944088" cy="1697901"/>
+          </a:xfrm>
+          <a:prstGeom prst="rect">
+            <a:avLst/>
+          </a:prstGeom>
+        </p:spPr>
+        <p:txBody>
+          <a:bodyPr wrap="square">
+            <a:spAutoFit/>
+          </a:bodyPr>
+          <a:lstStyle/>
+          <a:p>
+            <a:pPr marL="285750" indent="-285750">
+              <a:spcBef>
+                <a:spcPts val="200"/>
+              </a:spcBef>
+              <a:buFont typeface="Arial" panose="020B0604020202020204" pitchFamily="34" charset="0"/>
+              <a:buChar char="•"/>
+            </a:pPr>
+            <a:r>
+              <a:rPr lang="en-US" sz="1600" b="1" dirty="0">
+                <a:solidFill>
+                  <a:srgbClr val="0432FF"/>
+                </a:solidFill>
+              </a:rPr>
+              <a:t>Normal</a:t>
+            </a:r>
+            <a:r>
+              <a:rPr lang="en-US" sz="1600" dirty="0">
+                <a:solidFill>
+                  <a:prstClr val="black"/>
+                </a:solidFill>
+              </a:rPr>
+              <a:t>(mean, </a:t>
+            </a:r>
+            <a:r>
+              <a:rPr lang="en-US" sz="1600" dirty="0" err="1">
+                <a:solidFill>
+                  <a:prstClr val="black"/>
+                </a:solidFill>
+              </a:rPr>
+              <a:t>std</a:t>
+            </a:r>
+            <a:r>
+              <a:rPr lang="en-US" sz="1600" dirty="0">
+                <a:solidFill>
+                  <a:prstClr val="black"/>
+                </a:solidFill>
+              </a:rPr>
+              <a:t>)</a:t>
+            </a:r>
+          </a:p>
+          <a:p>
+            <a:pPr marL="285750" indent="-285750">
+              <a:spcBef>
+                <a:spcPts val="200"/>
+              </a:spcBef>
+              <a:buFont typeface="Arial" panose="020B0604020202020204" pitchFamily="34" charset="0"/>
+              <a:buChar char="•"/>
+            </a:pPr>
+            <a:r>
+              <a:rPr lang="en-US" sz="1600" b="1" dirty="0">
+                <a:solidFill>
+                  <a:srgbClr val="0432FF"/>
+                </a:solidFill>
+              </a:rPr>
+              <a:t>Norm.dist</a:t>
+            </a:r>
+            <a:r>
+              <a:rPr lang="en-US" sz="1600" dirty="0">
+                <a:solidFill>
+                  <a:prstClr val="black"/>
+                </a:solidFill>
+              </a:rPr>
+              <a:t>(x, mean, </a:t>
+            </a:r>
+            <a:r>
+              <a:rPr lang="en-US" sz="1600" dirty="0" err="1">
+                <a:solidFill>
+                  <a:prstClr val="black"/>
+                </a:solidFill>
+              </a:rPr>
+              <a:t>std</a:t>
+            </a:r>
+            <a:r>
+              <a:rPr lang="en-US" sz="1600" dirty="0">
+                <a:solidFill>
+                  <a:prstClr val="black"/>
+                </a:solidFill>
+              </a:rPr>
+              <a:t>, True)</a:t>
+            </a:r>
+          </a:p>
+          <a:p>
+            <a:pPr marL="285750" indent="-285750">
+              <a:spcBef>
+                <a:spcPts val="200"/>
+              </a:spcBef>
+              <a:buFont typeface="Arial" panose="020B0604020202020204" pitchFamily="34" charset="0"/>
+              <a:buChar char="•"/>
+            </a:pPr>
+            <a:r>
+              <a:rPr lang="en-US" sz="1600" b="1" dirty="0" err="1">
+                <a:solidFill>
+                  <a:srgbClr val="0432FF"/>
+                </a:solidFill>
+              </a:rPr>
+              <a:t>Norm.inv</a:t>
+            </a:r>
+            <a:r>
+              <a:rPr lang="en-US" sz="1600" dirty="0">
+                <a:solidFill>
+                  <a:prstClr val="black"/>
+                </a:solidFill>
+              </a:rPr>
+              <a:t>(p, mean, </a:t>
+            </a:r>
+            <a:r>
+              <a:rPr lang="en-US" sz="1600" dirty="0" err="1">
+                <a:solidFill>
+                  <a:prstClr val="black"/>
+                </a:solidFill>
+              </a:rPr>
+              <a:t>std</a:t>
+            </a:r>
+            <a:r>
+              <a:rPr lang="en-US" sz="1600" dirty="0">
+                <a:solidFill>
+                  <a:prstClr val="black"/>
+                </a:solidFill>
+              </a:rPr>
+              <a:t>)</a:t>
+            </a:r>
+          </a:p>
+          <a:p>
+            <a:pPr marL="285750" indent="-285750">
+              <a:spcBef>
+                <a:spcPts val="200"/>
+              </a:spcBef>
+              <a:buFont typeface="Arial" panose="020B0604020202020204" pitchFamily="34" charset="0"/>
+              <a:buChar char="•"/>
+            </a:pPr>
+            <a:r>
+              <a:rPr lang="en-US" sz="1600" b="1" dirty="0" err="1">
+                <a:solidFill>
+                  <a:srgbClr val="0432FF"/>
+                </a:solidFill>
+              </a:rPr>
+              <a:t>Binom.dist</a:t>
+            </a:r>
+            <a:r>
+              <a:rPr lang="en-US" sz="1600" dirty="0">
+                <a:solidFill>
+                  <a:prstClr val="black"/>
+                </a:solidFill>
+              </a:rPr>
+              <a:t>(x, n, p, False/True)</a:t>
+            </a:r>
+          </a:p>
+          <a:p>
+            <a:pPr marL="285750" indent="-285750">
+              <a:spcBef>
+                <a:spcPts val="200"/>
+              </a:spcBef>
+              <a:buFont typeface="Arial" panose="020B0604020202020204" pitchFamily="34" charset="0"/>
+              <a:buChar char="•"/>
+            </a:pPr>
+            <a:r>
+              <a:rPr lang="en-US" sz="1600" b="1" dirty="0" err="1">
+                <a:solidFill>
+                  <a:srgbClr val="0432FF"/>
+                </a:solidFill>
+              </a:rPr>
+              <a:t>Poisson.dist</a:t>
+            </a:r>
+            <a:r>
+              <a:rPr lang="en-US" sz="1600" dirty="0">
+                <a:solidFill>
+                  <a:prstClr val="black"/>
+                </a:solidFill>
+              </a:rPr>
+              <a:t>(x, 𝜆, False/True)  </a:t>
+            </a:r>
+          </a:p>
+          <a:p>
+            <a:pPr marL="285750" indent="-285750">
+              <a:spcBef>
+                <a:spcPts val="200"/>
+              </a:spcBef>
+              <a:buFont typeface="Arial" panose="020B0604020202020204" pitchFamily="34" charset="0"/>
+              <a:buChar char="•"/>
+            </a:pPr>
+            <a:endParaRPr lang="en-US" sz="1600" dirty="0">
+              <a:solidFill>
+                <a:prstClr val="black"/>
+              </a:solidFill>
+            </a:endParaRPr>
+          </a:p>
+        </p:txBody>
+      </p:sp>
+    </p:spTree>
+    <p:extLst>
+      <p:ext uri="{BB962C8B-B14F-4D97-AF65-F5344CB8AC3E}">
+        <p14:creationId xmlns:p14="http://schemas.microsoft.com/office/powerpoint/2010/main" val="1746561346"/>
+      </p:ext>
+    </p:extLst>
+  </p:cSld>
+  <p:clrMapOvr>
+    <a:masterClrMapping/>
+  </p:clrMapOvr>
+</p:sld>
+</file>
+
+<file path=ppt/slides/slide26.xml><?xml version="1.0" encoding="utf-8"?>
+<p:sld xmlns:a="http://schemas.openxmlformats.org/drawingml/2006/main" xmlns:r="http://schemas.openxmlformats.org/officeDocument/2006/relationships" xmlns:p="http://schemas.openxmlformats.org/presentationml/2006/main">
+  <p:cSld>
+    <p:spTree>
+      <p:nvGrpSpPr>
+        <p:cNvPr id="1" name=""/>
+        <p:cNvGrpSpPr/>
+        <p:nvPr/>
+      </p:nvGrpSpPr>
+      <p:grpSpPr>
+        <a:xfrm>
+          <a:off x="0" y="0"/>
+          <a:ext cx="0" cy="0"/>
+          <a:chOff x="0" y="0"/>
+          <a:chExt cx="0" cy="0"/>
+        </a:xfrm>
+      </p:grpSpPr>
+      <p:sp>
+        <p:nvSpPr>
+          <p:cNvPr id="2" name="Title 1">
+            <a:extLst>
+              <a:ext uri="{FF2B5EF4-FFF2-40B4-BE49-F238E27FC236}">
+                <a16:creationId xmlns:a16="http://schemas.microsoft.com/office/drawing/2014/main" id="{325F2CEE-19ED-7C4A-A98E-9F27CF54B024}"/>
+              </a:ext>
+            </a:extLst>
+          </p:cNvPr>
+          <p:cNvSpPr>
+            <a:spLocks noGrp="1"/>
+          </p:cNvSpPr>
+          <p:nvPr>
+            <p:ph type="title"/>
+          </p:nvPr>
+        </p:nvSpPr>
+        <p:spPr>
+          <a:xfrm>
+            <a:off x="0" y="0"/>
+            <a:ext cx="12192000" cy="923536"/>
+          </a:xfrm>
+        </p:spPr>
+        <p:txBody>
+          <a:bodyPr>
+            <a:normAutofit fontScale="90000"/>
+          </a:bodyPr>
+          <a:lstStyle/>
+          <a:p>
+            <a:r>
+              <a:rPr lang="en-US" sz="3200" b="1" dirty="0">
+                <a:solidFill>
+                  <a:srgbClr val="FF0000"/>
+                </a:solidFill>
+                <a:latin typeface="+mn-lt"/>
+              </a:rPr>
+              <a:t>Course 3 Business Applications of Hypothesis Testing and Confidence Interval Estimation</a:t>
+            </a:r>
+          </a:p>
+        </p:txBody>
+      </p:sp>
+      <p:sp>
+        <p:nvSpPr>
+          <p:cNvPr id="7" name="Rectangle 6">
+            <a:extLst>
+              <a:ext uri="{FF2B5EF4-FFF2-40B4-BE49-F238E27FC236}">
+                <a16:creationId xmlns:a16="http://schemas.microsoft.com/office/drawing/2014/main" id="{9BE27FCF-C64B-874E-ABD0-325E77053CCB}"/>
+              </a:ext>
+            </a:extLst>
+          </p:cNvPr>
+          <p:cNvSpPr/>
+          <p:nvPr/>
+        </p:nvSpPr>
+        <p:spPr>
+          <a:xfrm>
+            <a:off x="0" y="712335"/>
+            <a:ext cx="237566" cy="369332"/>
+          </a:xfrm>
+          <a:prstGeom prst="rect">
+            <a:avLst/>
+          </a:prstGeom>
+        </p:spPr>
+        <p:txBody>
+          <a:bodyPr wrap="none">
+            <a:spAutoFit/>
+          </a:bodyPr>
+          <a:lstStyle/>
+          <a:p>
+            <a:r>
+              <a:rPr lang="en-US" b="1" dirty="0">
+                <a:solidFill>
+                  <a:srgbClr val="002060"/>
+                </a:solidFill>
+              </a:rPr>
+              <a:t> </a:t>
+            </a:r>
+          </a:p>
+        </p:txBody>
+      </p:sp>
+      <p:sp>
+        <p:nvSpPr>
+          <p:cNvPr id="5" name="Rectangle 4">
+            <a:extLst>
+              <a:ext uri="{FF2B5EF4-FFF2-40B4-BE49-F238E27FC236}">
+                <a16:creationId xmlns:a16="http://schemas.microsoft.com/office/drawing/2014/main" id="{A3635118-76DF-3341-AAF7-4C30F43F8608}"/>
+              </a:ext>
+            </a:extLst>
+          </p:cNvPr>
+          <p:cNvSpPr/>
+          <p:nvPr/>
+        </p:nvSpPr>
+        <p:spPr>
+          <a:xfrm>
+            <a:off x="15669" y="2459405"/>
+            <a:ext cx="5944088" cy="2133918"/>
+          </a:xfrm>
+          <a:prstGeom prst="rect">
+            <a:avLst/>
+          </a:prstGeom>
+        </p:spPr>
+        <p:txBody>
+          <a:bodyPr wrap="square">
+            <a:spAutoFit/>
+          </a:bodyPr>
+          <a:lstStyle/>
+          <a:p>
+            <a:pPr marL="285750" lvl="0" indent="-285750">
+              <a:spcBef>
+                <a:spcPts val="1000"/>
+              </a:spcBef>
+              <a:buFont typeface="Wingdings" pitchFamily="2" charset="2"/>
+              <a:buChar char="Ø"/>
+            </a:pPr>
+            <a:r>
+              <a:rPr lang="en-US" dirty="0">
+                <a:solidFill>
+                  <a:prstClr val="black"/>
+                </a:solidFill>
+              </a:rPr>
+              <a:t>t distribution</a:t>
+            </a:r>
+            <a:endParaRPr lang="en-US" b="1" dirty="0">
+              <a:solidFill>
+                <a:srgbClr val="0432FF"/>
+              </a:solidFill>
+            </a:endParaRPr>
+          </a:p>
+          <a:p>
+            <a:pPr marL="742950" lvl="1" indent="-285750">
+              <a:spcBef>
+                <a:spcPts val="200"/>
+              </a:spcBef>
+              <a:buFont typeface="Arial" panose="020B0604020202020204" pitchFamily="34" charset="0"/>
+              <a:buChar char="•"/>
+            </a:pPr>
+            <a:r>
+              <a:rPr lang="en-US" sz="1600" dirty="0"/>
+              <a:t>Probability = </a:t>
+            </a:r>
+            <a:r>
+              <a:rPr lang="en-US" sz="1600" b="1" dirty="0" err="1">
+                <a:solidFill>
+                  <a:srgbClr val="0432FF"/>
+                </a:solidFill>
+              </a:rPr>
+              <a:t>T.dist</a:t>
+            </a:r>
+            <a:r>
+              <a:rPr lang="en-US" sz="1600" dirty="0">
+                <a:solidFill>
+                  <a:prstClr val="black"/>
+                </a:solidFill>
+              </a:rPr>
+              <a:t>(x, df, True)</a:t>
+            </a:r>
+          </a:p>
+          <a:p>
+            <a:pPr marL="742950" lvl="1" indent="-285750">
+              <a:spcBef>
+                <a:spcPts val="200"/>
+              </a:spcBef>
+              <a:buFont typeface="Arial" panose="020B0604020202020204" pitchFamily="34" charset="0"/>
+              <a:buChar char="•"/>
+            </a:pPr>
+            <a:r>
+              <a:rPr lang="en-US" sz="1600" dirty="0"/>
+              <a:t>x = </a:t>
+            </a:r>
+            <a:r>
+              <a:rPr lang="en-US" sz="1600" b="1" dirty="0" err="1">
+                <a:solidFill>
+                  <a:srgbClr val="0432FF"/>
+                </a:solidFill>
+              </a:rPr>
+              <a:t>T.inv</a:t>
+            </a:r>
+            <a:r>
+              <a:rPr lang="en-US" sz="1600" dirty="0">
+                <a:solidFill>
+                  <a:prstClr val="black"/>
+                </a:solidFill>
+              </a:rPr>
+              <a:t>(p, df)</a:t>
+            </a:r>
+          </a:p>
+          <a:p>
+            <a:pPr marL="742950" lvl="1" indent="-285750">
+              <a:spcBef>
+                <a:spcPts val="200"/>
+              </a:spcBef>
+              <a:buFont typeface="Arial" panose="020B0604020202020204" pitchFamily="34" charset="0"/>
+              <a:buChar char="•"/>
+            </a:pPr>
+            <a:endParaRPr lang="en-US" sz="1600" dirty="0">
+              <a:solidFill>
+                <a:prstClr val="black"/>
+              </a:solidFill>
+            </a:endParaRPr>
+          </a:p>
+          <a:p>
+            <a:pPr marL="228600" indent="-228600">
+              <a:spcBef>
+                <a:spcPts val="1000"/>
+              </a:spcBef>
+              <a:buFont typeface="Wingdings" pitchFamily="2" charset="2"/>
+              <a:buChar char="Ø"/>
+            </a:pPr>
+            <a:r>
+              <a:rPr lang="en-US" dirty="0">
+                <a:solidFill>
+                  <a:prstClr val="black"/>
+                </a:solidFill>
+              </a:rPr>
+              <a:t>Confidence Interval </a:t>
+            </a:r>
+            <a:endParaRPr lang="en-US" b="1" dirty="0">
+              <a:solidFill>
+                <a:srgbClr val="0432FF"/>
+              </a:solidFill>
+            </a:endParaRPr>
+          </a:p>
+          <a:p>
+            <a:pPr marL="742950" lvl="1" indent="-285750">
+              <a:spcBef>
+                <a:spcPts val="200"/>
+              </a:spcBef>
+              <a:buFont typeface="Arial" panose="020B0604020202020204" pitchFamily="34" charset="0"/>
+              <a:buChar char="•"/>
+            </a:pPr>
+            <a:r>
+              <a:rPr lang="en-US" sz="1600" dirty="0"/>
+              <a:t>for the “Population” mean</a:t>
+            </a:r>
+          </a:p>
+          <a:p>
+            <a:pPr marL="742950" lvl="1" indent="-285750">
+              <a:spcBef>
+                <a:spcPts val="200"/>
+              </a:spcBef>
+              <a:buFont typeface="Arial" panose="020B0604020202020204" pitchFamily="34" charset="0"/>
+              <a:buChar char="•"/>
+            </a:pPr>
+            <a:endParaRPr lang="en-US" sz="1600" dirty="0"/>
+          </a:p>
+        </p:txBody>
+      </p:sp>
+      <p:pic>
+        <p:nvPicPr>
+          <p:cNvPr id="4" name="Picture 3">
+            <a:extLst>
+              <a:ext uri="{FF2B5EF4-FFF2-40B4-BE49-F238E27FC236}">
+                <a16:creationId xmlns:a16="http://schemas.microsoft.com/office/drawing/2014/main" id="{DD5F51D6-33D9-FC4A-9824-91DB0FE99F7B}"/>
+              </a:ext>
+            </a:extLst>
+          </p:cNvPr>
+          <p:cNvPicPr>
+            <a:picLocks noChangeAspect="1"/>
+          </p:cNvPicPr>
+          <p:nvPr/>
+        </p:nvPicPr>
+        <p:blipFill>
+          <a:blip r:embed="rId3"/>
+          <a:stretch>
+            <a:fillRect/>
+          </a:stretch>
+        </p:blipFill>
+        <p:spPr>
+          <a:xfrm>
+            <a:off x="3398795" y="2167042"/>
+            <a:ext cx="3276958" cy="1919998"/>
+          </a:xfrm>
+          <a:prstGeom prst="rect">
+            <a:avLst/>
+          </a:prstGeom>
+        </p:spPr>
+      </p:pic>
+      <p:grpSp>
+        <p:nvGrpSpPr>
+          <p:cNvPr id="16" name="Group 15">
+            <a:extLst>
+              <a:ext uri="{FF2B5EF4-FFF2-40B4-BE49-F238E27FC236}">
+                <a16:creationId xmlns:a16="http://schemas.microsoft.com/office/drawing/2014/main" id="{E0F35F2D-C1DB-674F-913D-1E46F17A179B}"/>
+              </a:ext>
+            </a:extLst>
+          </p:cNvPr>
+          <p:cNvGrpSpPr/>
+          <p:nvPr/>
+        </p:nvGrpSpPr>
+        <p:grpSpPr>
+          <a:xfrm>
+            <a:off x="118783" y="769413"/>
+            <a:ext cx="9085718" cy="1438841"/>
+            <a:chOff x="0" y="923536"/>
+            <a:chExt cx="9085718" cy="1438841"/>
+          </a:xfrm>
+        </p:grpSpPr>
+        <p:pic>
+          <p:nvPicPr>
+            <p:cNvPr id="9" name="Picture 8">
+              <a:extLst>
+                <a:ext uri="{FF2B5EF4-FFF2-40B4-BE49-F238E27FC236}">
+                  <a16:creationId xmlns:a16="http://schemas.microsoft.com/office/drawing/2014/main" id="{1CC12753-433E-4A4F-BE9B-8589AAF71CBD}"/>
+                </a:ext>
+              </a:extLst>
+            </p:cNvPr>
+            <p:cNvPicPr>
+              <a:picLocks noChangeAspect="1"/>
+            </p:cNvPicPr>
+            <p:nvPr/>
+          </p:nvPicPr>
+          <p:blipFill>
+            <a:blip r:embed="rId4"/>
+            <a:stretch>
+              <a:fillRect/>
+            </a:stretch>
+          </p:blipFill>
+          <p:spPr>
+            <a:xfrm>
+              <a:off x="0" y="923536"/>
+              <a:ext cx="3719146" cy="1268546"/>
+            </a:xfrm>
+            <a:prstGeom prst="rect">
+              <a:avLst/>
+            </a:prstGeom>
+          </p:spPr>
+        </p:pic>
+        <p:pic>
+          <p:nvPicPr>
+            <p:cNvPr id="10" name="Picture 9">
+              <a:extLst>
+                <a:ext uri="{FF2B5EF4-FFF2-40B4-BE49-F238E27FC236}">
+                  <a16:creationId xmlns:a16="http://schemas.microsoft.com/office/drawing/2014/main" id="{D9AEEDFE-18FA-5C46-A285-57E544117BE3}"/>
+                </a:ext>
+              </a:extLst>
+            </p:cNvPr>
+            <p:cNvPicPr>
+              <a:picLocks noChangeAspect="1"/>
+            </p:cNvPicPr>
+            <p:nvPr/>
+          </p:nvPicPr>
+          <p:blipFill>
+            <a:blip r:embed="rId5"/>
+            <a:stretch>
+              <a:fillRect/>
+            </a:stretch>
+          </p:blipFill>
+          <p:spPr>
+            <a:xfrm>
+              <a:off x="2815492" y="1536389"/>
+              <a:ext cx="1257633" cy="825988"/>
+            </a:xfrm>
+            <a:prstGeom prst="rect">
+              <a:avLst/>
+            </a:prstGeom>
+          </p:spPr>
+        </p:pic>
+        <p:pic>
+          <p:nvPicPr>
+            <p:cNvPr id="11" name="Picture 10">
+              <a:extLst>
+                <a:ext uri="{FF2B5EF4-FFF2-40B4-BE49-F238E27FC236}">
+                  <a16:creationId xmlns:a16="http://schemas.microsoft.com/office/drawing/2014/main" id="{59F11C2B-DA79-0B41-A47A-6ADB980153DC}"/>
+                </a:ext>
+              </a:extLst>
+            </p:cNvPr>
+            <p:cNvPicPr>
+              <a:picLocks noChangeAspect="1"/>
+            </p:cNvPicPr>
+            <p:nvPr/>
+          </p:nvPicPr>
+          <p:blipFill>
+            <a:blip r:embed="rId6"/>
+            <a:stretch>
+              <a:fillRect/>
+            </a:stretch>
+          </p:blipFill>
+          <p:spPr>
+            <a:xfrm>
+              <a:off x="4283318" y="1043719"/>
+              <a:ext cx="2671105" cy="1271155"/>
+            </a:xfrm>
+            <a:prstGeom prst="rect">
+              <a:avLst/>
+            </a:prstGeom>
+          </p:spPr>
+        </p:pic>
+        <p:pic>
+          <p:nvPicPr>
+            <p:cNvPr id="12" name="Picture 11">
+              <a:extLst>
+                <a:ext uri="{FF2B5EF4-FFF2-40B4-BE49-F238E27FC236}">
+                  <a16:creationId xmlns:a16="http://schemas.microsoft.com/office/drawing/2014/main" id="{E94D3A08-4C50-1446-85F6-43794F124842}"/>
+                </a:ext>
+              </a:extLst>
+            </p:cNvPr>
+            <p:cNvPicPr>
+              <a:picLocks noChangeAspect="1"/>
+            </p:cNvPicPr>
+            <p:nvPr/>
+          </p:nvPicPr>
+          <p:blipFill>
+            <a:blip r:embed="rId7"/>
+            <a:stretch>
+              <a:fillRect/>
+            </a:stretch>
+          </p:blipFill>
+          <p:spPr>
+            <a:xfrm>
+              <a:off x="7305293" y="933278"/>
+              <a:ext cx="1780425" cy="923536"/>
+            </a:xfrm>
+            <a:prstGeom prst="rect">
+              <a:avLst/>
+            </a:prstGeom>
+          </p:spPr>
+        </p:pic>
+        <p:sp>
+          <p:nvSpPr>
+            <p:cNvPr id="14" name="Striped Right Arrow 13">
+              <a:extLst>
+                <a:ext uri="{FF2B5EF4-FFF2-40B4-BE49-F238E27FC236}">
+                  <a16:creationId xmlns:a16="http://schemas.microsoft.com/office/drawing/2014/main" id="{461AE8E8-A52A-464F-ADF1-DEEF4FF85922}"/>
+                </a:ext>
+              </a:extLst>
+            </p:cNvPr>
+            <p:cNvSpPr/>
+            <p:nvPr/>
+          </p:nvSpPr>
+          <p:spPr>
+            <a:xfrm>
+              <a:off x="4034993" y="1206117"/>
+              <a:ext cx="281354" cy="188929"/>
+            </a:xfrm>
+            <a:prstGeom prst="stripedRightArrow">
+              <a:avLst/>
+            </a:prstGeom>
+            <a:noFill/>
+            <a:ln w="28575">
+              <a:solidFill>
+                <a:srgbClr val="FF0000"/>
+              </a:solidFill>
+            </a:ln>
+          </p:spPr>
+          <p:style>
+            <a:lnRef idx="2">
+              <a:schemeClr val="accent1">
+                <a:shade val="50000"/>
+              </a:schemeClr>
+            </a:lnRef>
+            <a:fillRef idx="1">
+              <a:schemeClr val="accent1"/>
+            </a:fillRef>
+            <a:effectRef idx="0">
+              <a:schemeClr val="accent1"/>
+            </a:effectRef>
+            <a:fontRef idx="minor">
+              <a:schemeClr val="lt1"/>
+            </a:fontRef>
+          </p:style>
+          <p:txBody>
+            <a:bodyPr rtlCol="0" anchor="ctr"/>
+            <a:lstStyle/>
+            <a:p>
+              <a:pPr algn="ctr"/>
+              <a:endParaRPr lang="en-US"/>
+            </a:p>
+          </p:txBody>
+        </p:sp>
+        <p:sp>
+          <p:nvSpPr>
+            <p:cNvPr id="15" name="Striped Right Arrow 14">
+              <a:extLst>
+                <a:ext uri="{FF2B5EF4-FFF2-40B4-BE49-F238E27FC236}">
+                  <a16:creationId xmlns:a16="http://schemas.microsoft.com/office/drawing/2014/main" id="{14EA8E43-79E3-7A42-A65E-199F91CA3661}"/>
+                </a:ext>
+              </a:extLst>
+            </p:cNvPr>
+            <p:cNvSpPr/>
+            <p:nvPr/>
+          </p:nvSpPr>
+          <p:spPr>
+            <a:xfrm>
+              <a:off x="7023939" y="1385305"/>
+              <a:ext cx="281354" cy="188929"/>
+            </a:xfrm>
+            <a:prstGeom prst="stripedRightArrow">
+              <a:avLst/>
+            </a:prstGeom>
+            <a:noFill/>
+            <a:ln w="28575">
+              <a:solidFill>
+                <a:srgbClr val="FF0000"/>
+              </a:solidFill>
+            </a:ln>
+          </p:spPr>
+          <p:style>
+            <a:lnRef idx="2">
+              <a:schemeClr val="accent1">
+                <a:shade val="50000"/>
+              </a:schemeClr>
+            </a:lnRef>
+            <a:fillRef idx="1">
+              <a:schemeClr val="accent1"/>
+            </a:fillRef>
+            <a:effectRef idx="0">
+              <a:schemeClr val="accent1"/>
+            </a:effectRef>
+            <a:fontRef idx="minor">
+              <a:schemeClr val="lt1"/>
+            </a:fontRef>
+          </p:style>
+          <p:txBody>
+            <a:bodyPr rtlCol="0" anchor="ctr"/>
+            <a:lstStyle/>
+            <a:p>
+              <a:pPr algn="ctr"/>
+              <a:endParaRPr lang="en-US"/>
+            </a:p>
+          </p:txBody>
+        </p:sp>
+      </p:grpSp>
+      <p:pic>
+        <p:nvPicPr>
+          <p:cNvPr id="13" name="Picture 12">
+            <a:extLst>
+              <a:ext uri="{FF2B5EF4-FFF2-40B4-BE49-F238E27FC236}">
+                <a16:creationId xmlns:a16="http://schemas.microsoft.com/office/drawing/2014/main" id="{0E539222-4D97-B141-BBBA-2A0E0BD48B68}"/>
+              </a:ext>
+            </a:extLst>
+          </p:cNvPr>
+          <p:cNvPicPr>
+            <a:picLocks noChangeAspect="1"/>
+          </p:cNvPicPr>
+          <p:nvPr/>
+        </p:nvPicPr>
+        <p:blipFill>
+          <a:blip r:embed="rId8"/>
+          <a:stretch>
+            <a:fillRect/>
+          </a:stretch>
+        </p:blipFill>
+        <p:spPr>
+          <a:xfrm>
+            <a:off x="9257725" y="769413"/>
+            <a:ext cx="2873357" cy="1234831"/>
+          </a:xfrm>
+          <a:prstGeom prst="rect">
+            <a:avLst/>
+          </a:prstGeom>
+          <a:ln>
+            <a:solidFill>
+              <a:srgbClr val="FF0000"/>
+            </a:solidFill>
+          </a:ln>
+          <a:effectLst>
+            <a:outerShdw blurRad="50800" dist="38100" dir="2700000" algn="tl" rotWithShape="0">
+              <a:prstClr val="black">
+                <a:alpha val="40000"/>
+              </a:prstClr>
+            </a:outerShdw>
+          </a:effectLst>
+        </p:spPr>
+      </p:pic>
+      <p:pic>
+        <p:nvPicPr>
+          <p:cNvPr id="17" name="Picture 16">
+            <a:extLst>
+              <a:ext uri="{FF2B5EF4-FFF2-40B4-BE49-F238E27FC236}">
+                <a16:creationId xmlns:a16="http://schemas.microsoft.com/office/drawing/2014/main" id="{A4B920EE-60C8-C147-8626-AFAE548F3072}"/>
+              </a:ext>
+            </a:extLst>
+          </p:cNvPr>
+          <p:cNvPicPr>
+            <a:picLocks noChangeAspect="1"/>
+          </p:cNvPicPr>
+          <p:nvPr/>
+        </p:nvPicPr>
+        <p:blipFill>
+          <a:blip r:embed="rId9"/>
+          <a:stretch>
+            <a:fillRect/>
+          </a:stretch>
+        </p:blipFill>
+        <p:spPr>
+          <a:xfrm>
+            <a:off x="772167" y="4332479"/>
+            <a:ext cx="3500870" cy="1046652"/>
+          </a:xfrm>
+          <a:prstGeom prst="rect">
+            <a:avLst/>
+          </a:prstGeom>
+        </p:spPr>
+      </p:pic>
+      <p:pic>
+        <p:nvPicPr>
+          <p:cNvPr id="19" name="Picture 18">
+            <a:extLst>
+              <a:ext uri="{FF2B5EF4-FFF2-40B4-BE49-F238E27FC236}">
+                <a16:creationId xmlns:a16="http://schemas.microsoft.com/office/drawing/2014/main" id="{4C3ADD52-EBF0-684D-BF24-DB0EB690E99B}"/>
+              </a:ext>
+            </a:extLst>
+          </p:cNvPr>
+          <p:cNvPicPr>
+            <a:picLocks noChangeAspect="1"/>
+          </p:cNvPicPr>
+          <p:nvPr/>
+        </p:nvPicPr>
+        <p:blipFill>
+          <a:blip r:embed="rId10"/>
+          <a:stretch>
+            <a:fillRect/>
+          </a:stretch>
+        </p:blipFill>
+        <p:spPr>
+          <a:xfrm>
+            <a:off x="5488115" y="4062947"/>
+            <a:ext cx="2023583" cy="1463290"/>
+          </a:xfrm>
+          <a:prstGeom prst="rect">
+            <a:avLst/>
+          </a:prstGeom>
+        </p:spPr>
+      </p:pic>
+      <p:pic>
+        <p:nvPicPr>
+          <p:cNvPr id="20" name="Picture 19">
+            <a:extLst>
+              <a:ext uri="{FF2B5EF4-FFF2-40B4-BE49-F238E27FC236}">
+                <a16:creationId xmlns:a16="http://schemas.microsoft.com/office/drawing/2014/main" id="{9BBC370D-146E-1140-8748-F1ABAB3E6F2A}"/>
+              </a:ext>
+            </a:extLst>
+          </p:cNvPr>
+          <p:cNvPicPr>
+            <a:picLocks noChangeAspect="1"/>
+          </p:cNvPicPr>
+          <p:nvPr/>
+        </p:nvPicPr>
+        <p:blipFill>
+          <a:blip r:embed="rId11"/>
+          <a:stretch>
+            <a:fillRect/>
+          </a:stretch>
+        </p:blipFill>
+        <p:spPr>
+          <a:xfrm>
+            <a:off x="7581610" y="4455594"/>
+            <a:ext cx="3352229" cy="799139"/>
+          </a:xfrm>
+          <a:prstGeom prst="rect">
+            <a:avLst/>
+          </a:prstGeom>
+        </p:spPr>
+      </p:pic>
+      <p:pic>
+        <p:nvPicPr>
+          <p:cNvPr id="22" name="Picture 21">
+            <a:extLst>
+              <a:ext uri="{FF2B5EF4-FFF2-40B4-BE49-F238E27FC236}">
+                <a16:creationId xmlns:a16="http://schemas.microsoft.com/office/drawing/2014/main" id="{AD795951-AF0B-7C40-9CEA-11C434ADA026}"/>
+              </a:ext>
+            </a:extLst>
+          </p:cNvPr>
+          <p:cNvPicPr>
+            <a:picLocks noChangeAspect="1"/>
+          </p:cNvPicPr>
+          <p:nvPr/>
+        </p:nvPicPr>
+        <p:blipFill>
+          <a:blip r:embed="rId12"/>
+          <a:stretch>
+            <a:fillRect/>
+          </a:stretch>
+        </p:blipFill>
+        <p:spPr>
+          <a:xfrm>
+            <a:off x="745792" y="5806006"/>
+            <a:ext cx="3500871" cy="1022784"/>
+          </a:xfrm>
+          <a:prstGeom prst="rect">
+            <a:avLst/>
+          </a:prstGeom>
+        </p:spPr>
+      </p:pic>
+      <p:pic>
+        <p:nvPicPr>
+          <p:cNvPr id="23" name="Picture 22">
+            <a:extLst>
+              <a:ext uri="{FF2B5EF4-FFF2-40B4-BE49-F238E27FC236}">
+                <a16:creationId xmlns:a16="http://schemas.microsoft.com/office/drawing/2014/main" id="{EE1541E8-BDCC-4042-9AA7-8BE03938A7E3}"/>
+              </a:ext>
+            </a:extLst>
+          </p:cNvPr>
+          <p:cNvPicPr>
+            <a:picLocks noChangeAspect="1"/>
+          </p:cNvPicPr>
+          <p:nvPr/>
+        </p:nvPicPr>
+        <p:blipFill>
+          <a:blip r:embed="rId13"/>
+          <a:stretch>
+            <a:fillRect/>
+          </a:stretch>
+        </p:blipFill>
+        <p:spPr>
+          <a:xfrm>
+            <a:off x="5000957" y="6112160"/>
+            <a:ext cx="2926624" cy="716630"/>
+          </a:xfrm>
+          <a:prstGeom prst="rect">
+            <a:avLst/>
+          </a:prstGeom>
+        </p:spPr>
+      </p:pic>
+    </p:spTree>
+    <p:extLst>
+      <p:ext uri="{BB962C8B-B14F-4D97-AF65-F5344CB8AC3E}">
+        <p14:creationId xmlns:p14="http://schemas.microsoft.com/office/powerpoint/2010/main" val="3101888244"/>
+      </p:ext>
+    </p:extLst>
+  </p:cSld>
+  <p:clrMapOvr>
+    <a:masterClrMapping/>
+  </p:clrMapOvr>
+</p:sld>
+</file>
+
+<file path=ppt/slides/slide27.xml><?xml version="1.0" encoding="utf-8"?>
+<p:sld xmlns:a="http://schemas.openxmlformats.org/drawingml/2006/main" xmlns:r="http://schemas.openxmlformats.org/officeDocument/2006/relationships" xmlns:p="http://schemas.openxmlformats.org/presentationml/2006/main">
+  <p:cSld>
+    <p:spTree>
+      <p:nvGrpSpPr>
+        <p:cNvPr id="1" name=""/>
+        <p:cNvGrpSpPr/>
+        <p:nvPr/>
+      </p:nvGrpSpPr>
+      <p:grpSpPr>
+        <a:xfrm>
+          <a:off x="0" y="0"/>
+          <a:ext cx="0" cy="0"/>
+          <a:chOff x="0" y="0"/>
+          <a:chExt cx="0" cy="0"/>
+        </a:xfrm>
+      </p:grpSpPr>
+      <p:sp>
+        <p:nvSpPr>
+          <p:cNvPr id="2" name="Title 1">
+            <a:extLst>
+              <a:ext uri="{FF2B5EF4-FFF2-40B4-BE49-F238E27FC236}">
+                <a16:creationId xmlns:a16="http://schemas.microsoft.com/office/drawing/2014/main" id="{325F2CEE-19ED-7C4A-A98E-9F27CF54B024}"/>
+              </a:ext>
+            </a:extLst>
+          </p:cNvPr>
+          <p:cNvSpPr>
+            <a:spLocks noGrp="1"/>
+          </p:cNvSpPr>
+          <p:nvPr>
+            <p:ph type="title"/>
+          </p:nvPr>
+        </p:nvSpPr>
+        <p:spPr>
+          <a:xfrm>
+            <a:off x="0" y="0"/>
+            <a:ext cx="12192000" cy="923536"/>
+          </a:xfrm>
+        </p:spPr>
+        <p:txBody>
+          <a:bodyPr>
+            <a:normAutofit fontScale="90000"/>
+          </a:bodyPr>
+          <a:lstStyle/>
+          <a:p>
+            <a:r>
+              <a:rPr lang="en-US" sz="3200" b="1" dirty="0">
+                <a:solidFill>
+                  <a:srgbClr val="FF0000"/>
+                </a:solidFill>
+                <a:latin typeface="+mn-lt"/>
+              </a:rPr>
+              <a:t>Course 3 Business Applications of Hypothesis Testing and Confidence Interval Estimation</a:t>
+            </a:r>
+          </a:p>
+        </p:txBody>
+      </p:sp>
+      <p:sp>
+        <p:nvSpPr>
+          <p:cNvPr id="7" name="Rectangle 6">
+            <a:extLst>
+              <a:ext uri="{FF2B5EF4-FFF2-40B4-BE49-F238E27FC236}">
+                <a16:creationId xmlns:a16="http://schemas.microsoft.com/office/drawing/2014/main" id="{9BE27FCF-C64B-874E-ABD0-325E77053CCB}"/>
+              </a:ext>
+            </a:extLst>
+          </p:cNvPr>
+          <p:cNvSpPr/>
+          <p:nvPr/>
+        </p:nvSpPr>
+        <p:spPr>
+          <a:xfrm>
+            <a:off x="0" y="712335"/>
+            <a:ext cx="237566" cy="369332"/>
+          </a:xfrm>
+          <a:prstGeom prst="rect">
+            <a:avLst/>
+          </a:prstGeom>
+        </p:spPr>
+        <p:txBody>
+          <a:bodyPr wrap="none">
+            <a:spAutoFit/>
+          </a:bodyPr>
+          <a:lstStyle/>
+          <a:p>
+            <a:r>
+              <a:rPr lang="en-US" b="1" dirty="0">
+                <a:solidFill>
+                  <a:srgbClr val="002060"/>
+                </a:solidFill>
+              </a:rPr>
+              <a:t> </a:t>
+            </a:r>
+          </a:p>
+        </p:txBody>
+      </p:sp>
+      <p:sp>
+        <p:nvSpPr>
+          <p:cNvPr id="5" name="Rectangle 4">
+            <a:extLst>
+              <a:ext uri="{FF2B5EF4-FFF2-40B4-BE49-F238E27FC236}">
+                <a16:creationId xmlns:a16="http://schemas.microsoft.com/office/drawing/2014/main" id="{A3635118-76DF-3341-AAF7-4C30F43F8608}"/>
+              </a:ext>
+            </a:extLst>
+          </p:cNvPr>
+          <p:cNvSpPr/>
+          <p:nvPr/>
+        </p:nvSpPr>
+        <p:spPr>
+          <a:xfrm>
+            <a:off x="0" y="897001"/>
+            <a:ext cx="5944088" cy="641201"/>
+          </a:xfrm>
+          <a:prstGeom prst="rect">
+            <a:avLst/>
+          </a:prstGeom>
+        </p:spPr>
+        <p:txBody>
+          <a:bodyPr wrap="square">
+            <a:spAutoFit/>
+          </a:bodyPr>
+          <a:lstStyle/>
+          <a:p>
+            <a:pPr marL="285750" indent="-285750">
+              <a:spcBef>
+                <a:spcPts val="1000"/>
+              </a:spcBef>
+              <a:buFont typeface="Wingdings" pitchFamily="2" charset="2"/>
+              <a:buChar char="Ø"/>
+            </a:pPr>
+            <a:r>
+              <a:rPr lang="en-US" dirty="0">
+                <a:solidFill>
+                  <a:prstClr val="black"/>
+                </a:solidFill>
+              </a:rPr>
+              <a:t>Confidence Interval </a:t>
+            </a:r>
+            <a:endParaRPr lang="en-US" b="1" dirty="0">
+              <a:solidFill>
+                <a:srgbClr val="0432FF"/>
+              </a:solidFill>
+            </a:endParaRPr>
+          </a:p>
+          <a:p>
+            <a:pPr marL="742950" lvl="1" indent="-285750">
+              <a:spcBef>
+                <a:spcPts val="200"/>
+              </a:spcBef>
+              <a:buFont typeface="Arial" panose="020B0604020202020204" pitchFamily="34" charset="0"/>
+              <a:buChar char="•"/>
+            </a:pPr>
+            <a:r>
+              <a:rPr lang="en-US" sz="1600" dirty="0"/>
+              <a:t>for unknown population proportion</a:t>
+            </a:r>
+          </a:p>
+        </p:txBody>
+      </p:sp>
+      <p:sp>
+        <p:nvSpPr>
+          <p:cNvPr id="21" name="Rectangle 20">
+            <a:extLst>
+              <a:ext uri="{FF2B5EF4-FFF2-40B4-BE49-F238E27FC236}">
+                <a16:creationId xmlns:a16="http://schemas.microsoft.com/office/drawing/2014/main" id="{2DBEBCF2-2CF6-6E42-829D-238C2B6F8CF3}"/>
+              </a:ext>
+            </a:extLst>
+          </p:cNvPr>
+          <p:cNvSpPr/>
+          <p:nvPr/>
+        </p:nvSpPr>
+        <p:spPr>
+          <a:xfrm>
+            <a:off x="0" y="2202758"/>
+            <a:ext cx="5944088" cy="913070"/>
+          </a:xfrm>
+          <a:prstGeom prst="rect">
+            <a:avLst/>
+          </a:prstGeom>
+        </p:spPr>
+        <p:txBody>
+          <a:bodyPr wrap="square">
+            <a:spAutoFit/>
+          </a:bodyPr>
+          <a:lstStyle/>
+          <a:p>
+            <a:pPr marL="285750" indent="-285750">
+              <a:spcBef>
+                <a:spcPts val="1000"/>
+              </a:spcBef>
+              <a:buFont typeface="Wingdings" pitchFamily="2" charset="2"/>
+              <a:buChar char="Ø"/>
+            </a:pPr>
+            <a:r>
+              <a:rPr lang="en-US" dirty="0">
+                <a:solidFill>
+                  <a:prstClr val="black"/>
+                </a:solidFill>
+              </a:rPr>
+              <a:t>Sample size</a:t>
+            </a:r>
+            <a:endParaRPr lang="en-US" b="1" dirty="0">
+              <a:solidFill>
+                <a:srgbClr val="0432FF"/>
+              </a:solidFill>
+            </a:endParaRPr>
+          </a:p>
+          <a:p>
+            <a:pPr marL="742950" lvl="1" indent="-285750">
+              <a:spcBef>
+                <a:spcPts val="200"/>
+              </a:spcBef>
+              <a:buFont typeface="Arial" panose="020B0604020202020204" pitchFamily="34" charset="0"/>
+              <a:buChar char="•"/>
+            </a:pPr>
+            <a:r>
+              <a:rPr lang="en-US" sz="1600" dirty="0"/>
+              <a:t>Confidence interval for the “Population”</a:t>
+            </a:r>
+          </a:p>
+          <a:p>
+            <a:pPr marL="742950" lvl="1" indent="-285750">
+              <a:spcBef>
+                <a:spcPts val="200"/>
+              </a:spcBef>
+              <a:buFont typeface="Arial" panose="020B0604020202020204" pitchFamily="34" charset="0"/>
+              <a:buChar char="•"/>
+            </a:pPr>
+            <a:endParaRPr lang="en-US" sz="1600" dirty="0"/>
+          </a:p>
+        </p:txBody>
+      </p:sp>
+      <p:pic>
+        <p:nvPicPr>
+          <p:cNvPr id="8" name="Picture 7">
+            <a:extLst>
+              <a:ext uri="{FF2B5EF4-FFF2-40B4-BE49-F238E27FC236}">
+                <a16:creationId xmlns:a16="http://schemas.microsoft.com/office/drawing/2014/main" id="{D87CD842-D65B-424C-B500-0D4AF0143AC7}"/>
+              </a:ext>
+            </a:extLst>
+          </p:cNvPr>
+          <p:cNvPicPr>
+            <a:picLocks noChangeAspect="1"/>
+          </p:cNvPicPr>
+          <p:nvPr/>
+        </p:nvPicPr>
+        <p:blipFill>
+          <a:blip r:embed="rId3"/>
+          <a:stretch>
+            <a:fillRect/>
+          </a:stretch>
+        </p:blipFill>
+        <p:spPr>
+          <a:xfrm>
+            <a:off x="847969" y="2808086"/>
+            <a:ext cx="3452935" cy="1087700"/>
+          </a:xfrm>
+          <a:prstGeom prst="rect">
+            <a:avLst/>
+          </a:prstGeom>
+        </p:spPr>
+      </p:pic>
+      <p:pic>
+        <p:nvPicPr>
+          <p:cNvPr id="18" name="Picture 17">
+            <a:extLst>
+              <a:ext uri="{FF2B5EF4-FFF2-40B4-BE49-F238E27FC236}">
+                <a16:creationId xmlns:a16="http://schemas.microsoft.com/office/drawing/2014/main" id="{3D8DD1C1-DFAD-C841-ACF9-400A67A507A5}"/>
+              </a:ext>
+            </a:extLst>
+          </p:cNvPr>
+          <p:cNvPicPr>
+            <a:picLocks noChangeAspect="1"/>
+          </p:cNvPicPr>
+          <p:nvPr/>
+        </p:nvPicPr>
+        <p:blipFill>
+          <a:blip r:embed="rId4"/>
+          <a:stretch>
+            <a:fillRect/>
+          </a:stretch>
+        </p:blipFill>
+        <p:spPr>
+          <a:xfrm>
+            <a:off x="847969" y="1597430"/>
+            <a:ext cx="4248150" cy="546100"/>
+          </a:xfrm>
+          <a:prstGeom prst="rect">
+            <a:avLst/>
+          </a:prstGeom>
+        </p:spPr>
+      </p:pic>
+      <p:sp>
+        <p:nvSpPr>
+          <p:cNvPr id="25" name="Rectangle 24">
+            <a:extLst>
+              <a:ext uri="{FF2B5EF4-FFF2-40B4-BE49-F238E27FC236}">
+                <a16:creationId xmlns:a16="http://schemas.microsoft.com/office/drawing/2014/main" id="{A8812022-FA7C-E54F-9F2D-8A421EFABC2F}"/>
+              </a:ext>
+            </a:extLst>
+          </p:cNvPr>
+          <p:cNvSpPr/>
+          <p:nvPr/>
+        </p:nvSpPr>
+        <p:spPr>
+          <a:xfrm>
+            <a:off x="847969" y="3895786"/>
+            <a:ext cx="5096119" cy="830997"/>
+          </a:xfrm>
+          <a:prstGeom prst="rect">
+            <a:avLst/>
+          </a:prstGeom>
+        </p:spPr>
+        <p:txBody>
+          <a:bodyPr wrap="square">
+            <a:spAutoFit/>
+          </a:bodyPr>
+          <a:lstStyle/>
+          <a:p>
+            <a:r>
+              <a:rPr lang="en-US" sz="1600" dirty="0"/>
+              <a:t>If p̂ is unknown when you want to calculate the sample size for a given margin of error in a population proportion confidence interval.  We can use </a:t>
+            </a:r>
+            <a:r>
+              <a:rPr lang="en-US" sz="1600" b="1" dirty="0">
+                <a:solidFill>
+                  <a:srgbClr val="FF0000"/>
+                </a:solidFill>
+              </a:rPr>
+              <a:t>p̂=0.5 </a:t>
+            </a:r>
+            <a:r>
+              <a:rPr lang="en-US" sz="1600" dirty="0">
+                <a:solidFill>
+                  <a:prstClr val="black"/>
+                </a:solidFill>
+              </a:rPr>
+              <a:t>to estimate.</a:t>
+            </a:r>
+            <a:endParaRPr lang="en-US" sz="1600" b="1" dirty="0">
+              <a:solidFill>
+                <a:srgbClr val="FF0000"/>
+              </a:solidFill>
+            </a:endParaRPr>
+          </a:p>
+        </p:txBody>
+      </p:sp>
+      <p:sp>
+        <p:nvSpPr>
+          <p:cNvPr id="26" name="Rectangle 25">
+            <a:extLst>
+              <a:ext uri="{FF2B5EF4-FFF2-40B4-BE49-F238E27FC236}">
+                <a16:creationId xmlns:a16="http://schemas.microsoft.com/office/drawing/2014/main" id="{5CCECE22-0E7E-8C4D-AC8F-8C2186FC206C}"/>
+              </a:ext>
+            </a:extLst>
+          </p:cNvPr>
+          <p:cNvSpPr/>
+          <p:nvPr/>
+        </p:nvSpPr>
+        <p:spPr>
+          <a:xfrm>
+            <a:off x="6096000" y="923536"/>
+            <a:ext cx="5944088" cy="1923604"/>
+          </a:xfrm>
+          <a:prstGeom prst="rect">
+            <a:avLst/>
+          </a:prstGeom>
+        </p:spPr>
+        <p:txBody>
+          <a:bodyPr wrap="square">
+            <a:spAutoFit/>
+          </a:bodyPr>
+          <a:lstStyle/>
+          <a:p>
+            <a:pPr marL="285750" indent="-285750">
+              <a:spcBef>
+                <a:spcPts val="1000"/>
+              </a:spcBef>
+              <a:buFont typeface="Wingdings" pitchFamily="2" charset="2"/>
+              <a:buChar char="Ø"/>
+            </a:pPr>
+            <a:r>
+              <a:rPr lang="en-US" dirty="0">
+                <a:solidFill>
+                  <a:prstClr val="black"/>
+                </a:solidFill>
+              </a:rPr>
+              <a:t>Hypothesis testing</a:t>
+            </a:r>
+            <a:endParaRPr lang="en-US" b="1" dirty="0">
+              <a:solidFill>
+                <a:srgbClr val="0432FF"/>
+              </a:solidFill>
+            </a:endParaRPr>
+          </a:p>
+          <a:p>
+            <a:pPr marL="742950" lvl="1" indent="-285750">
+              <a:spcBef>
+                <a:spcPts val="200"/>
+              </a:spcBef>
+              <a:buFont typeface="Arial" panose="020B0604020202020204" pitchFamily="34" charset="0"/>
+              <a:buChar char="•"/>
+            </a:pPr>
+            <a:r>
+              <a:rPr lang="en-US" sz="1600" dirty="0"/>
+              <a:t>Hypothesis Test is a scientific tool to aid your decision making </a:t>
+            </a:r>
+          </a:p>
+          <a:p>
+            <a:pPr marL="742950" lvl="1" indent="-285750">
+              <a:spcBef>
+                <a:spcPts val="200"/>
+              </a:spcBef>
+              <a:buFont typeface="Arial" panose="020B0604020202020204" pitchFamily="34" charset="0"/>
+              <a:buChar char="•"/>
+            </a:pPr>
+            <a:r>
+              <a:rPr lang="en-US" sz="1600" dirty="0"/>
+              <a:t>A scientific procedure of hypothesis testing takes into account </a:t>
+            </a:r>
+            <a:r>
+              <a:rPr lang="en-US" sz="1600" dirty="0">
+                <a:solidFill>
+                  <a:srgbClr val="0432FF"/>
+                </a:solidFill>
+              </a:rPr>
+              <a:t>size of the sample</a:t>
+            </a:r>
+            <a:r>
+              <a:rPr lang="en-US" sz="1600" dirty="0"/>
+              <a:t>, </a:t>
+            </a:r>
+            <a:r>
+              <a:rPr lang="en-US" sz="1600" dirty="0">
+                <a:solidFill>
+                  <a:srgbClr val="0432FF"/>
+                </a:solidFill>
+              </a:rPr>
+              <a:t>variability in the sample </a:t>
+            </a:r>
+            <a:r>
+              <a:rPr lang="en-US" sz="1600" dirty="0"/>
+              <a:t>and </a:t>
+            </a:r>
+            <a:r>
+              <a:rPr lang="en-US" sz="1600" dirty="0">
+                <a:solidFill>
+                  <a:srgbClr val="0432FF"/>
+                </a:solidFill>
+              </a:rPr>
+              <a:t>level of significance</a:t>
+            </a:r>
+            <a:r>
+              <a:rPr lang="en-US" sz="1600" dirty="0"/>
+              <a:t> in the conclusion.</a:t>
+            </a:r>
+          </a:p>
+          <a:p>
+            <a:pPr marL="742950" lvl="1" indent="-285750">
+              <a:spcBef>
+                <a:spcPts val="200"/>
+              </a:spcBef>
+              <a:buFont typeface="Arial" panose="020B0604020202020204" pitchFamily="34" charset="0"/>
+              <a:buChar char="•"/>
+            </a:pPr>
+            <a:endParaRPr lang="en-US" sz="1600" dirty="0"/>
+          </a:p>
+        </p:txBody>
+      </p:sp>
+      <p:pic>
+        <p:nvPicPr>
+          <p:cNvPr id="27" name="Picture 26">
+            <a:extLst>
+              <a:ext uri="{FF2B5EF4-FFF2-40B4-BE49-F238E27FC236}">
+                <a16:creationId xmlns:a16="http://schemas.microsoft.com/office/drawing/2014/main" id="{C949BC90-8FF4-854A-905A-82056B5122C9}"/>
+              </a:ext>
+            </a:extLst>
+          </p:cNvPr>
+          <p:cNvPicPr>
+            <a:picLocks noChangeAspect="1"/>
+          </p:cNvPicPr>
+          <p:nvPr/>
+        </p:nvPicPr>
+        <p:blipFill rotWithShape="1">
+          <a:blip r:embed="rId5"/>
+          <a:srcRect t="3443"/>
+          <a:stretch/>
+        </p:blipFill>
+        <p:spPr>
+          <a:xfrm>
+            <a:off x="6927117" y="2659293"/>
+            <a:ext cx="4281854" cy="1896312"/>
+          </a:xfrm>
+          <a:prstGeom prst="rect">
+            <a:avLst/>
+          </a:prstGeom>
+        </p:spPr>
+      </p:pic>
+      <p:sp>
+        <p:nvSpPr>
+          <p:cNvPr id="28" name="Rectangle 27">
+            <a:extLst>
+              <a:ext uri="{FF2B5EF4-FFF2-40B4-BE49-F238E27FC236}">
+                <a16:creationId xmlns:a16="http://schemas.microsoft.com/office/drawing/2014/main" id="{C5216F5A-F212-6A4C-9F56-F0379ADD9538}"/>
+              </a:ext>
+            </a:extLst>
+          </p:cNvPr>
+          <p:cNvSpPr/>
+          <p:nvPr/>
+        </p:nvSpPr>
+        <p:spPr>
+          <a:xfrm>
+            <a:off x="5944088" y="4582897"/>
+            <a:ext cx="5366982" cy="1154162"/>
+          </a:xfrm>
+          <a:prstGeom prst="rect">
+            <a:avLst/>
+          </a:prstGeom>
+        </p:spPr>
+        <p:txBody>
+          <a:bodyPr wrap="none">
+            <a:spAutoFit/>
+          </a:bodyPr>
+          <a:lstStyle/>
+          <a:p>
+            <a:pPr marL="800100" lvl="1" indent="-342900">
+              <a:spcBef>
+                <a:spcPts val="200"/>
+              </a:spcBef>
+              <a:buFont typeface="+mj-lt"/>
+              <a:buAutoNum type="arabicPeriod"/>
+            </a:pPr>
+            <a:r>
+              <a:rPr lang="en-US" sz="1600" dirty="0"/>
+              <a:t>Formulate Hypothesis</a:t>
+            </a:r>
+          </a:p>
+          <a:p>
+            <a:pPr marL="800100" lvl="1" indent="-342900">
+              <a:spcBef>
+                <a:spcPts val="200"/>
+              </a:spcBef>
+              <a:buFont typeface="+mj-lt"/>
+              <a:buAutoNum type="arabicPeriod"/>
+            </a:pPr>
+            <a:r>
+              <a:rPr lang="en-US" sz="1600" dirty="0"/>
+              <a:t>Calculate the t-statistic</a:t>
+            </a:r>
+          </a:p>
+          <a:p>
+            <a:pPr marL="800100" lvl="1" indent="-342900">
+              <a:spcBef>
+                <a:spcPts val="200"/>
+              </a:spcBef>
+              <a:buFont typeface="+mj-lt"/>
+              <a:buAutoNum type="arabicPeriod"/>
+            </a:pPr>
+            <a:r>
+              <a:rPr lang="en-US" sz="1600" dirty="0"/>
+              <a:t>Cutoff values for the t-statistic</a:t>
+            </a:r>
+          </a:p>
+          <a:p>
+            <a:pPr marL="800100" lvl="1" indent="-342900">
+              <a:spcBef>
+                <a:spcPts val="200"/>
+              </a:spcBef>
+              <a:buFont typeface="+mj-lt"/>
+              <a:buAutoNum type="arabicPeriod"/>
+            </a:pPr>
+            <a:r>
+              <a:rPr lang="en-US" sz="1600" dirty="0"/>
+              <a:t>Check whether t-statistic falls in the rejection region </a:t>
+            </a:r>
+          </a:p>
+        </p:txBody>
+      </p:sp>
+    </p:spTree>
+    <p:extLst>
+      <p:ext uri="{BB962C8B-B14F-4D97-AF65-F5344CB8AC3E}">
+        <p14:creationId xmlns:p14="http://schemas.microsoft.com/office/powerpoint/2010/main" val="1312204348"/>
+      </p:ext>
+    </p:extLst>
+  </p:cSld>
+  <p:clrMapOvr>
+    <a:masterClrMapping/>
+  </p:clrMapOvr>
+</p:sld>
+</file>
+
+<file path=ppt/slides/slide28.xml><?xml version="1.0" encoding="utf-8"?>
+<p:sld xmlns:a="http://schemas.openxmlformats.org/drawingml/2006/main" xmlns:r="http://schemas.openxmlformats.org/officeDocument/2006/relationships" xmlns:p="http://schemas.openxmlformats.org/presentationml/2006/main">
+  <p:cSld>
+    <p:spTree>
+      <p:nvGrpSpPr>
+        <p:cNvPr id="1" name=""/>
+        <p:cNvGrpSpPr/>
+        <p:nvPr/>
+      </p:nvGrpSpPr>
+      <p:grpSpPr>
+        <a:xfrm>
+          <a:off x="0" y="0"/>
+          <a:ext cx="0" cy="0"/>
+          <a:chOff x="0" y="0"/>
+          <a:chExt cx="0" cy="0"/>
+        </a:xfrm>
+      </p:grpSpPr>
+      <p:sp>
+        <p:nvSpPr>
+          <p:cNvPr id="2" name="Title 1">
+            <a:extLst>
+              <a:ext uri="{FF2B5EF4-FFF2-40B4-BE49-F238E27FC236}">
+                <a16:creationId xmlns:a16="http://schemas.microsoft.com/office/drawing/2014/main" id="{325F2CEE-19ED-7C4A-A98E-9F27CF54B024}"/>
+              </a:ext>
+            </a:extLst>
+          </p:cNvPr>
+          <p:cNvSpPr>
+            <a:spLocks noGrp="1"/>
+          </p:cNvSpPr>
+          <p:nvPr>
+            <p:ph type="title"/>
+          </p:nvPr>
+        </p:nvSpPr>
+        <p:spPr>
+          <a:xfrm>
+            <a:off x="0" y="0"/>
+            <a:ext cx="12192000" cy="923536"/>
+          </a:xfrm>
+        </p:spPr>
+        <p:txBody>
+          <a:bodyPr>
+            <a:normAutofit fontScale="90000"/>
+          </a:bodyPr>
+          <a:lstStyle/>
+          <a:p>
+            <a:r>
+              <a:rPr lang="en-US" sz="3200" b="1" dirty="0">
+                <a:solidFill>
+                  <a:srgbClr val="FF0000"/>
+                </a:solidFill>
+                <a:latin typeface="+mn-lt"/>
+              </a:rPr>
+              <a:t>Course 3 Business Applications of Hypothesis Testing and Confidence Interval Estimation</a:t>
+            </a:r>
+          </a:p>
+        </p:txBody>
+      </p:sp>
+      <p:sp>
+        <p:nvSpPr>
+          <p:cNvPr id="7" name="Rectangle 6">
+            <a:extLst>
+              <a:ext uri="{FF2B5EF4-FFF2-40B4-BE49-F238E27FC236}">
+                <a16:creationId xmlns:a16="http://schemas.microsoft.com/office/drawing/2014/main" id="{9BE27FCF-C64B-874E-ABD0-325E77053CCB}"/>
+              </a:ext>
+            </a:extLst>
+          </p:cNvPr>
+          <p:cNvSpPr/>
+          <p:nvPr/>
+        </p:nvSpPr>
+        <p:spPr>
+          <a:xfrm>
+            <a:off x="0" y="712335"/>
+            <a:ext cx="237566" cy="369332"/>
+          </a:xfrm>
+          <a:prstGeom prst="rect">
+            <a:avLst/>
+          </a:prstGeom>
+        </p:spPr>
+        <p:txBody>
+          <a:bodyPr wrap="none">
+            <a:spAutoFit/>
+          </a:bodyPr>
+          <a:lstStyle/>
+          <a:p>
+            <a:r>
+              <a:rPr lang="en-US" b="1" dirty="0">
+                <a:solidFill>
+                  <a:srgbClr val="002060"/>
+                </a:solidFill>
+              </a:rPr>
+              <a:t> </a:t>
+            </a:r>
+          </a:p>
+        </p:txBody>
+      </p:sp>
+      <p:sp>
+        <p:nvSpPr>
+          <p:cNvPr id="26" name="Rectangle 25">
+            <a:extLst>
+              <a:ext uri="{FF2B5EF4-FFF2-40B4-BE49-F238E27FC236}">
+                <a16:creationId xmlns:a16="http://schemas.microsoft.com/office/drawing/2014/main" id="{5CCECE22-0E7E-8C4D-AC8F-8C2186FC206C}"/>
+              </a:ext>
+            </a:extLst>
+          </p:cNvPr>
+          <p:cNvSpPr/>
+          <p:nvPr/>
+        </p:nvSpPr>
+        <p:spPr>
+          <a:xfrm>
+            <a:off x="0" y="929583"/>
+            <a:ext cx="5944088" cy="887422"/>
+          </a:xfrm>
+          <a:prstGeom prst="rect">
+            <a:avLst/>
+          </a:prstGeom>
+        </p:spPr>
+        <p:txBody>
+          <a:bodyPr wrap="square">
+            <a:spAutoFit/>
+          </a:bodyPr>
+          <a:lstStyle/>
+          <a:p>
+            <a:pPr marL="285750" indent="-285750">
+              <a:spcBef>
+                <a:spcPts val="1000"/>
+              </a:spcBef>
+              <a:buFont typeface="Wingdings" pitchFamily="2" charset="2"/>
+              <a:buChar char="Ø"/>
+            </a:pPr>
+            <a:r>
+              <a:rPr lang="en-US" dirty="0">
+                <a:solidFill>
+                  <a:prstClr val="black"/>
+                </a:solidFill>
+              </a:rPr>
+              <a:t>Hypothesis testing</a:t>
+            </a:r>
+            <a:endParaRPr lang="en-US" b="1" dirty="0">
+              <a:solidFill>
+                <a:srgbClr val="0432FF"/>
+              </a:solidFill>
+            </a:endParaRPr>
+          </a:p>
+          <a:p>
+            <a:pPr marL="742950" lvl="1" indent="-285750">
+              <a:spcBef>
+                <a:spcPts val="200"/>
+              </a:spcBef>
+              <a:buFont typeface="Arial" panose="020B0604020202020204" pitchFamily="34" charset="0"/>
+              <a:buChar char="•"/>
+            </a:pPr>
+            <a:r>
+              <a:rPr lang="en-US" sz="1600" dirty="0"/>
+              <a:t>Hypothesis Test is a scientific tool to aid your decision making </a:t>
+            </a:r>
+          </a:p>
+        </p:txBody>
+      </p:sp>
+    </p:spTree>
+    <p:extLst>
+      <p:ext uri="{BB962C8B-B14F-4D97-AF65-F5344CB8AC3E}">
+        <p14:creationId xmlns:p14="http://schemas.microsoft.com/office/powerpoint/2010/main" val="406438910"/>
+      </p:ext>
+    </p:extLst>
+  </p:cSld>
+  <p:clrMapOvr>
+    <a:masterClrMapping/>
+  </p:clrMapOvr>
+</p:sld>
+</file>
+
+<file path=ppt/slides/slide29.xml><?xml version="1.0" encoding="utf-8"?>
+<p:sld xmlns:a="http://schemas.openxmlformats.org/drawingml/2006/main" xmlns:r="http://schemas.openxmlformats.org/officeDocument/2006/relationships" xmlns:p="http://schemas.openxmlformats.org/presentationml/2006/main">
+  <p:cSld>
+    <p:spTree>
+      <p:nvGrpSpPr>
+        <p:cNvPr id="1" name=""/>
+        <p:cNvGrpSpPr/>
+        <p:nvPr/>
+      </p:nvGrpSpPr>
+      <p:grpSpPr>
+        <a:xfrm>
+          <a:off x="0" y="0"/>
+          <a:ext cx="0" cy="0"/>
+          <a:chOff x="0" y="0"/>
+          <a:chExt cx="0" cy="0"/>
+        </a:xfrm>
+      </p:grpSpPr>
+      <p:sp>
+        <p:nvSpPr>
+          <p:cNvPr id="4" name="Rectangle 3">
+            <a:extLst>
+              <a:ext uri="{FF2B5EF4-FFF2-40B4-BE49-F238E27FC236}">
+                <a16:creationId xmlns:a16="http://schemas.microsoft.com/office/drawing/2014/main" id="{DF27796A-86E0-BF41-A0B1-0AA9E61E1B49}"/>
+              </a:ext>
+            </a:extLst>
+          </p:cNvPr>
+          <p:cNvSpPr/>
+          <p:nvPr/>
+        </p:nvSpPr>
+        <p:spPr>
+          <a:xfrm>
+            <a:off x="7533541" y="1259175"/>
+            <a:ext cx="4267200" cy="4339650"/>
+          </a:xfrm>
+          <a:prstGeom prst="rect">
+            <a:avLst/>
+          </a:prstGeom>
+          <a:ln>
+            <a:solidFill>
+              <a:srgbClr val="002060"/>
+            </a:solidFill>
+          </a:ln>
+        </p:spPr>
+        <p:txBody>
+          <a:bodyPr wrap="square">
+            <a:spAutoFit/>
+          </a:bodyPr>
+          <a:lstStyle/>
+          <a:p>
+            <a:r>
+              <a:rPr lang="en-US" sz="1200" dirty="0"/>
+              <a:t>Sub copycolumns()</a:t>
+            </a:r>
+          </a:p>
+          <a:p>
+            <a:r>
+              <a:rPr lang="en-US" sz="1200" dirty="0"/>
+              <a:t>Dim lastrow As Long, erow As Long</a:t>
+            </a:r>
+          </a:p>
+          <a:p>
+            <a:endParaRPr lang="en-US" sz="1200" dirty="0"/>
+          </a:p>
+          <a:p>
+            <a:r>
+              <a:rPr lang="en-US" sz="1200" dirty="0"/>
+              <a:t>lastrow = Sheet1.Cells(Rows.Count, 1).End(xlUp).Row</a:t>
+            </a:r>
+          </a:p>
+          <a:p>
+            <a:r>
+              <a:rPr lang="en-US" sz="1200" dirty="0"/>
+              <a:t>For i = 2 To lastrow</a:t>
+            </a:r>
+          </a:p>
+          <a:p>
+            <a:r>
+              <a:rPr lang="en-US" sz="1200" dirty="0"/>
+              <a:t>erow = Sheet2.Cells(Rows.Count, 1).End(xlUp).Offset(1, 0).Row</a:t>
+            </a:r>
+          </a:p>
+          <a:p>
+            <a:endParaRPr lang="en-US" sz="1200" dirty="0"/>
+          </a:p>
+          <a:p>
+            <a:r>
+              <a:rPr lang="en-US" sz="1200" dirty="0"/>
+              <a:t>Sheet1.Cells(i, 2).Copy</a:t>
+            </a:r>
+          </a:p>
+          <a:p>
+            <a:r>
+              <a:rPr lang="en-US" sz="1200" dirty="0"/>
+              <a:t>Sheet1.Paste Destination:=Worksheets("Sheet2").Cells(erow, 1)</a:t>
+            </a:r>
+          </a:p>
+          <a:p>
+            <a:endParaRPr lang="en-US" sz="1200" dirty="0"/>
+          </a:p>
+          <a:p>
+            <a:r>
+              <a:rPr lang="en-US" sz="1200" dirty="0"/>
+              <a:t>Sheet1.Cells(i, 3).Copy</a:t>
+            </a:r>
+          </a:p>
+          <a:p>
+            <a:r>
+              <a:rPr lang="en-US" sz="1200" dirty="0"/>
+              <a:t>Sheet1.Paste Destination:=Worksheets("Sheet2").Cells(erow, 2)</a:t>
+            </a:r>
+          </a:p>
+          <a:p>
+            <a:endParaRPr lang="en-US" sz="1200" dirty="0"/>
+          </a:p>
+          <a:p>
+            <a:r>
+              <a:rPr lang="en-US" sz="1200" dirty="0"/>
+              <a:t>Sheet1.Cells(i, 5).Copy</a:t>
+            </a:r>
+          </a:p>
+          <a:p>
+            <a:r>
+              <a:rPr lang="en-US" sz="1200" dirty="0"/>
+              <a:t>Sheet1.Paste Destination:=Worksheets("Sheet2").Cells(erow, 3)</a:t>
+            </a:r>
+          </a:p>
+          <a:p>
+            <a:endParaRPr lang="en-US" sz="1200" dirty="0"/>
+          </a:p>
+          <a:p>
+            <a:r>
+              <a:rPr lang="en-US" sz="1200" dirty="0"/>
+              <a:t>Next i</a:t>
+            </a:r>
+          </a:p>
+          <a:p>
+            <a:endParaRPr lang="en-US" sz="1200" dirty="0"/>
+          </a:p>
+          <a:p>
+            <a:r>
+              <a:rPr lang="en-US" sz="1200" dirty="0"/>
+              <a:t>Application.CutCopyMode = False</a:t>
+            </a:r>
+          </a:p>
+          <a:p>
+            <a:r>
+              <a:rPr lang="en-US" sz="1200" dirty="0"/>
+              <a:t>Sheet2.Columns.AutoFit</a:t>
+            </a:r>
+          </a:p>
+          <a:p>
+            <a:r>
+              <a:rPr lang="en-US" sz="1200" dirty="0"/>
+              <a:t>Range("A1").Select</a:t>
+            </a:r>
+          </a:p>
+          <a:p>
+            <a:endParaRPr lang="en-US" sz="1200" dirty="0"/>
+          </a:p>
+          <a:p>
+            <a:r>
+              <a:rPr lang="en-US" sz="1200" dirty="0"/>
+              <a:t>End Sub</a:t>
+            </a:r>
+          </a:p>
+        </p:txBody>
+      </p:sp>
+      <p:sp>
+        <p:nvSpPr>
+          <p:cNvPr id="5" name="Title 1">
+            <a:extLst>
+              <a:ext uri="{FF2B5EF4-FFF2-40B4-BE49-F238E27FC236}">
+                <a16:creationId xmlns:a16="http://schemas.microsoft.com/office/drawing/2014/main" id="{93C3C33C-2CBE-6C4D-9B97-F767F324E6CB}"/>
+              </a:ext>
+            </a:extLst>
+          </p:cNvPr>
+          <p:cNvSpPr>
+            <a:spLocks noGrp="1"/>
+          </p:cNvSpPr>
+          <p:nvPr>
+            <p:ph type="title"/>
+          </p:nvPr>
+        </p:nvSpPr>
+        <p:spPr>
+          <a:xfrm>
+            <a:off x="0" y="18256"/>
+            <a:ext cx="12192000" cy="649010"/>
+          </a:xfrm>
+        </p:spPr>
+        <p:txBody>
+          <a:bodyPr>
+            <a:normAutofit/>
+          </a:bodyPr>
+          <a:lstStyle/>
+          <a:p>
+            <a:r>
+              <a:rPr lang="en-US" sz="3200" b="1" dirty="0">
+                <a:solidFill>
+                  <a:srgbClr val="FF0000"/>
+                </a:solidFill>
+                <a:latin typeface="+mn-lt"/>
+              </a:rPr>
+              <a:t>Copy columns to new sheet with VBA</a:t>
+            </a:r>
+          </a:p>
+        </p:txBody>
+      </p:sp>
+      <p:sp>
+        <p:nvSpPr>
+          <p:cNvPr id="6" name="Rectangle 5">
+            <a:extLst>
+              <a:ext uri="{FF2B5EF4-FFF2-40B4-BE49-F238E27FC236}">
+                <a16:creationId xmlns:a16="http://schemas.microsoft.com/office/drawing/2014/main" id="{A84FED34-AB09-A74B-A411-D2BD97852602}"/>
+              </a:ext>
+            </a:extLst>
+          </p:cNvPr>
+          <p:cNvSpPr/>
+          <p:nvPr/>
+        </p:nvSpPr>
+        <p:spPr>
+          <a:xfrm>
+            <a:off x="187570" y="793943"/>
+            <a:ext cx="6752492" cy="338554"/>
+          </a:xfrm>
+          <a:prstGeom prst="rect">
+            <a:avLst/>
+          </a:prstGeom>
+        </p:spPr>
+        <p:txBody>
+          <a:bodyPr wrap="square">
+            <a:spAutoFit/>
+          </a:bodyPr>
+          <a:lstStyle/>
+          <a:p>
+            <a:r>
+              <a:rPr lang="en-US" sz="1600" b="1" dirty="0">
+                <a:solidFill>
+                  <a:srgbClr val="0432FF"/>
+                </a:solidFill>
+              </a:rPr>
+              <a:t>developer ➮ Visual Basic ➮ Click current workbook ➮ Insert ➮ Module   </a:t>
+            </a:r>
+          </a:p>
+        </p:txBody>
+      </p:sp>
+      <p:pic>
+        <p:nvPicPr>
+          <p:cNvPr id="8" name="Picture 7">
+            <a:extLst>
+              <a:ext uri="{FF2B5EF4-FFF2-40B4-BE49-F238E27FC236}">
+                <a16:creationId xmlns:a16="http://schemas.microsoft.com/office/drawing/2014/main" id="{073A3E39-BD6A-964F-9479-17D7A97E23C3}"/>
+              </a:ext>
+            </a:extLst>
+          </p:cNvPr>
+          <p:cNvPicPr>
+            <a:picLocks noChangeAspect="1"/>
+          </p:cNvPicPr>
+          <p:nvPr/>
+        </p:nvPicPr>
+        <p:blipFill>
+          <a:blip r:embed="rId3"/>
+          <a:stretch>
+            <a:fillRect/>
+          </a:stretch>
+        </p:blipFill>
+        <p:spPr>
+          <a:xfrm>
+            <a:off x="285751" y="1259175"/>
+            <a:ext cx="7012239" cy="4339650"/>
+          </a:xfrm>
+          <a:prstGeom prst="rect">
+            <a:avLst/>
+          </a:prstGeom>
+          <a:ln>
+            <a:solidFill>
+              <a:srgbClr val="002060"/>
+            </a:solidFill>
+          </a:ln>
+        </p:spPr>
+      </p:pic>
+      <p:sp>
+        <p:nvSpPr>
+          <p:cNvPr id="9" name="Rectangle 8">
+            <a:extLst>
+              <a:ext uri="{FF2B5EF4-FFF2-40B4-BE49-F238E27FC236}">
+                <a16:creationId xmlns:a16="http://schemas.microsoft.com/office/drawing/2014/main" id="{96E9BD3B-E300-354C-8D49-CC177EDD97FB}"/>
+              </a:ext>
+            </a:extLst>
+          </p:cNvPr>
+          <p:cNvSpPr/>
+          <p:nvPr/>
+        </p:nvSpPr>
+        <p:spPr>
+          <a:xfrm>
+            <a:off x="187570" y="5725503"/>
+            <a:ext cx="6752492" cy="338554"/>
+          </a:xfrm>
+          <a:prstGeom prst="rect">
+            <a:avLst/>
+          </a:prstGeom>
+        </p:spPr>
+        <p:txBody>
+          <a:bodyPr wrap="square">
+            <a:spAutoFit/>
+          </a:bodyPr>
+          <a:lstStyle/>
+          <a:p>
+            <a:r>
+              <a:rPr lang="en-US" sz="1600" b="1" dirty="0">
+                <a:solidFill>
+                  <a:srgbClr val="0432FF"/>
+                </a:solidFill>
+              </a:rPr>
+              <a:t>Note</a:t>
+            </a:r>
+            <a:r>
+              <a:rPr lang="zh-CN" altLang="en-US" sz="1600" b="1" dirty="0">
+                <a:solidFill>
+                  <a:srgbClr val="0432FF"/>
+                </a:solidFill>
+              </a:rPr>
+              <a:t>：</a:t>
+            </a:r>
+            <a:r>
+              <a:rPr lang="en-US" altLang="zh-CN" sz="1600" b="1" dirty="0">
+                <a:solidFill>
+                  <a:srgbClr val="0432FF"/>
+                </a:solidFill>
+              </a:rPr>
+              <a:t>Create the module in your present working excel workbook.</a:t>
+            </a:r>
+            <a:endParaRPr lang="en-US" sz="1600" b="1" dirty="0">
+              <a:solidFill>
+                <a:srgbClr val="0432FF"/>
+              </a:solidFill>
+            </a:endParaRPr>
+          </a:p>
+        </p:txBody>
+      </p:sp>
+    </p:spTree>
+    <p:extLst>
+      <p:ext uri="{BB962C8B-B14F-4D97-AF65-F5344CB8AC3E}">
+        <p14:creationId xmlns:p14="http://schemas.microsoft.com/office/powerpoint/2010/main" val="1009592767"/>
+      </p:ext>
+    </p:extLst>
+  </p:cSld>
+  <p:clrMapOvr>
+    <a:masterClrMapping/>
+  </p:clrMapOvr>
+</p:sld>
+</file>
+
 <file path=ppt/slides/slide3.xml><?xml version="1.0" encoding="utf-8"?>
 <p:sld xmlns:a="http://schemas.openxmlformats.org/drawingml/2006/main" xmlns:r="http://schemas.openxmlformats.org/officeDocument/2006/relationships" xmlns:p="http://schemas.openxmlformats.org/presentationml/2006/main">
   <p:cSld>
@@ -20353,21 +23746,8 @@
             </a:r>
             <a:r>
               <a:rPr lang="en-US" sz="1600" dirty="0"/>
-              <a:t>Right click ➮ Report Connections </a:t>
-            </a:r>
-            <a:r>
-              <a:rPr lang="en-US" sz="1600"/>
-              <a:t>➮ Choose </a:t>
-            </a:r>
-            <a:r>
-              <a:rPr lang="en-US" sz="1600" dirty="0"/>
-              <a:t>icon of </a:t>
-            </a:r>
-            <a:r>
-              <a:rPr lang="en-US" sz="1600"/>
-              <a:t>PivotTable ➮ OK</a:t>
-            </a:r>
-            <a:endParaRPr lang="en-US" sz="1600" dirty="0"/>
+              <a:t>Right click ➮ Report Connections ➮ Choose icon of PivotTable ➮ OK</a:t>
+            </a:r>
           </a:p>
         </p:txBody>
       </p:sp>
